--- a/Diploma/Baseline model.pptx
+++ b/Diploma/Baseline model.pptx
@@ -245,7 +245,7 @@
             <a:spLocks noGrp="1" noChangeArrowheads="1"/>
             <a:extLst>
               <a:ext uri="smNativeData">
-                <pr:smNativeData xmlns:pr="smNativeData" xmlns="smNativeData" val="SMDATA_16_zYh+ZxMAAAAlAAAAZAAAAA8BAAAAkAAAAEgAAACQAAAASAAAAAAAAAABAAAAAAAAAAEAAABQAAAAAAAAAAAA4D8AAAAAAADgPwAAAAAAAOA/AAAAAAAA4D8AAAAAAADgPwAAAAAAAOA/AAAAAAAA4D8AAAAAAADgPwAAAAAAAOA/AAAAAAAA4D8CAAAAjAAAAAAAAAAAAAAAu+DjDP///wgAAAAAAAAAAAAAAAAAAAAAAAAAAAAAAAAAAAAAZAAAAAEAAABAAAAAAAAAAAAAAAAAAAAAAAAAAAAAAAAAAAAAAAAAAAAAAAAAAAAAAAAAAAAAAAAAAAAAAAAAAAAAAAAAAAAAAAAAAAAAAAAAAAAAAAAAAAAAAAAAAAAAFAAAADwAAAAAAAAAAAAAAAAAAAkUAAAAAQAAABQAAAAUAAAAFAAAAAEAAAAAAAAAZAAAAGQAAAAAAAAAZAAAAGQAAAAVAAAAYAAAAAAAAAAAAAAADwAAACADAAAAAAAAAAAAAAEAAACgMgAAVgcAAKr4//8BAAAAf39/AAEAAABkAAAAAAAAABQAAABAHwAAAAAAACYAAAAAAAAAwOD//wAAAAAmAAAAZAAAABYAAABMAAAAAAAAAAAAAAAEAAAAAAAAAAEAAACAgIAKAAAAACgAAAAoAAAAZAAAAGQAAAAAAAAAzMzMAAAAAABQAAAAUAAAAGQAAABkAAAAAAAAABcAAAAUAAAAAAAAAAAAAAD/fwAA/38AAAAAAAAJAAAABAAAAAAAAAAeAAAAaAAAAAAAAAAAAAAAAAAAAAAAAAAAAAAAECcAABAnAAAAAAAAAAAAAAAAAAAAAAAAAAAAAAAAAAAAAAAAAAAAABQAAAAAAAAAwMD/AAAAAABkAAAAMgAAAAAAAABkAAAAAAAAAH9/fwAKAAAAIgAAABgAAAAAAAAAAAAAAAAAAAAAAAAAAAAAAAAAAAAkAAAAJAAAAAAAAAAHAAAAAAAAAAAAAAAAAAAAAAAAAAAAAAAAAAAAf39/ACUAAABYAAAAAAAAAAAAAAAAAAAAAAAAAAAAAAAAAAAAAAAAAAAAAAAAAAAAAAAAAAAAAAA/AAAAAAAAAKCGAQAAAAAAAAAAAAAAAAAMAAAAAQAAAAAAAAAAAAAAAAAAAB8AAABUAAAAAAAABQAAAAEAAAAAAAAAAAAAAAAAAAAAAAAAAAAAAAAAAAAAAAAAAAAAAAJ/f38AAAAAA8zMzADAwP8Af39/AAAAAAAAAAAAAAAAAAAAAAAAAAAAIQAAABgAAAAUAAAAoAUAABoNAABgRQAAJhYAABAAAAAmAAAACAAAAAEAAAAAAAAAMAAAABQAAAAAAAAAAAD//wAAAQAAAP//AAABAA=="/>
+                <pr:smNativeData xmlns:pr="smNativeData" xmlns="smNativeData" val="SMDATA_16_haKDZxMAAAAlAAAAZAAAAA8BAAAAkAAAAEgAAACQAAAASAAAAAAAAAABAAAAAAAAAAEAAABQAAAAAAAAAAAA4D8AAAAAAADgPwAAAAAAAOA/AAAAAAAA4D8AAAAAAADgPwAAAAAAAOA/AAAAAAAA4D8AAAAAAADgPwAAAAAAAOA/AAAAAAAA4D8CAAAAjAAAAAAAAAAAAAAAu+DjDP///wgAAAAAAAAAAAAAAAAAAAAAAAAAAAAAAAAAAAAAZAAAAAEAAABAAAAAAAAAAAAAAAAAAAAAAAAAAAAAAAAAAAAAAAAAAAAAAAAAAAAAAAAAAAAAAAAAAAAAAAAAAAAAAAAAAAAAAAAAAAAAAAAAAAAAAAAAAAAAAAAAAAAAFAAAADwAAAAAAAAAAAAAAAAAAAkUAAAAAQAAABQAAAAUAAAAFAAAAAEAAAAAAAAAZAAAAGQAAAAAAAAAZAAAAGQAAAAVAAAAYAAAAAAAAAAAAAAADwAAACADAAAAAAAAAAAAAAEAAACgMgAAVgcAAKr4//8BAAAAf39/AAEAAABkAAAAAAAAABQAAABAHwAAAAAAACYAAAAAAAAAwOD//wAAAAAmAAAAZAAAABYAAABMAAAAAAAAAAAAAAAEAAAAAAAAAAEAAACAgIAKAAAAACgAAAAoAAAAZAAAAGQAAAAAAAAAzMzMAAAAAABQAAAAUAAAAGQAAABkAAAAAAAAABcAAAAUAAAAAAAAAAAAAAD/fwAA/38AAAAAAAAJAAAABAAAAAAAAAAeAAAAaAAAAAAAAAAAAAAAAAAAAAAAAAAAAAAAECcAABAnAAAAAAAAAAAAAAAAAAAAAAAAAAAAAAAAAAAAAAAAAAAAABQAAAAAAAAAwMD/AAAAAABkAAAAMgAAAAAAAABkAAAAAAAAAH9/fwAKAAAAIgAAABgAAAAAAAAAAAAAAAAAAAAAAAAAAAAAAAAAAAAkAAAAJAAAAAAAAAAHAAAAAAAAAAAAAAAAAAAAAAAAAAAAAAAAAAAAf39/ACUAAABYAAAAAAAAAAAAAAAAAAAAAAAAAAAAAAAAAAAAAAAAAAAAAAAAAAAAAAAAAAAAAAA/AAAAAAAAAKCGAQAAAAAAAAAAAAAAAAAMAAAAAQAAAAAAAAAAAAAAAAAAAB8AAABUAAAAAAAABQAAAAEAAAAAAAAAAAAAAAAAAAAAAAAAAAAAAAAAAAAAAAAAAAAAAAJ/f38AAAAAA8zMzADAwP8Af39/AAAAAAAAAAAAAAAAAAAAAAAAAAAAIQAAABgAAAAUAAAAoAUAABoNAABgRQAAJhYAABAAAAAmAAAACAAAAAEAAAAAAAAAMAAAABQAAAAAAAAAAAD//wAAAQAAAP//AAABAA=="/>
               </a:ext>
             </a:extLst>
           </p:cNvSpPr>
@@ -277,7 +277,7 @@
             <a:spLocks noGrp="1" noChangeArrowheads="1"/>
             <a:extLst>
               <a:ext uri="smNativeData">
-                <pr:smNativeData xmlns:pr="smNativeData" xmlns="smNativeData" val="SMDATA_16_zYh+ZxMAAAAlAAAAZAAAAA8BAAAAkAAAAEgAAACQAAAASAAAAAAAAAAAAAAAAAAAAAEAAABQAAAAAAAAAAAA4D8AAAAAAADgPwAAAAAAAOA/AAAAAAAA4D8AAAAAAADgPwAAAAAAAOA/AAAAAAAA4D8AAAAAAADgPwAAAAAAAOA/AAAAAAAA4D8CAAAAjAAAAAAAAAAAAAAAu+DjDP///wgAAAAAAAAAAAAAAAAAAAAAAAAAAAAAAAAAAAAAZAAAAAEAAABAAAAAAAAAAAAAAAAAAAAAAAAAAAAAAAAAAAAAAAAAAAAAAAAAAAAAAAAAAAAAAAAAAAAAAAAAAAAAAAAAAAAAAAAAAAAAAAAAAAAAAAAAAAAAAAAAAAAAFAAAADwAAAAAAAAAAAAAAAAAAAkUAAAAAQAAABQAAAAUAAAAFAAAAAEAAAAAAAAAZAAAAGQAAAAAAAAAZAAAAGQAAAAVAAAAYAAAAAAAAAAAAAAADwAAACADAAAAAAAAAAAAAAEAAACgMgAAVgcAAKr4//8BAAAAf39/AAEAAABkAAAAAAAAABQAAABAHwAAAAAAACYAAAAAAAAAwOD//wAAAAAmAAAAZAAAABYAAABMAAAAAAAAAAAAAAAEAAAAAAAAAAEAAACAgIAKAAAAACgAAAAoAAAAZAAAAGQAAAAAAAAAzMzMAAAAAABQAAAAUAAAAGQAAABkAAAAAAAAABcAAAAUAAAAAAAAAAAAAAD/fwAA/38AAAAAAAAJAAAABAAAAAAAAAAeAAAAaAAAAAAAAAAAAAAAAAAAAAAAAAAAAAAAECcAABAnAAAAAAAAAAAAAAAAAAAAAAAAAAAAAAAAAAAAAAAAAAAAABQAAAAAAAAAwMD/AAAAAABkAAAAMgAAAAAAAABkAAAAAAAAAH9/fwAKAAAAIgAAABgAAAAAAAAAAAAAAAAAAAAAAAAAAAAAAAAAAAAkAAAAJAAAAAAAAAAHAAAAAAAAAAAAAAAAAAAAAAAAAAAAAAAAAAAAf39/ACUAAABYAAAAAAAAAAAAAAAAAAAAAAAAAAAAAAAAAAAAAAAAAAAAAAAAAAAAAAAAAAAAAAA/AAAAAAAAAKCGAQAAAAAAAAAAAAAAAAAMAAAAAQAAAAAAAAAAAAAAAAAAAB8AAABUAAAAAAAABQAAAAEAAAAAAAAAAAAAAAAAAAAAAAAAAAAAAAAAAAAAAAAAAAAAAAJ/f38AAAAAA8zMzADAwP8Af39/AAAAAAAAAAAAAAAAAAAAAAAAAAAAIQAAABgAAAAUAAAAQAsAAOgXAADAPwAAsCIAABAAAAAmAAAACAAAAAGAAAAAAAAAMAAAABQAAAAAAAAAAAD//wAAAQAAAP//AAABAA=="/>
+                <pr:smNativeData xmlns:pr="smNativeData" xmlns="smNativeData" val="SMDATA_16_haKDZxMAAAAlAAAAZAAAAA8BAAAAkAAAAEgAAACQAAAASAAAAAAAAAAAAAAAAAAAAAEAAABQAAAAAAAAAAAA4D8AAAAAAADgPwAAAAAAAOA/AAAAAAAA4D8AAAAAAADgPwAAAAAAAOA/AAAAAAAA4D8AAAAAAADgPwAAAAAAAOA/AAAAAAAA4D8CAAAAjAAAAAAAAAAAAAAAu+DjDP///wgAAAAAAAAAAAAAAAAAAAAAAAAAAAAAAAAAAAAAZAAAAAEAAABAAAAAAAAAAAAAAAAAAAAAAAAAAAAAAAAAAAAAAAAAAAAAAAAAAAAAAAAAAAAAAAAAAAAAAAAAAAAAAAAAAAAAAAAAAAAAAAAAAAAAAAAAAAAAAAAAAAAAFAAAADwAAAAAAAAAAAAAAAAAAAkUAAAAAQAAABQAAAAUAAAAFAAAAAEAAAAAAAAAZAAAAGQAAAAAAAAAZAAAAGQAAAAVAAAAYAAAAAAAAAAAAAAADwAAACADAAAAAAAAAAAAAAEAAACgMgAAVgcAAKr4//8BAAAAf39/AAEAAABkAAAAAAAAABQAAABAHwAAAAAAACYAAAAAAAAAwOD//wAAAAAmAAAAZAAAABYAAABMAAAAAAAAAAAAAAAEAAAAAAAAAAEAAACAgIAKAAAAACgAAAAoAAAAZAAAAGQAAAAAAAAAzMzMAAAAAABQAAAAUAAAAGQAAABkAAAAAAAAABcAAAAUAAAAAAAAAAAAAAD/fwAA/38AAAAAAAAJAAAABAAAAAAAAAAeAAAAaAAAAAAAAAAAAAAAAAAAAAAAAAAAAAAAECcAABAnAAAAAAAAAAAAAAAAAAAAAAAAAAAAAAAAAAAAAAAAAAAAABQAAAAAAAAAwMD/AAAAAABkAAAAMgAAAAAAAABkAAAAAAAAAH9/fwAKAAAAIgAAABgAAAAAAAAAAAAAAAAAAAAAAAAAAAAAAAAAAAAkAAAAJAAAAAAAAAAHAAAAAAAAAAAAAAAAAAAAAAAAAAAAAAAAAAAAf39/ACUAAABYAAAAAAAAAAAAAAAAAAAAAAAAAAAAAAAAAAAAAAAAAAAAAAAAAAAAAAAAAAAAAAA/AAAAAAAAAKCGAQAAAAAAAAAAAAAAAAAMAAAAAQAAAAAAAAAAAAAAAAAAAB8AAABUAAAAAAAABQAAAAEAAAAAAAAAAAAAAAAAAAAAAAAAAAAAAAAAAAAAAAAAAAAAAAJ/f38AAAAAA8zMzADAwP8Af39/AAAAAAAAAAAAAAAAAAAAAAAAAAAAIQAAABgAAAAUAAAAQAsAAOgXAADAPwAAsCIAABAAAAAmAAAACAAAAAGAAAAAAAAAMAAAABQAAAAAAAAAAAD//wAAAQAAAP//AAABAA=="/>
               </a:ext>
             </a:extLst>
           </p:cNvSpPr>
@@ -337,7 +337,7 @@
             <a:spLocks noGrp="1" noChangeArrowheads="1"/>
             <a:extLst>
               <a:ext uri="smNativeData">
-                <pr:smNativeData xmlns:pr="smNativeData" xmlns="smNativeData" val="SMDATA_16_zYh+ZxMAAAAlAAAAZAAAAA8BAAAAkAAAAEgAAACQAAAASAAAAAAAAAABAAAAAAAAAAEAAABQAAAAAAAAAAAA4D8AAAAAAADgPwAAAAAAAOA/AAAAAAAA4D8AAAAAAADgPwAAAAAAAOA/AAAAAAAA4D8AAAAAAADgPwAAAAAAAOA/AAAAAAAA4D8CAAAAjAAAAAAAAAAAAAAAu+DjDP///wgAAAAAAAAAAAAAAAAAAAAAAAAAAAAAAAAAAAAAZAAAAAEAAABAAAAAAAAAAAAAAAAAAAAAAAAAAAAAAAAAAAAAAAAAAAAAAAAAAAAAAAAAAAAAAAAAAAAAAAAAAAAAAAAAAAAAAAAAAAAAAAAAAAAAAAAAAAAAAAAAAAAAFAAAADwAAAAAAAAAAAAAAAAAAAkUAAAAAQAAABQAAAAUAAAAFAAAAAEAAAAAAAAAZAAAAGQAAAAAAAAAZAAAAGQAAAAVAAAAYAAAAAAAAAAAAAAADwAAACADAAAAAAAAAAAAAAEAAACgMgAAVgcAAKr4//8BAAAAf39/AAEAAABkAAAAAAAAABQAAABAHwAAAAAAACYAAAAAAAAAwOD//wAAAAAmAAAAZAAAABYAAABMAAAAAAAAAAAAAAAEAAAAAAAAAAEAAACAgIAKAAAAACgAAAAoAAAAZAAAAGQAAAAAAAAAzMzMAAAAAABQAAAAUAAAAGQAAABkAAAAAAAAABcAAAAUAAAAAAAAAAAAAAD/fwAA/38AAAAAAAAJAAAABAAAAAAAAAAeAAAAaAAAAAAAAAAAAAAAAAAAAAAAAAAAAAAAECcAABAnAAAAAAAAAAAAAAAAAAAAAAAAAAAAAAAAAAAAAAAAAAAAABQAAAAAAAAAwMD/AAAAAABkAAAAMgAAAAAAAABkAAAAAAAAAH9/fwAKAAAAIgAAABgAAAAAAAAAAAAAAAAAAAAAAAAAAAAAAAAAAAAkAAAAJAAAAAAAAAAHAAAAAAAAAAAAAAAAAAAAAAAAAAAAAAAAAAAAf39/ACUAAABYAAAAAAAAAAAAAAAAAAAAAAAAAAAAAAAAAAAAAAAAAAAAAAAAAAAAAAAAAAAAAAA/AAAAAAAAAKCGAQAAAAAAAAAAAAAAAAAMAAAAAQAAAAAAAAAAAAAAAAAAAB8AAABUAAAAAAAABQAAAAEAAAAAAAAAAAAAAAAAAAAAAAAAAAAAAAAAAAAAAAAAAAAAAAJ/f38AAAAAA8zMzADAwP8Af39/AAAAAAAAAAAAAAAAAAAAAAAAAAAAIQAAABgAAAAUAAAAwAMAABsnAAA/FQAAWSkAABAAAAAmAAAACAAAAAAAAAAAAAAAMAAAABQAAAAAAAAAAAD//wAAAQAAAP//AAABAA=="/>
+                <pr:smNativeData xmlns:pr="smNativeData" xmlns="smNativeData" val="SMDATA_16_haKDZxMAAAAlAAAAZAAAAA8BAAAAkAAAAEgAAACQAAAASAAAAAAAAAABAAAAAAAAAAEAAABQAAAAAAAAAAAA4D8AAAAAAADgPwAAAAAAAOA/AAAAAAAA4D8AAAAAAADgPwAAAAAAAOA/AAAAAAAA4D8AAAAAAADgPwAAAAAAAOA/AAAAAAAA4D8CAAAAjAAAAAAAAAAAAAAAu+DjDP///wgAAAAAAAAAAAAAAAAAAAAAAAAAAAAAAAAAAAAAZAAAAAEAAABAAAAAAAAAAAAAAAAAAAAAAAAAAAAAAAAAAAAAAAAAAAAAAAAAAAAAAAAAAAAAAAAAAAAAAAAAAAAAAAAAAAAAAAAAAAAAAAAAAAAAAAAAAAAAAAAAAAAAFAAAADwAAAAAAAAAAAAAAAAAAAkUAAAAAQAAABQAAAAUAAAAFAAAAAEAAAAAAAAAZAAAAGQAAAAAAAAAZAAAAGQAAAAVAAAAYAAAAAAAAAAAAAAADwAAACADAAAAAAAAAAAAAAEAAACgMgAAVgcAAKr4//8BAAAAf39/AAEAAABkAAAAAAAAABQAAABAHwAAAAAAACYAAAAAAAAAwOD//wAAAAAmAAAAZAAAABYAAABMAAAAAAAAAAAAAAAEAAAAAAAAAAEAAACAgIAKAAAAACgAAAAoAAAAZAAAAGQAAAAAAAAAzMzMAAAAAABQAAAAUAAAAGQAAABkAAAAAAAAABcAAAAUAAAAAAAAAAAAAAD/fwAA/38AAAAAAAAJAAAABAAAAAAAAAAeAAAAaAAAAAAAAAAAAAAAAAAAAAAAAAAAAAAAECcAABAnAAAAAAAAAAAAAAAAAAAAAAAAAAAAAAAAAAAAAAAAAAAAABQAAAAAAAAAwMD/AAAAAABkAAAAMgAAAAAAAABkAAAAAAAAAH9/fwAKAAAAIgAAABgAAAAAAAAAAAAAAAAAAAAAAAAAAAAAAAAAAAAkAAAAJAAAAAAAAAAHAAAAAAAAAAAAAAAAAAAAAAAAAAAAAAAAAAAAf39/ACUAAABYAAAAAAAAAAAAAAAAAAAAAAAAAAAAAAAAAAAAAAAAAAAAAAAAAAAAAAAAAAAAAAA/AAAAAAAAAKCGAQAAAAAAAAAAAAAAAAAMAAAAAQAAAAAAAAAAAAAAAAAAAB8AAABUAAAAAAAABQAAAAEAAAAAAAAAAAAAAAAAAAAAAAAAAAAAAAAAAAAAAAAAAAAAAAJ/f38AAAAAA8zMzADAwP8Af39/AAAAAAAAAAAAAAAAAAAAAAAAAAAAIQAAABgAAAAUAAAAwAMAABsnAAA/FQAAWSkAABAAAAAmAAAACAAAAAAAAAAAAAAAMAAAABQAAAAAAAAAAAD//wAAAQAAAP//AAABAA=="/>
               </a:ext>
             </a:extLst>
           </p:cNvSpPr>
@@ -351,7 +351,7 @@
           <a:lstStyle/>
           <a:p>
             <a:pPr/>
-            <a:fld id="{3F8C73C7-89D2-D985-9C34-7FD03D7A6A2A}" type="datetime1">
+            <a:fld id="{3F5940DC-92D2-0CB6-9CE1-64E30EAF6A31}" type="datetime1">
               <a:t/>
             </a:fld>
           </a:p>
@@ -364,7 +364,7 @@
             <a:spLocks noGrp="1" noChangeArrowheads="1"/>
             <a:extLst>
               <a:ext uri="smNativeData">
-                <pr:smNativeData xmlns:pr="smNativeData" xmlns="smNativeData" val="SMDATA_16_zYh+ZxMAAAAlAAAAZAAAAA8BAAAAkAAAAEgAAACQAAAASAAAAAAAAAABAAAAAAAAAAEAAABQAAAAAAAAAAAA4D8AAAAAAADgPwAAAAAAAOA/AAAAAAAA4D8AAAAAAADgPwAAAAAAAOA/AAAAAAAA4D8AAAAAAADgPwAAAAAAAOA/AAAAAAAA4D8CAAAAjAAAAAAAAAAAAAAAu+DjDP///wgAAAAAAAAAAAAAAAAAAAAAAAAAAAAAAAAAAAAAZAAAAAEAAABAAAAAAAAAAAAAAAAAAAAAAAAAAAAAAAAAAAAAAAAAAAAAAAAAAAAAAAAAAAAAAAAAAAAAAAAAAAAAAAAAAAAAAAAAAAAAAAAAAAAAAAAAAAAAAAAAAAAAFAAAADwAAAAAAAAAAAAAAAAAAAkUAAAAAQAAABQAAAAUAAAAFAAAAAEAAAAAAAAAZAAAAGQAAAAAAAAAZAAAAGQAAAAVAAAAYAAAAAAAAAAAAAAADwAAACADAAAAAAAAAAAAAAEAAACgMgAAVgcAAKr4//8BAAAAf39/AAEAAABkAAAAAAAAABQAAABAHwAAAAAAACYAAAAAAAAAwOD//wAAAAAmAAAAZAAAABYAAABMAAAAAAAAAAAAAAAEAAAAAAAAAAEAAACAgIAKAAAAACgAAAAoAAAAZAAAAGQAAAAAAAAAzMzMAAAAAABQAAAAUAAAAGQAAABkAAAAAAAAABcAAAAUAAAAAAAAAAAAAAD/fwAA/38AAAAAAAAJAAAABAAAAAAAAAAeAAAAaAAAAAAAAAAAAAAAAAAAAAAAAAAAAAAAECcAABAnAAAAAAAAAAAAAAAAAAAAAAAAAAAAAAAAAAAAAAAAAAAAABQAAAAAAAAAwMD/AAAAAABkAAAAMgAAAAAAAABkAAAAAAAAAH9/fwAKAAAAIgAAABgAAAAAAAAAAAAAAAAAAAAAAAAAAAAAAAAAAAAkAAAAJAAAAAAAAAAHAAAAAAAAAAAAAAAAAAAAAAAAAAAAAAAAAAAAf39/ACUAAABYAAAAAAAAAAAAAAAAAAAAAAAAAAAAAAAAAAAAAAAAAAAAAAAAAAAAAAAAAAAAAAA/AAAAAAAAAKCGAQAAAAAAAAAAAAAAAAAMAAAAAQAAAAAAAAAAAAAAAAAAAB8AAABUAAAAAAAABQAAAAEAAAAAAAAAAAAAAAAAAAAAAAAAAAAAAAAAAAAAAAAAAAAAAAJ/f38AAAAAA8zMzADAwP8Af39/AAAAAAAAAAAAAAAAAAAAAAAAAAAAIQAAABgAAAAUAAAAoRkAABsnAABfMQAAWSkAABAAAAAmAAAACAAAAAAAAAAAAAAAMAAAABQAAAAAAAAAAAD//wAAAQAAAP//AAABAA=="/>
+                <pr:smNativeData xmlns:pr="smNativeData" xmlns="smNativeData" val="SMDATA_16_haKDZxMAAAAlAAAAZAAAAA8BAAAAkAAAAEgAAACQAAAASAAAAAAAAAABAAAAAAAAAAEAAABQAAAAAAAAAAAA4D8AAAAAAADgPwAAAAAAAOA/AAAAAAAA4D8AAAAAAADgPwAAAAAAAOA/AAAAAAAA4D8AAAAAAADgPwAAAAAAAOA/AAAAAAAA4D8CAAAAjAAAAAAAAAAAAAAAu+DjDP///wgAAAAAAAAAAAAAAAAAAAAAAAAAAAAAAAAAAAAAZAAAAAEAAABAAAAAAAAAAAAAAAAAAAAAAAAAAAAAAAAAAAAAAAAAAAAAAAAAAAAAAAAAAAAAAAAAAAAAAAAAAAAAAAAAAAAAAAAAAAAAAAAAAAAAAAAAAAAAAAAAAAAAFAAAADwAAAAAAAAAAAAAAAAAAAkUAAAAAQAAABQAAAAUAAAAFAAAAAEAAAAAAAAAZAAAAGQAAAAAAAAAZAAAAGQAAAAVAAAAYAAAAAAAAAAAAAAADwAAACADAAAAAAAAAAAAAAEAAACgMgAAVgcAAKr4//8BAAAAf39/AAEAAABkAAAAAAAAABQAAABAHwAAAAAAACYAAAAAAAAAwOD//wAAAAAmAAAAZAAAABYAAABMAAAAAAAAAAAAAAAEAAAAAAAAAAEAAACAgIAKAAAAACgAAAAoAAAAZAAAAGQAAAAAAAAAzMzMAAAAAABQAAAAUAAAAGQAAABkAAAAAAAAABcAAAAUAAAAAAAAAAAAAAD/fwAA/38AAAAAAAAJAAAABAAAAAAAAAAeAAAAaAAAAAAAAAAAAAAAAAAAAAAAAAAAAAAAECcAABAnAAAAAAAAAAAAAAAAAAAAAAAAAAAAAAAAAAAAAAAAAAAAABQAAAAAAAAAwMD/AAAAAABkAAAAMgAAAAAAAABkAAAAAAAAAH9/fwAKAAAAIgAAABgAAAAAAAAAAAAAAAAAAAAAAAAAAAAAAAAAAAAkAAAAJAAAAAAAAAAHAAAAAAAAAAAAAAAAAAAAAAAAAAAAAAAAAAAAf39/ACUAAABYAAAAAAAAAAAAAAAAAAAAAAAAAAAAAAAAAAAAAAAAAAAAAAAAAAAAAAAAAAAAAAA/AAAAAAAAAKCGAQAAAAAAAAAAAAAAAAAMAAAAAQAAAAAAAAAAAAAAAAAAAB8AAABUAAAAAAAABQAAAAEAAAAAAAAAAAAAAAAAAAAAAAAAAAAAAAAAAAAAAAAAAAAAAAJ/f38AAAAAA8zMzADAwP8Af39/AAAAAAAAAAAAAAAAAAAAAAAAAAAAIQAAABgAAAAUAAAAoRkAABsnAABfMQAAWSkAABAAAAAmAAAACAAAAAAAAAAAAAAAMAAAABQAAAAAAAAAAAD//wAAAQAAAP//AAABAA=="/>
               </a:ext>
             </a:extLst>
           </p:cNvSpPr>
@@ -388,7 +388,7 @@
             <a:spLocks noGrp="1" noChangeArrowheads="1"/>
             <a:extLst>
               <a:ext uri="smNativeData">
-                <pr:smNativeData xmlns:pr="smNativeData" xmlns="smNativeData" val="SMDATA_16_zYh+ZxMAAAAlAAAAZAAAAA8BAAAAkAAAAEgAAACQAAAASAAAAAAAAAABAAAAAAAAAAEAAABQAAAAAAAAAAAA4D8AAAAAAADgPwAAAAAAAOA/AAAAAAAA4D8AAAAAAADgPwAAAAAAAOA/AAAAAAAA4D8AAAAAAADgPwAAAAAAAOA/AAAAAAAA4D8CAAAAjAAAAAAAAAAAAAAAu+DjDP///wgAAAAAAAAAAAAAAAAAAAAAAAAAAAAAAAAAAAAAZAAAAAEAAABAAAAAAAAAAAAAAAAAAAAAAAAAAAAAAAAAAAAAAAAAAAAAAAAAAAAAAAAAAAAAAAAAAAAAAAAAAAAAAAAAAAAAAAAAAAAAAAAAAAAAAAAAAAAAAAAAAAAAFAAAADwAAAAAAAAAAAAAAAAAAAkUAAAAAQAAABQAAAAUAAAAFAAAAAEAAAAAAAAAZAAAAGQAAAAAAAAAZAAAAGQAAAAVAAAAYAAAAAAAAAAAAAAADwAAACADAAAAAAAAAAAAAAEAAACgMgAAVgcAAKr4//8BAAAAf39/AAEAAABkAAAAAAAAABQAAABAHwAAAAAAACYAAAAAAAAAwOD//wAAAAAmAAAAZAAAABYAAABMAAAAAAAAAAAAAAAEAAAAAAAAAAEAAACAgIAKAAAAACgAAAAoAAAAZAAAAGQAAAAAAAAAzMzMAAAAAABQAAAAUAAAAGQAAABkAAAAAAAAABcAAAAUAAAAAAAAAAAAAAD/fwAA/38AAAAAAAAJAAAABAAAAHsAfAAeAAAAaAAAAAAAAAAAAAAAAAAAAAAAAAAAAAAAECcAABAnAAAAAAAAAAAAAAAAAAAAAAAAAAAAAAAAAAAAAAAAAAAAABQAAAAAAAAAwMD/AAAAAABkAAAAMgAAAAAAAABkAAAAAAAAAH9/fwAKAAAAIgAAABgAAAAAAAAAAAAAAAAAAAAAAAAAAAAAAAAAAAAkAAAAJAAAAAAAAAAHAAAAAAAAAAAAAAAAAAAAAAAAAAAAAAAAAAAAf39/ACUAAABYAAAAAAAAAAAAAAAAAAAAAAAAAAAAAAAAAAAAAAAAAAAAAAAAAAAAAAAAAAAAAAA/AAAAAAAAAKCGAQAAAAAAAAAAAAAAAAAMAAAAAQAAAAAAAAAAAAAAAAAAAB8AAABUAAAAAAAABQAAAAEAAAAAAAAAAAAAAAAAAAAAAAAAAAAAAAAAAAAAAAAAAAAAAAJ/f38AAAAAA8zMzADAwP8Af39/AAAAAAAAAAAAAAAAAAAAAAAAAAAAIQAAABgAAAAUAAAAwTUAABsnAABARwAAWSkAABAAAAAmAAAACAAAAAAAAAAAAAAAMAAAABQAAAAAAAAAAAD//wAAAQAAAP//AAABAA=="/>
+                <pr:smNativeData xmlns:pr="smNativeData" xmlns="smNativeData" val="SMDATA_16_haKDZxMAAAAlAAAAZAAAAA8BAAAAkAAAAEgAAACQAAAASAAAAAAAAAABAAAAAAAAAAEAAABQAAAAAAAAAAAA4D8AAAAAAADgPwAAAAAAAOA/AAAAAAAA4D8AAAAAAADgPwAAAAAAAOA/AAAAAAAA4D8AAAAAAADgPwAAAAAAAOA/AAAAAAAA4D8CAAAAjAAAAAAAAAAAAAAAu+DjDP///wgAAAAAAAAAAAAAAAAAAAAAAAAAAAAAAAAAAAAAZAAAAAEAAABAAAAAAAAAAAAAAAAAAAAAAAAAAAAAAAAAAAAAAAAAAAAAAAAAAAAAAAAAAAAAAAAAAAAAAAAAAAAAAAAAAAAAAAAAAAAAAAAAAAAAAAAAAAAAAAAAAAAAFAAAADwAAAAAAAAAAAAAAAAAAAkUAAAAAQAAABQAAAAUAAAAFAAAAAEAAAAAAAAAZAAAAGQAAAAAAAAAZAAAAGQAAAAVAAAAYAAAAAAAAAAAAAAADwAAACADAAAAAAAAAAAAAAEAAACgMgAAVgcAAKr4//8BAAAAf39/AAEAAABkAAAAAAAAABQAAABAHwAAAAAAACYAAAAAAAAAwOD//wAAAAAmAAAAZAAAABYAAABMAAAAAAAAAAAAAAAEAAAAAAAAAAEAAACAgIAKAAAAACgAAAAoAAAAZAAAAGQAAAAAAAAAzMzMAAAAAABQAAAAUAAAAGQAAABkAAAAAAAAABcAAAAUAAAAAAAAAAAAAAD/fwAA/38AAAAAAAAJAAAABAAAAHsAfAAeAAAAaAAAAAAAAAAAAAAAAAAAAAAAAAAAAAAAECcAABAnAAAAAAAAAAAAAAAAAAAAAAAAAAAAAAAAAAAAAAAAAAAAABQAAAAAAAAAwMD/AAAAAABkAAAAMgAAAAAAAABkAAAAAAAAAH9/fwAKAAAAIgAAABgAAAAAAAAAAAAAAAAAAAAAAAAAAAAAAAAAAAAkAAAAJAAAAAAAAAAHAAAAAAAAAAAAAAAAAAAAAAAAAAAAAAAAAAAAf39/ACUAAABYAAAAAAAAAAAAAAAAAAAAAAAAAAAAAAAAAAAAAAAAAAAAAAAAAAAAAAAAAAAAAAA/AAAAAAAAAKCGAQAAAAAAAAAAAAAAAAAMAAAAAQAAAAAAAAAAAAAAAAAAAB8AAABUAAAAAAAABQAAAAEAAAAAAAAAAAAAAAAAAAAAAAAAAAAAAAAAAAAAAAAAAAAAAAJ/f38AAAAAA8zMzADAwP8Af39/AAAAAAAAAAAAAAAAAAAAAAAAAAAAIQAAABgAAAAUAAAAwTUAABsnAABARwAAWSkAABAAAAAmAAAACAAAAAAAAAAAAAAAMAAAABQAAAAAAAAAAAD//wAAAQAAAP//AAABAA=="/>
               </a:ext>
             </a:extLst>
           </p:cNvSpPr>
@@ -402,7 +402,7 @@
           <a:lstStyle/>
           <a:p>
             <a:pPr/>
-            <a:fld id="{3F8C5559-17D2-D9A3-9C34-E1F61B7A6AB4}" type="slidenum">
+            <a:fld id="{3F595B83-CDD2-0CAD-9CE1-3BF815AF6A6E}" type="slidenum">
               <a:t/>
             </a:fld>
           </a:p>
@@ -441,7 +441,7 @@
             <a:spLocks noGrp="1" noChangeArrowheads="1"/>
             <a:extLst>
               <a:ext uri="smNativeData">
-                <pr:smNativeData xmlns:pr="smNativeData" xmlns="smNativeData" val="SMDATA_16_zYh+ZxMAAAAlAAAAZAAAAA8BAAAAkAAAAEgAAACQAAAASAAAAAAAAAABAAAAAAAAAAEAAABQAAAAAAAAAAAA4D8AAAAAAADgPwAAAAAAAOA/AAAAAAAA4D8AAAAAAADgPwAAAAAAAOA/AAAAAAAA4D8AAAAAAADgPwAAAAAAAOA/AAAAAAAA4D8CAAAAjAAAAAAAAAAAAAAAu+DjDP///wgAAAAAAAAAAAAAAAAAAAAAAAAAAAAAAAAAAAAAZAAAAAEAAABAAAAAAAAAAAAAAAAAAAAAAAAAAAAAAAAAAAAAAAAAAAAAAAAAAAAAAAAAAAAAAAAAAAAAAAAAAAAAAAAAAAAAAAAAAAAAAAAAAAAAAAAAAAAAAAAAAAAAFAAAADwAAAAAAAAAAAAAAAAAAAkUAAAAAQAAABQAAAAUAAAAFAAAAAEAAAAAAAAAZAAAAGQAAAAAAAAAZAAAAGQAAAAVAAAAYAAAAAAAAAAAAAAADwAAACADAAAAAAAAAAAAAAEAAACgMgAAVgcAAKr4//8BAAAAf39/AAEAAABkAAAAAAAAABQAAABAHwAAAAAAACYAAAAAAAAAwOD//wAAAAAmAAAAZAAAABYAAABMAAAAAAAAAAAAAAAEAAAAAAAAAAEAAACAgIAKAAAAACgAAAAoAAAAZAAAAGQAAAAAAAAAzMzMAAAAAABQAAAAUAAAAGQAAABkAAAAAAAAABcAAAAUAAAAAAAAAAAAAAD/fwAA/38AAAAAAAAJAAAABAAAAG49IjEeAAAAaAAAAAAAAAAAAAAAAAAAAAAAAAAAAAAAECcAABAnAAAAAAAAAAAAAAAAAAAAAAAAAAAAAAAAAAAAAAAAAAAAABQAAAAAAAAAwMD/AAAAAABkAAAAMgAAAAAAAABkAAAAAAAAAH9/fwAKAAAAIgAAABgAAAAAAAAAAAAAAAAAAAAAAAAAAAAAAAAAAAAkAAAAJAAAAAAAAAAHAAAAAAAAAAAAAAAAAAAAAAAAAAAAAAAAAAAAf39/ACUAAABYAAAAAAAAAAAAAAAAAAAAAAAAAAAAAAAAAAAAAAAAAAAAAAAAAAAAAAAAAAAAAAA/AAAAAAAAAKCGAQAAAAAAAAAAAAAAAAAMAAAAAQAAAAAAAAAAAAAAAAAAAB8AAABUAAAAAAAABQAAAAEAAAAAAAAAAAAAAAAAAAAAAAAAAAAAAAAAAAAAAAAAAAAAAAJ/f38AAAAAA8zMzADAwP8Af39/AAAAAAAAAAAAAAAAAAAAAAAAAAAAIQAAABgAAAAUAAAAwAMAALABAABARwAAuAgAABAAAAAmAAAACAAAAAAAAAAAAAAAMAAAABQAAAAAAAAAAAD//wAAAQAAAP//AAABAA=="/>
+                <pr:smNativeData xmlns:pr="smNativeData" xmlns="smNativeData" val="SMDATA_16_haKDZxMAAAAlAAAAZAAAAA8BAAAAkAAAAEgAAACQAAAASAAAAAAAAAABAAAAAAAAAAEAAABQAAAAAAAAAAAA4D8AAAAAAADgPwAAAAAAAOA/AAAAAAAA4D8AAAAAAADgPwAAAAAAAOA/AAAAAAAA4D8AAAAAAADgPwAAAAAAAOA/AAAAAAAA4D8CAAAAjAAAAAAAAAAAAAAAu+DjDP///wgAAAAAAAAAAAAAAAAAAAAAAAAAAAAAAAAAAAAAZAAAAAEAAABAAAAAAAAAAAAAAAAAAAAAAAAAAAAAAAAAAAAAAAAAAAAAAAAAAAAAAAAAAAAAAAAAAAAAAAAAAAAAAAAAAAAAAAAAAAAAAAAAAAAAAAAAAAAAAAAAAAAAFAAAADwAAAAAAAAAAAAAAAAAAAkUAAAAAQAAABQAAAAUAAAAFAAAAAEAAAAAAAAAZAAAAGQAAAAAAAAAZAAAAGQAAAAVAAAAYAAAAAAAAAAAAAAADwAAACADAAAAAAAAAAAAAAEAAACgMgAAVgcAAKr4//8BAAAAf39/AAEAAABkAAAAAAAAABQAAABAHwAAAAAAACYAAAAAAAAAwOD//wAAAAAmAAAAZAAAABYAAABMAAAAAAAAAAAAAAAEAAAAAAAAAAEAAACAgIAKAAAAACgAAAAoAAAAZAAAAGQAAAAAAAAAzMzMAAAAAABQAAAAUAAAAGQAAABkAAAAAAAAABcAAAAUAAAAAAAAAAAAAAD/fwAA/38AAAAAAAAJAAAABAAAAG49IjEeAAAAaAAAAAAAAAAAAAAAAAAAAAAAAAAAAAAAECcAABAnAAAAAAAAAAAAAAAAAAAAAAAAAAAAAAAAAAAAAAAAAAAAABQAAAAAAAAAwMD/AAAAAABkAAAAMgAAAAAAAABkAAAAAAAAAH9/fwAKAAAAIgAAABgAAAAAAAAAAAAAAAAAAAAAAAAAAAAAAAAAAAAkAAAAJAAAAAAAAAAHAAAAAAAAAAAAAAAAAAAAAAAAAAAAAAAAAAAAf39/ACUAAABYAAAAAAAAAAAAAAAAAAAAAAAAAAAAAAAAAAAAAAAAAAAAAAAAAAAAAAAAAAAAAAA/AAAAAAAAAKCGAQAAAAAAAAAAAAAAAAAMAAAAAQAAAAAAAAAAAAAAAAAAAB8AAABUAAAAAAAABQAAAAEAAAAAAAAAAAAAAAAAAAAAAAAAAAAAAAAAAAAAAAAAAAAAAAJ/f38AAAAAA8zMzADAwP8Af39/AAAAAAAAAAAAAAAAAAAAAAAAAAAAIQAAABgAAAAUAAAAwAMAALABAABARwAAuAgAABAAAAAmAAAACAAAAAAAAAAAAAAAMAAAABQAAAAAAAAAAAD//wAAAQAAAP//AAABAA=="/>
               </a:ext>
             </a:extLst>
           </p:cNvSpPr>
@@ -468,7 +468,7 @@
             <a:spLocks noGrp="1" noChangeArrowheads="1"/>
             <a:extLst>
               <a:ext uri="smNativeData">
-                <pr:smNativeData xmlns:pr="smNativeData" xmlns="smNativeData" val="SMDATA_16_zYh+ZxMAAAAlAAAAZAAAAA8BAAAAkAAAAEgAAACQAAAASAAAAAAAAAAAAAAAAQAAAAEAAABQAAAAAAAAAAAA4D8AAAAAAADgPwAAAAAAAOA/AAAAAAAA4D8AAAAAAADgPwAAAAAAAOA/AAAAAAAA4D8AAAAAAADgPwAAAAAAAOA/AAAAAAAA4D8CAAAAjAAAAAAAAAAAAAAAu+DjDP///wgAAAAAAAAAAAAAAAAAAAAAAAAAAAAAAAAAAAAAZAAAAAEAAABAAAAAAAAAAAAAAAAAAAAAAAAAAAAAAAAAAAAAAAAAAAAAAAAAAAAAAAAAAAAAAAAAAAAAAAAAAAAAAAAAAAAAAAAAAAAAAAAAAAAAAAAAAAAAAAAAAAAAFAAAADwAAAAAAAAAAAAAAAAAAAkUAAAAAQAAABQAAAAUAAAAFAAAAAEAAAAAAAAAZAAAAGQAAAAAAAAAZAAAAGQAAAAVAAAAYAAAAAAAAAAAAAAADwAAACADAAAAAAAAAAAAAAEAAACgMgAAVgcAAKr4//8BAAAAf39/AAEAAABkAAAAAAAAABQAAABAHwAAAAAAACYAAAAAAAAAwOD//wAAAAAmAAAAZAAAABYAAABMAAAAAAAAAAAAAAAEAAAAAAAAAAEAAACAgIAKAAAAACgAAAAoAAAAZAAAAGQAAAAAAAAAzMzMAAAAAABQAAAAUAAAAGQAAABkAAAAAAAAABcAAAAUAAAAAAAAAAAAAAD/fwAA/38AAAAAAAAJAAAABAAAAAAAAAAeAAAAaAAAAAAAAAAAAAAAAAAAAAAAAAAAAAAAECcAABAnAAAAAAAAAAAAAAAAAAAAAAAAAAAAAAAAAAAAAAAAAAAAABQAAAAAAAAAwMD/AAAAAABkAAAAMgAAAAAAAABkAAAAAAAAAH9/fwAKAAAAIgAAABgAAAAAAAAAAAAAAAAAAAAAAAAAAAAAAAAAAAAkAAAAJAAAAAAAAAAHAAAAAAAAAAAAAAAAAAAAAAAAAAAAAAAAAAAAf39/ACUAAABYAAAAAAAAAAAAAAAAAAAAAAAAAAAAAAAAAAAAAAAAAAAAAAAAAAAAAAAAAAAAAAA/AAAAAAAAAKCGAQAAAAAAAAAAAAAAAAAMAAAAAQAAAAAAAAAAAAAAAAAAAB8AAABUAAAAAAAABQAAAAEAAAAAAAAAAAAAAAAAAAAAAAAAAAAAAAAAAAAAAAAAAAAAAAJ/f38AAAAAA8zMzADAwP8Af39/AAAAAAAAAAAAAAAAAAAAAAAAAAAAIQAAABgAAAAUAAAAwAMAANgJAABARwAAsCUAABAAAAAmAAAACAAAAAIAAAAAAAAAMAAAABQAAAAAAAAAAAD//wAAAQAAAP//AAABAA=="/>
+                <pr:smNativeData xmlns:pr="smNativeData" xmlns="smNativeData" val="SMDATA_16_haKDZxMAAAAlAAAAZAAAAA8BAAAAkAAAAEgAAACQAAAASAAAAAAAAAAAAAAAAQAAAAEAAABQAAAAAAAAAAAA4D8AAAAAAADgPwAAAAAAAOA/AAAAAAAA4D8AAAAAAADgPwAAAAAAAOA/AAAAAAAA4D8AAAAAAADgPwAAAAAAAOA/AAAAAAAA4D8CAAAAjAAAAAAAAAAAAAAAu+DjDP///wgAAAAAAAAAAAAAAAAAAAAAAAAAAAAAAAAAAAAAZAAAAAEAAABAAAAAAAAAAAAAAAAAAAAAAAAAAAAAAAAAAAAAAAAAAAAAAAAAAAAAAAAAAAAAAAAAAAAAAAAAAAAAAAAAAAAAAAAAAAAAAAAAAAAAAAAAAAAAAAAAAAAAFAAAADwAAAAAAAAAAAAAAAAAAAkUAAAAAQAAABQAAAAUAAAAFAAAAAEAAAAAAAAAZAAAAGQAAAAAAAAAZAAAAGQAAAAVAAAAYAAAAAAAAAAAAAAADwAAACADAAAAAAAAAAAAAAEAAACgMgAAVgcAAKr4//8BAAAAf39/AAEAAABkAAAAAAAAABQAAABAHwAAAAAAACYAAAAAAAAAwOD//wAAAAAmAAAAZAAAABYAAABMAAAAAAAAAAAAAAAEAAAAAAAAAAEAAACAgIAKAAAAACgAAAAoAAAAZAAAAGQAAAAAAAAAzMzMAAAAAABQAAAAUAAAAGQAAABkAAAAAAAAABcAAAAUAAAAAAAAAAAAAAD/fwAA/38AAAAAAAAJAAAABAAAAAAAAAAeAAAAaAAAAAAAAAAAAAAAAAAAAAAAAAAAAAAAECcAABAnAAAAAAAAAAAAAAAAAAAAAAAAAAAAAAAAAAAAAAAAAAAAABQAAAAAAAAAwMD/AAAAAABkAAAAMgAAAAAAAABkAAAAAAAAAH9/fwAKAAAAIgAAABgAAAAAAAAAAAAAAAAAAAAAAAAAAAAAAAAAAAAkAAAAJAAAAAAAAAAHAAAAAAAAAAAAAAAAAAAAAAAAAAAAAAAAAAAAf39/ACUAAABYAAAAAAAAAAAAAAAAAAAAAAAAAAAAAAAAAAAAAAAAAAAAAAAAAAAAAAAAAAAAAAA/AAAAAAAAAKCGAQAAAAAAAAAAAAAAAAAMAAAAAQAAAAAAAAAAAAAAAAAAAB8AAABUAAAAAAAABQAAAAEAAAAAAAAAAAAAAAAAAAAAAAAAAAAAAAAAAAAAAAAAAAAAAAJ/f38AAAAAA8zMzADAwP8Af39/AAAAAAAAAAAAAAAAAAAAAAAAAAAAIQAAABgAAAAUAAAAwAMAANgJAABARwAAsCUAABAAAAAmAAAACAAAAAIAAAAAAAAAMAAAABQAAAAAAAAAAAD//wAAAQAAAP//AAABAA=="/>
               </a:ext>
             </a:extLst>
           </p:cNvSpPr>
@@ -523,7 +523,7 @@
             <a:spLocks noGrp="1" noChangeArrowheads="1"/>
             <a:extLst>
               <a:ext uri="smNativeData">
-                <pr:smNativeData xmlns:pr="smNativeData" xmlns="smNativeData" val="SMDATA_16_zYh+ZxMAAAAlAAAAZAAAAA8BAAAAkAAAAEgAAACQAAAASAAAAAAAAAABAAAAAAAAAAEAAABQAAAAAAAAAAAA4D8AAAAAAADgPwAAAAAAAOA/AAAAAAAA4D8AAAAAAADgPwAAAAAAAOA/AAAAAAAA4D8AAAAAAADgPwAAAAAAAOA/AAAAAAAA4D8CAAAAjAAAAAAAAAAAAAAAu+DjDP///wgAAAAAAAAAAAAAAAAAAAAAAAAAAAAAAAAAAAAAZAAAAAEAAABAAAAAAAAAAAAAAAAAAAAAAAAAAAAAAAAAAAAAAAAAAAAAAAAAAAAAAAAAAAAAAAAAAAAAAAAAAAAAAAAAAAAAAAAAAAAAAAAAAAAAAAAAAAAAAAAAAAAAFAAAADwAAAAAAAAAAAAAAAAAAAkUAAAAAQAAABQAAAAUAAAAFAAAAAEAAAAAAAAAZAAAAGQAAAAAAAAAZAAAAGQAAAAVAAAAYAAAAAAAAAAAAAAADwAAACADAAAAAAAAAAAAAAEAAACgMgAAVgcAAKr4//8BAAAAf39/AAEAAABkAAAAAAAAABQAAABAHwAAAAAAACYAAAAAAAAAwOD//wAAAAAmAAAAZAAAABYAAABMAAAAAAAAAAAAAAAEAAAAAAAAAAEAAACAgIAKAAAAACgAAAAoAAAAZAAAAGQAAAAAAAAAzMzMAAAAAABQAAAAUAAAAGQAAABkAAAAAAAAABcAAAAUAAAAAAAAAAAAAAD/fwAA/38AAAAAAAAJAAAABAAAAAAAAAAeAAAAaAAAAAAAAAAAAAAAAAAAAAAAAAAAAAAAECcAABAnAAAAAAAAAAAAAAAAAAAAAAAAAAAAAAAAAAAAAAAAAAAAABQAAAAAAAAAwMD/AAAAAABkAAAAMgAAAAAAAABkAAAAAAAAAH9/fwAKAAAAIgAAABgAAAAAAAAAAAAAAAAAAAAAAAAAAAAAAAAAAAAkAAAAJAAAAAAAAAAHAAAAAAAAAAAAAAAAAAAAAAAAAAAAAAAAAAAAf39/ACUAAABYAAAAAAAAAAAAAAAAAAAAAAAAAAAAAAAAAAAAAAAAAAAAAAAAAAAAAAAAAAAAAAA/AAAAAAAAAKCGAQAAAAAAAAAAAAAAAAAMAAAAAQAAAAAAAAAAAAAAAAAAAB8AAABUAAAAAAAABQAAAAEAAAAAAAAAAAAAAAAAAAAAAAAAAAAAAAAAAAAAAAAAAAAAAAJ/f38AAAAAA8zMzADAwP8Af39/AAAAAAAAAAAAAAAAAAAAAAAAAAAAIQAAABgAAAAUAAAAwAMAABsnAAA/FQAAWSkAABAAAAAmAAAACAAAAAAAAAAAAAAAMAAAABQAAAAAAAAAAAD//wAAAQAAAP//AAABAA=="/>
+                <pr:smNativeData xmlns:pr="smNativeData" xmlns="smNativeData" val="SMDATA_16_haKDZxMAAAAlAAAAZAAAAA8BAAAAkAAAAEgAAACQAAAASAAAAAAAAAABAAAAAAAAAAEAAABQAAAAAAAAAAAA4D8AAAAAAADgPwAAAAAAAOA/AAAAAAAA4D8AAAAAAADgPwAAAAAAAOA/AAAAAAAA4D8AAAAAAADgPwAAAAAAAOA/AAAAAAAA4D8CAAAAjAAAAAAAAAAAAAAAu+DjDP///wgAAAAAAAAAAAAAAAAAAAAAAAAAAAAAAAAAAAAAZAAAAAEAAABAAAAAAAAAAAAAAAAAAAAAAAAAAAAAAAAAAAAAAAAAAAAAAAAAAAAAAAAAAAAAAAAAAAAAAAAAAAAAAAAAAAAAAAAAAAAAAAAAAAAAAAAAAAAAAAAAAAAAFAAAADwAAAAAAAAAAAAAAAAAAAkUAAAAAQAAABQAAAAUAAAAFAAAAAEAAAAAAAAAZAAAAGQAAAAAAAAAZAAAAGQAAAAVAAAAYAAAAAAAAAAAAAAADwAAACADAAAAAAAAAAAAAAEAAACgMgAAVgcAAKr4//8BAAAAf39/AAEAAABkAAAAAAAAABQAAABAHwAAAAAAACYAAAAAAAAAwOD//wAAAAAmAAAAZAAAABYAAABMAAAAAAAAAAAAAAAEAAAAAAAAAAEAAACAgIAKAAAAACgAAAAoAAAAZAAAAGQAAAAAAAAAzMzMAAAAAABQAAAAUAAAAGQAAABkAAAAAAAAABcAAAAUAAAAAAAAAAAAAAD/fwAA/38AAAAAAAAJAAAABAAAAAAAAAAeAAAAaAAAAAAAAAAAAAAAAAAAAAAAAAAAAAAAECcAABAnAAAAAAAAAAAAAAAAAAAAAAAAAAAAAAAAAAAAAAAAAAAAABQAAAAAAAAAwMD/AAAAAABkAAAAMgAAAAAAAABkAAAAAAAAAH9/fwAKAAAAIgAAABgAAAAAAAAAAAAAAAAAAAAAAAAAAAAAAAAAAAAkAAAAJAAAAAAAAAAHAAAAAAAAAAAAAAAAAAAAAAAAAAAAAAAAAAAAf39/ACUAAABYAAAAAAAAAAAAAAAAAAAAAAAAAAAAAAAAAAAAAAAAAAAAAAAAAAAAAAAAAAAAAAA/AAAAAAAAAKCGAQAAAAAAAAAAAAAAAAAMAAAAAQAAAAAAAAAAAAAAAAAAAB8AAABUAAAAAAAABQAAAAEAAAAAAAAAAAAAAAAAAAAAAAAAAAAAAAAAAAAAAAAAAAAAAAJ/f38AAAAAA8zMzADAwP8Af39/AAAAAAAAAAAAAAAAAAAAAAAAAAAAIQAAABgAAAAUAAAAwAMAABsnAAA/FQAAWSkAABAAAAAmAAAACAAAAAAAAAAAAAAAMAAAABQAAAAAAAAAAAD//wAAAQAAAP//AAABAA=="/>
               </a:ext>
             </a:extLst>
           </p:cNvSpPr>
@@ -537,7 +537,7 @@
           <a:lstStyle/>
           <a:p>
             <a:pPr/>
-            <a:fld id="{3F8C3DC9-87D2-D9CB-9C34-719E737A6A24}" type="datetime1">
+            <a:fld id="{3F5924E4-AAD2-0CD2-9CE1-5C876AAF6A09}" type="datetime1">
               <a:t/>
             </a:fld>
           </a:p>
@@ -550,7 +550,7 @@
             <a:spLocks noGrp="1" noChangeArrowheads="1"/>
             <a:extLst>
               <a:ext uri="smNativeData">
-                <pr:smNativeData xmlns:pr="smNativeData" xmlns="smNativeData" val="SMDATA_16_zYh+ZxMAAAAlAAAAZAAAAA8BAAAAkAAAAEgAAACQAAAASAAAAAAAAAABAAAAAAAAAAEAAABQAAAAAAAAAAAA4D8AAAAAAADgPwAAAAAAAOA/AAAAAAAA4D8AAAAAAADgPwAAAAAAAOA/AAAAAAAA4D8AAAAAAADgPwAAAAAAAOA/AAAAAAAA4D8CAAAAjAAAAAAAAAAAAAAAu+DjDP///wgAAAAAAAAAAAAAAAAAAAAAAAAAAAAAAAAAAAAAZAAAAAEAAABAAAAAAAAAAAAAAAAAAAAAAAAAAAAAAAAAAAAAAAAAAAAAAAAAAAAAAAAAAAAAAAAAAAAAAAAAAAAAAAAAAAAAAAAAAAAAAAAAAAAAAAAAAAAAAAAAAAAAFAAAADwAAAAAAAAAAAAAAAAAAAkUAAAAAQAAABQAAAAUAAAAFAAAAAEAAAAAAAAAZAAAAGQAAAAAAAAAZAAAAGQAAAAVAAAAYAAAAAAAAAAAAAAADwAAACADAAAAAAAAAAAAAAEAAACgMgAAVgcAAKr4//8BAAAAf39/AAEAAABkAAAAAAAAABQAAABAHwAAAAAAACYAAAAAAAAAwOD//wAAAAAmAAAAZAAAABYAAABMAAAAAAAAAAAAAAAEAAAAAAAAAAEAAACAgIAKAAAAACgAAAAoAAAAZAAAAGQAAAAAAAAAzMzMAAAAAABQAAAAUAAAAGQAAABkAAAAAAAAABcAAAAUAAAAAAAAAAAAAAD/fwAA/38AAAAAAAAJAAAABAAAAGE6c3AeAAAAaAAAAAAAAAAAAAAAAAAAAAAAAAAAAAAAECcAABAnAAAAAAAAAAAAAAAAAAAAAAAAAAAAAAAAAAAAAAAAAAAAABQAAAAAAAAAwMD/AAAAAABkAAAAMgAAAAAAAABkAAAAAAAAAH9/fwAKAAAAIgAAABgAAAAAAAAAAAAAAAAAAAAAAAAAAAAAAAAAAAAkAAAAJAAAAAAAAAAHAAAAAAAAAAAAAAAAAAAAAAAAAAAAAAAAAAAAf39/ACUAAABYAAAAAAAAAAAAAAAAAAAAAAAAAAAAAAAAAAAAAAAAAAAAAAAAAAAAAAAAAAAAAAA/AAAAAAAAAKCGAQAAAAAAAAAAAAAAAAAMAAAAAQAAAAAAAAAAAAAAAAAAAB8AAABUAAAAAAAABQAAAAEAAAAAAAAAAAAAAAAAAAAAAAAAAAAAAAAAAAAAAAAAAAAAAAJ/f38AAAAAA8zMzADAwP8Af39/AAAAAAAAAAAAAAAAAAAAAAAAAAAAIQAAABgAAAAUAAAAoRkAABsnAABfMQAAWSkAABAAAAAmAAAACAAAAAAAAAAAAAAAMAAAABQAAAAAAAAAAAD//wAAAQAAAP//AAABAA=="/>
+                <pr:smNativeData xmlns:pr="smNativeData" xmlns="smNativeData" val="SMDATA_16_haKDZxMAAAAlAAAAZAAAAA8BAAAAkAAAAEgAAACQAAAASAAAAAAAAAABAAAAAAAAAAEAAABQAAAAAAAAAAAA4D8AAAAAAADgPwAAAAAAAOA/AAAAAAAA4D8AAAAAAADgPwAAAAAAAOA/AAAAAAAA4D8AAAAAAADgPwAAAAAAAOA/AAAAAAAA4D8CAAAAjAAAAAAAAAAAAAAAu+DjDP///wgAAAAAAAAAAAAAAAAAAAAAAAAAAAAAAAAAAAAAZAAAAAEAAABAAAAAAAAAAAAAAAAAAAAAAAAAAAAAAAAAAAAAAAAAAAAAAAAAAAAAAAAAAAAAAAAAAAAAAAAAAAAAAAAAAAAAAAAAAAAAAAAAAAAAAAAAAAAAAAAAAAAAFAAAADwAAAAAAAAAAAAAAAAAAAkUAAAAAQAAABQAAAAUAAAAFAAAAAEAAAAAAAAAZAAAAGQAAAAAAAAAZAAAAGQAAAAVAAAAYAAAAAAAAAAAAAAADwAAACADAAAAAAAAAAAAAAEAAACgMgAAVgcAAKr4//8BAAAAf39/AAEAAABkAAAAAAAAABQAAABAHwAAAAAAACYAAAAAAAAAwOD//wAAAAAmAAAAZAAAABYAAABMAAAAAAAAAAAAAAAEAAAAAAAAAAEAAACAgIAKAAAAACgAAAAoAAAAZAAAAGQAAAAAAAAAzMzMAAAAAABQAAAAUAAAAGQAAABkAAAAAAAAABcAAAAUAAAAAAAAAAAAAAD/fwAA/38AAAAAAAAJAAAABAAAAGE6c3AeAAAAaAAAAAAAAAAAAAAAAAAAAAAAAAAAAAAAECcAABAnAAAAAAAAAAAAAAAAAAAAAAAAAAAAAAAAAAAAAAAAAAAAABQAAAAAAAAAwMD/AAAAAABkAAAAMgAAAAAAAABkAAAAAAAAAH9/fwAKAAAAIgAAABgAAAAAAAAAAAAAAAAAAAAAAAAAAAAAAAAAAAAkAAAAJAAAAAAAAAAHAAAAAAAAAAAAAAAAAAAAAAAAAAAAAAAAAAAAf39/ACUAAABYAAAAAAAAAAAAAAAAAAAAAAAAAAAAAAAAAAAAAAAAAAAAAAAAAAAAAAAAAAAAAAA/AAAAAAAAAKCGAQAAAAAAAAAAAAAAAAAMAAAAAQAAAAAAAAAAAAAAAAAAAB8AAABUAAAAAAAABQAAAAEAAAAAAAAAAAAAAAAAAAAAAAAAAAAAAAAAAAAAAAAAAAAAAAJ/f38AAAAAA8zMzADAwP8Af39/AAAAAAAAAAAAAAAAAAAAAAAAAAAAIQAAABgAAAAUAAAAoRkAABsnAABfMQAAWSkAABAAAAAmAAAACAAAAAAAAAAAAAAAMAAAABQAAAAAAAAAAAD//wAAAQAAAP//AAABAA=="/>
               </a:ext>
             </a:extLst>
           </p:cNvSpPr>
@@ -574,7 +574,7 @@
             <a:spLocks noGrp="1" noChangeArrowheads="1"/>
             <a:extLst>
               <a:ext uri="smNativeData">
-                <pr:smNativeData xmlns:pr="smNativeData" xmlns="smNativeData" val="SMDATA_16_zYh+ZxMAAAAlAAAAZAAAAA8BAAAAkAAAAEgAAACQAAAASAAAAAAAAAABAAAAAAAAAAEAAABQAAAAAAAAAAAA4D8AAAAAAADgPwAAAAAAAOA/AAAAAAAA4D8AAAAAAADgPwAAAAAAAOA/AAAAAAAA4D8AAAAAAADgPwAAAAAAAOA/AAAAAAAA4D8CAAAAjAAAAAAAAAAAAAAAu+DjDP///wgAAAAAAAAAAAAAAAAAAAAAAAAAAAAAAAAAAAAAZAAAAAEAAABAAAAAAAAAAAAAAAAAAAAAAAAAAAAAAAAAAAAAAAAAAAAAAAAAAAAAAAAAAAAAAAAAAAAAAAAAAAAAAAAAAAAAAAAAAAAAAAAAAAAAAAAAAAAAAAAAAAAAFAAAADwAAAAAAAAAAAAAAAAAAAkUAAAAAQAAABQAAAAUAAAAFAAAAAEAAAAAAAAAZAAAAGQAAAAAAAAAZAAAAGQAAAAVAAAAYAAAAAAAAAAAAAAADwAAACADAAAAAAAAAAAAAAEAAACgMgAAVgcAAKr4//8BAAAAf39/AAEAAABkAAAAAAAAABQAAABAHwAAAAAAACYAAAAAAAAAwOD//wAAAAAmAAAAZAAAABYAAABMAAAAAAAAAAAAAAAEAAAAAAAAAAEAAACAgIAKAAAAACgAAAAoAAAAZAAAAGQAAAAAAAAAzMzMAAAAAABQAAAAUAAAAGQAAABkAAAAAAAAABcAAAAUAAAAAAAAAAAAAAD/fwAA/38AAAAAAAAJAAAABAAAAAAAAAAeAAAAaAAAAAAAAAAAAAAAAAAAAAAAAAAAAAAAECcAABAnAAAAAAAAAAAAAAAAAAAAAAAAAAAAAAAAAAAAAAAAAAAAABQAAAAAAAAAwMD/AAAAAABkAAAAMgAAAAAAAABkAAAAAAAAAH9/fwAKAAAAIgAAABgAAAAAAAAAAAAAAAAAAAAAAAAAAAAAAAAAAAAkAAAAJAAAAAAAAAAHAAAAAAAAAAAAAAAAAAAAAAAAAAAAAAAAAAAAf39/ACUAAABYAAAAAAAAAAAAAAAAAAAAAAAAAAAAAAAAAAAAAAAAAAAAAAAAAAAAAAAAAAAAAAA/AAAAAAAAAKCGAQAAAAAAAAAAAAAAAAAMAAAAAQAAAAAAAAAAAAAAAAAAAB8AAABUAAAAAAAABQAAAAEAAAAAAAAAAAAAAAAAAAAAAAAAAAAAAAAAAAAAAAAAAAAAAAJ/f38AAAAAA8zMzADAwP8Af39/AAAAAAAAAAAAAAAAAAAAAAAAAAAAIQAAABgAAAAUAAAAwTUAABsnAABARwAAWSkAABAAAAAmAAAACAAAAAAAAAAAAAAAMAAAABQAAAAAAAAAAAD//wAAAQAAAP//AAABAA=="/>
+                <pr:smNativeData xmlns:pr="smNativeData" xmlns="smNativeData" val="SMDATA_16_haKDZxMAAAAlAAAAZAAAAA8BAAAAkAAAAEgAAACQAAAASAAAAAAAAAABAAAAAAAAAAEAAABQAAAAAAAAAAAA4D8AAAAAAADgPwAAAAAAAOA/AAAAAAAA4D8AAAAAAADgPwAAAAAAAOA/AAAAAAAA4D8AAAAAAADgPwAAAAAAAOA/AAAAAAAA4D8CAAAAjAAAAAAAAAAAAAAAu+DjDP///wgAAAAAAAAAAAAAAAAAAAAAAAAAAAAAAAAAAAAAZAAAAAEAAABAAAAAAAAAAAAAAAAAAAAAAAAAAAAAAAAAAAAAAAAAAAAAAAAAAAAAAAAAAAAAAAAAAAAAAAAAAAAAAAAAAAAAAAAAAAAAAAAAAAAAAAAAAAAAAAAAAAAAFAAAADwAAAAAAAAAAAAAAAAAAAkUAAAAAQAAABQAAAAUAAAAFAAAAAEAAAAAAAAAZAAAAGQAAAAAAAAAZAAAAGQAAAAVAAAAYAAAAAAAAAAAAAAADwAAACADAAAAAAAAAAAAAAEAAACgMgAAVgcAAKr4//8BAAAAf39/AAEAAABkAAAAAAAAABQAAABAHwAAAAAAACYAAAAAAAAAwOD//wAAAAAmAAAAZAAAABYAAABMAAAAAAAAAAAAAAAEAAAAAAAAAAEAAACAgIAKAAAAACgAAAAoAAAAZAAAAGQAAAAAAAAAzMzMAAAAAABQAAAAUAAAAGQAAABkAAAAAAAAABcAAAAUAAAAAAAAAAAAAAD/fwAA/38AAAAAAAAJAAAABAAAAAAAAAAeAAAAaAAAAAAAAAAAAAAAAAAAAAAAAAAAAAAAECcAABAnAAAAAAAAAAAAAAAAAAAAAAAAAAAAAAAAAAAAAAAAAAAAABQAAAAAAAAAwMD/AAAAAABkAAAAMgAAAAAAAABkAAAAAAAAAH9/fwAKAAAAIgAAABgAAAAAAAAAAAAAAAAAAAAAAAAAAAAAAAAAAAAkAAAAJAAAAAAAAAAHAAAAAAAAAAAAAAAAAAAAAAAAAAAAAAAAAAAAf39/ACUAAABYAAAAAAAAAAAAAAAAAAAAAAAAAAAAAAAAAAAAAAAAAAAAAAAAAAAAAAAAAAAAAAA/AAAAAAAAAKCGAQAAAAAAAAAAAAAAAAAMAAAAAQAAAAAAAAAAAAAAAAAAAB8AAABUAAAAAAAABQAAAAEAAAAAAAAAAAAAAAAAAAAAAAAAAAAAAAAAAAAAAAAAAAAAAAJ/f38AAAAAA8zMzADAwP8Af39/AAAAAAAAAAAAAAAAAAAAAAAAAAAAIQAAABgAAAAUAAAAwTUAABsnAABARwAAWSkAABAAAAAmAAAACAAAAAAAAAAAAAAAMAAAABQAAAAAAAAAAAD//wAAAQAAAP//AAABAA=="/>
               </a:ext>
             </a:extLst>
           </p:cNvSpPr>
@@ -588,7 +588,7 @@
           <a:lstStyle/>
           <a:p>
             <a:pPr/>
-            <a:fld id="{3F8C3012-5CD2-D9C6-9C34-AA937E7A6AFF}" type="slidenum">
+            <a:fld id="{3F5918CB-85D2-0CEE-9CE1-73BB56AF6A26}" type="slidenum">
               <a:t/>
             </a:fld>
           </a:p>
@@ -627,7 +627,7 @@
             <a:spLocks noGrp="1" noChangeArrowheads="1"/>
             <a:extLst>
               <a:ext uri="smNativeData">
-                <pr:smNativeData xmlns:pr="smNativeData" xmlns="smNativeData" val="SMDATA_16_zYh+ZxMAAAAlAAAAZAAAAA8BAAAAkAAAAEgAAACQAAAASAAAAAAAAAACAAAAAQAAAAEAAABQAAAAAAAAAAAA4D8AAAAAAADgPwAAAAAAAOA/AAAAAAAA4D8AAAAAAADgPwAAAAAAAOA/AAAAAAAA4D8AAAAAAADgPwAAAAAAAOA/AAAAAAAA4D8CAAAAjAAAAAAAAAAAAAAAu+DjDP///wgAAAAAAAAAAAAAAAAAAAAAAAAAAAAAAAAAAAAAZAAAAAEAAABAAAAAAAAAAAAAAAAAAAAAAAAAAAAAAAAAAAAAAAAAAAAAAAAAAAAAAAAAAAAAAAAAAAAAAAAAAAAAAAAAAAAAAAAAAAAAAAAAAAAAAAAAAAAAAAAAAAAAFAAAADwAAAAAAAAAAAAAAAAAAAkUAAAAAQAAABQAAAAUAAAAFAAAAAEAAAAAAAAAZAAAAGQAAAAAAAAAZAAAAGQAAAAVAAAAYAAAAAAAAAAAAAAADwAAACADAAAAAAAAAAAAAAEAAACgMgAAVgcAAKr4//8BAAAAf39/AAEAAABkAAAAAAAAABQAAABAHwAAAAAAACYAAAAAAAAAwOD//wAAAAAmAAAAZAAAABYAAABMAAAAAAAAAAAAAAAEAAAAAAAAAAEAAACAgIAKAAAAACgAAAAoAAAAZAAAAGQAAAAAAAAAzMzMAAAAAABQAAAAUAAAAGQAAABkAAAAAAAAABcAAAAUAAAAAAAAAAAAAAD/fwAA/38AAAAAAAAJAAAABAAAAAAAAAAeAAAAaAAAAAAAAAAAAAAAAAAAAAAAAAAAAAAAECcAABAnAAAAAAAAAAAAAAAAAAAAAAAAAAAAAAAAAAAAAAAAAAAAABQAAAAAAAAAwMD/AAAAAABkAAAAMgAAAAAAAABkAAAAAAAAAH9/fwAKAAAAIgAAABgAAAAAAAAAAAAAAAAAAAAAAAAAAAAAAAAAAAAkAAAAJAAAAAAAAAAHAAAAAAAAAAAAAAAAAAAAAAAAAAAAAAAAAAAAf39/ACUAAABYAAAAAAAAAAAAAAAAAAAAAAAAAAAAAAAAAAAAAAAAAAAAAAAAAAAAAAAAAAAAAAA/AAAAAAAAAKCGAQAAAAAAAAAAAAAAAAAMAAAAAQAAAAAAAAAAAAAAAAAAAB8AAABUAAAAAAAABQAAAAEAAAAAAAAAAAAAAAAAAAAAAAAAAAAAAAAAAAAAAAAAAAAAAAJ/f38AAAAAA8zMzADAwP8Af39/AAAAAAAAAAAAAAAAAAAAAAAAAAAAIQAAABgAAAAUAAAAYDYAALABAABARwAAsCUAABAAAAAmAAAACAAAAIMAAAAAAAAAMAAAABQAAAAAAAAAAAD//wAAAQAAAP//AAABAA=="/>
+                <pr:smNativeData xmlns:pr="smNativeData" xmlns="smNativeData" val="SMDATA_16_haKDZxMAAAAlAAAAZAAAAA8BAAAAkAAAAEgAAACQAAAASAAAAAAAAAACAAAAAQAAAAEAAABQAAAAAAAAAAAA4D8AAAAAAADgPwAAAAAAAOA/AAAAAAAA4D8AAAAAAADgPwAAAAAAAOA/AAAAAAAA4D8AAAAAAADgPwAAAAAAAOA/AAAAAAAA4D8CAAAAjAAAAAAAAAAAAAAAu+DjDP///wgAAAAAAAAAAAAAAAAAAAAAAAAAAAAAAAAAAAAAZAAAAAEAAABAAAAAAAAAAAAAAAAAAAAAAAAAAAAAAAAAAAAAAAAAAAAAAAAAAAAAAAAAAAAAAAAAAAAAAAAAAAAAAAAAAAAAAAAAAAAAAAAAAAAAAAAAAAAAAAAAAAAAFAAAADwAAAAAAAAAAAAAAAAAAAkUAAAAAQAAABQAAAAUAAAAFAAAAAEAAAAAAAAAZAAAAGQAAAAAAAAAZAAAAGQAAAAVAAAAYAAAAAAAAAAAAAAADwAAACADAAAAAAAAAAAAAAEAAACgMgAAVgcAAKr4//8BAAAAf39/AAEAAABkAAAAAAAAABQAAABAHwAAAAAAACYAAAAAAAAAwOD//wAAAAAmAAAAZAAAABYAAABMAAAAAAAAAAAAAAAEAAAAAAAAAAEAAACAgIAKAAAAACgAAAAoAAAAZAAAAGQAAAAAAAAAzMzMAAAAAABQAAAAUAAAAGQAAABkAAAAAAAAABcAAAAUAAAAAAAAAAAAAAD/fwAA/38AAAAAAAAJAAAABAAAAAAAAAAeAAAAaAAAAAAAAAAAAAAAAAAAAAAAAAAAAAAAECcAABAnAAAAAAAAAAAAAAAAAAAAAAAAAAAAAAAAAAAAAAAAAAAAABQAAAAAAAAAwMD/AAAAAABkAAAAMgAAAAAAAABkAAAAAAAAAH9/fwAKAAAAIgAAABgAAAAAAAAAAAAAAAAAAAAAAAAAAAAAAAAAAAAkAAAAJAAAAAAAAAAHAAAAAAAAAAAAAAAAAAAAAAAAAAAAAAAAAAAAf39/ACUAAABYAAAAAAAAAAAAAAAAAAAAAAAAAAAAAAAAAAAAAAAAAAAAAAAAAAAAAAAAAAAAAAA/AAAAAAAAAKCGAQAAAAAAAAAAAAAAAAAMAAAAAQAAAAAAAAAAAAAAAAAAAB8AAABUAAAAAAAABQAAAAEAAAAAAAAAAAAAAAAAAAAAAAAAAAAAAAAAAAAAAAAAAAAAAAJ/f38AAAAAA8zMzADAwP8Af39/AAAAAAAAAAAAAAAAAAAAAAAAAAAAIQAAABgAAAAUAAAAYDYAALABAABARwAAsCUAABAAAAAmAAAACAAAAIMAAAAAAAAAMAAAABQAAAAAAAAAAAD//wAAAQAAAP//AAABAA=="/>
               </a:ext>
             </a:extLst>
           </p:cNvSpPr>
@@ -663,7 +663,7 @@
             <a:spLocks noGrp="1" noChangeArrowheads="1"/>
             <a:extLst>
               <a:ext uri="smNativeData">
-                <pr:smNativeData xmlns:pr="smNativeData" xmlns="smNativeData" val="SMDATA_16_zYh+ZxMAAAAlAAAAZAAAAA8BAAAAkAAAAEgAAACQAAAASAAAAAAAAAAAAAAAAQAAAAEAAABQAAAAAAAAAAAA4D8AAAAAAADgPwAAAAAAAOA/AAAAAAAA4D8AAAAAAADgPwAAAAAAAOA/AAAAAAAA4D8AAAAAAADgPwAAAAAAAOA/AAAAAAAA4D8CAAAAjAAAAAAAAAAAAAAAu+DjDP///wgAAAAAAAAAAAAAAAAAAAAAAAAAAAAAAAAAAAAAZAAAAAEAAABAAAAAAAAAAAAAAAAAAAAAAAAAAAAAAAAAAAAAAAAAAAAAAAAAAAAAAAAAAAAAAAAAAAAAAAAAAAAAAAAAAAAAAAAAAAAAAAAAAAAAAAAAAAAAAAAAAAAAFAAAADwAAAAAAAAAAAAAAAAAAAkUAAAAAQAAABQAAAAUAAAAFAAAAAEAAAAAAAAAZAAAAGQAAAAAAAAAZAAAAGQAAAAVAAAAYAAAAAAAAAAAAAAADwAAACADAAAAAAAAAAAAAAEAAACgMgAAVgcAAKr4//8BAAAAf39/AAEAAABkAAAAAAAAABQAAABAHwAAAAAAACYAAAAAAAAAwOD//wAAAAAmAAAAZAAAABYAAABMAAAAAAAAAAAAAAAEAAAAAAAAAAEAAACAgIAKAAAAACgAAAAoAAAAZAAAAGQAAAAAAAAAzMzMAAAAAABQAAAAUAAAAGQAAABkAAAAAAAAABcAAAAUAAAAAAAAAAAAAAD/fwAA/38AAAAAAAAJAAAABAAAAAAAAAAeAAAAaAAAAAAAAAAAAAAAAAAAAAAAAAAAAAAAECcAABAnAAAAAAAAAAAAAAAAAAAAAAAAAAAAAAAAAAAAAAAAAAAAABQAAAAAAAAAwMD/AAAAAABkAAAAMgAAAAAAAABkAAAAAAAAAH9/fwAKAAAAIgAAABgAAAAAAAAAAAAAAAAAAAAAAAAAAAAAAAAAAAAkAAAAJAAAAAAAAAAHAAAAAAAAAAAAAAAAAAAAAAAAAAAAAAAAAAAAf39/ACUAAABYAAAAAAAAAAAAAAAAAAAAAAAAAAAAAAAAAAAAAAAAAAAAAAAAAAAAAAAAAAAAAAA/AAAAAAAAAKCGAQAAAAAAAAAAAAAAAAAMAAAAAQAAAAAAAAAAAAAAAAAAAB8AAABUAAAAAAAABQAAAAEAAAAAAAAAAAAAAAAAAAAAAAAAAAAAAAAAAAAAAAAAAAAAAAJ/f38AAAAAA8zMzADAwP8Af39/AAAAAAAAAAAAAAAAAAAAAAAAAAAAIQAAABgAAAAUAAAAwAMAALABAAAfNQAAsCUAABAAAAAmAAAACAAAAAMAAAAAAAAAMAAAABQAAAAAAAAAAAD//wAAAQAAAP//AAABAA=="/>
+                <pr:smNativeData xmlns:pr="smNativeData" xmlns="smNativeData" val="SMDATA_16_haKDZxMAAAAlAAAAZAAAAA8BAAAAkAAAAEgAAACQAAAASAAAAAAAAAAAAAAAAQAAAAEAAABQAAAAAAAAAAAA4D8AAAAAAADgPwAAAAAAAOA/AAAAAAAA4D8AAAAAAADgPwAAAAAAAOA/AAAAAAAA4D8AAAAAAADgPwAAAAAAAOA/AAAAAAAA4D8CAAAAjAAAAAAAAAAAAAAAu+DjDP///wgAAAAAAAAAAAAAAAAAAAAAAAAAAAAAAAAAAAAAZAAAAAEAAABAAAAAAAAAAAAAAAAAAAAAAAAAAAAAAAAAAAAAAAAAAAAAAAAAAAAAAAAAAAAAAAAAAAAAAAAAAAAAAAAAAAAAAAAAAAAAAAAAAAAAAAAAAAAAAAAAAAAAFAAAADwAAAAAAAAAAAAAAAAAAAkUAAAAAQAAABQAAAAUAAAAFAAAAAEAAAAAAAAAZAAAAGQAAAAAAAAAZAAAAGQAAAAVAAAAYAAAAAAAAAAAAAAADwAAACADAAAAAAAAAAAAAAEAAACgMgAAVgcAAKr4//8BAAAAf39/AAEAAABkAAAAAAAAABQAAABAHwAAAAAAACYAAAAAAAAAwOD//wAAAAAmAAAAZAAAABYAAABMAAAAAAAAAAAAAAAEAAAAAAAAAAEAAACAgIAKAAAAACgAAAAoAAAAZAAAAGQAAAAAAAAAzMzMAAAAAABQAAAAUAAAAGQAAABkAAAAAAAAABcAAAAUAAAAAAAAAAAAAAD/fwAA/38AAAAAAAAJAAAABAAAAAAAAAAeAAAAaAAAAAAAAAAAAAAAAAAAAAAAAAAAAAAAECcAABAnAAAAAAAAAAAAAAAAAAAAAAAAAAAAAAAAAAAAAAAAAAAAABQAAAAAAAAAwMD/AAAAAABkAAAAMgAAAAAAAABkAAAAAAAAAH9/fwAKAAAAIgAAABgAAAAAAAAAAAAAAAAAAAAAAAAAAAAAAAAAAAAkAAAAJAAAAAAAAAAHAAAAAAAAAAAAAAAAAAAAAAAAAAAAAAAAAAAAf39/ACUAAABYAAAAAAAAAAAAAAAAAAAAAAAAAAAAAAAAAAAAAAAAAAAAAAAAAAAAAAAAAAAAAAA/AAAAAAAAAKCGAQAAAAAAAAAAAAAAAAAMAAAAAQAAAAAAAAAAAAAAAAAAAB8AAABUAAAAAAAABQAAAAEAAAAAAAAAAAAAAAAAAAAAAAAAAAAAAAAAAAAAAAAAAAAAAAJ/f38AAAAAA8zMzADAwP8Af39/AAAAAAAAAAAAAAAAAAAAAAAAAAAAIQAAABgAAAAUAAAAwAMAALABAAAfNQAAsCUAABAAAAAmAAAACAAAAAMAAAAAAAAAMAAAABQAAAAAAAAAAAD//wAAAQAAAP//AAABAA=="/>
               </a:ext>
             </a:extLst>
           </p:cNvSpPr>
@@ -723,7 +723,7 @@
             <a:spLocks noGrp="1" noChangeArrowheads="1"/>
             <a:extLst>
               <a:ext uri="smNativeData">
-                <pr:smNativeData xmlns:pr="smNativeData" xmlns="smNativeData" val="SMDATA_16_zYh+ZxMAAAAlAAAAZAAAAA8BAAAAkAAAAEgAAACQAAAASAAAAAAAAAABAAAAAAAAAAEAAABQAAAAAAAAAAAA4D8AAAAAAADgPwAAAAAAAOA/AAAAAAAA4D8AAAAAAADgPwAAAAAAAOA/AAAAAAAA4D8AAAAAAADgPwAAAAAAAOA/AAAAAAAA4D8CAAAAjAAAAAAAAAAAAAAAu+DjDP///wgAAAAAAAAAAAAAAAAAAAAAAAAAAAAAAAAAAAAAZAAAAAEAAABAAAAAAAAAAAAAAAAAAAAAAAAAAAAAAAAAAAAAAAAAAAAAAAAAAAAAAAAAAAAAAAAAAAAAAAAAAAAAAAAAAAAAAAAAAAAAAAAAAAAAAAAAAAAAAAAAAAAAFAAAADwAAAAAAAAAAAAAAAAAAAkUAAAAAQAAABQAAAAUAAAAFAAAAAEAAAAAAAAAZAAAAGQAAAAAAAAAZAAAAGQAAAAVAAAAYAAAAAAAAAAAAAAADwAAACADAAAAAAAAAAAAAAEAAACgMgAAVgcAAKr4//8BAAAAf39/AAEAAABkAAAAAAAAABQAAABAHwAAAAAAACYAAAAAAAAAwOD//wAAAAAmAAAAZAAAABYAAABMAAAAAAAAAAAAAAAEAAAAAAAAAAEAAACAgIAKAAAAACgAAAAoAAAAZAAAAGQAAAAAAAAAzMzMAAAAAABQAAAAUAAAAGQAAABkAAAAAAAAABcAAAAUAAAAAAAAAAAAAAD/fwAA/38AAAAAAAAJAAAABAAAAAAAAAAeAAAAaAAAAAAAAAAAAAAAAAAAAAAAAAAAAAAAECcAABAnAAAAAAAAAAAAAAAAAAAAAAAAAAAAAAAAAAAAAAAAAAAAABQAAAAAAAAAwMD/AAAAAABkAAAAMgAAAAAAAABkAAAAAAAAAH9/fwAKAAAAIgAAABgAAAAAAAAAAAAAAAAAAAAAAAAAAAAAAAAAAAAkAAAAJAAAAAAAAAAHAAAAAAAAAAAAAAAAAAAAAAAAAAAAAAAAAAAAf39/ACUAAABYAAAAAAAAAAAAAAAAAAAAAAAAAAAAAAAAAAAAAAAAAAAAAAAAAAAAAAAAAAAAAAA/AAAAAAAAAKCGAQAAAAAAAAAAAAAAAAAMAAAAAQAAAAAAAAAAAAAAAAAAAB8AAABUAAAAAAAABQAAAAEAAAAAAAAAAAAAAAAAAAAAAAAAAAAAAAAAAAAAAAAAAAAAAAJ/f38AAAAAA8zMzADAwP8Af39/AAAAAAAAAAAAAAAAAAAAAAAAAAAAIQAAABgAAAAUAAAAwAMAABsnAAA/FQAAWSkAABAAAAAmAAAACAAAAAAAAAAAAAAAMAAAABQAAAAAAAAAAAD//wAAAQAAAP//AAABAA=="/>
+                <pr:smNativeData xmlns:pr="smNativeData" xmlns="smNativeData" val="SMDATA_16_haKDZxMAAAAlAAAAZAAAAA8BAAAAkAAAAEgAAACQAAAASAAAAAAAAAABAAAAAAAAAAEAAABQAAAAAAAAAAAA4D8AAAAAAADgPwAAAAAAAOA/AAAAAAAA4D8AAAAAAADgPwAAAAAAAOA/AAAAAAAA4D8AAAAAAADgPwAAAAAAAOA/AAAAAAAA4D8CAAAAjAAAAAAAAAAAAAAAu+DjDP///wgAAAAAAAAAAAAAAAAAAAAAAAAAAAAAAAAAAAAAZAAAAAEAAABAAAAAAAAAAAAAAAAAAAAAAAAAAAAAAAAAAAAAAAAAAAAAAAAAAAAAAAAAAAAAAAAAAAAAAAAAAAAAAAAAAAAAAAAAAAAAAAAAAAAAAAAAAAAAAAAAAAAAFAAAADwAAAAAAAAAAAAAAAAAAAkUAAAAAQAAABQAAAAUAAAAFAAAAAEAAAAAAAAAZAAAAGQAAAAAAAAAZAAAAGQAAAAVAAAAYAAAAAAAAAAAAAAADwAAACADAAAAAAAAAAAAAAEAAACgMgAAVgcAAKr4//8BAAAAf39/AAEAAABkAAAAAAAAABQAAABAHwAAAAAAACYAAAAAAAAAwOD//wAAAAAmAAAAZAAAABYAAABMAAAAAAAAAAAAAAAEAAAAAAAAAAEAAACAgIAKAAAAACgAAAAoAAAAZAAAAGQAAAAAAAAAzMzMAAAAAABQAAAAUAAAAGQAAABkAAAAAAAAABcAAAAUAAAAAAAAAAAAAAD/fwAA/38AAAAAAAAJAAAABAAAAAAAAAAeAAAAaAAAAAAAAAAAAAAAAAAAAAAAAAAAAAAAECcAABAnAAAAAAAAAAAAAAAAAAAAAAAAAAAAAAAAAAAAAAAAAAAAABQAAAAAAAAAwMD/AAAAAABkAAAAMgAAAAAAAABkAAAAAAAAAH9/fwAKAAAAIgAAABgAAAAAAAAAAAAAAAAAAAAAAAAAAAAAAAAAAAAkAAAAJAAAAAAAAAAHAAAAAAAAAAAAAAAAAAAAAAAAAAAAAAAAAAAAf39/ACUAAABYAAAAAAAAAAAAAAAAAAAAAAAAAAAAAAAAAAAAAAAAAAAAAAAAAAAAAAAAAAAAAAA/AAAAAAAAAKCGAQAAAAAAAAAAAAAAAAAMAAAAAQAAAAAAAAAAAAAAAAAAAB8AAABUAAAAAAAABQAAAAEAAAAAAAAAAAAAAAAAAAAAAAAAAAAAAAAAAAAAAAAAAAAAAAJ/f38AAAAAA8zMzADAwP8Af39/AAAAAAAAAAAAAAAAAAAAAAAAAAAAIQAAABgAAAAUAAAAwAMAABsnAAA/FQAAWSkAABAAAAAmAAAACAAAAAAAAAAAAAAAMAAAABQAAAAAAAAAAAD//wAAAQAAAP//AAABAA=="/>
               </a:ext>
             </a:extLst>
           </p:cNvSpPr>
@@ -737,7 +737,7 @@
           <a:lstStyle/>
           <a:p>
             <a:pPr/>
-            <a:fld id="{3F8C25C1-8FD2-D9D3-9C34-79866B7A6A2C}" type="datetime1">
+            <a:fld id="{3F5957B3-FDD2-0CA1-9CE1-0BF419AF6A5E}" type="datetime1">
               <a:t/>
             </a:fld>
           </a:p>
@@ -750,7 +750,7 @@
             <a:spLocks noGrp="1" noChangeArrowheads="1"/>
             <a:extLst>
               <a:ext uri="smNativeData">
-                <pr:smNativeData xmlns:pr="smNativeData" xmlns="smNativeData" val="SMDATA_16_zYh+ZxMAAAAlAAAAZAAAAA8BAAAAkAAAAEgAAACQAAAASAAAAAAAAAABAAAAAAAAAAEAAABQAAAAAAAAAAAA4D8AAAAAAADgPwAAAAAAAOA/AAAAAAAA4D8AAAAAAADgPwAAAAAAAOA/AAAAAAAA4D8AAAAAAADgPwAAAAAAAOA/AAAAAAAA4D8CAAAAjAAAAAAAAAAAAAAAu+DjDP///wgAAAAAAAAAAAAAAAAAAAAAAAAAAAAAAAAAAAAAZAAAAAEAAABAAAAAAAAAAAAAAAAAAAAAAAAAAAAAAAAAAAAAAAAAAAAAAAAAAAAAAAAAAAAAAAAAAAAAAAAAAAAAAAAAAAAAAAAAAAAAAAAAAAAAAAAAAAAAAAAAAAAAFAAAADwAAAAAAAAAAAAAAAAAAAkUAAAAAQAAABQAAAAUAAAAFAAAAAEAAAAAAAAAZAAAAGQAAAAAAAAAZAAAAGQAAAAVAAAAYAAAAAAAAAAAAAAADwAAACADAAAAAAAAAAAAAAEAAACgMgAAVgcAAKr4//8BAAAAf39/AAEAAABkAAAAAAAAABQAAABAHwAAAAAAACYAAAAAAAAAwOD//wAAAAAmAAAAZAAAABYAAABMAAAAAAAAAAAAAAAEAAAAAAAAAAEAAACAgIAKAAAAACgAAAAoAAAAZAAAAGQAAAAAAAAAzMzMAAAAAABQAAAAUAAAAGQAAABkAAAAAAAAABcAAAAUAAAAAAAAAAAAAAD/fwAA/38AAAAAAAAJAAAABAAAAAAAAAAeAAAAaAAAAAAAAAAAAAAAAAAAAAAAAAAAAAAAECcAABAnAAAAAAAAAAAAAAAAAAAAAAAAAAAAAAAAAAAAAAAAAAAAABQAAAAAAAAAwMD/AAAAAABkAAAAMgAAAAAAAABkAAAAAAAAAH9/fwAKAAAAIgAAABgAAAAAAAAAAAAAAAAAAAAAAAAAAAAAAAAAAAAkAAAAJAAAAAAAAAAHAAAAAAAAAAAAAAAAAAAAAAAAAAAAAAAAAAAAf39/ACUAAABYAAAAAAAAAAAAAAAAAAAAAAAAAAAAAAAAAAAAAAAAAAAAAAAAAAAAAAAAAAAAAAA/AAAAAAAAAKCGAQAAAAAAAAAAAAAAAAAMAAAAAQAAAAAAAAAAAAAAAAAAAB8AAABUAAAAAAAABQAAAAEAAAAAAAAAAAAAAAAAAAAAAAAAAAAAAAAAAAAAAAAAAAAAAAJ/f38AAAAAA8zMzADAwP8Af39/AAAAAAAAAAAAAAAAAAAAAAAAAAAAIQAAABgAAAAUAAAAoRkAABsnAABfMQAAWSkAABAAAAAmAAAACAAAAAAAAAAAAAAAMAAAABQAAAAAAAAAAAD//wAAAQAAAP//AAABAA=="/>
+                <pr:smNativeData xmlns:pr="smNativeData" xmlns="smNativeData" val="SMDATA_16_haKDZxMAAAAlAAAAZAAAAA8BAAAAkAAAAEgAAACQAAAASAAAAAAAAAABAAAAAAAAAAEAAABQAAAAAAAAAAAA4D8AAAAAAADgPwAAAAAAAOA/AAAAAAAA4D8AAAAAAADgPwAAAAAAAOA/AAAAAAAA4D8AAAAAAADgPwAAAAAAAOA/AAAAAAAA4D8CAAAAjAAAAAAAAAAAAAAAu+DjDP///wgAAAAAAAAAAAAAAAAAAAAAAAAAAAAAAAAAAAAAZAAAAAEAAABAAAAAAAAAAAAAAAAAAAAAAAAAAAAAAAAAAAAAAAAAAAAAAAAAAAAAAAAAAAAAAAAAAAAAAAAAAAAAAAAAAAAAAAAAAAAAAAAAAAAAAAAAAAAAAAAAAAAAFAAAADwAAAAAAAAAAAAAAAAAAAkUAAAAAQAAABQAAAAUAAAAFAAAAAEAAAAAAAAAZAAAAGQAAAAAAAAAZAAAAGQAAAAVAAAAYAAAAAAAAAAAAAAADwAAACADAAAAAAAAAAAAAAEAAACgMgAAVgcAAKr4//8BAAAAf39/AAEAAABkAAAAAAAAABQAAABAHwAAAAAAACYAAAAAAAAAwOD//wAAAAAmAAAAZAAAABYAAABMAAAAAAAAAAAAAAAEAAAAAAAAAAEAAACAgIAKAAAAACgAAAAoAAAAZAAAAGQAAAAAAAAAzMzMAAAAAABQAAAAUAAAAGQAAABkAAAAAAAAABcAAAAUAAAAAAAAAAAAAAD/fwAA/38AAAAAAAAJAAAABAAAAAAAAAAeAAAAaAAAAAAAAAAAAAAAAAAAAAAAAAAAAAAAECcAABAnAAAAAAAAAAAAAAAAAAAAAAAAAAAAAAAAAAAAAAAAAAAAABQAAAAAAAAAwMD/AAAAAABkAAAAMgAAAAAAAABkAAAAAAAAAH9/fwAKAAAAIgAAABgAAAAAAAAAAAAAAAAAAAAAAAAAAAAAAAAAAAAkAAAAJAAAAAAAAAAHAAAAAAAAAAAAAAAAAAAAAAAAAAAAAAAAAAAAf39/ACUAAABYAAAAAAAAAAAAAAAAAAAAAAAAAAAAAAAAAAAAAAAAAAAAAAAAAAAAAAAAAAAAAAA/AAAAAAAAAKCGAQAAAAAAAAAAAAAAAAAMAAAAAQAAAAAAAAAAAAAAAAAAAB8AAABUAAAAAAAABQAAAAEAAAAAAAAAAAAAAAAAAAAAAAAAAAAAAAAAAAAAAAAAAAAAAAJ/f38AAAAAA8zMzADAwP8Af39/AAAAAAAAAAAAAAAAAAAAAAAAAAAAIQAAABgAAAAUAAAAoRkAABsnAABfMQAAWSkAABAAAAAmAAAACAAAAAAAAAAAAAAAMAAAABQAAAAAAAAAAAD//wAAAQAAAP//AAABAA=="/>
               </a:ext>
             </a:extLst>
           </p:cNvSpPr>
@@ -774,7 +774,7 @@
             <a:spLocks noGrp="1" noChangeArrowheads="1"/>
             <a:extLst>
               <a:ext uri="smNativeData">
-                <pr:smNativeData xmlns:pr="smNativeData" xmlns="smNativeData" val="SMDATA_16_zYh+ZxMAAAAlAAAAZAAAAA8BAAAAkAAAAEgAAACQAAAASAAAAAAAAAABAAAAAAAAAAEAAABQAAAAAAAAAAAA4D8AAAAAAADgPwAAAAAAAOA/AAAAAAAA4D8AAAAAAADgPwAAAAAAAOA/AAAAAAAA4D8AAAAAAADgPwAAAAAAAOA/AAAAAAAA4D8CAAAAjAAAAAAAAAAAAAAAu+DjDP///wgAAAAAAAAAAAAAAAAAAAAAAAAAAAAAAAAAAAAAZAAAAAEAAABAAAAAAAAAAAAAAAAAAAAAAAAAAAAAAAAAAAAAAAAAAAAAAAAAAAAAAAAAAAAAAAAAAAAAAAAAAAAAAAAAAAAAAAAAAAAAAAAAAAAAAAAAAAAAAAAAAAAAFAAAADwAAAAAAAAAAAAAAAAAAAkUAAAAAQAAABQAAAAUAAAAFAAAAAEAAAAAAAAAZAAAAGQAAAAAAAAAZAAAAGQAAAAVAAAAYAAAAAAAAAAAAAAADwAAACADAAAAAAAAAAAAAAEAAACgMgAAVgcAAKr4//8BAAAAf39/AAEAAABkAAAAAAAAABQAAABAHwAAAAAAACYAAAAAAAAAwOD//wAAAAAmAAAAZAAAABYAAABMAAAAAAAAAAAAAAAEAAAAAAAAAAEAAACAgIAKAAAAACgAAAAoAAAAZAAAAGQAAAAAAAAAzMzMAAAAAABQAAAAUAAAAGQAAABkAAAAAAAAABcAAAAUAAAAAAAAAAAAAAD/fwAA/38AAAAAAAAJAAAABAAAAAAAAAAeAAAAaAAAAAAAAAAAAAAAAAAAAAAAAAAAAAAAECcAABAnAAAAAAAAAAAAAAAAAAAAAAAAAAAAAAAAAAAAAAAAAAAAABQAAAAAAAAAwMD/AAAAAABkAAAAMgAAAAAAAABkAAAAAAAAAH9/fwAKAAAAIgAAABgAAAAAAAAAAAAAAAAAAAAAAAAAAAAAAAAAAAAkAAAAJAAAAAAAAAAHAAAAAAAAAAAAAAAAAAAAAAAAAAAAAAAAAAAAf39/ACUAAABYAAAAAAAAAAAAAAAAAAAAAAAAAAAAAAAAAAAAAAAAAAAAAAAAAAAAAAAAAAAAAAA/AAAAAAAAAKCGAQAAAAAAAAAAAAAAAAAMAAAAAQAAAAAAAAAAAAAAAAAAAB8AAABUAAAAAAAABQAAAAEAAAAAAAAAAAAAAAAAAAAAAAAAAAAAAAAAAAAAAAAAAAAAAAJ/f38AAAAAA8zMzADAwP8Af39/AAAAAAAAAAAAAAAAAAAAAAAAAAAAIQAAABgAAAAUAAAAwTUAABsnAABARwAAWSkAABAAAAAmAAAACAAAAAAAAAAAAAAAMAAAABQAAAAAAAAAAAD//wAAAQAAAP//AAABAA=="/>
+                <pr:smNativeData xmlns:pr="smNativeData" xmlns="smNativeData" val="SMDATA_16_haKDZxMAAAAlAAAAZAAAAA8BAAAAkAAAAEgAAACQAAAASAAAAAAAAAABAAAAAAAAAAEAAABQAAAAAAAAAAAA4D8AAAAAAADgPwAAAAAAAOA/AAAAAAAA4D8AAAAAAADgPwAAAAAAAOA/AAAAAAAA4D8AAAAAAADgPwAAAAAAAOA/AAAAAAAA4D8CAAAAjAAAAAAAAAAAAAAAu+DjDP///wgAAAAAAAAAAAAAAAAAAAAAAAAAAAAAAAAAAAAAZAAAAAEAAABAAAAAAAAAAAAAAAAAAAAAAAAAAAAAAAAAAAAAAAAAAAAAAAAAAAAAAAAAAAAAAAAAAAAAAAAAAAAAAAAAAAAAAAAAAAAAAAAAAAAAAAAAAAAAAAAAAAAAFAAAADwAAAAAAAAAAAAAAAAAAAkUAAAAAQAAABQAAAAUAAAAFAAAAAEAAAAAAAAAZAAAAGQAAAAAAAAAZAAAAGQAAAAVAAAAYAAAAAAAAAAAAAAADwAAACADAAAAAAAAAAAAAAEAAACgMgAAVgcAAKr4//8BAAAAf39/AAEAAABkAAAAAAAAABQAAABAHwAAAAAAACYAAAAAAAAAwOD//wAAAAAmAAAAZAAAABYAAABMAAAAAAAAAAAAAAAEAAAAAAAAAAEAAACAgIAKAAAAACgAAAAoAAAAZAAAAGQAAAAAAAAAzMzMAAAAAABQAAAAUAAAAGQAAABkAAAAAAAAABcAAAAUAAAAAAAAAAAAAAD/fwAA/38AAAAAAAAJAAAABAAAAAAAAAAeAAAAaAAAAAAAAAAAAAAAAAAAAAAAAAAAAAAAECcAABAnAAAAAAAAAAAAAAAAAAAAAAAAAAAAAAAAAAAAAAAAAAAAABQAAAAAAAAAwMD/AAAAAABkAAAAMgAAAAAAAABkAAAAAAAAAH9/fwAKAAAAIgAAABgAAAAAAAAAAAAAAAAAAAAAAAAAAAAAAAAAAAAkAAAAJAAAAAAAAAAHAAAAAAAAAAAAAAAAAAAAAAAAAAAAAAAAAAAAf39/ACUAAABYAAAAAAAAAAAAAAAAAAAAAAAAAAAAAAAAAAAAAAAAAAAAAAAAAAAAAAAAAAAAAAA/AAAAAAAAAKCGAQAAAAAAAAAAAAAAAAAMAAAAAQAAAAAAAAAAAAAAAAAAAB8AAABUAAAAAAAABQAAAAEAAAAAAAAAAAAAAAAAAAAAAAAAAAAAAAAAAAAAAAAAAAAAAAJ/f38AAAAAA8zMzADAwP8Af39/AAAAAAAAAAAAAAAAAAAAAAAAAAAAIQAAABgAAAAUAAAAwTUAABsnAABARwAAWSkAABAAAAAmAAAACAAAAAAAAAAAAAAAMAAAABQAAAAAAAAAAAD//wAAAQAAAP//AAABAA=="/>
               </a:ext>
             </a:extLst>
           </p:cNvSpPr>
@@ -788,7 +788,7 @@
           <a:lstStyle/>
           <a:p>
             <a:pPr/>
-            <a:fld id="{3F8C3758-16D2-D9C1-9C34-E094797A6AB5}" type="slidenum">
+            <a:fld id="{3F591650-1ED2-0CE0-9CE1-E8B558AF6ABD}" type="slidenum">
               <a:t/>
             </a:fld>
           </a:p>
@@ -827,7 +827,7 @@
             <a:spLocks noGrp="1" noChangeArrowheads="1"/>
             <a:extLst>
               <a:ext uri="smNativeData">
-                <pr:smNativeData xmlns:pr="smNativeData" xmlns="smNativeData" val="SMDATA_16_zYh+ZxMAAAAlAAAAZAAAAA8BAAAAkAAAAEgAAACQAAAASAAAAAAAAAABAAAAAAAAAAEAAABQAAAAAAAAAAAA4D8AAAAAAADgPwAAAAAAAOA/AAAAAAAA4D8AAAAAAADgPwAAAAAAAOA/AAAAAAAA4D8AAAAAAADgPwAAAAAAAOA/AAAAAAAA4D8CAAAAjAAAAAAAAAAAAAAAu+DjDP///wgAAAAAAAAAAAAAAAAAAAAAAAAAAAAAAAAAAAAAZAAAAAEAAABAAAAAAAAAAAAAAAAAAAAAAAAAAAAAAAAAAAAAAAAAAAAAAAAAAAAAAAAAAAAAAAAAAAAAAAAAAAAAAAAAAAAAAAAAAAAAAAAAAAAAAAAAAAAAAAAAAAAAFAAAADwAAAAAAAAAAAAAAAAAAAkUAAAAAQAAABQAAAAUAAAAFAAAAAEAAAAAAAAAZAAAAGQAAAAAAAAAZAAAAGQAAAAVAAAAYAAAAAAAAAAAAAAADwAAACADAAAAAAAAAAAAAAEAAACgMgAAVgcAAKr4//8BAAAAf39/AAEAAABkAAAAAAAAABQAAABAHwAAAAAAACYAAAAAAAAAwOD//wAAAAAmAAAAZAAAABYAAABMAAAAAAAAAAAAAAAEAAAAAAAAAAEAAACAgIAKAAAAACgAAAAoAAAAZAAAAGQAAAAAAAAAzMzMAAAAAABQAAAAUAAAAGQAAABkAAAAAAAAABcAAAAUAAAAAAAAAAAAAAD/fwAA/38AAAAAAAAJAAAABAAAAAAAAAAeAAAAaAAAAAAAAAAAAAAAAAAAAAAAAAAAAAAAECcAABAnAAAAAAAAAAAAAAAAAAAAAAAAAAAAAAAAAAAAAAAAAAAAABQAAAAAAAAAwMD/AAAAAABkAAAAMgAAAAAAAABkAAAAAAAAAH9/fwAKAAAAIgAAABgAAAAAAAAAAAAAAAAAAAAAAAAAAAAAAAAAAAAkAAAAJAAAAAAAAAAHAAAAAAAAAAAAAAAAAAAAAAAAAAAAAAAAAAAAf39/ACUAAABYAAAAAAAAAAAAAAAAAAAAAAAAAAAAAAAAAAAAAAAAAAAAAAAAAAAAAAAAAAAAAAA/AAAAAAAAAKCGAQAAAAAAAAAAAAAAAAAMAAAAAQAAAAAAAAAAAAAAAAAAAB8AAABUAAAAAAAABQAAAAEAAAAAAAAAAAAAAAAAAAAAAAAAAAAAAAAAAAAAAAAAAAAAAAJ/f38AAAAAA8zMzADAwP8Af39/AAAAAAAAAAAAAAAAAAAAAAAAAAAAIQAAABgAAAAUAAAAwAMAALABAABARwAAuAgAABAAAAAmAAAACAAAAAAAAAAAAAAAMAAAABQAAAAAAAAAAAD//wAAAQAAAP//AAABAA=="/>
+                <pr:smNativeData xmlns:pr="smNativeData" xmlns="smNativeData" val="SMDATA_16_haKDZxMAAAAlAAAAZAAAAA8BAAAAkAAAAEgAAACQAAAASAAAAAAAAAABAAAAAAAAAAEAAABQAAAAAAAAAAAA4D8AAAAAAADgPwAAAAAAAOA/AAAAAAAA4D8AAAAAAADgPwAAAAAAAOA/AAAAAAAA4D8AAAAAAADgPwAAAAAAAOA/AAAAAAAA4D8CAAAAjAAAAAAAAAAAAAAAu+DjDP///wgAAAAAAAAAAAAAAAAAAAAAAAAAAAAAAAAAAAAAZAAAAAEAAABAAAAAAAAAAAAAAAAAAAAAAAAAAAAAAAAAAAAAAAAAAAAAAAAAAAAAAAAAAAAAAAAAAAAAAAAAAAAAAAAAAAAAAAAAAAAAAAAAAAAAAAAAAAAAAAAAAAAAFAAAADwAAAAAAAAAAAAAAAAAAAkUAAAAAQAAABQAAAAUAAAAFAAAAAEAAAAAAAAAZAAAAGQAAAAAAAAAZAAAAGQAAAAVAAAAYAAAAAAAAAAAAAAADwAAACADAAAAAAAAAAAAAAEAAACgMgAAVgcAAKr4//8BAAAAf39/AAEAAABkAAAAAAAAABQAAABAHwAAAAAAACYAAAAAAAAAwOD//wAAAAAmAAAAZAAAABYAAABMAAAAAAAAAAAAAAAEAAAAAAAAAAEAAACAgIAKAAAAACgAAAAoAAAAZAAAAGQAAAAAAAAAzMzMAAAAAABQAAAAUAAAAGQAAABkAAAAAAAAABcAAAAUAAAAAAAAAAAAAAD/fwAA/38AAAAAAAAJAAAABAAAAAAAAAAeAAAAaAAAAAAAAAAAAAAAAAAAAAAAAAAAAAAAECcAABAnAAAAAAAAAAAAAAAAAAAAAAAAAAAAAAAAAAAAAAAAAAAAABQAAAAAAAAAwMD/AAAAAABkAAAAMgAAAAAAAABkAAAAAAAAAH9/fwAKAAAAIgAAABgAAAAAAAAAAAAAAAAAAAAAAAAAAAAAAAAAAAAkAAAAJAAAAAAAAAAHAAAAAAAAAAAAAAAAAAAAAAAAAAAAAAAAAAAAf39/ACUAAABYAAAAAAAAAAAAAAAAAAAAAAAAAAAAAAAAAAAAAAAAAAAAAAAAAAAAAAAAAAAAAAA/AAAAAAAAAKCGAQAAAAAAAAAAAAAAAAAMAAAAAQAAAAAAAAAAAAAAAAAAAB8AAABUAAAAAAAABQAAAAEAAAAAAAAAAAAAAAAAAAAAAAAAAAAAAAAAAAAAAAAAAAAAAAJ/f38AAAAAA8zMzADAwP8Af39/AAAAAAAAAAAAAAAAAAAAAAAAAAAAIQAAABgAAAAUAAAAwAMAALABAABARwAAuAgAABAAAAAmAAAACAAAAAAAAAAAAAAAMAAAABQAAAAAAAAAAAD//wAAAQAAAP//AAABAA=="/>
               </a:ext>
             </a:extLst>
           </p:cNvSpPr>
@@ -854,7 +854,7 @@
             <a:spLocks noGrp="1" noChangeArrowheads="1"/>
             <a:extLst>
               <a:ext uri="smNativeData">
-                <pr:smNativeData xmlns:pr="smNativeData" xmlns="smNativeData" val="SMDATA_16_zYh+ZxMAAAAlAAAAZAAAAA8BAAAAkAAAAEgAAACQAAAASAAAAAAAAAAAAAAAAAAAAAEAAABQAAAAAAAAAAAA4D8AAAAAAADgPwAAAAAAAOA/AAAAAAAA4D8AAAAAAADgPwAAAAAAAOA/AAAAAAAA4D8AAAAAAADgPwAAAAAAAOA/AAAAAAAA4D8CAAAAjAAAAAAAAAAAAAAAu+DjDP///wgAAAAAAAAAAAAAAAAAAAAAAAAAAAAAAAAAAAAAZAAAAAEAAABAAAAAAAAAAAAAAAAAAAAAAAAAAAAAAAAAAAAAAAAAAAAAAAAAAAAAAAAAAAAAAAAAAAAAAAAAAAAAAAAAAAAAAAAAAAAAAAAAAAAAAAAAAAAAAAAAAAAAFAAAADwAAAAAAAAAAAAAAAAAAAkUAAAAAQAAABQAAAAUAAAAFAAAAAEAAAAAAAAAZAAAAGQAAAAAAAAAZAAAAGQAAAAVAAAAYAAAAAAAAAAAAAAADwAAACADAAAAAAAAAAAAAAEAAACgMgAAVgcAAKr4//8BAAAAf39/AAEAAABkAAAAAAAAABQAAABAHwAAAAAAACYAAAAAAAAAwOD//wAAAAAmAAAAZAAAABYAAABMAAAAAAAAAAAAAAAEAAAAAAAAAAEAAACAgIAKAAAAACgAAAAoAAAAZAAAAGQAAAAAAAAAzMzMAAAAAABQAAAAUAAAAGQAAABkAAAAAAAAABcAAAAUAAAAAAAAAAAAAAD/fwAA/38AAAAAAAAJAAAABAAAAAAAAAAeAAAAaAAAAAAAAAAAAAAAAAAAAAAAAAAAAAAAECcAABAnAAAAAAAAAAAAAAAAAAAAAAAAAAAAAAAAAAAAAAAAAAAAABQAAAAAAAAAwMD/AAAAAABkAAAAMgAAAAAAAABkAAAAAAAAAH9/fwAKAAAAIgAAABgAAAAAAAAAAAAAAAAAAAAAAAAAAAAAAAAAAAAkAAAAJAAAAAAAAAAHAAAAAAAAAAAAAAAAAAAAAAAAAAAAAAAAAAAAf39/ACUAAABYAAAAAAAAAAAAAAAAAAAAAAAAAAAAAAAAAAAAAAAAAAAAAAAAAAAAAAAAAAAAAAA/AAAAAAAAAKCGAQAAAAAAAAAAAAAAAAAMAAAAAQAAAAAAAAAAAAAAAAAAAB8AAABUAAAAAAAABQAAAAEAAAAAAAAAAAAAAAAAAAAAAAAAAAAAAAAAAAAAAAAAAAAAAAJ/f38AAAAAA8zMzADAwP8Af39/AAAAAAAAAAAAAAAAAAAAAAAAAAAAIQAAABgAAAAUAAAAwAMAANgJAABARwAAsCUAABAAAAAmAAAACAAAAAAAAAAAAAAAMAAAABQAAAAAAAAAAAD//wAAAQAAAP//AAABAA=="/>
+                <pr:smNativeData xmlns:pr="smNativeData" xmlns="smNativeData" val="SMDATA_16_haKDZxMAAAAlAAAAZAAAAA8BAAAAkAAAAEgAAACQAAAASAAAAAAAAAAAAAAAAAAAAAEAAABQAAAAAAAAAAAA4D8AAAAAAADgPwAAAAAAAOA/AAAAAAAA4D8AAAAAAADgPwAAAAAAAOA/AAAAAAAA4D8AAAAAAADgPwAAAAAAAOA/AAAAAAAA4D8CAAAAjAAAAAAAAAAAAAAAu+DjDP///wgAAAAAAAAAAAAAAAAAAAAAAAAAAAAAAAAAAAAAZAAAAAEAAABAAAAAAAAAAAAAAAAAAAAAAAAAAAAAAAAAAAAAAAAAAAAAAAAAAAAAAAAAAAAAAAAAAAAAAAAAAAAAAAAAAAAAAAAAAAAAAAAAAAAAAAAAAAAAAAAAAAAAFAAAADwAAAAAAAAAAAAAAAAAAAkUAAAAAQAAABQAAAAUAAAAFAAAAAEAAAAAAAAAZAAAAGQAAAAAAAAAZAAAAGQAAAAVAAAAYAAAAAAAAAAAAAAADwAAACADAAAAAAAAAAAAAAEAAACgMgAAVgcAAKr4//8BAAAAf39/AAEAAABkAAAAAAAAABQAAABAHwAAAAAAACYAAAAAAAAAwOD//wAAAAAmAAAAZAAAABYAAABMAAAAAAAAAAAAAAAEAAAAAAAAAAEAAACAgIAKAAAAACgAAAAoAAAAZAAAAGQAAAAAAAAAzMzMAAAAAABQAAAAUAAAAGQAAABkAAAAAAAAABcAAAAUAAAAAAAAAAAAAAD/fwAA/38AAAAAAAAJAAAABAAAAAAAAAAeAAAAaAAAAAAAAAAAAAAAAAAAAAAAAAAAAAAAECcAABAnAAAAAAAAAAAAAAAAAAAAAAAAAAAAAAAAAAAAAAAAAAAAABQAAAAAAAAAwMD/AAAAAABkAAAAMgAAAAAAAABkAAAAAAAAAH9/fwAKAAAAIgAAABgAAAAAAAAAAAAAAAAAAAAAAAAAAAAAAAAAAAAkAAAAJAAAAAAAAAAHAAAAAAAAAAAAAAAAAAAAAAAAAAAAAAAAAAAAf39/ACUAAABYAAAAAAAAAAAAAAAAAAAAAAAAAAAAAAAAAAAAAAAAAAAAAAAAAAAAAAAAAAAAAAA/AAAAAAAAAKCGAQAAAAAAAAAAAAAAAAAMAAAAAQAAAAAAAAAAAAAAAAAAAB8AAABUAAAAAAAABQAAAAEAAAAAAAAAAAAAAAAAAAAAAAAAAAAAAAAAAAAAAAAAAAAAAAJ/f38AAAAAA8zMzADAwP8Af39/AAAAAAAAAAAAAAAAAAAAAAAAAAAAIQAAABgAAAAUAAAAwAMAANgJAABARwAAsCUAABAAAAAmAAAACAAAAAAAAAAAAAAAMAAAABQAAAAAAAAAAAD//wAAAQAAAP//AAABAA=="/>
               </a:ext>
             </a:extLst>
           </p:cNvSpPr>
@@ -905,7 +905,7 @@
             <a:spLocks noGrp="1" noChangeArrowheads="1"/>
             <a:extLst>
               <a:ext uri="smNativeData">
-                <pr:smNativeData xmlns:pr="smNativeData" xmlns="smNativeData" val="SMDATA_16_zYh+ZxMAAAAlAAAAZAAAAA8BAAAAkAAAAEgAAACQAAAASAAAAAAAAAABAAAAAAAAAAEAAABQAAAAAAAAAAAA4D8AAAAAAADgPwAAAAAAAOA/AAAAAAAA4D8AAAAAAADgPwAAAAAAAOA/AAAAAAAA4D8AAAAAAADgPwAAAAAAAOA/AAAAAAAA4D8CAAAAjAAAAAAAAAAAAAAAu+DjDP///wgAAAAAAAAAAAAAAAAAAAAAAAAAAAAAAAAAAAAAZAAAAAEAAABAAAAAAAAAAAAAAAAAAAAAAAAAAAAAAAAAAAAAAAAAAAAAAAAAAAAAAAAAAAAAAAAAAAAAAAAAAAAAAAAAAAAAAAAAAAAAAAAAAAAAAAAAAAAAAAAAAAAAFAAAADwAAAAAAAAAAAAAAAAAAAkUAAAAAQAAABQAAAAUAAAAFAAAAAEAAAAAAAAAZAAAAGQAAAAAAAAAZAAAAGQAAAAVAAAAYAAAAAAAAAAAAAAADwAAACADAAAAAAAAAAAAAAEAAACgMgAAVgcAAKr4//8BAAAAf39/AAEAAABkAAAAAAAAABQAAABAHwAAAAAAACYAAAAAAAAAwOD//wAAAAAmAAAAZAAAABYAAABMAAAAAAAAAAAAAAAEAAAAAAAAAAEAAACAgIAKAAAAACgAAAAoAAAAZAAAAGQAAAAAAAAAzMzMAAAAAABQAAAAUAAAAGQAAABkAAAAAAAAABcAAAAUAAAAAAAAAAAAAAD/fwAA/38AAAAAAAAJAAAABAAAANw7IAEeAAAAaAAAAAAAAAAAAAAAAAAAAAAAAAAAAAAAECcAABAnAAAAAAAAAAAAAAAAAAAAAAAAAAAAAAAAAAAAAAAAAAAAABQAAAAAAAAAwMD/AAAAAABkAAAAMgAAAAAAAABkAAAAAAAAAH9/fwAKAAAAIgAAABgAAAAAAAAAAAAAAAAAAAAAAAAAAAAAAAAAAAAkAAAAJAAAAAAAAAAHAAAAAAAAAAAAAAAAAAAAAAAAAAAAAAAAAAAAf39/ACUAAABYAAAAAAAAAAAAAAAAAAAAAAAAAAAAAAAAAAAAAAAAAAAAAAAAAAAAAAAAAAAAAAA/AAAAAAAAAKCGAQAAAAAAAAAAAAAAAAAMAAAAAQAAAAAAAAAAAAAAAAAAAB8AAABUAAAAAAAABQAAAAEAAAAAAAAAAAAAAAAAAAAAAAAAAAAAAAAAAAAAAAAAAAAAAAJ/f38AAAAAA8zMzADAwP8Af39/AAAAAAAAAAAAAAAAAAAAAAAAAAAAIQAAABgAAAAUAAAAwAMAABsnAAA/FQAAWSkAABAAAAAmAAAACAAAAAAAAAAAAAAAMAAAABQAAAAAAAAAAAD//wAAAQAAAP//AAABAA=="/>
+                <pr:smNativeData xmlns:pr="smNativeData" xmlns="smNativeData" val="SMDATA_16_haKDZxMAAAAlAAAAZAAAAA8BAAAAkAAAAEgAAACQAAAASAAAAAAAAAABAAAAAAAAAAEAAABQAAAAAAAAAAAA4D8AAAAAAADgPwAAAAAAAOA/AAAAAAAA4D8AAAAAAADgPwAAAAAAAOA/AAAAAAAA4D8AAAAAAADgPwAAAAAAAOA/AAAAAAAA4D8CAAAAjAAAAAAAAAAAAAAAu+DjDP///wgAAAAAAAAAAAAAAAAAAAAAAAAAAAAAAAAAAAAAZAAAAAEAAABAAAAAAAAAAAAAAAAAAAAAAAAAAAAAAAAAAAAAAAAAAAAAAAAAAAAAAAAAAAAAAAAAAAAAAAAAAAAAAAAAAAAAAAAAAAAAAAAAAAAAAAAAAAAAAAAAAAAAFAAAADwAAAAAAAAAAAAAAAAAAAkUAAAAAQAAABQAAAAUAAAAFAAAAAEAAAAAAAAAZAAAAGQAAAAAAAAAZAAAAGQAAAAVAAAAYAAAAAAAAAAAAAAADwAAACADAAAAAAAAAAAAAAEAAACgMgAAVgcAAKr4//8BAAAAf39/AAEAAABkAAAAAAAAABQAAABAHwAAAAAAACYAAAAAAAAAwOD//wAAAAAmAAAAZAAAABYAAABMAAAAAAAAAAAAAAAEAAAAAAAAAAEAAACAgIAKAAAAACgAAAAoAAAAZAAAAGQAAAAAAAAAzMzMAAAAAABQAAAAUAAAAGQAAABkAAAAAAAAABcAAAAUAAAAAAAAAAAAAAD/fwAA/38AAAAAAAAJAAAABAAAANw7IAEeAAAAaAAAAAAAAAAAAAAAAAAAAAAAAAAAAAAAECcAABAnAAAAAAAAAAAAAAAAAAAAAAAAAAAAAAAAAAAAAAAAAAAAABQAAAAAAAAAwMD/AAAAAABkAAAAMgAAAAAAAABkAAAAAAAAAH9/fwAKAAAAIgAAABgAAAAAAAAAAAAAAAAAAAAAAAAAAAAAAAAAAAAkAAAAJAAAAAAAAAAHAAAAAAAAAAAAAAAAAAAAAAAAAAAAAAAAAAAAf39/ACUAAABYAAAAAAAAAAAAAAAAAAAAAAAAAAAAAAAAAAAAAAAAAAAAAAAAAAAAAAAAAAAAAAA/AAAAAAAAAKCGAQAAAAAAAAAAAAAAAAAMAAAAAQAAAAAAAAAAAAAAAAAAAB8AAABUAAAAAAAABQAAAAEAAAAAAAAAAAAAAAAAAAAAAAAAAAAAAAAAAAAAAAAAAAAAAAJ/f38AAAAAA8zMzADAwP8Af39/AAAAAAAAAAAAAAAAAAAAAAAAAAAAIQAAABgAAAAUAAAAwAMAABsnAAA/FQAAWSkAABAAAAAmAAAACAAAAAAAAAAAAAAAMAAAABQAAAAAAAAAAAD//wAAAQAAAP//AAABAA=="/>
               </a:ext>
             </a:extLst>
           </p:cNvSpPr>
@@ -919,7 +919,7 @@
           <a:lstStyle/>
           <a:p>
             <a:pPr/>
-            <a:fld id="{3F8C43B7-F9D2-D9B5-9C34-0FE00D7A6A5A}" type="datetime1">
+            <a:fld id="{3F590FF4-BAD2-0CF9-9CE1-4CAC41AF6A19}" type="datetime1">
               <a:t/>
             </a:fld>
           </a:p>
@@ -932,7 +932,7 @@
             <a:spLocks noGrp="1" noChangeArrowheads="1"/>
             <a:extLst>
               <a:ext uri="smNativeData">
-                <pr:smNativeData xmlns:pr="smNativeData" xmlns="smNativeData" val="SMDATA_16_zYh+ZxMAAAAlAAAAZAAAAA8BAAAAkAAAAEgAAACQAAAASAAAAAAAAAABAAAAAAAAAAEAAABQAAAAAAAAAAAA4D8AAAAAAADgPwAAAAAAAOA/AAAAAAAA4D8AAAAAAADgPwAAAAAAAOA/AAAAAAAA4D8AAAAAAADgPwAAAAAAAOA/AAAAAAAA4D8CAAAAjAAAAAAAAAAAAAAAu+DjDP///wgAAAAAAAAAAAAAAAAAAAAAAAAAAAAAAAAAAAAAZAAAAAEAAABAAAAAAAAAAAAAAAAAAAAAAAAAAAAAAAAAAAAAAAAAAAAAAAAAAAAAAAAAAAAAAAAAAAAAAAAAAAAAAAAAAAAAAAAAAAAAAAAAAAAAAAAAAAAAAAAAAAAAFAAAADwAAAAAAAAAAAAAAAAAAAkUAAAAAQAAABQAAAAUAAAAFAAAAAEAAAAAAAAAZAAAAGQAAAAAAAAAZAAAAGQAAAAVAAAAYAAAAAAAAAAAAAAADwAAACADAAAAAAAAAAAAAAEAAACgMgAAVgcAAKr4//8BAAAAf39/AAEAAABkAAAAAAAAABQAAABAHwAAAAAAACYAAAAAAAAAwOD//wAAAAAmAAAAZAAAABYAAABMAAAAAAAAAAAAAAAEAAAAAAAAAAEAAACAgIAKAAAAACgAAAAoAAAAZAAAAGQAAAAAAAAAzMzMAAAAAABQAAAAUAAAAGQAAABkAAAAAAAAABcAAAAUAAAAAAAAAAAAAAD/fwAA/38AAAAAAAAJAAAABAAAANw7IAEeAAAAaAAAAAAAAAAAAAAAAAAAAAAAAAAAAAAAECcAABAnAAAAAAAAAAAAAAAAAAAAAAAAAAAAAAAAAAAAAAAAAAAAABQAAAAAAAAAwMD/AAAAAABkAAAAMgAAAAAAAABkAAAAAAAAAH9/fwAKAAAAIgAAABgAAAAAAAAAAAAAAAAAAAAAAAAAAAAAAAAAAAAkAAAAJAAAAAAAAAAHAAAAAAAAAAAAAAAAAAAAAAAAAAAAAAAAAAAAf39/ACUAAABYAAAAAAAAAAAAAAAAAAAAAAAAAAAAAAAAAAAAAAAAAAAAAAAAAAAAAAAAAAAAAAA/AAAAAAAAAKCGAQAAAAAAAAAAAAAAAAAMAAAAAQAAAAAAAAAAAAAAAAAAAB8AAABUAAAAAAAABQAAAAEAAAAAAAAAAAAAAAAAAAAAAAAAAAAAAAAAAAAAAAAAAAAAAAJ/f38AAAAAA8zMzADAwP8Af39/AAAAAAAAAAAAAAAAAAAAAAAAAAAAIQAAABgAAAAUAAAAoRkAABsnAABfMQAAWSkAABAAAAAmAAAACAAAAAAAAAAAAAAAMAAAABQAAAAAAAAAAAD//wAAAQAAAP//AAABAA=="/>
+                <pr:smNativeData xmlns:pr="smNativeData" xmlns="smNativeData" val="SMDATA_16_haKDZxMAAAAlAAAAZAAAAA8BAAAAkAAAAEgAAACQAAAASAAAAAAAAAABAAAAAAAAAAEAAABQAAAAAAAAAAAA4D8AAAAAAADgPwAAAAAAAOA/AAAAAAAA4D8AAAAAAADgPwAAAAAAAOA/AAAAAAAA4D8AAAAAAADgPwAAAAAAAOA/AAAAAAAA4D8CAAAAjAAAAAAAAAAAAAAAu+DjDP///wgAAAAAAAAAAAAAAAAAAAAAAAAAAAAAAAAAAAAAZAAAAAEAAABAAAAAAAAAAAAAAAAAAAAAAAAAAAAAAAAAAAAAAAAAAAAAAAAAAAAAAAAAAAAAAAAAAAAAAAAAAAAAAAAAAAAAAAAAAAAAAAAAAAAAAAAAAAAAAAAAAAAAFAAAADwAAAAAAAAAAAAAAAAAAAkUAAAAAQAAABQAAAAUAAAAFAAAAAEAAAAAAAAAZAAAAGQAAAAAAAAAZAAAAGQAAAAVAAAAYAAAAAAAAAAAAAAADwAAACADAAAAAAAAAAAAAAEAAACgMgAAVgcAAKr4//8BAAAAf39/AAEAAABkAAAAAAAAABQAAABAHwAAAAAAACYAAAAAAAAAwOD//wAAAAAmAAAAZAAAABYAAABMAAAAAAAAAAAAAAAEAAAAAAAAAAEAAACAgIAKAAAAACgAAAAoAAAAZAAAAGQAAAAAAAAAzMzMAAAAAABQAAAAUAAAAGQAAABkAAAAAAAAABcAAAAUAAAAAAAAAAAAAAD/fwAA/38AAAAAAAAJAAAABAAAANw7IAEeAAAAaAAAAAAAAAAAAAAAAAAAAAAAAAAAAAAAECcAABAnAAAAAAAAAAAAAAAAAAAAAAAAAAAAAAAAAAAAAAAAAAAAABQAAAAAAAAAwMD/AAAAAABkAAAAMgAAAAAAAABkAAAAAAAAAH9/fwAKAAAAIgAAABgAAAAAAAAAAAAAAAAAAAAAAAAAAAAAAAAAAAAkAAAAJAAAAAAAAAAHAAAAAAAAAAAAAAAAAAAAAAAAAAAAAAAAAAAAf39/ACUAAABYAAAAAAAAAAAAAAAAAAAAAAAAAAAAAAAAAAAAAAAAAAAAAAAAAAAAAAAAAAAAAAA/AAAAAAAAAKCGAQAAAAAAAAAAAAAAAAAMAAAAAQAAAAAAAAAAAAAAAAAAAB8AAABUAAAAAAAABQAAAAEAAAAAAAAAAAAAAAAAAAAAAAAAAAAAAAAAAAAAAAAAAAAAAAJ/f38AAAAAA8zMzADAwP8Af39/AAAAAAAAAAAAAAAAAAAAAAAAAAAAIQAAABgAAAAUAAAAoRkAABsnAABfMQAAWSkAABAAAAAmAAAACAAAAAAAAAAAAAAAMAAAABQAAAAAAAAAAAD//wAAAQAAAP//AAABAA=="/>
               </a:ext>
             </a:extLst>
           </p:cNvSpPr>
@@ -956,7 +956,7 @@
             <a:spLocks noGrp="1" noChangeArrowheads="1"/>
             <a:extLst>
               <a:ext uri="smNativeData">
-                <pr:smNativeData xmlns:pr="smNativeData" xmlns="smNativeData" val="SMDATA_16_zYh+ZxMAAAAlAAAAZAAAAA8BAAAAkAAAAEgAAACQAAAASAAAAAAAAAABAAAAAAAAAAEAAABQAAAAAAAAAAAA4D8AAAAAAADgPwAAAAAAAOA/AAAAAAAA4D8AAAAAAADgPwAAAAAAAOA/AAAAAAAA4D8AAAAAAADgPwAAAAAAAOA/AAAAAAAA4D8CAAAAjAAAAAAAAAAAAAAAu+DjDP///wgAAAAAAAAAAAAAAAAAAAAAAAAAAAAAAAAAAAAAZAAAAAEAAABAAAAAAAAAAAAAAAAAAAAAAAAAAAAAAAAAAAAAAAAAAAAAAAAAAAAAAAAAAAAAAAAAAAAAAAAAAAAAAAAAAAAAAAAAAAAAAAAAAAAAAAAAAAAAAAAAAAAAFAAAADwAAAAAAAAAAAAAAAAAAAkUAAAAAQAAABQAAAAUAAAAFAAAAAEAAAAAAAAAZAAAAGQAAAAAAAAAZAAAAGQAAAAVAAAAYAAAAAAAAAAAAAAADwAAACADAAAAAAAAAAAAAAEAAACgMgAAVgcAAKr4//8BAAAAf39/AAEAAABkAAAAAAAAABQAAABAHwAAAAAAACYAAAAAAAAAwOD//wAAAAAmAAAAZAAAABYAAABMAAAAAAAAAAAAAAAEAAAAAAAAAAEAAACAgIAKAAAAACgAAAAoAAAAZAAAAGQAAAAAAAAAzMzMAAAAAABQAAAAUAAAAGQAAABkAAAAAAAAABcAAAAUAAAAAAAAAAAAAAD/fwAA/38AAAAAAAAJAAAABAAAAAAAAAAeAAAAaAAAAAAAAAAAAAAAAAAAAAAAAAAAAAAAECcAABAnAAAAAAAAAAAAAAAAAAAAAAAAAAAAAAAAAAAAAAAAAAAAABQAAAAAAAAAwMD/AAAAAABkAAAAMgAAAAAAAABkAAAAAAAAAH9/fwAKAAAAIgAAABgAAAAAAAAAAAAAAAAAAAAAAAAAAAAAAAAAAAAkAAAAJAAAAAAAAAAHAAAAAAAAAAAAAAAAAAAAAAAAAAAAAAAAAAAAf39/ACUAAABYAAAAAAAAAAAAAAAAAAAAAAAAAAAAAAAAAAAAAAAAAAAAAAAAAAAAAAAAAAAAAAA/AAAAAAAAAKCGAQAAAAAAAAAAAAAAAAAMAAAAAQAAAAAAAAAAAAAAAAAAAB8AAABUAAAAAAAABQAAAAEAAAAAAAAAAAAAAAAAAAAAAAAAAAAAAAAAAAAAAAAAAAAAAAJ/f38AAAAAA8zMzADAwP8Af39/AAAAAAAAAAAAAAAAAAAAAAAAAAAAIQAAABgAAAAUAAAAwTUAABsnAABARwAAWSkAABAAAAAmAAAACAAAAAAAAAAAAAAAMAAAABQAAAAAAAAAAAD//wAAAQAAAP//AAABAA=="/>
+                <pr:smNativeData xmlns:pr="smNativeData" xmlns="smNativeData" val="SMDATA_16_haKDZxMAAAAlAAAAZAAAAA8BAAAAkAAAAEgAAACQAAAASAAAAAAAAAABAAAAAAAAAAEAAABQAAAAAAAAAAAA4D8AAAAAAADgPwAAAAAAAOA/AAAAAAAA4D8AAAAAAADgPwAAAAAAAOA/AAAAAAAA4D8AAAAAAADgPwAAAAAAAOA/AAAAAAAA4D8CAAAAjAAAAAAAAAAAAAAAu+DjDP///wgAAAAAAAAAAAAAAAAAAAAAAAAAAAAAAAAAAAAAZAAAAAEAAABAAAAAAAAAAAAAAAAAAAAAAAAAAAAAAAAAAAAAAAAAAAAAAAAAAAAAAAAAAAAAAAAAAAAAAAAAAAAAAAAAAAAAAAAAAAAAAAAAAAAAAAAAAAAAAAAAAAAAFAAAADwAAAAAAAAAAAAAAAAAAAkUAAAAAQAAABQAAAAUAAAAFAAAAAEAAAAAAAAAZAAAAGQAAAAAAAAAZAAAAGQAAAAVAAAAYAAAAAAAAAAAAAAADwAAACADAAAAAAAAAAAAAAEAAACgMgAAVgcAAKr4//8BAAAAf39/AAEAAABkAAAAAAAAABQAAABAHwAAAAAAACYAAAAAAAAAwOD//wAAAAAmAAAAZAAAABYAAABMAAAAAAAAAAAAAAAEAAAAAAAAAAEAAACAgIAKAAAAACgAAAAoAAAAZAAAAGQAAAAAAAAAzMzMAAAAAABQAAAAUAAAAGQAAABkAAAAAAAAABcAAAAUAAAAAAAAAAAAAAD/fwAA/38AAAAAAAAJAAAABAAAAAAAAAAeAAAAaAAAAAAAAAAAAAAAAAAAAAAAAAAAAAAAECcAABAnAAAAAAAAAAAAAAAAAAAAAAAAAAAAAAAAAAAAAAAAAAAAABQAAAAAAAAAwMD/AAAAAABkAAAAMgAAAAAAAABkAAAAAAAAAH9/fwAKAAAAIgAAABgAAAAAAAAAAAAAAAAAAAAAAAAAAAAAAAAAAAAkAAAAJAAAAAAAAAAHAAAAAAAAAAAAAAAAAAAAAAAAAAAAAAAAAAAAf39/ACUAAABYAAAAAAAAAAAAAAAAAAAAAAAAAAAAAAAAAAAAAAAAAAAAAAAAAAAAAAAAAAAAAAA/AAAAAAAAAKCGAQAAAAAAAAAAAAAAAAAMAAAAAQAAAAAAAAAAAAAAAAAAAB8AAABUAAAAAAAABQAAAAEAAAAAAAAAAAAAAAAAAAAAAAAAAAAAAAAAAAAAAAAAAAAAAAJ/f38AAAAAA8zMzADAwP8Af39/AAAAAAAAAAAAAAAAAAAAAAAAAAAAIQAAABgAAAAUAAAAwTUAABsnAABARwAAWSkAABAAAAAmAAAACAAAAAAAAAAAAAAAMAAAABQAAAAAAAAAAAD//wAAAQAAAP//AAABAA=="/>
               </a:ext>
             </a:extLst>
           </p:cNvSpPr>
@@ -970,7 +970,7 @@
           <a:lstStyle/>
           <a:p>
             <a:pPr/>
-            <a:fld id="{3F8C5061-2FD2-D9A6-9C34-D9F31E7A6A8C}" type="slidenum">
+            <a:fld id="{3F5900F5-BBD2-0CF6-9CE1-4DA34EAF6A18}" type="slidenum">
               <a:t/>
             </a:fld>
           </a:p>
@@ -1009,7 +1009,7 @@
             <a:spLocks noGrp="1" noChangeArrowheads="1"/>
             <a:extLst>
               <a:ext uri="smNativeData">
-                <pr:smNativeData xmlns:pr="smNativeData" xmlns="smNativeData" val="SMDATA_16_zYh+ZxMAAAAlAAAAZAAAAA8BAAAAkAAAAEgAAACQAAAASAAAAAAAAAAAAAAAAAAAAAEAAABQAAAAAAAAAAAA4D8AAAAAAADgPwAAAAAAAOA/AAAAAAAA4D8AAAAAAADgPwAAAAAAAOA/AAAAAAAA4D8AAAAAAADgPwAAAAAAAOA/AAAAAAAA4D8CAAAAjAAAAAAAAAAAAAAAu+DjDP///wgAAAAAAAAAAAAAAAAAAAAAAAAAAAAAAAAAAAAAZAAAAAEAAABAAAAAAAAAAAAAAAAAAAAAAAAAAAAAAAAAAAAAAAAAAAAAAAAAAAAAAAAAAAAAAAAAAAAAAAAAAAAAAAAAAAAAAAAAAAAAAAAAAAAAAAAAAAAAAAAAAAAAFAAAADwAAAAAAAAAAAAAAAAAAAkUAAAAAQAAABQAAAAUAAAAFAAAAAEAAAAAAAAAZAAAAGQAAAAAAAAAZAAAAGQAAAAVAAAAYAAAAAAAAAAAAAAADwAAACADAAAAAAAAAAAAAAEAAACgMgAAVgcAAKr4//8BAAAAf39/AAEAAABkAAAAAAAAABQAAABAHwAAAAAAACYAAAAAAAAAwOD//wAAAAAmAAAAZAAAABYAAABMAAAAAAAAAAAAAAAEAAAAAAAAAAEAAACAgIAKAAAAACgAAAAoAAAAZAAAAGQAAAAAAAAAzMzMAAAAAABQAAAAUAAAAGQAAABkAAAAAAAAABcAAAAUAAAAAAAAAAAAAAD/fwAA/38AAAAAAAAJAAAABAAAANw7IAEeAAAAaAAAAAAAAAAAAAAAAAAAAAAAAAAAAAAAECcAABAnAAAAAAAAAAAAAAAAAAAAAAAAAAAAAAAAAAAAAAAAAAAAABQAAAAAAAAAwMD/AAAAAABkAAAAMgAAAAAAAABkAAAAAAAAAH9/fwAKAAAAIgAAABgAAAAAAAAAAAAAAAAAAAAAAAAAAAAAAAAAAAAkAAAAJAAAAAAAAAAHAAAAAAAAAAAAAAAAAAAAAAAAAAAAAAAAAAAAf39/ACUAAABYAAAAAAAAAAAAAAAAAAAAAAAAAAAAAAAAAAAAAAAAAAAAAAAAAAAAAAAAAAAAAAA/AAAAAAAAAKCGAQAAAAAAAAAAAAAAAAAMAAAAAQAAAAAAAAAAAAAAAAAAAB8AAABUAAAAAAAABQAAAAEAAAAAAAAAAAAAAAAAAAAAAAAAAAAAAAAAAAAAAAAAAAAAAAJ/f38AAAAAA8zMzADAwP8Af39/AAAAAAAAAAAAAAAAAAAAAAAAAAAAIQAAABgAAAAUAAAA7QUAABwbAACtRQAAfSMAABAAAAAmAAAACAAAAIGAAAAAAAAAMAAAABQAAAAAAAAAAAD//wAAAQAAAP//AAABAA=="/>
+                <pr:smNativeData xmlns:pr="smNativeData" xmlns="smNativeData" val="SMDATA_16_haKDZxMAAAAlAAAAZAAAAA8BAAAAkAAAAEgAAACQAAAASAAAAAAAAAAAAAAAAAAAAAEAAABQAAAAAAAAAAAA4D8AAAAAAADgPwAAAAAAAOA/AAAAAAAA4D8AAAAAAADgPwAAAAAAAOA/AAAAAAAA4D8AAAAAAADgPwAAAAAAAOA/AAAAAAAA4D8CAAAAjAAAAAAAAAAAAAAAu+DjDP///wgAAAAAAAAAAAAAAAAAAAAAAAAAAAAAAAAAAAAAZAAAAAEAAABAAAAAAAAAAAAAAAAAAAAAAAAAAAAAAAAAAAAAAAAAAAAAAAAAAAAAAAAAAAAAAAAAAAAAAAAAAAAAAAAAAAAAAAAAAAAAAAAAAAAAAAAAAAAAAAAAAAAAFAAAADwAAAAAAAAAAAAAAAAAAAkUAAAAAQAAABQAAAAUAAAAFAAAAAEAAAAAAAAAZAAAAGQAAAAAAAAAZAAAAGQAAAAVAAAAYAAAAAAAAAAAAAAADwAAACADAAAAAAAAAAAAAAEAAACgMgAAVgcAAKr4//8BAAAAf39/AAEAAABkAAAAAAAAABQAAABAHwAAAAAAACYAAAAAAAAAwOD//wAAAAAmAAAAZAAAABYAAABMAAAAAAAAAAAAAAAEAAAAAAAAAAEAAACAgIAKAAAAACgAAAAoAAAAZAAAAGQAAAAAAAAAzMzMAAAAAABQAAAAUAAAAGQAAABkAAAAAAAAABcAAAAUAAAAAAAAAAAAAAD/fwAA/38AAAAAAAAJAAAABAAAANw7IAEeAAAAaAAAAAAAAAAAAAAAAAAAAAAAAAAAAAAAECcAABAnAAAAAAAAAAAAAAAAAAAAAAAAAAAAAAAAAAAAAAAAAAAAABQAAAAAAAAAwMD/AAAAAABkAAAAMgAAAAAAAABkAAAAAAAAAH9/fwAKAAAAIgAAABgAAAAAAAAAAAAAAAAAAAAAAAAAAAAAAAAAAAAkAAAAJAAAAAAAAAAHAAAAAAAAAAAAAAAAAAAAAAAAAAAAAAAAAAAAf39/ACUAAABYAAAAAAAAAAAAAAAAAAAAAAAAAAAAAAAAAAAAAAAAAAAAAAAAAAAAAAAAAAAAAAA/AAAAAAAAAKCGAQAAAAAAAAAAAAAAAAAMAAAAAQAAAAAAAAAAAAAAAAAAAB8AAABUAAAAAAAABQAAAAEAAAAAAAAAAAAAAAAAAAAAAAAAAAAAAAAAAAAAAAAAAAAAAAJ/f38AAAAAA8zMzADAwP8Af39/AAAAAAAAAAAAAAAAAAAAAAAAAAAAIQAAABgAAAAUAAAA7QUAABwbAACtRQAAfSMAABAAAAAmAAAACAAAAIGAAAAAAAAAMAAAABQAAAAAAAAAAAD//wAAAQAAAP//AAABAA=="/>
               </a:ext>
             </a:extLst>
           </p:cNvSpPr>
@@ -1049,7 +1049,7 @@
             <a:spLocks noGrp="1" noChangeArrowheads="1"/>
             <a:extLst>
               <a:ext uri="smNativeData">
-                <pr:smNativeData xmlns:pr="smNativeData" xmlns="smNativeData" val="SMDATA_16_zYh+ZxMAAAAlAAAAZAAAAA8BAAAAkAAAAEgAAACQAAAASAAAAAAAAAACAAAAAAAAAAEAAABQAAAAAAAAAAAA4D8AAAAAAADgPwAAAAAAAOA/AAAAAAAA4D8AAAAAAADgPwAAAAAAAOA/AAAAAAAA4D8AAAAAAADgPwAAAAAAAOA/AAAAAAAA4D8CAAAAjAAAAAAAAAAAAAAAu+DjDP///wgAAAAAAAAAAAAAAAAAAAAAAAAAAAAAAAAAAAAAZAAAAAEAAABAAAAAAAAAAAAAAAAAAAAAAAAAAAAAAAAAAAAAAAAAAAAAAAAAAAAAAAAAAAAAAAAAAAAAAAAAAAAAAAAAAAAAAAAAAAAAAAAAAAAAAAAAAAAAAAAAAAAAFAAAADwAAAAAAAAAAAAAAAAAAAkUAAAAAQAAABQAAAAUAAAAFAAAAAEAAAAAAAAAZAAAAGQAAAAAAAAAZAAAAGQAAAAVAAAAYAAAAAAAAAAAAAAADwAAACADAAAAAAAAAAAAAAEAAACgMgAAVgcAAKr4//8BAAAAf39/AAEAAABkAAAAAAAAABQAAABAHwAAAAAAACYAAAAAAAAAwOD//wAAAAAmAAAAZAAAABYAAABMAAAAAAAAAAAAAAAEAAAAAAAAAAEAAACAgIAKAAAAACgAAAAoAAAAZAAAAGQAAAAAAAAAzMzMAAAAAABQAAAAUAAAAGQAAABkAAAAAAAAABcAAAAUAAAAAAAAAAAAAAD/fwAA/38AAAAAAAAJAAAABAAAANw7IAEeAAAAaAAAAAAAAAAAAAAAAAAAAAAAAAAAAAAAECcAABAnAAAAAAAAAAAAAAAAAAAAAAAAAAAAAAAAAAAAAAAAAAAAABQAAAAAAAAAwMD/AAAAAABkAAAAMgAAAAAAAABkAAAAAAAAAH9/fwAKAAAAIgAAABgAAAAAAAAAAAAAAAAAAAAAAAAAAAAAAAAAAAAkAAAAJAAAAAAAAAAHAAAAAAAAAAAAAAAAAAAAAAAAAAAAAAAAAAAAf39/ACUAAABYAAAAAAAAAAAAAAAAAAAAAAAAAAAAAAAAAAAAAAAAAAAAAAAAAAAAAAAAAAAAAAA/AAAAAAAAAKCGAQAAAAAAAAAAAAAAAAAMAAAAAQAAAAAAAAAAAAAAAAAAAB8AAABUAAAAAAAABQAAAAEAAAAAAAAAAAAAAAAAAAAAAAAAAAAAAAAAAAAAAAAAAAAAAAJ/f38AAAAAA8zMzADAwP8Af39/AAAAAAAAAAAAAAAAAAAAAAAAAAAAIQAAABgAAAAUAAAA7QUAAOERAACtRQAAHBsAABAAAAAmAAAACAAAAIGAAAAAAAAAMAAAABQAAAAAAAAAAAD//wAAAQAAAP//AAABAA=="/>
+                <pr:smNativeData xmlns:pr="smNativeData" xmlns="smNativeData" val="SMDATA_16_haKDZxMAAAAlAAAAZAAAAA8BAAAAkAAAAEgAAACQAAAASAAAAAAAAAACAAAAAAAAAAEAAABQAAAAAAAAAAAA4D8AAAAAAADgPwAAAAAAAOA/AAAAAAAA4D8AAAAAAADgPwAAAAAAAOA/AAAAAAAA4D8AAAAAAADgPwAAAAAAAOA/AAAAAAAA4D8CAAAAjAAAAAAAAAAAAAAAu+DjDP///wgAAAAAAAAAAAAAAAAAAAAAAAAAAAAAAAAAAAAAZAAAAAEAAABAAAAAAAAAAAAAAAAAAAAAAAAAAAAAAAAAAAAAAAAAAAAAAAAAAAAAAAAAAAAAAAAAAAAAAAAAAAAAAAAAAAAAAAAAAAAAAAAAAAAAAAAAAAAAAAAAAAAAFAAAADwAAAAAAAAAAAAAAAAAAAkUAAAAAQAAABQAAAAUAAAAFAAAAAEAAAAAAAAAZAAAAGQAAAAAAAAAZAAAAGQAAAAVAAAAYAAAAAAAAAAAAAAADwAAACADAAAAAAAAAAAAAAEAAACgMgAAVgcAAKr4//8BAAAAf39/AAEAAABkAAAAAAAAABQAAABAHwAAAAAAACYAAAAAAAAAwOD//wAAAAAmAAAAZAAAABYAAABMAAAAAAAAAAAAAAAEAAAAAAAAAAEAAACAgIAKAAAAACgAAAAoAAAAZAAAAGQAAAAAAAAAzMzMAAAAAABQAAAAUAAAAGQAAABkAAAAAAAAABcAAAAUAAAAAAAAAAAAAAD/fwAA/38AAAAAAAAJAAAABAAAANw7IAEeAAAAaAAAAAAAAAAAAAAAAAAAAAAAAAAAAAAAECcAABAnAAAAAAAAAAAAAAAAAAAAAAAAAAAAAAAAAAAAAAAAAAAAABQAAAAAAAAAwMD/AAAAAABkAAAAMgAAAAAAAABkAAAAAAAAAH9/fwAKAAAAIgAAABgAAAAAAAAAAAAAAAAAAAAAAAAAAAAAAAAAAAAkAAAAJAAAAAAAAAAHAAAAAAAAAAAAAAAAAAAAAAAAAAAAAAAAAAAAf39/ACUAAABYAAAAAAAAAAAAAAAAAAAAAAAAAAAAAAAAAAAAAAAAAAAAAAAAAAAAAAAAAAAAAAA/AAAAAAAAAKCGAQAAAAAAAAAAAAAAAAAMAAAAAQAAAAAAAAAAAAAAAAAAAB8AAABUAAAAAAAABQAAAAEAAAAAAAAAAAAAAAAAAAAAAAAAAAAAAAAAAAAAAAAAAAAAAAJ/f38AAAAAA8zMzADAwP8Af39/AAAAAAAAAAAAAAAAAAAAAAAAAAAAIQAAABgAAAAUAAAA7QUAAOERAACtRQAAHBsAABAAAAAmAAAACAAAAIGAAAAAAAAAMAAAABQAAAAAAAAAAAD//wAAAQAAAP//AAABAA=="/>
               </a:ext>
             </a:extLst>
           </p:cNvSpPr>
@@ -1122,7 +1122,7 @@
             <a:spLocks noGrp="1" noChangeArrowheads="1"/>
             <a:extLst>
               <a:ext uri="smNativeData">
-                <pr:smNativeData xmlns:pr="smNativeData" xmlns="smNativeData" val="SMDATA_16_zYh+ZxMAAAAlAAAAZAAAAA8BAAAAkAAAAEgAAACQAAAASAAAAAAAAAABAAAAAAAAAAEAAABQAAAAAAAAAAAA4D8AAAAAAADgPwAAAAAAAOA/AAAAAAAA4D8AAAAAAADgPwAAAAAAAOA/AAAAAAAA4D8AAAAAAADgPwAAAAAAAOA/AAAAAAAA4D8CAAAAjAAAAAAAAAAAAAAAu+DjDP///wgAAAAAAAAAAAAAAAAAAAAAAAAAAAAAAAAAAAAAZAAAAAEAAABAAAAAAAAAAAAAAAAAAAAAAAAAAAAAAAAAAAAAAAAAAAAAAAAAAAAAAAAAAAAAAAAAAAAAAAAAAAAAAAAAAAAAAAAAAAAAAAAAAAAAAAAAAAAAAAAAAAAAFAAAADwAAAAAAAAAAAAAAAAAAAkUAAAAAQAAABQAAAAUAAAAFAAAAAEAAAAAAAAAZAAAAGQAAAAAAAAAZAAAAGQAAAAVAAAAYAAAAAAAAAAAAAAADwAAACADAAAAAAAAAAAAAAEAAACgMgAAVgcAAKr4//8BAAAAf39/AAEAAABkAAAAAAAAABQAAABAHwAAAAAAACYAAAAAAAAAwOD//wAAAAAmAAAAZAAAABYAAABMAAAAAAAAAAAAAAAEAAAAAAAAAAEAAACAgIAKAAAAACgAAAAoAAAAZAAAAGQAAAAAAAAAzMzMAAAAAABQAAAAUAAAAGQAAABkAAAAAAAAABcAAAAUAAAAAAAAAAAAAAD/fwAA/38AAAAAAAAJAAAABAAAAAAAAAAeAAAAaAAAAAAAAAAAAAAAAAAAAAAAAAAAAAAAECcAABAnAAAAAAAAAAAAAAAAAAAAAAAAAAAAAAAAAAAAAAAAAAAAABQAAAAAAAAAwMD/AAAAAABkAAAAMgAAAAAAAABkAAAAAAAAAH9/fwAKAAAAIgAAABgAAAAAAAAAAAAAAAAAAAAAAAAAAAAAAAAAAAAkAAAAJAAAAAAAAAAHAAAAAAAAAAAAAAAAAAAAAAAAAAAAAAAAAAAAf39/ACUAAABYAAAAAAAAAAAAAAAAAAAAAAAAAAAAAAAAAAAAAAAAAAAAAAAAAAAAAAAAAAAAAAA/AAAAAAAAAKCGAQAAAAAAAAAAAAAAAAAMAAAAAQAAAAAAAAAAAAAAAAAAAB8AAABUAAAAAAAABQAAAAEAAAAAAAAAAAAAAAAAAAAAAAAAAAAAAAAAAAAAAAAAAAAAAAJ/f38AAAAAA8zMzADAwP8Af39/AAAAAAAAAAAAAAAAAAAAAAAAAAAAIQAAABgAAAAUAAAAwAMAABsnAAA/FQAAWSkAABAAAAAmAAAACAAAAAAAAAAAAAAAMAAAABQAAAAAAAAAAAD//wAAAQAAAP//AAABAA=="/>
+                <pr:smNativeData xmlns:pr="smNativeData" xmlns="smNativeData" val="SMDATA_16_haKDZxMAAAAlAAAAZAAAAA8BAAAAkAAAAEgAAACQAAAASAAAAAAAAAABAAAAAAAAAAEAAABQAAAAAAAAAAAA4D8AAAAAAADgPwAAAAAAAOA/AAAAAAAA4D8AAAAAAADgPwAAAAAAAOA/AAAAAAAA4D8AAAAAAADgPwAAAAAAAOA/AAAAAAAA4D8CAAAAjAAAAAAAAAAAAAAAu+DjDP///wgAAAAAAAAAAAAAAAAAAAAAAAAAAAAAAAAAAAAAZAAAAAEAAABAAAAAAAAAAAAAAAAAAAAAAAAAAAAAAAAAAAAAAAAAAAAAAAAAAAAAAAAAAAAAAAAAAAAAAAAAAAAAAAAAAAAAAAAAAAAAAAAAAAAAAAAAAAAAAAAAAAAAFAAAADwAAAAAAAAAAAAAAAAAAAkUAAAAAQAAABQAAAAUAAAAFAAAAAEAAAAAAAAAZAAAAGQAAAAAAAAAZAAAAGQAAAAVAAAAYAAAAAAAAAAAAAAADwAAACADAAAAAAAAAAAAAAEAAACgMgAAVgcAAKr4//8BAAAAf39/AAEAAABkAAAAAAAAABQAAABAHwAAAAAAACYAAAAAAAAAwOD//wAAAAAmAAAAZAAAABYAAABMAAAAAAAAAAAAAAAEAAAAAAAAAAEAAACAgIAKAAAAACgAAAAoAAAAZAAAAGQAAAAAAAAAzMzMAAAAAABQAAAAUAAAAGQAAABkAAAAAAAAABcAAAAUAAAAAAAAAAAAAAD/fwAA/38AAAAAAAAJAAAABAAAAAAAAAAeAAAAaAAAAAAAAAAAAAAAAAAAAAAAAAAAAAAAECcAABAnAAAAAAAAAAAAAAAAAAAAAAAAAAAAAAAAAAAAAAAAAAAAABQAAAAAAAAAwMD/AAAAAABkAAAAMgAAAAAAAABkAAAAAAAAAH9/fwAKAAAAIgAAABgAAAAAAAAAAAAAAAAAAAAAAAAAAAAAAAAAAAAkAAAAJAAAAAAAAAAHAAAAAAAAAAAAAAAAAAAAAAAAAAAAAAAAAAAAf39/ACUAAABYAAAAAAAAAAAAAAAAAAAAAAAAAAAAAAAAAAAAAAAAAAAAAAAAAAAAAAAAAAAAAAA/AAAAAAAAAKCGAQAAAAAAAAAAAAAAAAAMAAAAAQAAAAAAAAAAAAAAAAAAAB8AAABUAAAAAAAABQAAAAEAAAAAAAAAAAAAAAAAAAAAAAAAAAAAAAAAAAAAAAAAAAAAAAJ/f38AAAAAA8zMzADAwP8Af39/AAAAAAAAAAAAAAAAAAAAAAAAAAAAIQAAABgAAAAUAAAAwAMAABsnAAA/FQAAWSkAABAAAAAmAAAACAAAAAAAAAAAAAAAMAAAABQAAAAAAAAAAAD//wAAAQAAAP//AAABAA=="/>
               </a:ext>
             </a:extLst>
           </p:cNvSpPr>
@@ -1136,7 +1136,7 @@
           <a:lstStyle/>
           <a:p>
             <a:pPr/>
-            <a:fld id="{3F8C4C29-67D2-D9BA-9C34-91EF027A6AC4}" type="datetime1">
+            <a:fld id="{3F5906BF-F1D2-0CF0-9CE1-07A548AF6A52}" type="datetime1">
               <a:t/>
             </a:fld>
           </a:p>
@@ -1149,7 +1149,7 @@
             <a:spLocks noGrp="1" noChangeArrowheads="1"/>
             <a:extLst>
               <a:ext uri="smNativeData">
-                <pr:smNativeData xmlns:pr="smNativeData" xmlns="smNativeData" val="SMDATA_16_zYh+ZxMAAAAlAAAAZAAAAA8BAAAAkAAAAEgAAACQAAAASAAAAAAAAAABAAAAAAAAAAEAAABQAAAAAAAAAAAA4D8AAAAAAADgPwAAAAAAAOA/AAAAAAAA4D8AAAAAAADgPwAAAAAAAOA/AAAAAAAA4D8AAAAAAADgPwAAAAAAAOA/AAAAAAAA4D8CAAAAjAAAAAAAAAAAAAAAu+DjDP///wgAAAAAAAAAAAAAAAAAAAAAAAAAAAAAAAAAAAAAZAAAAAEAAABAAAAAAAAAAAAAAAAAAAAAAAAAAAAAAAAAAAAAAAAAAAAAAAAAAAAAAAAAAAAAAAAAAAAAAAAAAAAAAAAAAAAAAAAAAAAAAAAAAAAAAAAAAAAAAAAAAAAAFAAAADwAAAAAAAAAAAAAAAAAAAkUAAAAAQAAABQAAAAUAAAAFAAAAAEAAAAAAAAAZAAAAGQAAAAAAAAAZAAAAGQAAAAVAAAAYAAAAAAAAAAAAAAADwAAACADAAAAAAAAAAAAAAEAAACgMgAAVgcAAKr4//8BAAAAf39/AAEAAABkAAAAAAAAABQAAABAHwAAAAAAACYAAAAAAAAAwOD//wAAAAAmAAAAZAAAABYAAABMAAAAAAAAAAAAAAAEAAAAAAAAAAEAAACAgIAKAAAAACgAAAAoAAAAZAAAAGQAAAAAAAAAzMzMAAAAAABQAAAAUAAAAGQAAABkAAAAAAAAABcAAAAUAAAAAAAAAAAAAAD/fwAA/38AAAAAAAAJAAAABAAAANw7IAEeAAAAaAAAAAAAAAAAAAAAAAAAAAAAAAAAAAAAECcAABAnAAAAAAAAAAAAAAAAAAAAAAAAAAAAAAAAAAAAAAAAAAAAABQAAAAAAAAAwMD/AAAAAABkAAAAMgAAAAAAAABkAAAAAAAAAH9/fwAKAAAAIgAAABgAAAAAAAAAAAAAAAAAAAAAAAAAAAAAAAAAAAAkAAAAJAAAAAAAAAAHAAAAAAAAAAAAAAAAAAAAAAAAAAAAAAAAAAAAf39/ACUAAABYAAAAAAAAAAAAAAAAAAAAAAAAAAAAAAAAAAAAAAAAAAAAAAAAAAAAAAAAAAAAAAA/AAAAAAAAAKCGAQAAAAAAAAAAAAAAAAAMAAAAAQAAAAAAAAAAAAAAAAAAAB8AAABUAAAAAAAABQAAAAEAAAAAAAAAAAAAAAAAAAAAAAAAAAAAAAAAAAAAAAAAAAAAAAJ/f38AAAAAA8zMzADAwP8Af39/AAAAAAAAAAAAAAAAAAAAAAAAAAAAIQAAABgAAAAUAAAAoRkAABsnAABfMQAAWSkAABAAAAAmAAAACAAAAAAAAAAAAAAAMAAAABQAAAAAAAAAAAD//wAAAQAAAP//AAABAA=="/>
+                <pr:smNativeData xmlns:pr="smNativeData" xmlns="smNativeData" val="SMDATA_16_haKDZxMAAAAlAAAAZAAAAA8BAAAAkAAAAEgAAACQAAAASAAAAAAAAAABAAAAAAAAAAEAAABQAAAAAAAAAAAA4D8AAAAAAADgPwAAAAAAAOA/AAAAAAAA4D8AAAAAAADgPwAAAAAAAOA/AAAAAAAA4D8AAAAAAADgPwAAAAAAAOA/AAAAAAAA4D8CAAAAjAAAAAAAAAAAAAAAu+DjDP///wgAAAAAAAAAAAAAAAAAAAAAAAAAAAAAAAAAAAAAZAAAAAEAAABAAAAAAAAAAAAAAAAAAAAAAAAAAAAAAAAAAAAAAAAAAAAAAAAAAAAAAAAAAAAAAAAAAAAAAAAAAAAAAAAAAAAAAAAAAAAAAAAAAAAAAAAAAAAAAAAAAAAAFAAAADwAAAAAAAAAAAAAAAAAAAkUAAAAAQAAABQAAAAUAAAAFAAAAAEAAAAAAAAAZAAAAGQAAAAAAAAAZAAAAGQAAAAVAAAAYAAAAAAAAAAAAAAADwAAACADAAAAAAAAAAAAAAEAAACgMgAAVgcAAKr4//8BAAAAf39/AAEAAABkAAAAAAAAABQAAABAHwAAAAAAACYAAAAAAAAAwOD//wAAAAAmAAAAZAAAABYAAABMAAAAAAAAAAAAAAAEAAAAAAAAAAEAAACAgIAKAAAAACgAAAAoAAAAZAAAAGQAAAAAAAAAzMzMAAAAAABQAAAAUAAAAGQAAABkAAAAAAAAABcAAAAUAAAAAAAAAAAAAAD/fwAA/38AAAAAAAAJAAAABAAAANw7IAEeAAAAaAAAAAAAAAAAAAAAAAAAAAAAAAAAAAAAECcAABAnAAAAAAAAAAAAAAAAAAAAAAAAAAAAAAAAAAAAAAAAAAAAABQAAAAAAAAAwMD/AAAAAABkAAAAMgAAAAAAAABkAAAAAAAAAH9/fwAKAAAAIgAAABgAAAAAAAAAAAAAAAAAAAAAAAAAAAAAAAAAAAAkAAAAJAAAAAAAAAAHAAAAAAAAAAAAAAAAAAAAAAAAAAAAAAAAAAAAf39/ACUAAABYAAAAAAAAAAAAAAAAAAAAAAAAAAAAAAAAAAAAAAAAAAAAAAAAAAAAAAAAAAAAAAA/AAAAAAAAAKCGAQAAAAAAAAAAAAAAAAAMAAAAAQAAAAAAAAAAAAAAAAAAAB8AAABUAAAAAAAABQAAAAEAAAAAAAAAAAAAAAAAAAAAAAAAAAAAAAAAAAAAAAAAAAAAAAJ/f38AAAAAA8zMzADAwP8Af39/AAAAAAAAAAAAAAAAAAAAAAAAAAAAIQAAABgAAAAUAAAAoRkAABsnAABfMQAAWSkAABAAAAAmAAAACAAAAAAAAAAAAAAAMAAAABQAAAAAAAAAAAD//wAAAQAAAP//AAABAA=="/>
               </a:ext>
             </a:extLst>
           </p:cNvSpPr>
@@ -1173,7 +1173,7 @@
             <a:spLocks noGrp="1" noChangeArrowheads="1"/>
             <a:extLst>
               <a:ext uri="smNativeData">
-                <pr:smNativeData xmlns:pr="smNativeData" xmlns="smNativeData" val="SMDATA_16_zYh+ZxMAAAAlAAAAZAAAAA8BAAAAkAAAAEgAAACQAAAASAAAAAAAAAABAAAAAAAAAAEAAABQAAAAAAAAAAAA4D8AAAAAAADgPwAAAAAAAOA/AAAAAAAA4D8AAAAAAADgPwAAAAAAAOA/AAAAAAAA4D8AAAAAAADgPwAAAAAAAOA/AAAAAAAA4D8CAAAAjAAAAAAAAAAAAAAAu+DjDP///wgAAAAAAAAAAAAAAAAAAAAAAAAAAAAAAAAAAAAAZAAAAAEAAABAAAAAAAAAAAAAAAAAAAAAAAAAAAAAAAAAAAAAAAAAAAAAAAAAAAAAAAAAAAAAAAAAAAAAAAAAAAAAAAAAAAAAAAAAAAAAAAAAAAAAAAAAAAAAAAAAAAAAFAAAADwAAAAAAAAAAAAAAAAAAAkUAAAAAQAAABQAAAAUAAAAFAAAAAEAAAAAAAAAZAAAAGQAAAAAAAAAZAAAAGQAAAAVAAAAYAAAAAAAAAAAAAAADwAAACADAAAAAAAAAAAAAAEAAACgMgAAVgcAAKr4//8BAAAAf39/AAEAAABkAAAAAAAAABQAAABAHwAAAAAAACYAAAAAAAAAwOD//wAAAAAmAAAAZAAAABYAAABMAAAAAAAAAAAAAAAEAAAAAAAAAAEAAACAgIAKAAAAACgAAAAoAAAAZAAAAGQAAAAAAAAAzMzMAAAAAABQAAAAUAAAAGQAAABkAAAAAAAAABcAAAAUAAAAAAAAAAAAAAD/fwAA/38AAAAAAAAJAAAABAAAANw7IAEeAAAAaAAAAAAAAAAAAAAAAAAAAAAAAAAAAAAAECcAABAnAAAAAAAAAAAAAAAAAAAAAAAAAAAAAAAAAAAAAAAAAAAAABQAAAAAAAAAwMD/AAAAAABkAAAAMgAAAAAAAABkAAAAAAAAAH9/fwAKAAAAIgAAABgAAAAAAAAAAAAAAAAAAAAAAAAAAAAAAAAAAAAkAAAAJAAAAAAAAAAHAAAAAAAAAAAAAAAAAAAAAAAAAAAAAAAAAAAAf39/ACUAAABYAAAAAAAAAAAAAAAAAAAAAAAAAAAAAAAAAAAAAAAAAAAAAAAAAAAAAAAAAAAAAAA/AAAAAAAAAKCGAQAAAAAAAAAAAAAAAAAMAAAAAQAAAAAAAAAAAAAAAAAAAB8AAABUAAAAAAAABQAAAAEAAAAAAAAAAAAAAAAAAAAAAAAAAAAAAAAAAAAAAAAAAAAAAAJ/f38AAAAAA8zMzADAwP8Af39/AAAAAAAAAAAAAAAAAAAAAAAAAAAAIQAAABgAAAAUAAAAwTUAABsnAABARwAAWSkAABAAAAAmAAAACAAAAAAAAAAAAAAAMAAAABQAAAAAAAAAAAD//wAAAQAAAP//AAABAA=="/>
+                <pr:smNativeData xmlns:pr="smNativeData" xmlns="smNativeData" val="SMDATA_16_haKDZxMAAAAlAAAAZAAAAA8BAAAAkAAAAEgAAACQAAAASAAAAAAAAAABAAAAAAAAAAEAAABQAAAAAAAAAAAA4D8AAAAAAADgPwAAAAAAAOA/AAAAAAAA4D8AAAAAAADgPwAAAAAAAOA/AAAAAAAA4D8AAAAAAADgPwAAAAAAAOA/AAAAAAAA4D8CAAAAjAAAAAAAAAAAAAAAu+DjDP///wgAAAAAAAAAAAAAAAAAAAAAAAAAAAAAAAAAAAAAZAAAAAEAAABAAAAAAAAAAAAAAAAAAAAAAAAAAAAAAAAAAAAAAAAAAAAAAAAAAAAAAAAAAAAAAAAAAAAAAAAAAAAAAAAAAAAAAAAAAAAAAAAAAAAAAAAAAAAAAAAAAAAAFAAAADwAAAAAAAAAAAAAAAAAAAkUAAAAAQAAABQAAAAUAAAAFAAAAAEAAAAAAAAAZAAAAGQAAAAAAAAAZAAAAGQAAAAVAAAAYAAAAAAAAAAAAAAADwAAACADAAAAAAAAAAAAAAEAAACgMgAAVgcAAKr4//8BAAAAf39/AAEAAABkAAAAAAAAABQAAABAHwAAAAAAACYAAAAAAAAAwOD//wAAAAAmAAAAZAAAABYAAABMAAAAAAAAAAAAAAAEAAAAAAAAAAEAAACAgIAKAAAAACgAAAAoAAAAZAAAAGQAAAAAAAAAzMzMAAAAAABQAAAAUAAAAGQAAABkAAAAAAAAABcAAAAUAAAAAAAAAAAAAAD/fwAA/38AAAAAAAAJAAAABAAAANw7IAEeAAAAaAAAAAAAAAAAAAAAAAAAAAAAAAAAAAAAECcAABAnAAAAAAAAAAAAAAAAAAAAAAAAAAAAAAAAAAAAAAAAAAAAABQAAAAAAAAAwMD/AAAAAABkAAAAMgAAAAAAAABkAAAAAAAAAH9/fwAKAAAAIgAAABgAAAAAAAAAAAAAAAAAAAAAAAAAAAAAAAAAAAAkAAAAJAAAAAAAAAAHAAAAAAAAAAAAAAAAAAAAAAAAAAAAAAAAAAAAf39/ACUAAABYAAAAAAAAAAAAAAAAAAAAAAAAAAAAAAAAAAAAAAAAAAAAAAAAAAAAAAAAAAAAAAA/AAAAAAAAAKCGAQAAAAAAAAAAAAAAAAAMAAAAAQAAAAAAAAAAAAAAAAAAAB8AAABUAAAAAAAABQAAAAEAAAAAAAAAAAAAAAAAAAAAAAAAAAAAAAAAAAAAAAAAAAAAAAJ/f38AAAAAA8zMzADAwP8Af39/AAAAAAAAAAAAAAAAAAAAAAAAAAAAIQAAABgAAAAUAAAAwTUAABsnAABARwAAWSkAABAAAAAmAAAACAAAAAAAAAAAAAAAMAAAABQAAAAAAAAAAAD//wAAAQAAAP//AAABAA=="/>
               </a:ext>
             </a:extLst>
           </p:cNvSpPr>
@@ -1187,7 +1187,7 @@
           <a:lstStyle/>
           <a:p>
             <a:pPr/>
-            <a:fld id="{3F8C7E4C-02D2-D988-9C34-F4DD307A6AA1}" type="slidenum">
+            <a:fld id="{3F5922F0-BED2-0CD4-9CE1-48816CAF6A1D}" type="slidenum">
               <a:t/>
             </a:fld>
           </a:p>
@@ -1226,7 +1226,7 @@
             <a:spLocks noGrp="1" noChangeArrowheads="1"/>
             <a:extLst>
               <a:ext uri="smNativeData">
-                <pr:smNativeData xmlns:pr="smNativeData" xmlns="smNativeData" val="SMDATA_16_zYh+ZxMAAAAlAAAAZAAAAA8BAAAAkAAAAEgAAACQAAAASAAAAAAAAAABAAAAAAAAAAEAAABQAAAAAAAAAAAA4D8AAAAAAADgPwAAAAAAAOA/AAAAAAAA4D8AAAAAAADgPwAAAAAAAOA/AAAAAAAA4D8AAAAAAADgPwAAAAAAAOA/AAAAAAAA4D8CAAAAjAAAAAAAAAAAAAAAu+DjDP///wgAAAAAAAAAAAAAAAAAAAAAAAAAAAAAAAAAAAAAZAAAAAEAAABAAAAAAAAAAAAAAAAAAAAAAAAAAAAAAAAAAAAAAAAAAAAAAAAAAAAAAAAAAAAAAAAAAAAAAAAAAAAAAAAAAAAAAAAAAAAAAAAAAAAAAAAAAAAAAAAAAAAAFAAAADwAAAAAAAAAAAAAAAAAAAkUAAAAAQAAABQAAAAUAAAAFAAAAAEAAAAAAAAAZAAAAGQAAAAAAAAAZAAAAGQAAAAVAAAAYAAAAAAAAAAAAAAADwAAACADAAAAAAAAAAAAAAEAAACgMgAAVgcAAKr4//8BAAAAf39/AAEAAABkAAAAAAAAABQAAABAHwAAAAAAACYAAAAAAAAAwOD//wAAAAAmAAAAZAAAABYAAABMAAAAAAAAAAAAAAAEAAAAAAAAAAEAAACAgIAKAAAAACgAAAAoAAAAZAAAAGQAAAAAAAAAzMzMAAAAAABQAAAAUAAAAGQAAABkAAAAAAAAABcAAAAUAAAAAAAAAAAAAAD/fwAA/38AAAAAAAAJAAAABAAAANw7IAEeAAAAaAAAAAAAAAAAAAAAAAAAAAAAAAAAAAAAECcAABAnAAAAAAAAAAAAAAAAAAAAAAAAAAAAAAAAAAAAAAAAAAAAABQAAAAAAAAAwMD/AAAAAABkAAAAMgAAAAAAAABkAAAAAAAAAH9/fwAKAAAAIgAAABgAAAAAAAAAAAAAAAAAAAAAAAAAAAAAAAAAAAAkAAAAJAAAAAAAAAAHAAAAAAAAAAAAAAAAAAAAAAAAAAAAAAAAAAAAf39/ACUAAABYAAAAAAAAAAAAAAAAAAAAAAAAAAAAAAAAAAAAAAAAAAAAAAAAAAAAAAAAAAAAAAA/AAAAAAAAAKCGAQAAAAAAAAAAAAAAAAAMAAAAAQAAAAAAAAAAAAAAAAAAAB8AAABUAAAAAAAABQAAAAEAAAAAAAAAAAAAAAAAAAAAAAAAAAAAAAAAAAAAAAAAAAAAAAJ/f38AAAAAA8zMzADAwP8Af39/AAAAAAAAAAAAAAAAAAAAAAAAAAAAIQAAABgAAAAUAAAAwAMAALABAABARwAAuAgAABAAAAAmAAAACAAAAAAAAAAAAAAAMAAAABQAAAAAAAAAAAD//wAAAQAAAP//AAABAA=="/>
+                <pr:smNativeData xmlns:pr="smNativeData" xmlns="smNativeData" val="SMDATA_16_haKDZxMAAAAlAAAAZAAAAA8BAAAAkAAAAEgAAACQAAAASAAAAAAAAAABAAAAAAAAAAEAAABQAAAAAAAAAAAA4D8AAAAAAADgPwAAAAAAAOA/AAAAAAAA4D8AAAAAAADgPwAAAAAAAOA/AAAAAAAA4D8AAAAAAADgPwAAAAAAAOA/AAAAAAAA4D8CAAAAjAAAAAAAAAAAAAAAu+DjDP///wgAAAAAAAAAAAAAAAAAAAAAAAAAAAAAAAAAAAAAZAAAAAEAAABAAAAAAAAAAAAAAAAAAAAAAAAAAAAAAAAAAAAAAAAAAAAAAAAAAAAAAAAAAAAAAAAAAAAAAAAAAAAAAAAAAAAAAAAAAAAAAAAAAAAAAAAAAAAAAAAAAAAAFAAAADwAAAAAAAAAAAAAAAAAAAkUAAAAAQAAABQAAAAUAAAAFAAAAAEAAAAAAAAAZAAAAGQAAAAAAAAAZAAAAGQAAAAVAAAAYAAAAAAAAAAAAAAADwAAACADAAAAAAAAAAAAAAEAAACgMgAAVgcAAKr4//8BAAAAf39/AAEAAABkAAAAAAAAABQAAABAHwAAAAAAACYAAAAAAAAAwOD//wAAAAAmAAAAZAAAABYAAABMAAAAAAAAAAAAAAAEAAAAAAAAAAEAAACAgIAKAAAAACgAAAAoAAAAZAAAAGQAAAAAAAAAzMzMAAAAAABQAAAAUAAAAGQAAABkAAAAAAAAABcAAAAUAAAAAAAAAAAAAAD/fwAA/38AAAAAAAAJAAAABAAAANw7IAEeAAAAaAAAAAAAAAAAAAAAAAAAAAAAAAAAAAAAECcAABAnAAAAAAAAAAAAAAAAAAAAAAAAAAAAAAAAAAAAAAAAAAAAABQAAAAAAAAAwMD/AAAAAABkAAAAMgAAAAAAAABkAAAAAAAAAH9/fwAKAAAAIgAAABgAAAAAAAAAAAAAAAAAAAAAAAAAAAAAAAAAAAAkAAAAJAAAAAAAAAAHAAAAAAAAAAAAAAAAAAAAAAAAAAAAAAAAAAAAf39/ACUAAABYAAAAAAAAAAAAAAAAAAAAAAAAAAAAAAAAAAAAAAAAAAAAAAAAAAAAAAAAAAAAAAA/AAAAAAAAAKCGAQAAAAAAAAAAAAAAAAAMAAAAAQAAAAAAAAAAAAAAAAAAAB8AAABUAAAAAAAABQAAAAEAAAAAAAAAAAAAAAAAAAAAAAAAAAAAAAAAAAAAAAAAAAAAAAJ/f38AAAAAA8zMzADAwP8Af39/AAAAAAAAAAAAAAAAAAAAAAAAAAAAIQAAABgAAAAUAAAAwAMAALABAABARwAAuAgAABAAAAAmAAAACAAAAAAAAAAAAAAAMAAAABQAAAAAAAAAAAD//wAAAQAAAP//AAABAA=="/>
               </a:ext>
             </a:extLst>
           </p:cNvSpPr>
@@ -1253,7 +1253,7 @@
             <a:spLocks noGrp="1" noChangeArrowheads="1"/>
             <a:extLst>
               <a:ext uri="smNativeData">
-                <pr:smNativeData xmlns:pr="smNativeData" xmlns="smNativeData" val="SMDATA_16_zYh+ZxMAAAAlAAAAZAAAAA8BAAAAkAAAAEgAAACQAAAASAAAAAAAAAAAAAAAAAAAAAEAAABQAAAAAAAAAAAA4D8AAAAAAADgPwAAAAAAAOA/AAAAAAAA4D8AAAAAAADgPwAAAAAAAOA/AAAAAAAA4D8AAAAAAADgPwAAAAAAAOA/AAAAAAAA4D8CAAAAjAAAAAAAAAAAAAAAu+DjDP///wgAAAAAAAAAAAAAAAAAAAAAAAAAAAAAAAAAAAAAZAAAAAEAAABAAAAAAAAAAAAAAAAAAAAAAAAAAAAAAAAAAAAAAAAAAAAAAAAAAAAAAAAAAAAAAAAAAAAAAAAAAAAAAAAAAAAAAAAAAAAAAAAAAAAAAAAAAAAAAAAAAAAAFAAAADwAAAAAAAAAAAAAAAAAAAkUAAAAAQAAABQAAAAUAAAAFAAAAAEAAAAAAAAAZAAAAGQAAAAAAAAAZAAAAGQAAAAVAAAAYAAAAAAAAAAAAAAADwAAACADAAAAAAAAAAAAAAEAAACgMgAAVgcAAKr4//8BAAAAf39/AAEAAABkAAAAAAAAABQAAABAHwAAAAAAACYAAAAAAAAAwOD//wAAAAAmAAAAZAAAABYAAABMAAAAAAAAAAAAAAAEAAAAAAAAAAEAAACAgIAKAAAAACgAAAAoAAAAZAAAAGQAAAAAAAAAzMzMAAAAAABQAAAAUAAAAGQAAABkAAAAAAAAABcAAAAUAAAAAAAAAAAAAAD/fwAA/38AAAAAAAAJAAAABAAAANw7IAEeAAAAaAAAAAAAAAAAAAAAAAAAAAAAAAAAAAAAECcAABAnAAAAAAAAAAAAAAAAAAAAAAAAAAAAAAAAAAAAAAAAAAAAABQAAAAAAAAAwMD/AAAAAABkAAAAMgAAAAAAAABkAAAAAAAAAH9/fwAKAAAAIgAAABgAAAAAAAAAAAAAAAAAAAAAAAAAAAAAAAAAAAAkAAAAJAAAAAAAAAAHAAAAAAAAAAAAAAAAAAAAAAAAAAAAAAAAAAAAf39/ACUAAABYAAAAAAAAAAAAAAAAAAAAAAAAAAAAAAAAAAAAAAAAAAAAAAAAAAAAAAAAAAAAAAA/AAAAAAAAAKCGAQAAAAAAAAAAAAAAAAAMAAAAAQAAAAAAAAAAAAAAAAAAAB8AAABUAAAAAAAABQAAAAEAAAAAAAAAAAAAAAAAAAAAAAAAAAAAAAAAAAAAAAAAAAAAAAJ/f38AAAAAA8zMzADAwP8Af39/AAAAAAAAAAAAAAAAAAAAAAAAAAAAIQAAABgAAAAUAAAAwAMAANgJAADhJAAAsCUAABAAAAAmAAAACAAAAAGAAAAAAAAAMAAAABQAAAAAAAAAAAD//wAAAQAAAP//AAABAA=="/>
+                <pr:smNativeData xmlns:pr="smNativeData" xmlns="smNativeData" val="SMDATA_16_haKDZxMAAAAlAAAAZAAAAA8BAAAAkAAAAEgAAACQAAAASAAAAAAAAAAAAAAAAAAAAAEAAABQAAAAAAAAAAAA4D8AAAAAAADgPwAAAAAAAOA/AAAAAAAA4D8AAAAAAADgPwAAAAAAAOA/AAAAAAAA4D8AAAAAAADgPwAAAAAAAOA/AAAAAAAA4D8CAAAAjAAAAAAAAAAAAAAAu+DjDP///wgAAAAAAAAAAAAAAAAAAAAAAAAAAAAAAAAAAAAAZAAAAAEAAABAAAAAAAAAAAAAAAAAAAAAAAAAAAAAAAAAAAAAAAAAAAAAAAAAAAAAAAAAAAAAAAAAAAAAAAAAAAAAAAAAAAAAAAAAAAAAAAAAAAAAAAAAAAAAAAAAAAAAFAAAADwAAAAAAAAAAAAAAAAAAAkUAAAAAQAAABQAAAAUAAAAFAAAAAEAAAAAAAAAZAAAAGQAAAAAAAAAZAAAAGQAAAAVAAAAYAAAAAAAAAAAAAAADwAAACADAAAAAAAAAAAAAAEAAACgMgAAVgcAAKr4//8BAAAAf39/AAEAAABkAAAAAAAAABQAAABAHwAAAAAAACYAAAAAAAAAwOD//wAAAAAmAAAAZAAAABYAAABMAAAAAAAAAAAAAAAEAAAAAAAAAAEAAACAgIAKAAAAACgAAAAoAAAAZAAAAGQAAAAAAAAAzMzMAAAAAABQAAAAUAAAAGQAAABkAAAAAAAAABcAAAAUAAAAAAAAAAAAAAD/fwAA/38AAAAAAAAJAAAABAAAANw7IAEeAAAAaAAAAAAAAAAAAAAAAAAAAAAAAAAAAAAAECcAABAnAAAAAAAAAAAAAAAAAAAAAAAAAAAAAAAAAAAAAAAAAAAAABQAAAAAAAAAwMD/AAAAAABkAAAAMgAAAAAAAABkAAAAAAAAAH9/fwAKAAAAIgAAABgAAAAAAAAAAAAAAAAAAAAAAAAAAAAAAAAAAAAkAAAAJAAAAAAAAAAHAAAAAAAAAAAAAAAAAAAAAAAAAAAAAAAAAAAAf39/ACUAAABYAAAAAAAAAAAAAAAAAAAAAAAAAAAAAAAAAAAAAAAAAAAAAAAAAAAAAAAAAAAAAAA/AAAAAAAAAKCGAQAAAAAAAAAAAAAAAAAMAAAAAQAAAAAAAAAAAAAAAAAAAB8AAABUAAAAAAAABQAAAAEAAAAAAAAAAAAAAAAAAAAAAAAAAAAAAAAAAAAAAAAAAAAAAAJ/f38AAAAAA8zMzADAwP8Af39/AAAAAAAAAAAAAAAAAAAAAAAAAAAAIQAAABgAAAAUAAAAwAMAANgJAADhJAAAsCUAABAAAAAmAAAACAAAAAGAAAAAAAAAMAAAABQAAAAAAAAAAAD//wAAAQAAAP//AAABAA=="/>
               </a:ext>
             </a:extLst>
           </p:cNvSpPr>
@@ -1337,7 +1337,7 @@
             <a:spLocks noGrp="1" noChangeArrowheads="1"/>
             <a:extLst>
               <a:ext uri="smNativeData">
-                <pr:smNativeData xmlns:pr="smNativeData" xmlns="smNativeData" val="SMDATA_16_zYh+ZxMAAAAlAAAAZAAAAA8BAAAAkAAAAEgAAACQAAAASAAAAAAAAAAAAAAAAAAAAAEAAABQAAAAAAAAAAAA4D8AAAAAAADgPwAAAAAAAOA/AAAAAAAA4D8AAAAAAADgPwAAAAAAAOA/AAAAAAAA4D8AAAAAAADgPwAAAAAAAOA/AAAAAAAA4D8CAAAAjAAAAAAAAAAAAAAAu+DjDP///wgAAAAAAAAAAAAAAAAAAAAAAAAAAAAAAAAAAAAAZAAAAAEAAABAAAAAAAAAAAAAAAAAAAAAAAAAAAAAAAAAAAAAAAAAAAAAAAAAAAAAAAAAAAAAAAAAAAAAAAAAAAAAAAAAAAAAAAAAAAAAAAAAAAAAAAAAAAAAAAAAAAAAFAAAADwAAAAAAAAAAAAAAAAAAAkUAAAAAQAAABQAAAAUAAAAFAAAAAEAAAAAAAAAZAAAAGQAAAAAAAAAZAAAAGQAAAAVAAAAYAAAAAAAAAAAAAAADwAAACADAAAAAAAAAAAAAAEAAACgMgAAVgcAAKr4//8BAAAAf39/AAEAAABkAAAAAAAAABQAAABAHwAAAAAAACYAAAAAAAAAwOD//wAAAAAmAAAAZAAAABYAAABMAAAAAAAAAAAAAAAEAAAAAAAAAAEAAACAgIAKAAAAACgAAAAoAAAAZAAAAGQAAAAAAAAAzMzMAAAAAABQAAAAUAAAAGQAAABkAAAAAAAAABcAAAAUAAAAAAAAAAAAAAD/fwAA/38AAAAAAAAJAAAABAAAANw7IAEeAAAAaAAAAAAAAAAAAAAAAAAAAAAAAAAAAAAAECcAABAnAAAAAAAAAAAAAAAAAAAAAAAAAAAAAAAAAAAAAAAAAAAAABQAAAAAAAAAwMD/AAAAAABkAAAAMgAAAAAAAABkAAAAAAAAAH9/fwAKAAAAIgAAABgAAAAAAAAAAAAAAAAAAAAAAAAAAAAAAAAAAAAkAAAAJAAAAAAAAAAHAAAAAAAAAAAAAAAAAAAAAAAAAAAAAAAAAAAAf39/ACUAAABYAAAAAAAAAAAAAAAAAAAAAAAAAAAAAAAAAAAAAAAAAAAAAAAAAAAAAAAAAAAAAAA/AAAAAAAAAKCGAQAAAAAAAAAAAAAAAAAMAAAAAQAAAAAAAAAAAAAAAAAAAB8AAABUAAAAAAAABQAAAAEAAAAAAAAAAAAAAAAAAAAAAAAAAAAAAAAAAAAAAAAAAAAAAAJ/f38AAAAAA8zMzADAwP8Af39/AAAAAAAAAAAAAAAAAAAAAAAAAAAAIQAAABgAAAAUAAAAHyYAANgJAABARwAAsCUAABAAAAAmAAAACAAAAAGAAAAAAAAAMAAAABQAAAAAAAAAAAD//wAAAQAAAP//AAABAA=="/>
+                <pr:smNativeData xmlns:pr="smNativeData" xmlns="smNativeData" val="SMDATA_16_haKDZxMAAAAlAAAAZAAAAA8BAAAAkAAAAEgAAACQAAAASAAAAAAAAAAAAAAAAAAAAAEAAABQAAAAAAAAAAAA4D8AAAAAAADgPwAAAAAAAOA/AAAAAAAA4D8AAAAAAADgPwAAAAAAAOA/AAAAAAAA4D8AAAAAAADgPwAAAAAAAOA/AAAAAAAA4D8CAAAAjAAAAAAAAAAAAAAAu+DjDP///wgAAAAAAAAAAAAAAAAAAAAAAAAAAAAAAAAAAAAAZAAAAAEAAABAAAAAAAAAAAAAAAAAAAAAAAAAAAAAAAAAAAAAAAAAAAAAAAAAAAAAAAAAAAAAAAAAAAAAAAAAAAAAAAAAAAAAAAAAAAAAAAAAAAAAAAAAAAAAAAAAAAAAFAAAADwAAAAAAAAAAAAAAAAAAAkUAAAAAQAAABQAAAAUAAAAFAAAAAEAAAAAAAAAZAAAAGQAAAAAAAAAZAAAAGQAAAAVAAAAYAAAAAAAAAAAAAAADwAAACADAAAAAAAAAAAAAAEAAACgMgAAVgcAAKr4//8BAAAAf39/AAEAAABkAAAAAAAAABQAAABAHwAAAAAAACYAAAAAAAAAwOD//wAAAAAmAAAAZAAAABYAAABMAAAAAAAAAAAAAAAEAAAAAAAAAAEAAACAgIAKAAAAACgAAAAoAAAAZAAAAGQAAAAAAAAAzMzMAAAAAABQAAAAUAAAAGQAAABkAAAAAAAAABcAAAAUAAAAAAAAAAAAAAD/fwAA/38AAAAAAAAJAAAABAAAANw7IAEeAAAAaAAAAAAAAAAAAAAAAAAAAAAAAAAAAAAAECcAABAnAAAAAAAAAAAAAAAAAAAAAAAAAAAAAAAAAAAAAAAAAAAAABQAAAAAAAAAwMD/AAAAAABkAAAAMgAAAAAAAABkAAAAAAAAAH9/fwAKAAAAIgAAABgAAAAAAAAAAAAAAAAAAAAAAAAAAAAAAAAAAAAkAAAAJAAAAAAAAAAHAAAAAAAAAAAAAAAAAAAAAAAAAAAAAAAAAAAAf39/ACUAAABYAAAAAAAAAAAAAAAAAAAAAAAAAAAAAAAAAAAAAAAAAAAAAAAAAAAAAAAAAAAAAAA/AAAAAAAAAKCGAQAAAAAAAAAAAAAAAAAMAAAAAQAAAAAAAAAAAAAAAAAAAB8AAABUAAAAAAAABQAAAAEAAAAAAAAAAAAAAAAAAAAAAAAAAAAAAAAAAAAAAAAAAAAAAAJ/f38AAAAAA8zMzADAwP8Af39/AAAAAAAAAAAAAAAAAAAAAAAAAAAAIQAAABgAAAAUAAAAHyYAANgJAABARwAAsCUAABAAAAAmAAAACAAAAAGAAAAAAAAAMAAAABQAAAAAAAAAAAD//wAAAQAAAP//AAABAA=="/>
               </a:ext>
             </a:extLst>
           </p:cNvSpPr>
@@ -1421,7 +1421,7 @@
             <a:spLocks noGrp="1" noChangeArrowheads="1"/>
             <a:extLst>
               <a:ext uri="smNativeData">
-                <pr:smNativeData xmlns:pr="smNativeData" xmlns="smNativeData" val="SMDATA_16_zYh+ZxMAAAAlAAAAZAAAAA8BAAAAkAAAAEgAAACQAAAASAAAAAAAAAABAAAAAAAAAAEAAABQAAAAAAAAAAAA4D8AAAAAAADgPwAAAAAAAOA/AAAAAAAA4D8AAAAAAADgPwAAAAAAAOA/AAAAAAAA4D8AAAAAAADgPwAAAAAAAOA/AAAAAAAA4D8CAAAAjAAAAAAAAAAAAAAAu+DjDP///wgAAAAAAAAAAAAAAAAAAAAAAAAAAAAAAAAAAAAAZAAAAAEAAABAAAAAAAAAAAAAAAAAAAAAAAAAAAAAAAAAAAAAAAAAAAAAAAAAAAAAAAAAAAAAAAAAAAAAAAAAAAAAAAAAAAAAAAAAAAAAAAAAAAAAAAAAAAAAAAAAAAAAFAAAADwAAAAAAAAAAAAAAAAAAAkUAAAAAQAAABQAAAAUAAAAFAAAAAEAAAAAAAAAZAAAAGQAAAAAAAAAZAAAAGQAAAAVAAAAYAAAAAAAAAAAAAAADwAAACADAAAAAAAAAAAAAAEAAACgMgAAVgcAAKr4//8BAAAAf39/AAEAAABkAAAAAAAAABQAAABAHwAAAAAAACYAAAAAAAAAwOD//wAAAAAmAAAAZAAAABYAAABMAAAAAAAAAAAAAAAEAAAAAAAAAAEAAACAgIAKAAAAACgAAAAoAAAAZAAAAGQAAAAAAAAAzMzMAAAAAABQAAAAUAAAAGQAAABkAAAAAAAAABcAAAAUAAAAAAAAAAAAAAD/fwAA/38AAAAAAAAJAAAABAAAANw7IAEeAAAAaAAAAAAAAAAAAAAAAAAAAAAAAAAAAAAAECcAABAnAAAAAAAAAAAAAAAAAAAAAAAAAAAAAAAAAAAAAAAAAAAAABQAAAAAAAAAwMD/AAAAAABkAAAAMgAAAAAAAABkAAAAAAAAAH9/fwAKAAAAIgAAABgAAAAAAAAAAAAAAAAAAAAAAAAAAAAAAAAAAAAkAAAAJAAAAAAAAAAHAAAAAAAAAAAAAAAAAAAAAAAAAAAAAAAAAAAAf39/ACUAAABYAAAAAAAAAAAAAAAAAAAAAAAAAAAAAAAAAAAAAAAAAAAAAAAAAAAAAAAAAAAAAAA/AAAAAAAAAKCGAQAAAAAAAAAAAAAAAAAMAAAAAQAAAAAAAAAAAAAAAAAAAB8AAABUAAAAAAAABQAAAAEAAAAAAAAAAAAAAAAAAAAAAAAAAAAAAAAAAAAAAAAAAAAAAAJ/f38AAAAAA8zMzADAwP8Af39/AAAAAAAAAAAAAAAAAAAAAAAAAAAAIQAAABgAAAAUAAAAwAMAABsnAAA/FQAAWSkAABAAAAAmAAAACAAAAAAAAAAAAAAAMAAAABQAAAAAAAAAAAD//wAAAQAAAP//AAABAA=="/>
+                <pr:smNativeData xmlns:pr="smNativeData" xmlns="smNativeData" val="SMDATA_16_haKDZxMAAAAlAAAAZAAAAA8BAAAAkAAAAEgAAACQAAAASAAAAAAAAAABAAAAAAAAAAEAAABQAAAAAAAAAAAA4D8AAAAAAADgPwAAAAAAAOA/AAAAAAAA4D8AAAAAAADgPwAAAAAAAOA/AAAAAAAA4D8AAAAAAADgPwAAAAAAAOA/AAAAAAAA4D8CAAAAjAAAAAAAAAAAAAAAu+DjDP///wgAAAAAAAAAAAAAAAAAAAAAAAAAAAAAAAAAAAAAZAAAAAEAAABAAAAAAAAAAAAAAAAAAAAAAAAAAAAAAAAAAAAAAAAAAAAAAAAAAAAAAAAAAAAAAAAAAAAAAAAAAAAAAAAAAAAAAAAAAAAAAAAAAAAAAAAAAAAAAAAAAAAAFAAAADwAAAAAAAAAAAAAAAAAAAkUAAAAAQAAABQAAAAUAAAAFAAAAAEAAAAAAAAAZAAAAGQAAAAAAAAAZAAAAGQAAAAVAAAAYAAAAAAAAAAAAAAADwAAACADAAAAAAAAAAAAAAEAAACgMgAAVgcAAKr4//8BAAAAf39/AAEAAABkAAAAAAAAABQAAABAHwAAAAAAACYAAAAAAAAAwOD//wAAAAAmAAAAZAAAABYAAABMAAAAAAAAAAAAAAAEAAAAAAAAAAEAAACAgIAKAAAAACgAAAAoAAAAZAAAAGQAAAAAAAAAzMzMAAAAAABQAAAAUAAAAGQAAABkAAAAAAAAABcAAAAUAAAAAAAAAAAAAAD/fwAA/38AAAAAAAAJAAAABAAAANw7IAEeAAAAaAAAAAAAAAAAAAAAAAAAAAAAAAAAAAAAECcAABAnAAAAAAAAAAAAAAAAAAAAAAAAAAAAAAAAAAAAAAAAAAAAABQAAAAAAAAAwMD/AAAAAABkAAAAMgAAAAAAAABkAAAAAAAAAH9/fwAKAAAAIgAAABgAAAAAAAAAAAAAAAAAAAAAAAAAAAAAAAAAAAAkAAAAJAAAAAAAAAAHAAAAAAAAAAAAAAAAAAAAAAAAAAAAAAAAAAAAf39/ACUAAABYAAAAAAAAAAAAAAAAAAAAAAAAAAAAAAAAAAAAAAAAAAAAAAAAAAAAAAAAAAAAAAA/AAAAAAAAAKCGAQAAAAAAAAAAAAAAAAAMAAAAAQAAAAAAAAAAAAAAAAAAAB8AAABUAAAAAAAABQAAAAEAAAAAAAAAAAAAAAAAAAAAAAAAAAAAAAAAAAAAAAAAAAAAAAJ/f38AAAAAA8zMzADAwP8Af39/AAAAAAAAAAAAAAAAAAAAAAAAAAAAIQAAABgAAAAUAAAAwAMAABsnAAA/FQAAWSkAABAAAAAmAAAACAAAAAAAAAAAAAAAMAAAABQAAAAAAAAAAAD//wAAAQAAAP//AAABAA=="/>
               </a:ext>
             </a:extLst>
           </p:cNvSpPr>
@@ -1435,7 +1435,7 @@
           <a:lstStyle/>
           <a:p>
             <a:pPr/>
-            <a:fld id="{3F8C6C01-4FD2-D99A-9C34-B9CF227A6AEC}" type="datetime1">
+            <a:fld id="{3F591C74-3AD2-0CEA-9CE1-CCBF52AF6A99}" type="datetime1">
               <a:t/>
             </a:fld>
           </a:p>
@@ -1448,7 +1448,7 @@
             <a:spLocks noGrp="1" noChangeArrowheads="1"/>
             <a:extLst>
               <a:ext uri="smNativeData">
-                <pr:smNativeData xmlns:pr="smNativeData" xmlns="smNativeData" val="SMDATA_16_zYh+ZxMAAAAlAAAAZAAAAA8BAAAAkAAAAEgAAACQAAAASAAAAAAAAAABAAAAAAAAAAEAAABQAAAAAAAAAAAA4D8AAAAAAADgPwAAAAAAAOA/AAAAAAAA4D8AAAAAAADgPwAAAAAAAOA/AAAAAAAA4D8AAAAAAADgPwAAAAAAAOA/AAAAAAAA4D8CAAAAjAAAAAAAAAAAAAAAu+DjDP///wgAAAAAAAAAAAAAAAAAAAAAAAAAAAAAAAAAAAAAZAAAAAEAAABAAAAAAAAAAAAAAAAAAAAAAAAAAAAAAAAAAAAAAAAAAAAAAAAAAAAAAAAAAAAAAAAAAAAAAAAAAAAAAAAAAAAAAAAAAAAAAAAAAAAAAAAAAAAAAAAAAAAAFAAAADwAAAAAAAAAAAAAAAAAAAkUAAAAAQAAABQAAAAUAAAAFAAAAAEAAAAAAAAAZAAAAGQAAAAAAAAAZAAAAGQAAAAVAAAAYAAAAAAAAAAAAAAADwAAACADAAAAAAAAAAAAAAEAAACgMgAAVgcAAKr4//8BAAAAf39/AAEAAABkAAAAAAAAABQAAABAHwAAAAAAACYAAAAAAAAAwOD//wAAAAAmAAAAZAAAABYAAABMAAAAAAAAAAAAAAAEAAAAAAAAAAEAAACAgIAKAAAAACgAAAAoAAAAZAAAAGQAAAAAAAAAzMzMAAAAAABQAAAAUAAAAGQAAABkAAAAAAAAABcAAAAUAAAAAAAAAAAAAAD/fwAA/38AAAAAAAAJAAAABAAAANw7IAEeAAAAaAAAAAAAAAAAAAAAAAAAAAAAAAAAAAAAECcAABAnAAAAAAAAAAAAAAAAAAAAAAAAAAAAAAAAAAAAAAAAAAAAABQAAAAAAAAAwMD/AAAAAABkAAAAMgAAAAAAAABkAAAAAAAAAH9/fwAKAAAAIgAAABgAAAAAAAAAAAAAAAAAAAAAAAAAAAAAAAAAAAAkAAAAJAAAAAAAAAAHAAAAAAAAAAAAAAAAAAAAAAAAAAAAAAAAAAAAf39/ACUAAABYAAAAAAAAAAAAAAAAAAAAAAAAAAAAAAAAAAAAAAAAAAAAAAAAAAAAAAAAAAAAAAA/AAAAAAAAAKCGAQAAAAAAAAAAAAAAAAAMAAAAAQAAAAAAAAAAAAAAAAAAAB8AAABUAAAAAAAABQAAAAEAAAAAAAAAAAAAAAAAAAAAAAAAAAAAAAAAAAAAAAAAAAAAAAJ/f38AAAAAA8zMzADAwP8Af39/AAAAAAAAAAAAAAAAAAAAAAAAAAAAIQAAABgAAAAUAAAAoRkAABsnAABfMQAAWSkAABAAAAAmAAAACAAAAAAAAAAAAAAAMAAAABQAAAAAAAAAAAD//wAAAQAAAP//AAABAA=="/>
+                <pr:smNativeData xmlns:pr="smNativeData" xmlns="smNativeData" val="SMDATA_16_haKDZxMAAAAlAAAAZAAAAA8BAAAAkAAAAEgAAACQAAAASAAAAAAAAAABAAAAAAAAAAEAAABQAAAAAAAAAAAA4D8AAAAAAADgPwAAAAAAAOA/AAAAAAAA4D8AAAAAAADgPwAAAAAAAOA/AAAAAAAA4D8AAAAAAADgPwAAAAAAAOA/AAAAAAAA4D8CAAAAjAAAAAAAAAAAAAAAu+DjDP///wgAAAAAAAAAAAAAAAAAAAAAAAAAAAAAAAAAAAAAZAAAAAEAAABAAAAAAAAAAAAAAAAAAAAAAAAAAAAAAAAAAAAAAAAAAAAAAAAAAAAAAAAAAAAAAAAAAAAAAAAAAAAAAAAAAAAAAAAAAAAAAAAAAAAAAAAAAAAAAAAAAAAAFAAAADwAAAAAAAAAAAAAAAAAAAkUAAAAAQAAABQAAAAUAAAAFAAAAAEAAAAAAAAAZAAAAGQAAAAAAAAAZAAAAGQAAAAVAAAAYAAAAAAAAAAAAAAADwAAACADAAAAAAAAAAAAAAEAAACgMgAAVgcAAKr4//8BAAAAf39/AAEAAABkAAAAAAAAABQAAABAHwAAAAAAACYAAAAAAAAAwOD//wAAAAAmAAAAZAAAABYAAABMAAAAAAAAAAAAAAAEAAAAAAAAAAEAAACAgIAKAAAAACgAAAAoAAAAZAAAAGQAAAAAAAAAzMzMAAAAAABQAAAAUAAAAGQAAABkAAAAAAAAABcAAAAUAAAAAAAAAAAAAAD/fwAA/38AAAAAAAAJAAAABAAAANw7IAEeAAAAaAAAAAAAAAAAAAAAAAAAAAAAAAAAAAAAECcAABAnAAAAAAAAAAAAAAAAAAAAAAAAAAAAAAAAAAAAAAAAAAAAABQAAAAAAAAAwMD/AAAAAABkAAAAMgAAAAAAAABkAAAAAAAAAH9/fwAKAAAAIgAAABgAAAAAAAAAAAAAAAAAAAAAAAAAAAAAAAAAAAAkAAAAJAAAAAAAAAAHAAAAAAAAAAAAAAAAAAAAAAAAAAAAAAAAAAAAf39/ACUAAABYAAAAAAAAAAAAAAAAAAAAAAAAAAAAAAAAAAAAAAAAAAAAAAAAAAAAAAAAAAAAAAA/AAAAAAAAAKCGAQAAAAAAAAAAAAAAAAAMAAAAAQAAAAAAAAAAAAAAAAAAAB8AAABUAAAAAAAABQAAAAEAAAAAAAAAAAAAAAAAAAAAAAAAAAAAAAAAAAAAAAAAAAAAAAJ/f38AAAAAA8zMzADAwP8Af39/AAAAAAAAAAAAAAAAAAAAAAAAAAAAIQAAABgAAAAUAAAAoRkAABsnAABfMQAAWSkAABAAAAAmAAAACAAAAAAAAAAAAAAAMAAAABQAAAAAAAAAAAD//wAAAQAAAP//AAABAA=="/>
               </a:ext>
             </a:extLst>
           </p:cNvSpPr>
@@ -1472,7 +1472,7 @@
             <a:spLocks noGrp="1" noChangeArrowheads="1"/>
             <a:extLst>
               <a:ext uri="smNativeData">
-                <pr:smNativeData xmlns:pr="smNativeData" xmlns="smNativeData" val="SMDATA_16_zYh+ZxMAAAAlAAAAZAAAAA8BAAAAkAAAAEgAAACQAAAASAAAAAAAAAABAAAAAAAAAAEAAABQAAAAAAAAAAAA4D8AAAAAAADgPwAAAAAAAOA/AAAAAAAA4D8AAAAAAADgPwAAAAAAAOA/AAAAAAAA4D8AAAAAAADgPwAAAAAAAOA/AAAAAAAA4D8CAAAAjAAAAAAAAAAAAAAAu+DjDP///wgAAAAAAAAAAAAAAAAAAAAAAAAAAAAAAAAAAAAAZAAAAAEAAABAAAAAAAAAAAAAAAAAAAAAAAAAAAAAAAAAAAAAAAAAAAAAAAAAAAAAAAAAAAAAAAAAAAAAAAAAAAAAAAAAAAAAAAAAAAAAAAAAAAAAAAAAAAAAAAAAAAAAFAAAADwAAAAAAAAAAAAAAAAAAAkUAAAAAQAAABQAAAAUAAAAFAAAAAEAAAAAAAAAZAAAAGQAAAAAAAAAZAAAAGQAAAAVAAAAYAAAAAAAAAAAAAAADwAAACADAAAAAAAAAAAAAAEAAACgMgAAVgcAAKr4//8BAAAAf39/AAEAAABkAAAAAAAAABQAAABAHwAAAAAAACYAAAAAAAAAwOD//wAAAAAmAAAAZAAAABYAAABMAAAAAAAAAAAAAAAEAAAAAAAAAAEAAACAgIAKAAAAACgAAAAoAAAAZAAAAGQAAAAAAAAAzMzMAAAAAABQAAAAUAAAAGQAAABkAAAAAAAAABcAAAAUAAAAAAAAAAAAAAD/fwAA/38AAAAAAAAJAAAABAAAANw7IAEeAAAAaAAAAAAAAAAAAAAAAAAAAAAAAAAAAAAAECcAABAnAAAAAAAAAAAAAAAAAAAAAAAAAAAAAAAAAAAAAAAAAAAAABQAAAAAAAAAwMD/AAAAAABkAAAAMgAAAAAAAABkAAAAAAAAAH9/fwAKAAAAIgAAABgAAAAAAAAAAAAAAAAAAAAAAAAAAAAAAAAAAAAkAAAAJAAAAAAAAAAHAAAAAAAAAAAAAAAAAAAAAAAAAAAAAAAAAAAAf39/ACUAAABYAAAAAAAAAAAAAAAAAAAAAAAAAAAAAAAAAAAAAAAAAAAAAAAAAAAAAAAAAAAAAAA/AAAAAAAAAKCGAQAAAAAAAAAAAAAAAAAMAAAAAQAAAAAAAAAAAAAAAAAAAB8AAABUAAAAAAAABQAAAAEAAAAAAAAAAAAAAAAAAAAAAAAAAAAAAAAAAAAAAAAAAAAAAAJ/f38AAAAAA8zMzADAwP8Af39/AAAAAAAAAAAAAAAAAAAAAAAAAAAAIQAAABgAAAAUAAAAwTUAABsnAABARwAAWSkAABAAAAAmAAAACAAAAAAAAAAAAAAAMAAAABQAAAAAAAAAAAD//wAAAQAAAP//AAABAA=="/>
+                <pr:smNativeData xmlns:pr="smNativeData" xmlns="smNativeData" val="SMDATA_16_haKDZxMAAAAlAAAAZAAAAA8BAAAAkAAAAEgAAACQAAAASAAAAAAAAAABAAAAAAAAAAEAAABQAAAAAAAAAAAA4D8AAAAAAADgPwAAAAAAAOA/AAAAAAAA4D8AAAAAAADgPwAAAAAAAOA/AAAAAAAA4D8AAAAAAADgPwAAAAAAAOA/AAAAAAAA4D8CAAAAjAAAAAAAAAAAAAAAu+DjDP///wgAAAAAAAAAAAAAAAAAAAAAAAAAAAAAAAAAAAAAZAAAAAEAAABAAAAAAAAAAAAAAAAAAAAAAAAAAAAAAAAAAAAAAAAAAAAAAAAAAAAAAAAAAAAAAAAAAAAAAAAAAAAAAAAAAAAAAAAAAAAAAAAAAAAAAAAAAAAAAAAAAAAAFAAAADwAAAAAAAAAAAAAAAAAAAkUAAAAAQAAABQAAAAUAAAAFAAAAAEAAAAAAAAAZAAAAGQAAAAAAAAAZAAAAGQAAAAVAAAAYAAAAAAAAAAAAAAADwAAACADAAAAAAAAAAAAAAEAAACgMgAAVgcAAKr4//8BAAAAf39/AAEAAABkAAAAAAAAABQAAABAHwAAAAAAACYAAAAAAAAAwOD//wAAAAAmAAAAZAAAABYAAABMAAAAAAAAAAAAAAAEAAAAAAAAAAEAAACAgIAKAAAAACgAAAAoAAAAZAAAAGQAAAAAAAAAzMzMAAAAAABQAAAAUAAAAGQAAABkAAAAAAAAABcAAAAUAAAAAAAAAAAAAAD/fwAA/38AAAAAAAAJAAAABAAAANw7IAEeAAAAaAAAAAAAAAAAAAAAAAAAAAAAAAAAAAAAECcAABAnAAAAAAAAAAAAAAAAAAAAAAAAAAAAAAAAAAAAAAAAAAAAABQAAAAAAAAAwMD/AAAAAABkAAAAMgAAAAAAAABkAAAAAAAAAH9/fwAKAAAAIgAAABgAAAAAAAAAAAAAAAAAAAAAAAAAAAAAAAAAAAAkAAAAJAAAAAAAAAAHAAAAAAAAAAAAAAAAAAAAAAAAAAAAAAAAAAAAf39/ACUAAABYAAAAAAAAAAAAAAAAAAAAAAAAAAAAAAAAAAAAAAAAAAAAAAAAAAAAAAAAAAAAAAA/AAAAAAAAAKCGAQAAAAAAAAAAAAAAAAAMAAAAAQAAAAAAAAAAAAAAAAAAAB8AAABUAAAAAAAABQAAAAEAAAAAAAAAAAAAAAAAAAAAAAAAAAAAAAAAAAAAAAAAAAAAAAJ/f38AAAAAA8zMzADAwP8Af39/AAAAAAAAAAAAAAAAAAAAAAAAAAAAIQAAABgAAAAUAAAAwTUAABsnAABARwAAWSkAABAAAAAmAAAACAAAAAAAAAAAAAAAMAAAABQAAAAAAAAAAAD//wAAAQAAAP//AAABAA=="/>
               </a:ext>
             </a:extLst>
           </p:cNvSpPr>
@@ -1486,7 +1486,7 @@
           <a:lstStyle/>
           <a:p>
             <a:pPr/>
-            <a:fld id="{3F8C7F56-18D2-D989-9C34-EEDC317A6ABB}" type="slidenum">
+            <a:fld id="{3F597E7F-31D2-0C88-9CE1-C7DD30AF6A92}" type="slidenum">
               <a:t/>
             </a:fld>
           </a:p>
@@ -1525,7 +1525,7 @@
             <a:spLocks noGrp="1" noChangeArrowheads="1"/>
             <a:extLst>
               <a:ext uri="smNativeData">
-                <pr:smNativeData xmlns:pr="smNativeData" xmlns="smNativeData" val="SMDATA_16_zYh+ZxMAAAAlAAAAZAAAAA8BAAAAkAAAAEgAAACQAAAASAAAAAAAAAABAAAAAAAAAAEAAABQAAAAAAAAAAAA4D8AAAAAAADgPwAAAAAAAOA/AAAAAAAA4D8AAAAAAADgPwAAAAAAAOA/AAAAAAAA4D8AAAAAAADgPwAAAAAAAOA/AAAAAAAA4D8CAAAAjAAAAAAAAAAAAAAAu+DjDP///wgAAAAAAAAAAAAAAAAAAAAAAAAAAAAAAAAAAAAAZAAAAAEAAABAAAAAAAAAAAAAAAAAAAAAAAAAAAAAAAAAAAAAAAAAAAAAAAAAAAAAAAAAAAAAAAAAAAAAAAAAAAAAAAAAAAAAAAAAAAAAAAAAAAAAAAAAAAAAAAAAAAAAFAAAADwAAAAAAAAAAAAAAAAAAAkUAAAAAQAAABQAAAAUAAAAFAAAAAEAAAAAAAAAZAAAAGQAAAAAAAAAZAAAAGQAAAAVAAAAYAAAAAAAAAAAAAAADwAAACADAAAAAAAAAAAAAAEAAACgMgAAVgcAAKr4//8BAAAAf39/AAEAAABkAAAAAAAAABQAAABAHwAAAAAAACYAAAAAAAAAwOD//wAAAAAmAAAAZAAAABYAAABMAAAAAAAAAAAAAAAEAAAAAAAAAAEAAACAgIAKAAAAACgAAAAoAAAAZAAAAGQAAAAAAAAAzMzMAAAAAABQAAAAUAAAAGQAAABkAAAAAAAAABcAAAAUAAAAAAAAAAAAAAD/fwAA/38AAAAAAAAJAAAABAAAANw7IAEeAAAAaAAAAAAAAAAAAAAAAAAAAAAAAAAAAAAAECcAABAnAAAAAAAAAAAAAAAAAAAAAAAAAAAAAAAAAAAAAAAAAAAAABQAAAAAAAAAwMD/AAAAAABkAAAAMgAAAAAAAABkAAAAAAAAAH9/fwAKAAAAIgAAABgAAAAAAAAAAAAAAAAAAAAAAAAAAAAAAAAAAAAkAAAAJAAAAAAAAAAHAAAAAAAAAAAAAAAAAAAAAAAAAAAAAAAAAAAAf39/ACUAAABYAAAAAAAAAAAAAAAAAAAAAAAAAAAAAAAAAAAAAAAAAAAAAAAAAAAAAAAAAAAAAAA/AAAAAAAAAKCGAQAAAAAAAAAAAAAAAAAMAAAAAQAAAAAAAAAAAAAAAAAAAB8AAABUAAAAAAAABQAAAAEAAAAAAAAAAAAAAAAAAAAAAAAAAAAAAAAAAAAAAAAAAAAAAAJ/f38AAAAAA8zMzADAwP8Af39/AAAAAAAAAAAAAAAAAAAAAAAAAAAAIQAAABgAAAAUAAAAwAMAALABAABARwAAuAgAABAAAAAmAAAACAAAAAAAAAAAAAAAMAAAABQAAAAAAAAAAAD//wAAAQAAAP//AAABAA=="/>
+                <pr:smNativeData xmlns:pr="smNativeData" xmlns="smNativeData" val="SMDATA_16_haKDZxMAAAAlAAAAZAAAAA8BAAAAkAAAAEgAAACQAAAASAAAAAAAAAABAAAAAAAAAAEAAABQAAAAAAAAAAAA4D8AAAAAAADgPwAAAAAAAOA/AAAAAAAA4D8AAAAAAADgPwAAAAAAAOA/AAAAAAAA4D8AAAAAAADgPwAAAAAAAOA/AAAAAAAA4D8CAAAAjAAAAAAAAAAAAAAAu+DjDP///wgAAAAAAAAAAAAAAAAAAAAAAAAAAAAAAAAAAAAAZAAAAAEAAABAAAAAAAAAAAAAAAAAAAAAAAAAAAAAAAAAAAAAAAAAAAAAAAAAAAAAAAAAAAAAAAAAAAAAAAAAAAAAAAAAAAAAAAAAAAAAAAAAAAAAAAAAAAAAAAAAAAAAFAAAADwAAAAAAAAAAAAAAAAAAAkUAAAAAQAAABQAAAAUAAAAFAAAAAEAAAAAAAAAZAAAAGQAAAAAAAAAZAAAAGQAAAAVAAAAYAAAAAAAAAAAAAAADwAAACADAAAAAAAAAAAAAAEAAACgMgAAVgcAAKr4//8BAAAAf39/AAEAAABkAAAAAAAAABQAAABAHwAAAAAAACYAAAAAAAAAwOD//wAAAAAmAAAAZAAAABYAAABMAAAAAAAAAAAAAAAEAAAAAAAAAAEAAACAgIAKAAAAACgAAAAoAAAAZAAAAGQAAAAAAAAAzMzMAAAAAABQAAAAUAAAAGQAAABkAAAAAAAAABcAAAAUAAAAAAAAAAAAAAD/fwAA/38AAAAAAAAJAAAABAAAANw7IAEeAAAAaAAAAAAAAAAAAAAAAAAAAAAAAAAAAAAAECcAABAnAAAAAAAAAAAAAAAAAAAAAAAAAAAAAAAAAAAAAAAAAAAAABQAAAAAAAAAwMD/AAAAAABkAAAAMgAAAAAAAABkAAAAAAAAAH9/fwAKAAAAIgAAABgAAAAAAAAAAAAAAAAAAAAAAAAAAAAAAAAAAAAkAAAAJAAAAAAAAAAHAAAAAAAAAAAAAAAAAAAAAAAAAAAAAAAAAAAAf39/ACUAAABYAAAAAAAAAAAAAAAAAAAAAAAAAAAAAAAAAAAAAAAAAAAAAAAAAAAAAAAAAAAAAAA/AAAAAAAAAKCGAQAAAAAAAAAAAAAAAAAMAAAAAQAAAAAAAAAAAAAAAAAAAB8AAABUAAAAAAAABQAAAAEAAAAAAAAAAAAAAAAAAAAAAAAAAAAAAAAAAAAAAAAAAAAAAAJ/f38AAAAAA8zMzADAwP8Af39/AAAAAAAAAAAAAAAAAAAAAAAAAAAAIQAAABgAAAAUAAAAwAMAALABAABARwAAuAgAABAAAAAmAAAACAAAAAAAAAAAAAAAMAAAABQAAAAAAAAAAAD//wAAAQAAAP//AAABAA=="/>
               </a:ext>
             </a:extLst>
           </p:cNvSpPr>
@@ -1552,7 +1552,7 @@
             <a:spLocks noGrp="1" noChangeArrowheads="1"/>
             <a:extLst>
               <a:ext uri="smNativeData">
-                <pr:smNativeData xmlns:pr="smNativeData" xmlns="smNativeData" val="SMDATA_16_zYh+ZxMAAAAlAAAAZAAAAA8BAAAAkAAAAEgAAACQAAAASAAAAAAAAAACAAAAAAAAAAEAAABQAAAAAAAAAAAA4D8AAAAAAADgPwAAAAAAAOA/AAAAAAAA4D8AAAAAAADgPwAAAAAAAOA/AAAAAAAA4D8AAAAAAADgPwAAAAAAAOA/AAAAAAAA4D8CAAAAjAAAAAAAAAAAAAAAu+DjDP///wgAAAAAAAAAAAAAAAAAAAAAAAAAAAAAAAAAAAAAZAAAAAEAAABAAAAAAAAAAAAAAAAAAAAAAAAAAAAAAAAAAAAAAAAAAAAAAAAAAAAAAAAAAAAAAAAAAAAAAAAAAAAAAAAAAAAAAAAAAAAAAAAAAAAAAAAAAAAAAAAAAAAAFAAAADwAAAAAAAAAAAAAAAAAAAkUAAAAAQAAABQAAAAUAAAAFAAAAAEAAAAAAAAAZAAAAGQAAAAAAAAAZAAAAGQAAAAVAAAAYAAAAAAAAAAAAAAADwAAACADAAAAAAAAAAAAAAEAAACgMgAAVgcAAKr4//8BAAAAf39/AAEAAABkAAAAAAAAABQAAABAHwAAAAAAACYAAAAAAAAAwOD//wAAAAAmAAAAZAAAABYAAABMAAAAAAAAAAAAAAAEAAAAAAAAAAEAAACAgIAKAAAAACgAAAAoAAAAZAAAAGQAAAAAAAAAzMzMAAAAAABQAAAAUAAAAGQAAABkAAAAAAAAABcAAAAUAAAAAAAAAAAAAAD/fwAA/38AAAAAAAAJAAAABAAAANw7IAEeAAAAaAAAAAAAAAAAAAAAAAAAAAAAAAAAAAAAECcAABAnAAAAAAAAAAAAAAAAAAAAAAAAAAAAAAAAAAAAAAAAAAAAABQAAAAAAAAAwMD/AAAAAABkAAAAMgAAAAAAAABkAAAAAAAAAH9/fwAKAAAAIgAAABgAAAAAAAAAAAAAAAAAAAAAAAAAAAAAAAAAAAAkAAAAJAAAAAAAAAAHAAAAAAAAAAAAAAAAAAAAAAAAAAAAAAAAAAAAf39/ACUAAABYAAAAAAAAAAAAAAAAAAAAAAAAAAAAAAAAAAAAAAAAAAAAAAAAAAAAAAAAAAAAAAA/AAAAAAAAAKCGAQAAAAAAAAAAAAAAAAAMAAAAAQAAAAAAAAAAAAAAAAAAAB8AAABUAAAAAAAABQAAAAEAAAAAAAAAAAAAAAAAAAAAAAAAAAAAAAAAAAAAAAAAAAAAAAJ/f38AAAAAA8zMzADAwP8Af39/AAAAAAAAAAAAAAAAAAAAAAAAAAAAIQAAABgAAAAUAAAAwAMAAHEJAADjJAAAYQ0AABAAAAAmAAAACAAAAIGAAAAAAAAAMAAAABQAAAAAAAAAAAD//wAAAQAAAP//AAABAA=="/>
+                <pr:smNativeData xmlns:pr="smNativeData" xmlns="smNativeData" val="SMDATA_16_haKDZxMAAAAlAAAAZAAAAA8BAAAAkAAAAEgAAACQAAAASAAAAAAAAAACAAAAAAAAAAEAAABQAAAAAAAAAAAA4D8AAAAAAADgPwAAAAAAAOA/AAAAAAAA4D8AAAAAAADgPwAAAAAAAOA/AAAAAAAA4D8AAAAAAADgPwAAAAAAAOA/AAAAAAAA4D8CAAAAjAAAAAAAAAAAAAAAu+DjDP///wgAAAAAAAAAAAAAAAAAAAAAAAAAAAAAAAAAAAAAZAAAAAEAAABAAAAAAAAAAAAAAAAAAAAAAAAAAAAAAAAAAAAAAAAAAAAAAAAAAAAAAAAAAAAAAAAAAAAAAAAAAAAAAAAAAAAAAAAAAAAAAAAAAAAAAAAAAAAAAAAAAAAAFAAAADwAAAAAAAAAAAAAAAAAAAkUAAAAAQAAABQAAAAUAAAAFAAAAAEAAAAAAAAAZAAAAGQAAAAAAAAAZAAAAGQAAAAVAAAAYAAAAAAAAAAAAAAADwAAACADAAAAAAAAAAAAAAEAAACgMgAAVgcAAKr4//8BAAAAf39/AAEAAABkAAAAAAAAABQAAABAHwAAAAAAACYAAAAAAAAAwOD//wAAAAAmAAAAZAAAABYAAABMAAAAAAAAAAAAAAAEAAAAAAAAAAEAAACAgIAKAAAAACgAAAAoAAAAZAAAAGQAAAAAAAAAzMzMAAAAAABQAAAAUAAAAGQAAABkAAAAAAAAABcAAAAUAAAAAAAAAAAAAAD/fwAA/38AAAAAAAAJAAAABAAAANw7IAEeAAAAaAAAAAAAAAAAAAAAAAAAAAAAAAAAAAAAECcAABAnAAAAAAAAAAAAAAAAAAAAAAAAAAAAAAAAAAAAAAAAAAAAABQAAAAAAAAAwMD/AAAAAABkAAAAMgAAAAAAAABkAAAAAAAAAH9/fwAKAAAAIgAAABgAAAAAAAAAAAAAAAAAAAAAAAAAAAAAAAAAAAAkAAAAJAAAAAAAAAAHAAAAAAAAAAAAAAAAAAAAAAAAAAAAAAAAAAAAf39/ACUAAABYAAAAAAAAAAAAAAAAAAAAAAAAAAAAAAAAAAAAAAAAAAAAAAAAAAAAAAAAAAAAAAA/AAAAAAAAAKCGAQAAAAAAAAAAAAAAAAAMAAAAAQAAAAAAAAAAAAAAAAAAAB8AAABUAAAAAAAABQAAAAEAAAAAAAAAAAAAAAAAAAAAAAAAAAAAAAAAAAAAAAAAAAAAAAJ/f38AAAAAA8zMzADAwP8Af39/AAAAAAAAAAAAAAAAAAAAAAAAAAAAIQAAABgAAAAUAAAAwAMAAHEJAADjJAAAYQ0AABAAAAAmAAAACAAAAIGAAAAAAAAAMAAAABQAAAAAAAAAAAD//wAAAQAAAP//AAABAA=="/>
               </a:ext>
             </a:extLst>
           </p:cNvSpPr>
@@ -1625,7 +1625,7 @@
             <a:spLocks noGrp="1" noChangeArrowheads="1"/>
             <a:extLst>
               <a:ext uri="smNativeData">
-                <pr:smNativeData xmlns:pr="smNativeData" xmlns="smNativeData" val="SMDATA_16_zYh+ZxMAAAAlAAAAZAAAAA8BAAAAkAAAAEgAAACQAAAASAAAAAAAAAAAAAAAAAAAAAEAAABQAAAAAAAAAAAA4D8AAAAAAADgPwAAAAAAAOA/AAAAAAAA4D8AAAAAAADgPwAAAAAAAOA/AAAAAAAA4D8AAAAAAADgPwAAAAAAAOA/AAAAAAAA4D8CAAAAjAAAAAAAAAAAAAAAu+DjDP///wgAAAAAAAAAAAAAAAAAAAAAAAAAAAAAAAAAAAAAZAAAAAEAAABAAAAAAAAAAAAAAAAAAAAAAAAAAAAAAAAAAAAAAAAAAAAAAAAAAAAAAAAAAAAAAAAAAAAAAAAAAAAAAAAAAAAAAAAAAAAAAAAAAAAAAAAAAAAAAAAAAAAAFAAAADwAAAAAAAAAAAAAAAAAAAkUAAAAAQAAABQAAAAUAAAAFAAAAAEAAAAAAAAAZAAAAGQAAAAAAAAAZAAAAGQAAAAVAAAAYAAAAAAAAAAAAAAADwAAACADAAAAAAAAAAAAAAEAAACgMgAAVgcAAKr4//8BAAAAf39/AAEAAABkAAAAAAAAABQAAABAHwAAAAAAACYAAAAAAAAAwOD//wAAAAAmAAAAZAAAABYAAABMAAAAAAAAAAAAAAAEAAAAAAAAAAEAAACAgIAKAAAAACgAAAAoAAAAZAAAAGQAAAAAAAAAzMzMAAAAAABQAAAAUAAAAGQAAABkAAAAAAAAABcAAAAUAAAAAAAAAAAAAAD/fwAA/38AAAAAAAAJAAAABAAAANw7IAEeAAAAaAAAAAAAAAAAAAAAAAAAAAAAAAAAAAAAECcAABAnAAAAAAAAAAAAAAAAAAAAAAAAAAAAAAAAAAAAAAAAAAAAABQAAAAAAAAAwMD/AAAAAABkAAAAMgAAAAAAAABkAAAAAAAAAH9/fwAKAAAAIgAAABgAAAAAAAAAAAAAAAAAAAAAAAAAAAAAAAAAAAAkAAAAJAAAAAAAAAAHAAAAAAAAAAAAAAAAAAAAAAAAAAAAAAAAAAAAf39/ACUAAABYAAAAAAAAAAAAAAAAAAAAAAAAAAAAAAAAAAAAAAAAAAAAAAAAAAAAAAAAAAAAAAA/AAAAAAAAAKCGAQAAAAAAAAAAAAAAAAAMAAAAAQAAAAAAAAAAAAAAAAAAAB8AAABUAAAAAAAABQAAAAEAAAAAAAAAAAAAAAAAAAAAAAAAAAAAAAAAAAAAAAAAAAAAAAJ/f38AAAAAA8zMzADAwP8Af39/AAAAAAAAAAAAAAAAAAAAAAAAAAAAIQAAABgAAAAUAAAAwAMAAGENAADjJAAAsCUAABAAAAAmAAAACAAAAAGAAAAAAAAAMAAAABQAAAAAAAAAAAD//wAAAQAAAP//AAABAA=="/>
+                <pr:smNativeData xmlns:pr="smNativeData" xmlns="smNativeData" val="SMDATA_16_haKDZxMAAAAlAAAAZAAAAA8BAAAAkAAAAEgAAACQAAAASAAAAAAAAAAAAAAAAAAAAAEAAABQAAAAAAAAAAAA4D8AAAAAAADgPwAAAAAAAOA/AAAAAAAA4D8AAAAAAADgPwAAAAAAAOA/AAAAAAAA4D8AAAAAAADgPwAAAAAAAOA/AAAAAAAA4D8CAAAAjAAAAAAAAAAAAAAAu+DjDP///wgAAAAAAAAAAAAAAAAAAAAAAAAAAAAAAAAAAAAAZAAAAAEAAABAAAAAAAAAAAAAAAAAAAAAAAAAAAAAAAAAAAAAAAAAAAAAAAAAAAAAAAAAAAAAAAAAAAAAAAAAAAAAAAAAAAAAAAAAAAAAAAAAAAAAAAAAAAAAAAAAAAAAFAAAADwAAAAAAAAAAAAAAAAAAAkUAAAAAQAAABQAAAAUAAAAFAAAAAEAAAAAAAAAZAAAAGQAAAAAAAAAZAAAAGQAAAAVAAAAYAAAAAAAAAAAAAAADwAAACADAAAAAAAAAAAAAAEAAACgMgAAVgcAAKr4//8BAAAAf39/AAEAAABkAAAAAAAAABQAAABAHwAAAAAAACYAAAAAAAAAwOD//wAAAAAmAAAAZAAAABYAAABMAAAAAAAAAAAAAAAEAAAAAAAAAAEAAACAgIAKAAAAACgAAAAoAAAAZAAAAGQAAAAAAAAAzMzMAAAAAABQAAAAUAAAAGQAAABkAAAAAAAAABcAAAAUAAAAAAAAAAAAAAD/fwAA/38AAAAAAAAJAAAABAAAANw7IAEeAAAAaAAAAAAAAAAAAAAAAAAAAAAAAAAAAAAAECcAABAnAAAAAAAAAAAAAAAAAAAAAAAAAAAAAAAAAAAAAAAAAAAAABQAAAAAAAAAwMD/AAAAAABkAAAAMgAAAAAAAABkAAAAAAAAAH9/fwAKAAAAIgAAABgAAAAAAAAAAAAAAAAAAAAAAAAAAAAAAAAAAAAkAAAAJAAAAAAAAAAHAAAAAAAAAAAAAAAAAAAAAAAAAAAAAAAAAAAAf39/ACUAAABYAAAAAAAAAAAAAAAAAAAAAAAAAAAAAAAAAAAAAAAAAAAAAAAAAAAAAAAAAAAAAAA/AAAAAAAAAKCGAQAAAAAAAAAAAAAAAAAMAAAAAQAAAAAAAAAAAAAAAAAAAB8AAABUAAAAAAAABQAAAAEAAAAAAAAAAAAAAAAAAAAAAAAAAAAAAAAAAAAAAAAAAAAAAAJ/f38AAAAAA8zMzADAwP8Af39/AAAAAAAAAAAAAAAAAAAAAAAAAAAAIQAAABgAAAAUAAAAwAMAAGENAADjJAAAsCUAABAAAAAmAAAACAAAAAGAAAAAAAAAMAAAABQAAAAAAAAAAAD//wAAAQAAAP//AAABAA=="/>
               </a:ext>
             </a:extLst>
           </p:cNvSpPr>
@@ -1709,7 +1709,7 @@
             <a:spLocks noGrp="1" noChangeArrowheads="1"/>
             <a:extLst>
               <a:ext uri="smNativeData">
-                <pr:smNativeData xmlns:pr="smNativeData" xmlns="smNativeData" val="SMDATA_16_zYh+ZxMAAAAlAAAAZAAAAA8BAAAAkAAAAEgAAACQAAAASAAAAAAAAAACAAAAAAAAAAEAAABQAAAAAAAAAAAA4D8AAAAAAADgPwAAAAAAAOA/AAAAAAAA4D8AAAAAAADgPwAAAAAAAOA/AAAAAAAA4D8AAAAAAADgPwAAAAAAAOA/AAAAAAAA4D8CAAAAjAAAAAAAAAAAAAAAu+DjDP///wgAAAAAAAAAAAAAAAAAAAAAAAAAAAAAAAAAAAAAZAAAAAEAAABAAAAAAAAAAAAAAAAAAAAAAAAAAAAAAAAAAAAAAAAAAAAAAAAAAAAAAAAAAAAAAAAAAAAAAAAAAAAAAAAAAAAAAAAAAAAAAAAAAAAAAAAAAAAAAAAAAAAAFAAAADwAAAAAAAAAAAAAAAAAAAkUAAAAAQAAABQAAAAUAAAAFAAAAAEAAAAAAAAAZAAAAGQAAAAAAAAAZAAAAGQAAAAVAAAAYAAAAAAAAAAAAAAADwAAACADAAAAAAAAAAAAAAEAAACgMgAAVgcAAKr4//8BAAAAf39/AAEAAABkAAAAAAAAABQAAABAHwAAAAAAACYAAAAAAAAAwOD//wAAAAAmAAAAZAAAABYAAABMAAAAAAAAAAAAAAAEAAAAAAAAAAEAAACAgIAKAAAAACgAAAAoAAAAZAAAAGQAAAAAAAAAzMzMAAAAAABQAAAAUAAAAGQAAABkAAAAAAAAABcAAAAUAAAAAAAAAAAAAAD/fwAA/38AAAAAAAAJAAAABAAAANw7IAEeAAAAaAAAAAAAAAAAAAAAAAAAAAAAAAAAAAAAECcAABAnAAAAAAAAAAAAAAAAAAAAAAAAAAAAAAAAAAAAAAAAAAAAABQAAAAAAAAAwMD/AAAAAABkAAAAMgAAAAAAAABkAAAAAAAAAH9/fwAKAAAAIgAAABgAAAAAAAAAAAAAAAAAAAAAAAAAAAAAAAAAAAAkAAAAJAAAAAAAAAAHAAAAAAAAAAAAAAAAAAAAAAAAAAAAAAAAAAAAf39/ACUAAABYAAAAAAAAAAAAAAAAAAAAAAAAAAAAAAAAAAAAAAAAAAAAAAAAAAAAAAAAAAAAAAA/AAAAAAAAAKCGAQAAAAAAAAAAAAAAAAAMAAAAAQAAAAAAAAAAAAAAAAAAAB8AAABUAAAAAAAABQAAAAEAAAAAAAAAAAAAAAAAAAAAAAAAAAAAAAAAAAAAAAAAAAAAAAJ/f38AAAAAA8zMzADAwP8Af39/AAAAAAAAAAAAAAAAAAAAAAAAAAAAIQAAABgAAAAUAAAAHSYAAHEJAABARwAAYQ0AABAAAAAmAAAACAAAAIGAAAAAAAAAMAAAABQAAAAAAAAAAAD//wAAAQAAAP//AAABAA=="/>
+                <pr:smNativeData xmlns:pr="smNativeData" xmlns="smNativeData" val="SMDATA_16_haKDZxMAAAAlAAAAZAAAAA8BAAAAkAAAAEgAAACQAAAASAAAAAAAAAACAAAAAAAAAAEAAABQAAAAAAAAAAAA4D8AAAAAAADgPwAAAAAAAOA/AAAAAAAA4D8AAAAAAADgPwAAAAAAAOA/AAAAAAAA4D8AAAAAAADgPwAAAAAAAOA/AAAAAAAA4D8CAAAAjAAAAAAAAAAAAAAAu+DjDP///wgAAAAAAAAAAAAAAAAAAAAAAAAAAAAAAAAAAAAAZAAAAAEAAABAAAAAAAAAAAAAAAAAAAAAAAAAAAAAAAAAAAAAAAAAAAAAAAAAAAAAAAAAAAAAAAAAAAAAAAAAAAAAAAAAAAAAAAAAAAAAAAAAAAAAAAAAAAAAAAAAAAAAFAAAADwAAAAAAAAAAAAAAAAAAAkUAAAAAQAAABQAAAAUAAAAFAAAAAEAAAAAAAAAZAAAAGQAAAAAAAAAZAAAAGQAAAAVAAAAYAAAAAAAAAAAAAAADwAAACADAAAAAAAAAAAAAAEAAACgMgAAVgcAAKr4//8BAAAAf39/AAEAAABkAAAAAAAAABQAAABAHwAAAAAAACYAAAAAAAAAwOD//wAAAAAmAAAAZAAAABYAAABMAAAAAAAAAAAAAAAEAAAAAAAAAAEAAACAgIAKAAAAACgAAAAoAAAAZAAAAGQAAAAAAAAAzMzMAAAAAABQAAAAUAAAAGQAAABkAAAAAAAAABcAAAAUAAAAAAAAAAAAAAD/fwAA/38AAAAAAAAJAAAABAAAANw7IAEeAAAAaAAAAAAAAAAAAAAAAAAAAAAAAAAAAAAAECcAABAnAAAAAAAAAAAAAAAAAAAAAAAAAAAAAAAAAAAAAAAAAAAAABQAAAAAAAAAwMD/AAAAAABkAAAAMgAAAAAAAABkAAAAAAAAAH9/fwAKAAAAIgAAABgAAAAAAAAAAAAAAAAAAAAAAAAAAAAAAAAAAAAkAAAAJAAAAAAAAAAHAAAAAAAAAAAAAAAAAAAAAAAAAAAAAAAAAAAAf39/ACUAAABYAAAAAAAAAAAAAAAAAAAAAAAAAAAAAAAAAAAAAAAAAAAAAAAAAAAAAAAAAAAAAAA/AAAAAAAAAKCGAQAAAAAAAAAAAAAAAAAMAAAAAQAAAAAAAAAAAAAAAAAAAB8AAABUAAAAAAAABQAAAAEAAAAAAAAAAAAAAAAAAAAAAAAAAAAAAAAAAAAAAAAAAAAAAAJ/f38AAAAAA8zMzADAwP8Af39/AAAAAAAAAAAAAAAAAAAAAAAAAAAAIQAAABgAAAAUAAAAHSYAAHEJAABARwAAYQ0AABAAAAAmAAAACAAAAIGAAAAAAAAAMAAAABQAAAAAAAAAAAD//wAAAQAAAP//AAABAA=="/>
               </a:ext>
             </a:extLst>
           </p:cNvSpPr>
@@ -1782,7 +1782,7 @@
             <a:spLocks noGrp="1" noChangeArrowheads="1"/>
             <a:extLst>
               <a:ext uri="smNativeData">
-                <pr:smNativeData xmlns:pr="smNativeData" xmlns="smNativeData" val="SMDATA_16_zYh+ZxMAAAAlAAAAZAAAAA8BAAAAkAAAAEgAAACQAAAASAAAAAAAAAAAAAAAAAAAAAEAAABQAAAAAAAAAAAA4D8AAAAAAADgPwAAAAAAAOA/AAAAAAAA4D8AAAAAAADgPwAAAAAAAOA/AAAAAAAA4D8AAAAAAADgPwAAAAAAAOA/AAAAAAAA4D8CAAAAjAAAAAAAAAAAAAAAu+DjDP///wgAAAAAAAAAAAAAAAAAAAAAAAAAAAAAAAAAAAAAZAAAAAEAAABAAAAAAAAAAAAAAAAAAAAAAAAAAAAAAAAAAAAAAAAAAAAAAAAAAAAAAAAAAAAAAAAAAAAAAAAAAAAAAAAAAAAAAAAAAAAAAAAAAAAAAAAAAAAAAAAAAAAAFAAAADwAAAAAAAAAAAAAAAAAAAkUAAAAAQAAABQAAAAUAAAAFAAAAAEAAAAAAAAAZAAAAGQAAAAAAAAAZAAAAGQAAAAVAAAAYAAAAAAAAAAAAAAADwAAACADAAAAAAAAAAAAAAEAAACgMgAAVgcAAKr4//8BAAAAf39/AAEAAABkAAAAAAAAABQAAABAHwAAAAAAACYAAAAAAAAAwOD//wAAAAAmAAAAZAAAABYAAABMAAAAAAAAAAAAAAAEAAAAAAAAAAEAAACAgIAKAAAAACgAAAAoAAAAZAAAAGQAAAAAAAAAzMzMAAAAAABQAAAAUAAAAGQAAABkAAAAAAAAABcAAAAUAAAAAAAAAAAAAAD/fwAA/38AAAAAAAAJAAAABAAAANw7IAEeAAAAaAAAAAAAAAAAAAAAAAAAAAAAAAAAAAAAECcAABAnAAAAAAAAAAAAAAAAAAAAAAAAAAAAAAAAAAAAAAAAAAAAABQAAAAAAAAAwMD/AAAAAABkAAAAMgAAAAAAAABkAAAAAAAAAH9/fwAKAAAAIgAAABgAAAAAAAAAAAAAAAAAAAAAAAAAAAAAAAAAAAAkAAAAJAAAAAAAAAAHAAAAAAAAAAAAAAAAAAAAAAAAAAAAAAAAAAAAf39/ACUAAABYAAAAAAAAAAAAAAAAAAAAAAAAAAAAAAAAAAAAAAAAAAAAAAAAAAAAAAAAAAAAAAA/AAAAAAAAAKCGAQAAAAAAAAAAAAAAAAAMAAAAAQAAAAAAAAAAAAAAAAAAAB8AAABUAAAAAAAABQAAAAEAAAAAAAAAAAAAAAAAAAAAAAAAAAAAAAAAAAAAAAAAAAAAAAJ/f38AAAAAA8zMzADAwP8Af39/AAAAAAAAAAAAAAAAAAAAAAAAAAAAIQAAABgAAAAUAAAAHSYAAGENAABARwAAsCUAABAAAAAmAAAACAAAAAGAAAAAAAAAMAAAABQAAAAAAAAAAAD//wAAAQAAAP//AAABAA=="/>
+                <pr:smNativeData xmlns:pr="smNativeData" xmlns="smNativeData" val="SMDATA_16_haKDZxMAAAAlAAAAZAAAAA8BAAAAkAAAAEgAAACQAAAASAAAAAAAAAAAAAAAAAAAAAEAAABQAAAAAAAAAAAA4D8AAAAAAADgPwAAAAAAAOA/AAAAAAAA4D8AAAAAAADgPwAAAAAAAOA/AAAAAAAA4D8AAAAAAADgPwAAAAAAAOA/AAAAAAAA4D8CAAAAjAAAAAAAAAAAAAAAu+DjDP///wgAAAAAAAAAAAAAAAAAAAAAAAAAAAAAAAAAAAAAZAAAAAEAAABAAAAAAAAAAAAAAAAAAAAAAAAAAAAAAAAAAAAAAAAAAAAAAAAAAAAAAAAAAAAAAAAAAAAAAAAAAAAAAAAAAAAAAAAAAAAAAAAAAAAAAAAAAAAAAAAAAAAAFAAAADwAAAAAAAAAAAAAAAAAAAkUAAAAAQAAABQAAAAUAAAAFAAAAAEAAAAAAAAAZAAAAGQAAAAAAAAAZAAAAGQAAAAVAAAAYAAAAAAAAAAAAAAADwAAACADAAAAAAAAAAAAAAEAAACgMgAAVgcAAKr4//8BAAAAf39/AAEAAABkAAAAAAAAABQAAABAHwAAAAAAACYAAAAAAAAAwOD//wAAAAAmAAAAZAAAABYAAABMAAAAAAAAAAAAAAAEAAAAAAAAAAEAAACAgIAKAAAAACgAAAAoAAAAZAAAAGQAAAAAAAAAzMzMAAAAAABQAAAAUAAAAGQAAABkAAAAAAAAABcAAAAUAAAAAAAAAAAAAAD/fwAA/38AAAAAAAAJAAAABAAAANw7IAEeAAAAaAAAAAAAAAAAAAAAAAAAAAAAAAAAAAAAECcAABAnAAAAAAAAAAAAAAAAAAAAAAAAAAAAAAAAAAAAAAAAAAAAABQAAAAAAAAAwMD/AAAAAABkAAAAMgAAAAAAAABkAAAAAAAAAH9/fwAKAAAAIgAAABgAAAAAAAAAAAAAAAAAAAAAAAAAAAAAAAAAAAAkAAAAJAAAAAAAAAAHAAAAAAAAAAAAAAAAAAAAAAAAAAAAAAAAAAAAf39/ACUAAABYAAAAAAAAAAAAAAAAAAAAAAAAAAAAAAAAAAAAAAAAAAAAAAAAAAAAAAAAAAAAAAA/AAAAAAAAAKCGAQAAAAAAAAAAAAAAAAAMAAAAAQAAAAAAAAAAAAAAAAAAAB8AAABUAAAAAAAABQAAAAEAAAAAAAAAAAAAAAAAAAAAAAAAAAAAAAAAAAAAAAAAAAAAAAJ/f38AAAAAA8zMzADAwP8Af39/AAAAAAAAAAAAAAAAAAAAAAAAAAAAIQAAABgAAAAUAAAAHSYAAGENAABARwAAsCUAABAAAAAmAAAACAAAAAGAAAAAAAAAMAAAABQAAAAAAAAAAAD//wAAAQAAAP//AAABAA=="/>
               </a:ext>
             </a:extLst>
           </p:cNvSpPr>
@@ -1866,7 +1866,7 @@
             <a:spLocks noGrp="1" noChangeArrowheads="1"/>
             <a:extLst>
               <a:ext uri="smNativeData">
-                <pr:smNativeData xmlns:pr="smNativeData" xmlns="smNativeData" val="SMDATA_16_zYh+ZxMAAAAlAAAAZAAAAA8BAAAAkAAAAEgAAACQAAAASAAAAAAAAAABAAAAAAAAAAEAAABQAAAAAAAAAAAA4D8AAAAAAADgPwAAAAAAAOA/AAAAAAAA4D8AAAAAAADgPwAAAAAAAOA/AAAAAAAA4D8AAAAAAADgPwAAAAAAAOA/AAAAAAAA4D8CAAAAjAAAAAAAAAAAAAAAu+DjDP///wgAAAAAAAAAAAAAAAAAAAAAAAAAAAAAAAAAAAAAZAAAAAEAAABAAAAAAAAAAAAAAAAAAAAAAAAAAAAAAAAAAAAAAAAAAAAAAAAAAAAAAAAAAAAAAAAAAAAAAAAAAAAAAAAAAAAAAAAAAAAAAAAAAAAAAAAAAAAAAAAAAAAAFAAAADwAAAAAAAAAAAAAAAAAAAkUAAAAAQAAABQAAAAUAAAAFAAAAAEAAAAAAAAAZAAAAGQAAAAAAAAAZAAAAGQAAAAVAAAAYAAAAAAAAAAAAAAADwAAACADAAAAAAAAAAAAAAEAAACgMgAAVgcAAKr4//8BAAAAf39/AAEAAABkAAAAAAAAABQAAABAHwAAAAAAACYAAAAAAAAAwOD//wAAAAAmAAAAZAAAABYAAABMAAAAAAAAAAAAAAAEAAAAAAAAAAEAAACAgIAKAAAAACgAAAAoAAAAZAAAAGQAAAAAAAAAzMzMAAAAAABQAAAAUAAAAGQAAABkAAAAAAAAABcAAAAUAAAAAAAAAAAAAAD/fwAA/38AAAAAAAAJAAAABAAAANw7IAEeAAAAaAAAAAAAAAAAAAAAAAAAAAAAAAAAAAAAECcAABAnAAAAAAAAAAAAAAAAAAAAAAAAAAAAAAAAAAAAAAAAAAAAABQAAAAAAAAAwMD/AAAAAABkAAAAMgAAAAAAAABkAAAAAAAAAH9/fwAKAAAAIgAAABgAAAAAAAAAAAAAAAAAAAAAAAAAAAAAAAAAAAAkAAAAJAAAAAAAAAAHAAAAAAAAAAAAAAAAAAAAAAAAAAAAAAAAAAAAf39/ACUAAABYAAAAAAAAAAAAAAAAAAAAAAAAAAAAAAAAAAAAAAAAAAAAAAAAAAAAAAAAAAAAAAA/AAAAAAAAAKCGAQAAAAAAAAAAAAAAAAAMAAAAAQAAAAAAAAAAAAAAAAAAAB8AAABUAAAAAAAABQAAAAEAAAAAAAAAAAAAAAAAAAAAAAAAAAAAAAAAAAAAAAAAAAAAAAJ/f38AAAAAA8zMzADAwP8Af39/AAAAAAAAAAAAAAAAAAAAAAAAAAAAIQAAABgAAAAUAAAAwAMAABsnAAA/FQAAWSkAABAAAAAmAAAACAAAAAAAAAAAAAAAMAAAABQAAAAAAAAAAAD//wAAAQAAAP//AAABAA=="/>
+                <pr:smNativeData xmlns:pr="smNativeData" xmlns="smNativeData" val="SMDATA_16_haKDZxMAAAAlAAAAZAAAAA8BAAAAkAAAAEgAAACQAAAASAAAAAAAAAABAAAAAAAAAAEAAABQAAAAAAAAAAAA4D8AAAAAAADgPwAAAAAAAOA/AAAAAAAA4D8AAAAAAADgPwAAAAAAAOA/AAAAAAAA4D8AAAAAAADgPwAAAAAAAOA/AAAAAAAA4D8CAAAAjAAAAAAAAAAAAAAAu+DjDP///wgAAAAAAAAAAAAAAAAAAAAAAAAAAAAAAAAAAAAAZAAAAAEAAABAAAAAAAAAAAAAAAAAAAAAAAAAAAAAAAAAAAAAAAAAAAAAAAAAAAAAAAAAAAAAAAAAAAAAAAAAAAAAAAAAAAAAAAAAAAAAAAAAAAAAAAAAAAAAAAAAAAAAFAAAADwAAAAAAAAAAAAAAAAAAAkUAAAAAQAAABQAAAAUAAAAFAAAAAEAAAAAAAAAZAAAAGQAAAAAAAAAZAAAAGQAAAAVAAAAYAAAAAAAAAAAAAAADwAAACADAAAAAAAAAAAAAAEAAACgMgAAVgcAAKr4//8BAAAAf39/AAEAAABkAAAAAAAAABQAAABAHwAAAAAAACYAAAAAAAAAwOD//wAAAAAmAAAAZAAAABYAAABMAAAAAAAAAAAAAAAEAAAAAAAAAAEAAACAgIAKAAAAACgAAAAoAAAAZAAAAGQAAAAAAAAAzMzMAAAAAABQAAAAUAAAAGQAAABkAAAAAAAAABcAAAAUAAAAAAAAAAAAAAD/fwAA/38AAAAAAAAJAAAABAAAANw7IAEeAAAAaAAAAAAAAAAAAAAAAAAAAAAAAAAAAAAAECcAABAnAAAAAAAAAAAAAAAAAAAAAAAAAAAAAAAAAAAAAAAAAAAAABQAAAAAAAAAwMD/AAAAAABkAAAAMgAAAAAAAABkAAAAAAAAAH9/fwAKAAAAIgAAABgAAAAAAAAAAAAAAAAAAAAAAAAAAAAAAAAAAAAkAAAAJAAAAAAAAAAHAAAAAAAAAAAAAAAAAAAAAAAAAAAAAAAAAAAAf39/ACUAAABYAAAAAAAAAAAAAAAAAAAAAAAAAAAAAAAAAAAAAAAAAAAAAAAAAAAAAAAAAAAAAAA/AAAAAAAAAKCGAQAAAAAAAAAAAAAAAAAMAAAAAQAAAAAAAAAAAAAAAAAAAB8AAABUAAAAAAAABQAAAAEAAAAAAAAAAAAAAAAAAAAAAAAAAAAAAAAAAAAAAAAAAAAAAAJ/f38AAAAAA8zMzADAwP8Af39/AAAAAAAAAAAAAAAAAAAAAAAAAAAAIQAAABgAAAAUAAAAwAMAABsnAAA/FQAAWSkAABAAAAAmAAAACAAAAAAAAAAAAAAAMAAAABQAAAAAAAAAAAD//wAAAQAAAP//AAABAA=="/>
               </a:ext>
             </a:extLst>
           </p:cNvSpPr>
@@ -1880,7 +1880,7 @@
           <a:lstStyle/>
           <a:p>
             <a:pPr/>
-            <a:fld id="{3F8C526B-25D2-D9A4-9C34-D3F11C7A6A86}" type="datetime1">
+            <a:fld id="{3F5926BA-F4D2-0CD0-9CE1-028568AF6A57}" type="datetime1">
               <a:t/>
             </a:fld>
           </a:p>
@@ -1893,7 +1893,7 @@
             <a:spLocks noGrp="1" noChangeArrowheads="1"/>
             <a:extLst>
               <a:ext uri="smNativeData">
-                <pr:smNativeData xmlns:pr="smNativeData" xmlns="smNativeData" val="SMDATA_16_zYh+ZxMAAAAlAAAAZAAAAA8BAAAAkAAAAEgAAACQAAAASAAAAAAAAAABAAAAAAAAAAEAAABQAAAAAAAAAAAA4D8AAAAAAADgPwAAAAAAAOA/AAAAAAAA4D8AAAAAAADgPwAAAAAAAOA/AAAAAAAA4D8AAAAAAADgPwAAAAAAAOA/AAAAAAAA4D8CAAAAjAAAAAAAAAAAAAAAu+DjDP///wgAAAAAAAAAAAAAAAAAAAAAAAAAAAAAAAAAAAAAZAAAAAEAAABAAAAAAAAAAAAAAAAAAAAAAAAAAAAAAAAAAAAAAAAAAAAAAAAAAAAAAAAAAAAAAAAAAAAAAAAAAAAAAAAAAAAAAAAAAAAAAAAAAAAAAAAAAAAAAAAAAAAAFAAAADwAAAAAAAAAAAAAAAAAAAkUAAAAAQAAABQAAAAUAAAAFAAAAAEAAAAAAAAAZAAAAGQAAAAAAAAAZAAAAGQAAAAVAAAAYAAAAAAAAAAAAAAADwAAACADAAAAAAAAAAAAAAEAAACgMgAAVgcAAKr4//8BAAAAf39/AAEAAABkAAAAAAAAABQAAABAHwAAAAAAACYAAAAAAAAAwOD//wAAAAAmAAAAZAAAABYAAABMAAAAAAAAAAAAAAAEAAAAAAAAAAEAAACAgIAKAAAAACgAAAAoAAAAZAAAAGQAAAAAAAAAzMzMAAAAAABQAAAAUAAAAGQAAABkAAAAAAAAABcAAAAUAAAAAAAAAAAAAAD/fwAA/38AAAAAAAAJAAAABAAAANw7IAEeAAAAaAAAAAAAAAAAAAAAAAAAAAAAAAAAAAAAECcAABAnAAAAAAAAAAAAAAAAAAAAAAAAAAAAAAAAAAAAAAAAAAAAABQAAAAAAAAAwMD/AAAAAABkAAAAMgAAAAAAAABkAAAAAAAAAH9/fwAKAAAAIgAAABgAAAAAAAAAAAAAAAAAAAAAAAAAAAAAAAAAAAAkAAAAJAAAAAAAAAAHAAAAAAAAAAAAAAAAAAAAAAAAAAAAAAAAAAAAf39/ACUAAABYAAAAAAAAAAAAAAAAAAAAAAAAAAAAAAAAAAAAAAAAAAAAAAAAAAAAAAAAAAAAAAA/AAAAAAAAAKCGAQAAAAAAAAAAAAAAAAAMAAAAAQAAAAAAAAAAAAAAAAAAAB8AAABUAAAAAAAABQAAAAEAAAAAAAAAAAAAAAAAAAAAAAAAAAAAAAAAAAAAAAAAAAAAAAJ/f38AAAAAA8zMzADAwP8Af39/AAAAAAAAAAAAAAAAAAAAAAAAAAAAIQAAABgAAAAUAAAAoRkAABsnAABfMQAAWSkAABAAAAAmAAAACAAAAAAAAAAAAAAAMAAAABQAAAAAAAAAAAD//wAAAQAAAP//AAABAA=="/>
+                <pr:smNativeData xmlns:pr="smNativeData" xmlns="smNativeData" val="SMDATA_16_haKDZxMAAAAlAAAAZAAAAA8BAAAAkAAAAEgAAACQAAAASAAAAAAAAAABAAAAAAAAAAEAAABQAAAAAAAAAAAA4D8AAAAAAADgPwAAAAAAAOA/AAAAAAAA4D8AAAAAAADgPwAAAAAAAOA/AAAAAAAA4D8AAAAAAADgPwAAAAAAAOA/AAAAAAAA4D8CAAAAjAAAAAAAAAAAAAAAu+DjDP///wgAAAAAAAAAAAAAAAAAAAAAAAAAAAAAAAAAAAAAZAAAAAEAAABAAAAAAAAAAAAAAAAAAAAAAAAAAAAAAAAAAAAAAAAAAAAAAAAAAAAAAAAAAAAAAAAAAAAAAAAAAAAAAAAAAAAAAAAAAAAAAAAAAAAAAAAAAAAAAAAAAAAAFAAAADwAAAAAAAAAAAAAAAAAAAkUAAAAAQAAABQAAAAUAAAAFAAAAAEAAAAAAAAAZAAAAGQAAAAAAAAAZAAAAGQAAAAVAAAAYAAAAAAAAAAAAAAADwAAACADAAAAAAAAAAAAAAEAAACgMgAAVgcAAKr4//8BAAAAf39/AAEAAABkAAAAAAAAABQAAABAHwAAAAAAACYAAAAAAAAAwOD//wAAAAAmAAAAZAAAABYAAABMAAAAAAAAAAAAAAAEAAAAAAAAAAEAAACAgIAKAAAAACgAAAAoAAAAZAAAAGQAAAAAAAAAzMzMAAAAAABQAAAAUAAAAGQAAABkAAAAAAAAABcAAAAUAAAAAAAAAAAAAAD/fwAA/38AAAAAAAAJAAAABAAAANw7IAEeAAAAaAAAAAAAAAAAAAAAAAAAAAAAAAAAAAAAECcAABAnAAAAAAAAAAAAAAAAAAAAAAAAAAAAAAAAAAAAAAAAAAAAABQAAAAAAAAAwMD/AAAAAABkAAAAMgAAAAAAAABkAAAAAAAAAH9/fwAKAAAAIgAAABgAAAAAAAAAAAAAAAAAAAAAAAAAAAAAAAAAAAAkAAAAJAAAAAAAAAAHAAAAAAAAAAAAAAAAAAAAAAAAAAAAAAAAAAAAf39/ACUAAABYAAAAAAAAAAAAAAAAAAAAAAAAAAAAAAAAAAAAAAAAAAAAAAAAAAAAAAAAAAAAAAA/AAAAAAAAAKCGAQAAAAAAAAAAAAAAAAAMAAAAAQAAAAAAAAAAAAAAAAAAAB8AAABUAAAAAAAABQAAAAEAAAAAAAAAAAAAAAAAAAAAAAAAAAAAAAAAAAAAAAAAAAAAAAJ/f38AAAAAA8zMzADAwP8Af39/AAAAAAAAAAAAAAAAAAAAAAAAAAAAIQAAABgAAAAUAAAAoRkAABsnAABfMQAAWSkAABAAAAAmAAAACAAAAAAAAAAAAAAAMAAAABQAAAAAAAAAAAD//wAAAQAAAP//AAABAA=="/>
               </a:ext>
             </a:extLst>
           </p:cNvSpPr>
@@ -1917,7 +1917,7 @@
             <a:spLocks noGrp="1" noChangeArrowheads="1"/>
             <a:extLst>
               <a:ext uri="smNativeData">
-                <pr:smNativeData xmlns:pr="smNativeData" xmlns="smNativeData" val="SMDATA_16_zYh+ZxMAAAAlAAAAZAAAAA8BAAAAkAAAAEgAAACQAAAASAAAAAAAAAABAAAAAAAAAAEAAABQAAAAAAAAAAAA4D8AAAAAAADgPwAAAAAAAOA/AAAAAAAA4D8AAAAAAADgPwAAAAAAAOA/AAAAAAAA4D8AAAAAAADgPwAAAAAAAOA/AAAAAAAA4D8CAAAAjAAAAAAAAAAAAAAAu+DjDP///wgAAAAAAAAAAAAAAAAAAAAAAAAAAAAAAAAAAAAAZAAAAAEAAABAAAAAAAAAAAAAAAAAAAAAAAAAAAAAAAAAAAAAAAAAAAAAAAAAAAAAAAAAAAAAAAAAAAAAAAAAAAAAAAAAAAAAAAAAAAAAAAAAAAAAAAAAAAAAAAAAAAAAFAAAADwAAAAAAAAAAAAAAAAAAAkUAAAAAQAAABQAAAAUAAAAFAAAAAEAAAAAAAAAZAAAAGQAAAAAAAAAZAAAAGQAAAAVAAAAYAAAAAAAAAAAAAAADwAAACADAAAAAAAAAAAAAAEAAACgMgAAVgcAAKr4//8BAAAAf39/AAEAAABkAAAAAAAAABQAAABAHwAAAAAAACYAAAAAAAAAwOD//wAAAAAmAAAAZAAAABYAAABMAAAAAAAAAAAAAAAEAAAAAAAAAAEAAACAgIAKAAAAACgAAAAoAAAAZAAAAGQAAAAAAAAAzMzMAAAAAABQAAAAUAAAAGQAAABkAAAAAAAAABcAAAAUAAAAAAAAAAAAAAD/fwAA/38AAAAAAAAJAAAABAAAANw7IAEeAAAAaAAAAAAAAAAAAAAAAAAAAAAAAAAAAAAAECcAABAnAAAAAAAAAAAAAAAAAAAAAAAAAAAAAAAAAAAAAAAAAAAAABQAAAAAAAAAwMD/AAAAAABkAAAAMgAAAAAAAABkAAAAAAAAAH9/fwAKAAAAIgAAABgAAAAAAAAAAAAAAAAAAAAAAAAAAAAAAAAAAAAkAAAAJAAAAAAAAAAHAAAAAAAAAAAAAAAAAAAAAAAAAAAAAAAAAAAAf39/ACUAAABYAAAAAAAAAAAAAAAAAAAAAAAAAAAAAAAAAAAAAAAAAAAAAAAAAAAAAAAAAAAAAAA/AAAAAAAAAKCGAQAAAAAAAAAAAAAAAAAMAAAAAQAAAAAAAAAAAAAAAAAAAB8AAABUAAAAAAAABQAAAAEAAAAAAAAAAAAAAAAAAAAAAAAAAAAAAAAAAAAAAAAAAAAAAAJ/f38AAAAAA8zMzADAwP8Af39/AAAAAAAAAAAAAAAAAAAAAAAAAAAAIQAAABgAAAAUAAAAwTUAABsnAABARwAAWSkAABAAAAAmAAAACAAAAAAAAAAAAAAAMAAAABQAAAAAAAAAAAD//wAAAQAAAP//AAABAA=="/>
+                <pr:smNativeData xmlns:pr="smNativeData" xmlns="smNativeData" val="SMDATA_16_haKDZxMAAAAlAAAAZAAAAA8BAAAAkAAAAEgAAACQAAAASAAAAAAAAAABAAAAAAAAAAEAAABQAAAAAAAAAAAA4D8AAAAAAADgPwAAAAAAAOA/AAAAAAAA4D8AAAAAAADgPwAAAAAAAOA/AAAAAAAA4D8AAAAAAADgPwAAAAAAAOA/AAAAAAAA4D8CAAAAjAAAAAAAAAAAAAAAu+DjDP///wgAAAAAAAAAAAAAAAAAAAAAAAAAAAAAAAAAAAAAZAAAAAEAAABAAAAAAAAAAAAAAAAAAAAAAAAAAAAAAAAAAAAAAAAAAAAAAAAAAAAAAAAAAAAAAAAAAAAAAAAAAAAAAAAAAAAAAAAAAAAAAAAAAAAAAAAAAAAAAAAAAAAAFAAAADwAAAAAAAAAAAAAAAAAAAkUAAAAAQAAABQAAAAUAAAAFAAAAAEAAAAAAAAAZAAAAGQAAAAAAAAAZAAAAGQAAAAVAAAAYAAAAAAAAAAAAAAADwAAACADAAAAAAAAAAAAAAEAAACgMgAAVgcAAKr4//8BAAAAf39/AAEAAABkAAAAAAAAABQAAABAHwAAAAAAACYAAAAAAAAAwOD//wAAAAAmAAAAZAAAABYAAABMAAAAAAAAAAAAAAAEAAAAAAAAAAEAAACAgIAKAAAAACgAAAAoAAAAZAAAAGQAAAAAAAAAzMzMAAAAAABQAAAAUAAAAGQAAABkAAAAAAAAABcAAAAUAAAAAAAAAAAAAAD/fwAA/38AAAAAAAAJAAAABAAAANw7IAEeAAAAaAAAAAAAAAAAAAAAAAAAAAAAAAAAAAAAECcAABAnAAAAAAAAAAAAAAAAAAAAAAAAAAAAAAAAAAAAAAAAAAAAABQAAAAAAAAAwMD/AAAAAABkAAAAMgAAAAAAAABkAAAAAAAAAH9/fwAKAAAAIgAAABgAAAAAAAAAAAAAAAAAAAAAAAAAAAAAAAAAAAAkAAAAJAAAAAAAAAAHAAAAAAAAAAAAAAAAAAAAAAAAAAAAAAAAAAAAf39/ACUAAABYAAAAAAAAAAAAAAAAAAAAAAAAAAAAAAAAAAAAAAAAAAAAAAAAAAAAAAAAAAAAAAA/AAAAAAAAAKCGAQAAAAAAAAAAAAAAAAAMAAAAAQAAAAAAAAAAAAAAAAAAAB8AAABUAAAAAAAABQAAAAEAAAAAAAAAAAAAAAAAAAAAAAAAAAAAAAAAAAAAAAAAAAAAAAJ/f38AAAAAA8zMzADAwP8Af39/AAAAAAAAAAAAAAAAAAAAAAAAAAAAIQAAABgAAAAUAAAAwTUAABsnAABARwAAWSkAABAAAAAmAAAACAAAAAAAAAAAAAAAMAAAABQAAAAAAAAAAAD//wAAAQAAAP//AAABAA=="/>
               </a:ext>
             </a:extLst>
           </p:cNvSpPr>
@@ -1931,7 +1931,7 @@
           <a:lstStyle/>
           <a:p>
             <a:pPr/>
-            <a:fld id="{3F8C4ED2-9CD2-D9B8-9C34-6AED007A6A3F}" type="slidenum">
+            <a:fld id="{3F59537A-34D2-0CA5-9CE1-C2F01DAF6A97}" type="slidenum">
               <a:t/>
             </a:fld>
           </a:p>
@@ -1970,7 +1970,7 @@
             <a:spLocks noGrp="1" noChangeArrowheads="1"/>
             <a:extLst>
               <a:ext uri="smNativeData">
-                <pr:smNativeData xmlns:pr="smNativeData" xmlns="smNativeData" val="SMDATA_16_zYh+ZxMAAAAlAAAAZAAAAA8BAAAAkAAAAEgAAACQAAAASAAAAAAAAAABAAAAAAAAAAEAAABQAAAAAAAAAAAA4D8AAAAAAADgPwAAAAAAAOA/AAAAAAAA4D8AAAAAAADgPwAAAAAAAOA/AAAAAAAA4D8AAAAAAADgPwAAAAAAAOA/AAAAAAAA4D8CAAAAjAAAAAAAAAAAAAAAu+DjDP///wgAAAAAAAAAAAAAAAAAAAAAAAAAAAAAAAAAAAAAZAAAAAEAAABAAAAAAAAAAAAAAAAAAAAAAAAAAAAAAAAAAAAAAAAAAAAAAAAAAAAAAAAAAAAAAAAAAAAAAAAAAAAAAAAAAAAAAAAAAAAAAAAAAAAAAAAAAAAAAAAAAAAAFAAAADwAAAAAAAAAAAAAAAAAAAkUAAAAAQAAABQAAAAUAAAAFAAAAAEAAAAAAAAAZAAAAGQAAAAAAAAAZAAAAGQAAAAVAAAAYAAAAAAAAAAAAAAADwAAACADAAAAAAAAAAAAAAEAAACgMgAAVgcAAKr4//8BAAAAf39/AAEAAABkAAAAAAAAABQAAABAHwAAAAAAACYAAAAAAAAAwOD//wAAAAAmAAAAZAAAABYAAABMAAAAAAAAAAAAAAAEAAAAAAAAAAEAAACAgIAKAAAAACgAAAAoAAAAZAAAAGQAAAAAAAAAzMzMAAAAAABQAAAAUAAAAGQAAABkAAAAAAAAABcAAAAUAAAAAAAAAAAAAAD/fwAA/38AAAAAAAAJAAAABAAAANw7IAEeAAAAaAAAAAAAAAAAAAAAAAAAAAAAAAAAAAAAECcAABAnAAAAAAAAAAAAAAAAAAAAAAAAAAAAAAAAAAAAAAAAAAAAABQAAAAAAAAAwMD/AAAAAABkAAAAMgAAAAAAAABkAAAAAAAAAH9/fwAKAAAAIgAAABgAAAAAAAAAAAAAAAAAAAAAAAAAAAAAAAAAAAAkAAAAJAAAAAAAAAAHAAAAAAAAAAAAAAAAAAAAAAAAAAAAAAAAAAAAf39/ACUAAABYAAAAAAAAAAAAAAAAAAAAAAAAAAAAAAAAAAAAAAAAAAAAAAAAAAAAAAAAAAAAAAA/AAAAAAAAAKCGAQAAAAAAAAAAAAAAAAAMAAAAAQAAAAAAAAAAAAAAAAAAAB8AAABUAAAAAAAABQAAAAEAAAAAAAAAAAAAAAAAAAAAAAAAAAAAAAAAAAAAAAAAAAAAAAJ/f38AAAAAA8zMzADAwP8Af39/AAAAAAAAAAAAAAAAAAAAAAAAAAAAIQAAABgAAAAUAAAAwAMAALABAABARwAAuAgAABAAAAAmAAAACAAAAAAAAAAAAAAAMAAAABQAAAAAAAAAAAD//wAAAQAAAP//AAABAA=="/>
+                <pr:smNativeData xmlns:pr="smNativeData" xmlns="smNativeData" val="SMDATA_16_haKDZxMAAAAlAAAAZAAAAA8BAAAAkAAAAEgAAACQAAAASAAAAAAAAAABAAAAAAAAAAEAAABQAAAAAAAAAAAA4D8AAAAAAADgPwAAAAAAAOA/AAAAAAAA4D8AAAAAAADgPwAAAAAAAOA/AAAAAAAA4D8AAAAAAADgPwAAAAAAAOA/AAAAAAAA4D8CAAAAjAAAAAAAAAAAAAAAu+DjDP///wgAAAAAAAAAAAAAAAAAAAAAAAAAAAAAAAAAAAAAZAAAAAEAAABAAAAAAAAAAAAAAAAAAAAAAAAAAAAAAAAAAAAAAAAAAAAAAAAAAAAAAAAAAAAAAAAAAAAAAAAAAAAAAAAAAAAAAAAAAAAAAAAAAAAAAAAAAAAAAAAAAAAAFAAAADwAAAAAAAAAAAAAAAAAAAkUAAAAAQAAABQAAAAUAAAAFAAAAAEAAAAAAAAAZAAAAGQAAAAAAAAAZAAAAGQAAAAVAAAAYAAAAAAAAAAAAAAADwAAACADAAAAAAAAAAAAAAEAAACgMgAAVgcAAKr4//8BAAAAf39/AAEAAABkAAAAAAAAABQAAABAHwAAAAAAACYAAAAAAAAAwOD//wAAAAAmAAAAZAAAABYAAABMAAAAAAAAAAAAAAAEAAAAAAAAAAEAAACAgIAKAAAAACgAAAAoAAAAZAAAAGQAAAAAAAAAzMzMAAAAAABQAAAAUAAAAGQAAABkAAAAAAAAABcAAAAUAAAAAAAAAAAAAAD/fwAA/38AAAAAAAAJAAAABAAAANw7IAEeAAAAaAAAAAAAAAAAAAAAAAAAAAAAAAAAAAAAECcAABAnAAAAAAAAAAAAAAAAAAAAAAAAAAAAAAAAAAAAAAAAAAAAABQAAAAAAAAAwMD/AAAAAABkAAAAMgAAAAAAAABkAAAAAAAAAH9/fwAKAAAAIgAAABgAAAAAAAAAAAAAAAAAAAAAAAAAAAAAAAAAAAAkAAAAJAAAAAAAAAAHAAAAAAAAAAAAAAAAAAAAAAAAAAAAAAAAAAAAf39/ACUAAABYAAAAAAAAAAAAAAAAAAAAAAAAAAAAAAAAAAAAAAAAAAAAAAAAAAAAAAAAAAAAAAA/AAAAAAAAAKCGAQAAAAAAAAAAAAAAAAAMAAAAAQAAAAAAAAAAAAAAAAAAAB8AAABUAAAAAAAABQAAAAEAAAAAAAAAAAAAAAAAAAAAAAAAAAAAAAAAAAAAAAAAAAAAAAJ/f38AAAAAA8zMzADAwP8Af39/AAAAAAAAAAAAAAAAAAAAAAAAAAAAIQAAABgAAAAUAAAAwAMAALABAABARwAAuAgAABAAAAAmAAAACAAAAAAAAAAAAAAAMAAAABQAAAAAAAAAAAD//wAAAQAAAP//AAABAA=="/>
               </a:ext>
             </a:extLst>
           </p:cNvSpPr>
@@ -1997,7 +1997,7 @@
             <a:spLocks noGrp="1" noChangeArrowheads="1"/>
             <a:extLst>
               <a:ext uri="smNativeData">
-                <pr:smNativeData xmlns:pr="smNativeData" xmlns="smNativeData" val="SMDATA_16_zYh+ZxMAAAAlAAAAZAAAAA8BAAAAkAAAAEgAAACQAAAASAAAAAAAAAABAAAAAAAAAAEAAABQAAAAAAAAAAAA4D8AAAAAAADgPwAAAAAAAOA/AAAAAAAA4D8AAAAAAADgPwAAAAAAAOA/AAAAAAAA4D8AAAAAAADgPwAAAAAAAOA/AAAAAAAA4D8CAAAAjAAAAAAAAAAAAAAAu+DjDP///wgAAAAAAAAAAAAAAAAAAAAAAAAAAAAAAAAAAAAAZAAAAAEAAABAAAAAAAAAAAAAAAAAAAAAAAAAAAAAAAAAAAAAAAAAAAAAAAAAAAAAAAAAAAAAAAAAAAAAAAAAAAAAAAAAAAAAAAAAAAAAAAAAAAAAAAAAAAAAAAAAAAAAFAAAADwAAAAAAAAAAAAAAAAAAAkUAAAAAQAAABQAAAAUAAAAFAAAAAEAAAAAAAAAZAAAAGQAAAAAAAAAZAAAAGQAAAAVAAAAYAAAAAAAAAAAAAAADwAAACADAAAAAAAAAAAAAAEAAACgMgAAVgcAAKr4//8BAAAAf39/AAEAAABkAAAAAAAAABQAAABAHwAAAAAAACYAAAAAAAAAwOD//wAAAAAmAAAAZAAAABYAAABMAAAAAAAAAAAAAAAEAAAAAAAAAAEAAACAgIAKAAAAACgAAAAoAAAAZAAAAGQAAAAAAAAAzMzMAAAAAABQAAAAUAAAAGQAAABkAAAAAAAAABcAAAAUAAAAAAAAAAAAAAD/fwAA/38AAAAAAAAJAAAABAAAANw7IAEeAAAAaAAAAAAAAAAAAAAAAAAAAAAAAAAAAAAAECcAABAnAAAAAAAAAAAAAAAAAAAAAAAAAAAAAAAAAAAAAAAAAAAAABQAAAAAAAAAwMD/AAAAAABkAAAAMgAAAAAAAABkAAAAAAAAAH9/fwAKAAAAIgAAABgAAAAAAAAAAAAAAAAAAAAAAAAAAAAAAAAAAAAkAAAAJAAAAAAAAAAHAAAAAAAAAAAAAAAAAAAAAAAAAAAAAAAAAAAAf39/ACUAAABYAAAAAAAAAAAAAAAAAAAAAAAAAAAAAAAAAAAAAAAAAAAAAAAAAAAAAAAAAAAAAAA/AAAAAAAAAKCGAQAAAAAAAAAAAAAAAAAMAAAAAQAAAAAAAAAAAAAAAAAAAB8AAABUAAAAAAAABQAAAAEAAAAAAAAAAAAAAAAAAAAAAAAAAAAAAAAAAAAAAAAAAAAAAAJ/f38AAAAAA8zMzADAwP8Af39/AAAAAAAAAAAAAAAAAAAAAAAAAAAAIQAAABgAAAAUAAAAwAMAABsnAAA/FQAAWSkAABAAAAAmAAAACAAAAAAAAAAAAAAAMAAAABQAAAAAAAAAAAD//wAAAQAAAP//AAABAA=="/>
+                <pr:smNativeData xmlns:pr="smNativeData" xmlns="smNativeData" val="SMDATA_16_haKDZxMAAAAlAAAAZAAAAA8BAAAAkAAAAEgAAACQAAAASAAAAAAAAAABAAAAAAAAAAEAAABQAAAAAAAAAAAA4D8AAAAAAADgPwAAAAAAAOA/AAAAAAAA4D8AAAAAAADgPwAAAAAAAOA/AAAAAAAA4D8AAAAAAADgPwAAAAAAAOA/AAAAAAAA4D8CAAAAjAAAAAAAAAAAAAAAu+DjDP///wgAAAAAAAAAAAAAAAAAAAAAAAAAAAAAAAAAAAAAZAAAAAEAAABAAAAAAAAAAAAAAAAAAAAAAAAAAAAAAAAAAAAAAAAAAAAAAAAAAAAAAAAAAAAAAAAAAAAAAAAAAAAAAAAAAAAAAAAAAAAAAAAAAAAAAAAAAAAAAAAAAAAAFAAAADwAAAAAAAAAAAAAAAAAAAkUAAAAAQAAABQAAAAUAAAAFAAAAAEAAAAAAAAAZAAAAGQAAAAAAAAAZAAAAGQAAAAVAAAAYAAAAAAAAAAAAAAADwAAACADAAAAAAAAAAAAAAEAAACgMgAAVgcAAKr4//8BAAAAf39/AAEAAABkAAAAAAAAABQAAABAHwAAAAAAACYAAAAAAAAAwOD//wAAAAAmAAAAZAAAABYAAABMAAAAAAAAAAAAAAAEAAAAAAAAAAEAAACAgIAKAAAAACgAAAAoAAAAZAAAAGQAAAAAAAAAzMzMAAAAAABQAAAAUAAAAGQAAABkAAAAAAAAABcAAAAUAAAAAAAAAAAAAAD/fwAA/38AAAAAAAAJAAAABAAAANw7IAEeAAAAaAAAAAAAAAAAAAAAAAAAAAAAAAAAAAAAECcAABAnAAAAAAAAAAAAAAAAAAAAAAAAAAAAAAAAAAAAAAAAAAAAABQAAAAAAAAAwMD/AAAAAABkAAAAMgAAAAAAAABkAAAAAAAAAH9/fwAKAAAAIgAAABgAAAAAAAAAAAAAAAAAAAAAAAAAAAAAAAAAAAAkAAAAJAAAAAAAAAAHAAAAAAAAAAAAAAAAAAAAAAAAAAAAAAAAAAAAf39/ACUAAABYAAAAAAAAAAAAAAAAAAAAAAAAAAAAAAAAAAAAAAAAAAAAAAAAAAAAAAAAAAAAAAA/AAAAAAAAAKCGAQAAAAAAAAAAAAAAAAAMAAAAAQAAAAAAAAAAAAAAAAAAAB8AAABUAAAAAAAABQAAAAEAAAAAAAAAAAAAAAAAAAAAAAAAAAAAAAAAAAAAAAAAAAAAAAJ/f38AAAAAA8zMzADAwP8Af39/AAAAAAAAAAAAAAAAAAAAAAAAAAAAIQAAABgAAAAUAAAAwAMAABsnAAA/FQAAWSkAABAAAAAmAAAACAAAAAAAAAAAAAAAMAAAABQAAAAAAAAAAAD//wAAAQAAAP//AAABAA=="/>
               </a:ext>
             </a:extLst>
           </p:cNvSpPr>
@@ -2011,7 +2011,7 @@
           <a:lstStyle/>
           <a:p>
             <a:pPr/>
-            <a:fld id="{3F8C19D9-97D2-D9EF-9C34-61BA577A6A34}" type="datetime1">
+            <a:fld id="{3F597FF5-BBD2-0C89-9CE1-4DDC31AF6A18}" type="datetime1">
               <a:t/>
             </a:fld>
           </a:p>
@@ -2024,7 +2024,7 @@
             <a:spLocks noGrp="1" noChangeArrowheads="1"/>
             <a:extLst>
               <a:ext uri="smNativeData">
-                <pr:smNativeData xmlns:pr="smNativeData" xmlns="smNativeData" val="SMDATA_16_zYh+ZxMAAAAlAAAAZAAAAA8BAAAAkAAAAEgAAACQAAAASAAAAAAAAAABAAAAAAAAAAEAAABQAAAAAAAAAAAA4D8AAAAAAADgPwAAAAAAAOA/AAAAAAAA4D8AAAAAAADgPwAAAAAAAOA/AAAAAAAA4D8AAAAAAADgPwAAAAAAAOA/AAAAAAAA4D8CAAAAjAAAAAAAAAAAAAAAu+DjDP///wgAAAAAAAAAAAAAAAAAAAAAAAAAAAAAAAAAAAAAZAAAAAEAAABAAAAAAAAAAAAAAAAAAAAAAAAAAAAAAAAAAAAAAAAAAAAAAAAAAAAAAAAAAAAAAAAAAAAAAAAAAAAAAAAAAAAAAAAAAAAAAAAAAAAAAAAAAAAAAAAAAAAAFAAAADwAAAAAAAAAAAAAAAAAAAkUAAAAAQAAABQAAAAUAAAAFAAAAAEAAAAAAAAAZAAAAGQAAAAAAAAAZAAAAGQAAAAVAAAAYAAAAAAAAAAAAAAADwAAACADAAAAAAAAAAAAAAEAAACgMgAAVgcAAKr4//8BAAAAf39/AAEAAABkAAAAAAAAABQAAABAHwAAAAAAACYAAAAAAAAAwOD//wAAAAAmAAAAZAAAABYAAABMAAAAAAAAAAAAAAAEAAAAAAAAAAEAAACAgIAKAAAAACgAAAAoAAAAZAAAAGQAAAAAAAAAzMzMAAAAAABQAAAAUAAAAGQAAABkAAAAAAAAABcAAAAUAAAAAAAAAAAAAAD/fwAA/38AAAAAAAAJAAAABAAAANw7IAEeAAAAaAAAAAAAAAAAAAAAAAAAAAAAAAAAAAAAECcAABAnAAAAAAAAAAAAAAAAAAAAAAAAAAAAAAAAAAAAAAAAAAAAABQAAAAAAAAAwMD/AAAAAABkAAAAMgAAAAAAAABkAAAAAAAAAH9/fwAKAAAAIgAAABgAAAAAAAAAAAAAAAAAAAAAAAAAAAAAAAAAAAAkAAAAJAAAAAAAAAAHAAAAAAAAAAAAAAAAAAAAAAAAAAAAAAAAAAAAf39/ACUAAABYAAAAAAAAAAAAAAAAAAAAAAAAAAAAAAAAAAAAAAAAAAAAAAAAAAAAAAAAAAAAAAA/AAAAAAAAAKCGAQAAAAAAAAAAAAAAAAAMAAAAAQAAAAAAAAAAAAAAAAAAAB8AAABUAAAAAAAABQAAAAEAAAAAAAAAAAAAAAAAAAAAAAAAAAAAAAAAAAAAAAAAAAAAAAJ/f38AAAAAA8zMzADAwP8Af39/AAAAAAAAAAAAAAAAAAAAAAAAAAAAIQAAABgAAAAUAAAAoRkAABsnAABfMQAAWSkAABAAAAAmAAAACAAAAAAAAAAAAAAAMAAAABQAAAAAAAAAAAD//wAAAQAAAP//AAABAA=="/>
+                <pr:smNativeData xmlns:pr="smNativeData" xmlns="smNativeData" val="SMDATA_16_haKDZxMAAAAlAAAAZAAAAA8BAAAAkAAAAEgAAACQAAAASAAAAAAAAAABAAAAAAAAAAEAAABQAAAAAAAAAAAA4D8AAAAAAADgPwAAAAAAAOA/AAAAAAAA4D8AAAAAAADgPwAAAAAAAOA/AAAAAAAA4D8AAAAAAADgPwAAAAAAAOA/AAAAAAAA4D8CAAAAjAAAAAAAAAAAAAAAu+DjDP///wgAAAAAAAAAAAAAAAAAAAAAAAAAAAAAAAAAAAAAZAAAAAEAAABAAAAAAAAAAAAAAAAAAAAAAAAAAAAAAAAAAAAAAAAAAAAAAAAAAAAAAAAAAAAAAAAAAAAAAAAAAAAAAAAAAAAAAAAAAAAAAAAAAAAAAAAAAAAAAAAAAAAAFAAAADwAAAAAAAAAAAAAAAAAAAkUAAAAAQAAABQAAAAUAAAAFAAAAAEAAAAAAAAAZAAAAGQAAAAAAAAAZAAAAGQAAAAVAAAAYAAAAAAAAAAAAAAADwAAACADAAAAAAAAAAAAAAEAAACgMgAAVgcAAKr4//8BAAAAf39/AAEAAABkAAAAAAAAABQAAABAHwAAAAAAACYAAAAAAAAAwOD//wAAAAAmAAAAZAAAABYAAABMAAAAAAAAAAAAAAAEAAAAAAAAAAEAAACAgIAKAAAAACgAAAAoAAAAZAAAAGQAAAAAAAAAzMzMAAAAAABQAAAAUAAAAGQAAABkAAAAAAAAABcAAAAUAAAAAAAAAAAAAAD/fwAA/38AAAAAAAAJAAAABAAAANw7IAEeAAAAaAAAAAAAAAAAAAAAAAAAAAAAAAAAAAAAECcAABAnAAAAAAAAAAAAAAAAAAAAAAAAAAAAAAAAAAAAAAAAAAAAABQAAAAAAAAAwMD/AAAAAABkAAAAMgAAAAAAAABkAAAAAAAAAH9/fwAKAAAAIgAAABgAAAAAAAAAAAAAAAAAAAAAAAAAAAAAAAAAAAAkAAAAJAAAAAAAAAAHAAAAAAAAAAAAAAAAAAAAAAAAAAAAAAAAAAAAf39/ACUAAABYAAAAAAAAAAAAAAAAAAAAAAAAAAAAAAAAAAAAAAAAAAAAAAAAAAAAAAAAAAAAAAA/AAAAAAAAAKCGAQAAAAAAAAAAAAAAAAAMAAAAAQAAAAAAAAAAAAAAAAAAAB8AAABUAAAAAAAABQAAAAEAAAAAAAAAAAAAAAAAAAAAAAAAAAAAAAAAAAAAAAAAAAAAAAJ/f38AAAAAA8zMzADAwP8Af39/AAAAAAAAAAAAAAAAAAAAAAAAAAAAIQAAABgAAAAUAAAAoRkAABsnAABfMQAAWSkAABAAAAAmAAAACAAAAAAAAAAAAAAAMAAAABQAAAAAAAAAAAD//wAAAQAAAP//AAABAA=="/>
               </a:ext>
             </a:extLst>
           </p:cNvSpPr>
@@ -2048,7 +2048,7 @@
             <a:spLocks noGrp="1" noChangeArrowheads="1"/>
             <a:extLst>
               <a:ext uri="smNativeData">
-                <pr:smNativeData xmlns:pr="smNativeData" xmlns="smNativeData" val="SMDATA_16_zYh+ZxMAAAAlAAAAZAAAAA8BAAAAkAAAAEgAAACQAAAASAAAAAAAAAABAAAAAAAAAAEAAABQAAAAAAAAAAAA4D8AAAAAAADgPwAAAAAAAOA/AAAAAAAA4D8AAAAAAADgPwAAAAAAAOA/AAAAAAAA4D8AAAAAAADgPwAAAAAAAOA/AAAAAAAA4D8CAAAAjAAAAAAAAAAAAAAAu+DjDP///wgAAAAAAAAAAAAAAAAAAAAAAAAAAAAAAAAAAAAAZAAAAAEAAABAAAAAAAAAAAAAAAAAAAAAAAAAAAAAAAAAAAAAAAAAAAAAAAAAAAAAAAAAAAAAAAAAAAAAAAAAAAAAAAAAAAAAAAAAAAAAAAAAAAAAAAAAAAAAAAAAAAAAFAAAADwAAAAAAAAAAAAAAAAAAAkUAAAAAQAAABQAAAAUAAAAFAAAAAEAAAAAAAAAZAAAAGQAAAAAAAAAZAAAAGQAAAAVAAAAYAAAAAAAAAAAAAAADwAAACADAAAAAAAAAAAAAAEAAACgMgAAVgcAAKr4//8BAAAAf39/AAEAAABkAAAAAAAAABQAAABAHwAAAAAAACYAAAAAAAAAwOD//wAAAAAmAAAAZAAAABYAAABMAAAAAAAAAAAAAAAEAAAAAAAAAAEAAACAgIAKAAAAACgAAAAoAAAAZAAAAGQAAAAAAAAAzMzMAAAAAABQAAAAUAAAAGQAAABkAAAAAAAAABcAAAAUAAAAAAAAAAAAAAD/fwAA/38AAAAAAAAJAAAABAAAANw7IAEeAAAAaAAAAAAAAAAAAAAAAAAAAAAAAAAAAAAAECcAABAnAAAAAAAAAAAAAAAAAAAAAAAAAAAAAAAAAAAAAAAAAAAAABQAAAAAAAAAwMD/AAAAAABkAAAAMgAAAAAAAABkAAAAAAAAAH9/fwAKAAAAIgAAABgAAAAAAAAAAAAAAAAAAAAAAAAAAAAAAAAAAAAkAAAAJAAAAAAAAAAHAAAAAAAAAAAAAAAAAAAAAAAAAAAAAAAAAAAAf39/ACUAAABYAAAAAAAAAAAAAAAAAAAAAAAAAAAAAAAAAAAAAAAAAAAAAAAAAAAAAAAAAAAAAAA/AAAAAAAAAKCGAQAAAAAAAAAAAAAAAAAMAAAAAQAAAAAAAAAAAAAAAAAAAB8AAABUAAAAAAAABQAAAAEAAAAAAAAAAAAAAAAAAAAAAAAAAAAAAAAAAAAAAAAAAAAAAAJ/f38AAAAAA8zMzADAwP8Af39/AAAAAAAAAAAAAAAAAAAAAAAAAAAAIQAAABgAAAAUAAAAwTUAABsnAABARwAAWSkAABAAAAAmAAAACAAAAAAAAAAAAAAAMAAAABQAAAAAAAAAAAD//wAAAQAAAP//AAABAA=="/>
+                <pr:smNativeData xmlns:pr="smNativeData" xmlns="smNativeData" val="SMDATA_16_haKDZxMAAAAlAAAAZAAAAA8BAAAAkAAAAEgAAACQAAAASAAAAAAAAAABAAAAAAAAAAEAAABQAAAAAAAAAAAA4D8AAAAAAADgPwAAAAAAAOA/AAAAAAAA4D8AAAAAAADgPwAAAAAAAOA/AAAAAAAA4D8AAAAAAADgPwAAAAAAAOA/AAAAAAAA4D8CAAAAjAAAAAAAAAAAAAAAu+DjDP///wgAAAAAAAAAAAAAAAAAAAAAAAAAAAAAAAAAAAAAZAAAAAEAAABAAAAAAAAAAAAAAAAAAAAAAAAAAAAAAAAAAAAAAAAAAAAAAAAAAAAAAAAAAAAAAAAAAAAAAAAAAAAAAAAAAAAAAAAAAAAAAAAAAAAAAAAAAAAAAAAAAAAAFAAAADwAAAAAAAAAAAAAAAAAAAkUAAAAAQAAABQAAAAUAAAAFAAAAAEAAAAAAAAAZAAAAGQAAAAAAAAAZAAAAGQAAAAVAAAAYAAAAAAAAAAAAAAADwAAACADAAAAAAAAAAAAAAEAAACgMgAAVgcAAKr4//8BAAAAf39/AAEAAABkAAAAAAAAABQAAABAHwAAAAAAACYAAAAAAAAAwOD//wAAAAAmAAAAZAAAABYAAABMAAAAAAAAAAAAAAAEAAAAAAAAAAEAAACAgIAKAAAAACgAAAAoAAAAZAAAAGQAAAAAAAAAzMzMAAAAAABQAAAAUAAAAGQAAABkAAAAAAAAABcAAAAUAAAAAAAAAAAAAAD/fwAA/38AAAAAAAAJAAAABAAAANw7IAEeAAAAaAAAAAAAAAAAAAAAAAAAAAAAAAAAAAAAECcAABAnAAAAAAAAAAAAAAAAAAAAAAAAAAAAAAAAAAAAAAAAAAAAABQAAAAAAAAAwMD/AAAAAABkAAAAMgAAAAAAAABkAAAAAAAAAH9/fwAKAAAAIgAAABgAAAAAAAAAAAAAAAAAAAAAAAAAAAAAAAAAAAAkAAAAJAAAAAAAAAAHAAAAAAAAAAAAAAAAAAAAAAAAAAAAAAAAAAAAf39/ACUAAABYAAAAAAAAAAAAAAAAAAAAAAAAAAAAAAAAAAAAAAAAAAAAAAAAAAAAAAAAAAAAAAA/AAAAAAAAAKCGAQAAAAAAAAAAAAAAAAAMAAAAAQAAAAAAAAAAAAAAAAAAAB8AAABUAAAAAAAABQAAAAEAAAAAAAAAAAAAAAAAAAAAAAAAAAAAAAAAAAAAAAAAAAAAAAJ/f38AAAAAA8zMzADAwP8Af39/AAAAAAAAAAAAAAAAAAAAAAAAAAAAIQAAABgAAAAUAAAAwTUAABsnAABARwAAWSkAABAAAAAmAAAACAAAAAAAAAAAAAAAMAAAABQAAAAAAAAAAAD//wAAAQAAAP//AAABAA=="/>
               </a:ext>
             </a:extLst>
           </p:cNvSpPr>
@@ -2062,7 +2062,7 @@
           <a:lstStyle/>
           <a:p>
             <a:pPr/>
-            <a:fld id="{3F8C0F2F-61D2-D9F9-9C34-97AC417A6AC2}" type="slidenum">
+            <a:fld id="{3F592871-3FD2-0CDE-9CE1-C98B66AF6A9C}" type="slidenum">
               <a:t/>
             </a:fld>
           </a:p>
@@ -2101,7 +2101,7 @@
             <a:spLocks noGrp="1" noChangeArrowheads="1"/>
             <a:extLst>
               <a:ext uri="smNativeData">
-                <pr:smNativeData xmlns:pr="smNativeData" xmlns="smNativeData" val="SMDATA_16_zYh+ZxMAAAAlAAAAZAAAAA8BAAAAkAAAAEgAAACQAAAASAAAAAAAAAABAAAAAAAAAAEAAABQAAAAAAAAAAAA4D8AAAAAAADgPwAAAAAAAOA/AAAAAAAA4D8AAAAAAADgPwAAAAAAAOA/AAAAAAAA4D8AAAAAAADgPwAAAAAAAOA/AAAAAAAA4D8CAAAAjAAAAAAAAAAAAAAAu+DjDP///wgAAAAAAAAAAAAAAAAAAAAAAAAAAAAAAAAAAAAAZAAAAAEAAABAAAAAAAAAAAAAAAAAAAAAAAAAAAAAAAAAAAAAAAAAAAAAAAAAAAAAAAAAAAAAAAAAAAAAAAAAAAAAAAAAAAAAAAAAAAAAAAAAAAAAAAAAAAAAAAAAAAAAFAAAADwAAAAAAAAAAAAAAAAAAAkUAAAAAQAAABQAAAAUAAAAFAAAAAEAAAAAAAAAZAAAAGQAAAAAAAAAZAAAAGQAAAAVAAAAYAAAAAAAAAAAAAAADwAAACADAAAAAAAAAAAAAAEAAACgMgAAVgcAAKr4//8BAAAAf39/AAEAAABkAAAAAAAAABQAAABAHwAAAAAAACYAAAAAAAAAwOD//wAAAAAmAAAAZAAAABYAAABMAAAAAAAAAAAAAAAEAAAAAAAAAAEAAACAgIAKAAAAACgAAAAoAAAAZAAAAGQAAAAAAAAAzMzMAAAAAABQAAAAUAAAAGQAAABkAAAAAAAAABcAAAAUAAAAAAAAAAAAAAD/fwAA/38AAAAAAAAJAAAABAAAANw7IAEeAAAAaAAAAAAAAAAAAAAAAAAAAAAAAAAAAAAAECcAABAnAAAAAAAAAAAAAAAAAAAAAAAAAAAAAAAAAAAAAAAAAAAAABQAAAAAAAAAwMD/AAAAAABkAAAAMgAAAAAAAABkAAAAAAAAAH9/fwAKAAAAIgAAABgAAAAAAAAAAAAAAAAAAAAAAAAAAAAAAAAAAAAkAAAAJAAAAAAAAAAHAAAAAAAAAAAAAAAAAAAAAAAAAAAAAAAAAAAAf39/ACUAAABYAAAAAAAAAAAAAAAAAAAAAAAAAAAAAAAAAAAAAAAAAAAAAAAAAAAAAAAAAAAAAAA/AAAAAAAAAKCGAQAAAAAAAAAAAAAAAAAMAAAAAQAAAAAAAAAAAAAAAAAAAB8AAABUAAAAAAAABQAAAAEAAAAAAAAAAAAAAAAAAAAAAAAAAAAAAAAAAAAAAAAAAAAAAAJ/f38AAAAAA8zMzADAwP8Af39/AAAAAAAAAAAAAAAAAAAAAAAAAAAAIQAAABgAAAAUAAAAwAMAABsnAAA/FQAAWSkAABAAAAAmAAAACAAAAAAAAAAAAAAAMAAAABQAAAAAAAAAAAD//wAAAQAAAP//AAABAA=="/>
+                <pr:smNativeData xmlns:pr="smNativeData" xmlns="smNativeData" val="SMDATA_16_haKDZxMAAAAlAAAAZAAAAA8BAAAAkAAAAEgAAACQAAAASAAAAAAAAAABAAAAAAAAAAEAAABQAAAAAAAAAAAA4D8AAAAAAADgPwAAAAAAAOA/AAAAAAAA4D8AAAAAAADgPwAAAAAAAOA/AAAAAAAA4D8AAAAAAADgPwAAAAAAAOA/AAAAAAAA4D8CAAAAjAAAAAAAAAAAAAAAu+DjDP///wgAAAAAAAAAAAAAAAAAAAAAAAAAAAAAAAAAAAAAZAAAAAEAAABAAAAAAAAAAAAAAAAAAAAAAAAAAAAAAAAAAAAAAAAAAAAAAAAAAAAAAAAAAAAAAAAAAAAAAAAAAAAAAAAAAAAAAAAAAAAAAAAAAAAAAAAAAAAAAAAAAAAAFAAAADwAAAAAAAAAAAAAAAAAAAkUAAAAAQAAABQAAAAUAAAAFAAAAAEAAAAAAAAAZAAAAGQAAAAAAAAAZAAAAGQAAAAVAAAAYAAAAAAAAAAAAAAADwAAACADAAAAAAAAAAAAAAEAAACgMgAAVgcAAKr4//8BAAAAf39/AAEAAABkAAAAAAAAABQAAABAHwAAAAAAACYAAAAAAAAAwOD//wAAAAAmAAAAZAAAABYAAABMAAAAAAAAAAAAAAAEAAAAAAAAAAEAAACAgIAKAAAAACgAAAAoAAAAZAAAAGQAAAAAAAAAzMzMAAAAAABQAAAAUAAAAGQAAABkAAAAAAAAABcAAAAUAAAAAAAAAAAAAAD/fwAA/38AAAAAAAAJAAAABAAAANw7IAEeAAAAaAAAAAAAAAAAAAAAAAAAAAAAAAAAAAAAECcAABAnAAAAAAAAAAAAAAAAAAAAAAAAAAAAAAAAAAAAAAAAAAAAABQAAAAAAAAAwMD/AAAAAABkAAAAMgAAAAAAAABkAAAAAAAAAH9/fwAKAAAAIgAAABgAAAAAAAAAAAAAAAAAAAAAAAAAAAAAAAAAAAAkAAAAJAAAAAAAAAAHAAAAAAAAAAAAAAAAAAAAAAAAAAAAAAAAAAAAf39/ACUAAABYAAAAAAAAAAAAAAAAAAAAAAAAAAAAAAAAAAAAAAAAAAAAAAAAAAAAAAAAAAAAAAA/AAAAAAAAAKCGAQAAAAAAAAAAAAAAAAAMAAAAAQAAAAAAAAAAAAAAAAAAAB8AAABUAAAAAAAABQAAAAEAAAAAAAAAAAAAAAAAAAAAAAAAAAAAAAAAAAAAAAAAAAAAAAJ/f38AAAAAA8zMzADAwP8Af39/AAAAAAAAAAAAAAAAAAAAAAAAAAAAIQAAABgAAAAUAAAAwAMAABsnAAA/FQAAWSkAABAAAAAmAAAACAAAAAAAAAAAAAAAMAAAABQAAAAAAAAAAAD//wAAAQAAAP//AAABAA=="/>
               </a:ext>
             </a:extLst>
           </p:cNvSpPr>
@@ -2115,7 +2115,7 @@
           <a:lstStyle/>
           <a:p>
             <a:pPr/>
-            <a:fld id="{3F8C2E0F-41D2-D9D8-9C34-B78D607A6AE2}" type="datetime1">
+            <a:fld id="{3F590062-2CD2-0CF6-9CE1-DAA34EAF6A8F}" type="datetime1">
               <a:t/>
             </a:fld>
           </a:p>
@@ -2128,7 +2128,7 @@
             <a:spLocks noGrp="1" noChangeArrowheads="1"/>
             <a:extLst>
               <a:ext uri="smNativeData">
-                <pr:smNativeData xmlns:pr="smNativeData" xmlns="smNativeData" val="SMDATA_16_zYh+ZxMAAAAlAAAAZAAAAA8BAAAAkAAAAEgAAACQAAAASAAAAAAAAAABAAAAAAAAAAEAAABQAAAAAAAAAAAA4D8AAAAAAADgPwAAAAAAAOA/AAAAAAAA4D8AAAAAAADgPwAAAAAAAOA/AAAAAAAA4D8AAAAAAADgPwAAAAAAAOA/AAAAAAAA4D8CAAAAjAAAAAAAAAAAAAAAu+DjDP///wgAAAAAAAAAAAAAAAAAAAAAAAAAAAAAAAAAAAAAZAAAAAEAAABAAAAAAAAAAAAAAAAAAAAAAAAAAAAAAAAAAAAAAAAAAAAAAAAAAAAAAAAAAAAAAAAAAAAAAAAAAAAAAAAAAAAAAAAAAAAAAAAAAAAAAAAAAAAAAAAAAAAAFAAAADwAAAAAAAAAAAAAAAAAAAkUAAAAAQAAABQAAAAUAAAAFAAAAAEAAAAAAAAAZAAAAGQAAAAAAAAAZAAAAGQAAAAVAAAAYAAAAAAAAAAAAAAADwAAACADAAAAAAAAAAAAAAEAAACgMgAAVgcAAKr4//8BAAAAf39/AAEAAABkAAAAAAAAABQAAABAHwAAAAAAACYAAAAAAAAAwOD//wAAAAAmAAAAZAAAABYAAABMAAAAAAAAAAAAAAAEAAAAAAAAAAEAAACAgIAKAAAAACgAAAAoAAAAZAAAAGQAAAAAAAAAzMzMAAAAAABQAAAAUAAAAGQAAABkAAAAAAAAABcAAAAUAAAAAAAAAAAAAAD/fwAA/38AAAAAAAAJAAAABAAAAAAAAAAeAAAAaAAAAAAAAAAAAAAAAAAAAAAAAAAAAAAAECcAABAnAAAAAAAAAAAAAAAAAAAAAAAAAAAAAAAAAAAAAAAAAAAAABQAAAAAAAAAwMD/AAAAAABkAAAAMgAAAAAAAABkAAAAAAAAAH9/fwAKAAAAIgAAABgAAAAAAAAAAAAAAAAAAAAAAAAAAAAAAAAAAAAkAAAAJAAAAAAAAAAHAAAAAAAAAAAAAAAAAAAAAAAAAAAAAAAAAAAAf39/ACUAAABYAAAAAAAAAAAAAAAAAAAAAAAAAAAAAAAAAAAAAAAAAAAAAAAAAAAAAAAAAAAAAAA/AAAAAAAAAKCGAQAAAAAAAAAAAAAAAAAMAAAAAQAAAAAAAAAAAAAAAAAAAB8AAABUAAAAAAAABQAAAAEAAAAAAAAAAAAAAAAAAAAAAAAAAAAAAAAAAAAAAAAAAAAAAAJ/f38AAAAAA8zMzADAwP8Af39/AAAAAAAAAAAAAAAAAAAAAAAAAAAAIQAAABgAAAAUAAAAoRkAABsnAABfMQAAWSkAABAAAAAmAAAACAAAAAAAAAAAAAAAMAAAABQAAAAAAAAAAAD//wAAAQAAAP//AAABAA=="/>
+                <pr:smNativeData xmlns:pr="smNativeData" xmlns="smNativeData" val="SMDATA_16_haKDZxMAAAAlAAAAZAAAAA8BAAAAkAAAAEgAAACQAAAASAAAAAAAAAABAAAAAAAAAAEAAABQAAAAAAAAAAAA4D8AAAAAAADgPwAAAAAAAOA/AAAAAAAA4D8AAAAAAADgPwAAAAAAAOA/AAAAAAAA4D8AAAAAAADgPwAAAAAAAOA/AAAAAAAA4D8CAAAAjAAAAAAAAAAAAAAAu+DjDP///wgAAAAAAAAAAAAAAAAAAAAAAAAAAAAAAAAAAAAAZAAAAAEAAABAAAAAAAAAAAAAAAAAAAAAAAAAAAAAAAAAAAAAAAAAAAAAAAAAAAAAAAAAAAAAAAAAAAAAAAAAAAAAAAAAAAAAAAAAAAAAAAAAAAAAAAAAAAAAAAAAAAAAFAAAADwAAAAAAAAAAAAAAAAAAAkUAAAAAQAAABQAAAAUAAAAFAAAAAEAAAAAAAAAZAAAAGQAAAAAAAAAZAAAAGQAAAAVAAAAYAAAAAAAAAAAAAAADwAAACADAAAAAAAAAAAAAAEAAACgMgAAVgcAAKr4//8BAAAAf39/AAEAAABkAAAAAAAAABQAAABAHwAAAAAAACYAAAAAAAAAwOD//wAAAAAmAAAAZAAAABYAAABMAAAAAAAAAAAAAAAEAAAAAAAAAAEAAACAgIAKAAAAACgAAAAoAAAAZAAAAGQAAAAAAAAAzMzMAAAAAABQAAAAUAAAAGQAAABkAAAAAAAAABcAAAAUAAAAAAAAAAAAAAD/fwAA/38AAAAAAAAJAAAABAAAAAAAAAAeAAAAaAAAAAAAAAAAAAAAAAAAAAAAAAAAAAAAECcAABAnAAAAAAAAAAAAAAAAAAAAAAAAAAAAAAAAAAAAAAAAAAAAABQAAAAAAAAAwMD/AAAAAABkAAAAMgAAAAAAAABkAAAAAAAAAH9/fwAKAAAAIgAAABgAAAAAAAAAAAAAAAAAAAAAAAAAAAAAAAAAAAAkAAAAJAAAAAAAAAAHAAAAAAAAAAAAAAAAAAAAAAAAAAAAAAAAAAAAf39/ACUAAABYAAAAAAAAAAAAAAAAAAAAAAAAAAAAAAAAAAAAAAAAAAAAAAAAAAAAAAAAAAAAAAA/AAAAAAAAAKCGAQAAAAAAAAAAAAAAAAAMAAAAAQAAAAAAAAAAAAAAAAAAAB8AAABUAAAAAAAABQAAAAEAAAAAAAAAAAAAAAAAAAAAAAAAAAAAAAAAAAAAAAAAAAAAAAJ/f38AAAAAA8zMzADAwP8Af39/AAAAAAAAAAAAAAAAAAAAAAAAAAAAIQAAABgAAAAUAAAAoRkAABsnAABfMQAAWSkAABAAAAAmAAAACAAAAAAAAAAAAAAAMAAAABQAAAAAAAAAAAD//wAAAQAAAP//AAABAA=="/>
               </a:ext>
             </a:extLst>
           </p:cNvSpPr>
@@ -2152,7 +2152,7 @@
             <a:spLocks noGrp="1" noChangeArrowheads="1"/>
             <a:extLst>
               <a:ext uri="smNativeData">
-                <pr:smNativeData xmlns:pr="smNativeData" xmlns="smNativeData" val="SMDATA_16_zYh+ZxMAAAAlAAAAZAAAAA8BAAAAkAAAAEgAAACQAAAASAAAAAAAAAABAAAAAAAAAAEAAABQAAAAAAAAAAAA4D8AAAAAAADgPwAAAAAAAOA/AAAAAAAA4D8AAAAAAADgPwAAAAAAAOA/AAAAAAAA4D8AAAAAAADgPwAAAAAAAOA/AAAAAAAA4D8CAAAAjAAAAAAAAAAAAAAAu+DjDP///wgAAAAAAAAAAAAAAAAAAAAAAAAAAAAAAAAAAAAAZAAAAAEAAABAAAAAAAAAAAAAAAAAAAAAAAAAAAAAAAAAAAAAAAAAAAAAAAAAAAAAAAAAAAAAAAAAAAAAAAAAAAAAAAAAAAAAAAAAAAAAAAAAAAAAAAAAAAAAAAAAAAAAFAAAADwAAAAAAAAAAAAAAAAAAAkUAAAAAQAAABQAAAAUAAAAFAAAAAEAAAAAAAAAZAAAAGQAAAAAAAAAZAAAAGQAAAAVAAAAYAAAAAAAAAAAAAAADwAAACADAAAAAAAAAAAAAAEAAACgMgAAVgcAAKr4//8BAAAAf39/AAEAAABkAAAAAAAAABQAAABAHwAAAAAAACYAAAAAAAAAwOD//wAAAAAmAAAAZAAAABYAAABMAAAAAAAAAAAAAAAEAAAAAAAAAAEAAACAgIAKAAAAACgAAAAoAAAAZAAAAGQAAAAAAAAAzMzMAAAAAABQAAAAUAAAAGQAAABkAAAAAAAAABcAAAAUAAAAAAAAAAAAAAD/fwAA/38AAAAAAAAJAAAABAAAAAAAAAAeAAAAaAAAAAAAAAAAAAAAAAAAAAAAAAAAAAAAECcAABAnAAAAAAAAAAAAAAAAAAAAAAAAAAAAAAAAAAAAAAAAAAAAABQAAAAAAAAAwMD/AAAAAABkAAAAMgAAAAAAAABkAAAAAAAAAH9/fwAKAAAAIgAAABgAAAAAAAAAAAAAAAAAAAAAAAAAAAAAAAAAAAAkAAAAJAAAAAAAAAAHAAAAAAAAAAAAAAAAAAAAAAAAAAAAAAAAAAAAf39/ACUAAABYAAAAAAAAAAAAAAAAAAAAAAAAAAAAAAAAAAAAAAAAAAAAAAAAAAAAAAAAAAAAAAA/AAAAAAAAAKCGAQAAAAAAAAAAAAAAAAAMAAAAAQAAAAAAAAAAAAAAAAAAAB8AAABUAAAAAAAABQAAAAEAAAAAAAAAAAAAAAAAAAAAAAAAAAAAAAAAAAAAAAAAAAAAAAJ/f38AAAAAA8zMzADAwP8Af39/AAAAAAAAAAAAAAAAAAAAAAAAAAAAIQAAABgAAAAUAAAAwTUAABsnAABARwAAWSkAABAAAAAmAAAACAAAAAAAAAAAAAAAMAAAABQAAAAAAAAAAAD//wAAAQAAAP//AAABAA=="/>
+                <pr:smNativeData xmlns:pr="smNativeData" xmlns="smNativeData" val="SMDATA_16_haKDZxMAAAAlAAAAZAAAAA8BAAAAkAAAAEgAAACQAAAASAAAAAAAAAABAAAAAAAAAAEAAABQAAAAAAAAAAAA4D8AAAAAAADgPwAAAAAAAOA/AAAAAAAA4D8AAAAAAADgPwAAAAAAAOA/AAAAAAAA4D8AAAAAAADgPwAAAAAAAOA/AAAAAAAA4D8CAAAAjAAAAAAAAAAAAAAAu+DjDP///wgAAAAAAAAAAAAAAAAAAAAAAAAAAAAAAAAAAAAAZAAAAAEAAABAAAAAAAAAAAAAAAAAAAAAAAAAAAAAAAAAAAAAAAAAAAAAAAAAAAAAAAAAAAAAAAAAAAAAAAAAAAAAAAAAAAAAAAAAAAAAAAAAAAAAAAAAAAAAAAAAAAAAFAAAADwAAAAAAAAAAAAAAAAAAAkUAAAAAQAAABQAAAAUAAAAFAAAAAEAAAAAAAAAZAAAAGQAAAAAAAAAZAAAAGQAAAAVAAAAYAAAAAAAAAAAAAAADwAAACADAAAAAAAAAAAAAAEAAACgMgAAVgcAAKr4//8BAAAAf39/AAEAAABkAAAAAAAAABQAAABAHwAAAAAAACYAAAAAAAAAwOD//wAAAAAmAAAAZAAAABYAAABMAAAAAAAAAAAAAAAEAAAAAAAAAAEAAACAgIAKAAAAACgAAAAoAAAAZAAAAGQAAAAAAAAAzMzMAAAAAABQAAAAUAAAAGQAAABkAAAAAAAAABcAAAAUAAAAAAAAAAAAAAD/fwAA/38AAAAAAAAJAAAABAAAAAAAAAAeAAAAaAAAAAAAAAAAAAAAAAAAAAAAAAAAAAAAECcAABAnAAAAAAAAAAAAAAAAAAAAAAAAAAAAAAAAAAAAAAAAAAAAABQAAAAAAAAAwMD/AAAAAABkAAAAMgAAAAAAAABkAAAAAAAAAH9/fwAKAAAAIgAAABgAAAAAAAAAAAAAAAAAAAAAAAAAAAAAAAAAAAAkAAAAJAAAAAAAAAAHAAAAAAAAAAAAAAAAAAAAAAAAAAAAAAAAAAAAf39/ACUAAABYAAAAAAAAAAAAAAAAAAAAAAAAAAAAAAAAAAAAAAAAAAAAAAAAAAAAAAAAAAAAAAA/AAAAAAAAAKCGAQAAAAAAAAAAAAAAAAAMAAAAAQAAAAAAAAAAAAAAAAAAAB8AAABUAAAAAAAABQAAAAEAAAAAAAAAAAAAAAAAAAAAAAAAAAAAAAAAAAAAAAAAAAAAAAJ/f38AAAAAA8zMzADAwP8Af39/AAAAAAAAAAAAAAAAAAAAAAAAAAAAIQAAABgAAAAUAAAAwTUAABsnAABARwAAWSkAABAAAAAmAAAACAAAAAAAAAAAAAAAMAAAABQAAAAAAAAAAAD//wAAAQAAAP//AAABAA=="/>
               </a:ext>
             </a:extLst>
           </p:cNvSpPr>
@@ -2166,7 +2166,7 @@
           <a:lstStyle/>
           <a:p>
             <a:pPr/>
-            <a:fld id="{3F8C3665-2BD2-D9C0-9C34-DD95787A6A88}" type="slidenum">
+            <a:fld id="{3F597146-08D2-0C87-9CE1-FED23FAF6AAB}" type="slidenum">
               <a:t/>
             </a:fld>
           </a:p>
@@ -2205,7 +2205,7 @@
             <a:spLocks noGrp="1" noChangeArrowheads="1"/>
             <a:extLst>
               <a:ext uri="smNativeData">
-                <pr:smNativeData xmlns:pr="smNativeData" xmlns="smNativeData" val="SMDATA_16_zYh+ZxMAAAAlAAAAZAAAAA8BAAAAkAAAAEgAAACQAAAASAAAAAAAAAACAAAAAAAAAAEAAABQAAAAAAAAAAAA4D8AAAAAAADgPwAAAAAAAOA/AAAAAAAA4D8AAAAAAADgPwAAAAAAAOA/AAAAAAAA4D8AAAAAAADgPwAAAAAAAOA/AAAAAAAA4D8CAAAAjAAAAAAAAAAAAAAAu+DjDP///wgAAAAAAAAAAAAAAAAAAAAAAAAAAAAAAAAAAAAAZAAAAAEAAABAAAAAAAAAAAAAAAAAAAAAAAAAAAAAAAAAAAAAAAAAAAAAAAAAAAAAAAAAAAAAAAAAAAAAAAAAAAAAAAAAAAAAAAAAAAAAAAAAAAAAAAAAAAAAAAAAAAAAFAAAADwAAAAAAAAAAAAAAAAAAAkUAAAAAQAAABQAAAAUAAAAFAAAAAEAAAAAAAAAZAAAAGQAAAAAAAAAZAAAAGQAAAAVAAAAYAAAAAAAAAAAAAAADwAAACADAAAAAAAAAAAAAAEAAACgMgAAVgcAAKr4//8BAAAAf39/AAEAAABkAAAAAAAAABQAAABAHwAAAAAAACYAAAAAAAAAwOD//wAAAAAmAAAAZAAAABYAAABMAAAAAAAAAAAAAAAEAAAAAAAAAAEAAACAgIAKAAAAACgAAAAoAAAAZAAAAGQAAAAAAAAAzMzMAAAAAABQAAAAUAAAAGQAAABkAAAAAAAAABcAAAAUAAAAAAAAAAAAAAD/fwAA/38AAAAAAAAJAAAABAAAAAAAAAAeAAAAaAAAAAAAAAAAAAAAAAAAAAAAAAAAAAAAECcAABAnAAAAAAAAAAAAAAAAAAAAAAAAAAAAAAAAAAAAAAAAAAAAABQAAAAAAAAAwMD/AAAAAABkAAAAMgAAAAAAAABkAAAAAAAAAH9/fwAKAAAAIgAAABgAAAAAAAAAAAAAAAAAAAAAAAAAAAAAAAAAAAAkAAAAJAAAAAAAAAAHAAAAAAAAAAAAAAAAAAAAAAAAAAAAAAAAAAAAf39/ACUAAABYAAAAAAAAAAAAAAAAAAAAAAAAAAAAAAAAAAAAAAAAAAAAAAAAAAAAAAAAAAAAAAA/AAAAAAAAAKCGAQAAAAAAAAAAAAAAAAAMAAAAAQAAAAAAAAAAAAAAAAAAAB8AAABUAAAAAAAABQAAAAEAAAAAAAAAAAAAAAAAAAAAAAAAAAAAAAAAAAAAAAAAAAAAAAJ/f38AAAAAA8zMzADAwP8Af39/AAAAAAAAAAAAAAAAAAAAAAAAAAAAIQAAABgAAAAUAAAAwAMAAK4BAABtHAAA1AgAABAAAAAmAAAACAAAAIGAAAAAAAAAMAAAABQAAAAAAAAAAAD//wAAAQAAAP//AAABAA=="/>
+                <pr:smNativeData xmlns:pr="smNativeData" xmlns="smNativeData" val="SMDATA_16_haKDZxMAAAAlAAAAZAAAAA8BAAAAkAAAAEgAAACQAAAASAAAAAAAAAACAAAAAAAAAAEAAABQAAAAAAAAAAAA4D8AAAAAAADgPwAAAAAAAOA/AAAAAAAA4D8AAAAAAADgPwAAAAAAAOA/AAAAAAAA4D8AAAAAAADgPwAAAAAAAOA/AAAAAAAA4D8CAAAAjAAAAAAAAAAAAAAAu+DjDP///wgAAAAAAAAAAAAAAAAAAAAAAAAAAAAAAAAAAAAAZAAAAAEAAABAAAAAAAAAAAAAAAAAAAAAAAAAAAAAAAAAAAAAAAAAAAAAAAAAAAAAAAAAAAAAAAAAAAAAAAAAAAAAAAAAAAAAAAAAAAAAAAAAAAAAAAAAAAAAAAAAAAAAFAAAADwAAAAAAAAAAAAAAAAAAAkUAAAAAQAAABQAAAAUAAAAFAAAAAEAAAAAAAAAZAAAAGQAAAAAAAAAZAAAAGQAAAAVAAAAYAAAAAAAAAAAAAAADwAAACADAAAAAAAAAAAAAAEAAACgMgAAVgcAAKr4//8BAAAAf39/AAEAAABkAAAAAAAAABQAAABAHwAAAAAAACYAAAAAAAAAwOD//wAAAAAmAAAAZAAAABYAAABMAAAAAAAAAAAAAAAEAAAAAAAAAAEAAACAgIAKAAAAACgAAAAoAAAAZAAAAGQAAAAAAAAAzMzMAAAAAABQAAAAUAAAAGQAAABkAAAAAAAAABcAAAAUAAAAAAAAAAAAAAD/fwAA/38AAAAAAAAJAAAABAAAAAAAAAAeAAAAaAAAAAAAAAAAAAAAAAAAAAAAAAAAAAAAECcAABAnAAAAAAAAAAAAAAAAAAAAAAAAAAAAAAAAAAAAAAAAAAAAABQAAAAAAAAAwMD/AAAAAABkAAAAMgAAAAAAAABkAAAAAAAAAH9/fwAKAAAAIgAAABgAAAAAAAAAAAAAAAAAAAAAAAAAAAAAAAAAAAAkAAAAJAAAAAAAAAAHAAAAAAAAAAAAAAAAAAAAAAAAAAAAAAAAAAAAf39/ACUAAABYAAAAAAAAAAAAAAAAAAAAAAAAAAAAAAAAAAAAAAAAAAAAAAAAAAAAAAAAAAAAAAA/AAAAAAAAAKCGAQAAAAAAAAAAAAAAAAAMAAAAAQAAAAAAAAAAAAAAAAAAAB8AAABUAAAAAAAABQAAAAEAAAAAAAAAAAAAAAAAAAAAAAAAAAAAAAAAAAAAAAAAAAAAAAJ/f38AAAAAA8zMzADAwP8Af39/AAAAAAAAAAAAAAAAAAAAAAAAAAAAIQAAABgAAAAUAAAAwAMAAK4BAABtHAAA1AgAABAAAAAmAAAACAAAAIGAAAAAAAAAMAAAABQAAAAAAAAAAAD//wAAAQAAAP//AAABAA=="/>
               </a:ext>
             </a:extLst>
           </p:cNvSpPr>
@@ -2245,7 +2245,7 @@
             <a:spLocks noGrp="1" noChangeArrowheads="1"/>
             <a:extLst>
               <a:ext uri="smNativeData">
-                <pr:smNativeData xmlns:pr="smNativeData" xmlns="smNativeData" val="SMDATA_16_zYh+ZxMAAAAlAAAAZAAAAA8BAAAAkAAAAEgAAACQAAAASAAAAAAAAAAAAAAAAAAAAAEAAABQAAAAAAAAAAAA4D8AAAAAAADgPwAAAAAAAOA/AAAAAAAA4D8AAAAAAADgPwAAAAAAAOA/AAAAAAAA4D8AAAAAAADgPwAAAAAAAOA/AAAAAAAA4D8CAAAAjAAAAAAAAAAAAAAAu+DjDP///wgAAAAAAAAAAAAAAAAAAAAAAAAAAAAAAAAAAAAAZAAAAAEAAABAAAAAAAAAAAAAAAAAAAAAAAAAAAAAAAAAAAAAAAAAAAAAAAAAAAAAAAAAAAAAAAAAAAAAAAAAAAAAAAAAAAAAAAAAAAAAAAAAAAAAAAAAAAAAAAAAAAAAFAAAADwAAAAAAAAAAAAAAAAAAAkUAAAAAQAAABQAAAAUAAAAFAAAAAEAAAAAAAAAZAAAAGQAAAAAAAAAZAAAAGQAAAAVAAAAYAAAAAAAAAAAAAAADwAAACADAAAAAAAAAAAAAAEAAACgMgAAVgcAAKr4//8BAAAAf39/AAEAAABkAAAAAAAAABQAAABAHwAAAAAAACYAAAAAAAAAwOD//wAAAAAmAAAAZAAAABYAAABMAAAAAAAAAAAAAAAEAAAAAAAAAAEAAACAgIAKAAAAACgAAAAoAAAAZAAAAGQAAAAAAAAAzMzMAAAAAABQAAAAUAAAAGQAAABkAAAAAAAAABcAAAAUAAAAAAAAAAAAAAD/fwAA/38AAAAAAAAJAAAABAAAAAAAAAAeAAAAaAAAAAAAAAAAAAAAAAAAAAAAAAAAAAAAECcAABAnAAAAAAAAAAAAAAAAAAAAAAAAAAAAAAAAAAAAAAAAAAAAABQAAAAAAAAAwMD/AAAAAABkAAAAMgAAAAAAAABkAAAAAAAAAH9/fwAKAAAAIgAAABgAAAAAAAAAAAAAAAAAAAAAAAAAAAAAAAAAAAAkAAAAJAAAAAAAAAAHAAAAAAAAAAAAAAAAAAAAAAAAAAAAAAAAAAAAf39/ACUAAABYAAAAAAAAAAAAAAAAAAAAAAAAAAAAAAAAAAAAAAAAAAAAAAAAAAAAAAAAAAAAAAA/AAAAAAAAAKCGAQAAAAAAAAAAAAAAAAAMAAAAAQAAAAAAAAAAAAAAAAAAAB8AAABUAAAAAAAABQAAAAEAAAAAAAAAAAAAAAAAAAAAAAAAAAAAAAAAAAAAAAAAAAAAAAJ/f38AAAAAA8zMzADAwP8Af39/AAAAAAAAAAAAAAAAAAAAAAAAAAAAIQAAABgAAAAUAAAAUx0AAK4BAABARwAAsCUAABAAAAAmAAAACAAAAAGAAAAAAAAAMAAAABQAAAAAAAAAAAD//wAAAQAAAP//AAABAA=="/>
+                <pr:smNativeData xmlns:pr="smNativeData" xmlns="smNativeData" val="SMDATA_16_haKDZxMAAAAlAAAAZAAAAA8BAAAAkAAAAEgAAACQAAAASAAAAAAAAAAAAAAAAAAAAAEAAABQAAAAAAAAAAAA4D8AAAAAAADgPwAAAAAAAOA/AAAAAAAA4D8AAAAAAADgPwAAAAAAAOA/AAAAAAAA4D8AAAAAAADgPwAAAAAAAOA/AAAAAAAA4D8CAAAAjAAAAAAAAAAAAAAAu+DjDP///wgAAAAAAAAAAAAAAAAAAAAAAAAAAAAAAAAAAAAAZAAAAAEAAABAAAAAAAAAAAAAAAAAAAAAAAAAAAAAAAAAAAAAAAAAAAAAAAAAAAAAAAAAAAAAAAAAAAAAAAAAAAAAAAAAAAAAAAAAAAAAAAAAAAAAAAAAAAAAAAAAAAAAFAAAADwAAAAAAAAAAAAAAAAAAAkUAAAAAQAAABQAAAAUAAAAFAAAAAEAAAAAAAAAZAAAAGQAAAAAAAAAZAAAAGQAAAAVAAAAYAAAAAAAAAAAAAAADwAAACADAAAAAAAAAAAAAAEAAACgMgAAVgcAAKr4//8BAAAAf39/AAEAAABkAAAAAAAAABQAAABAHwAAAAAAACYAAAAAAAAAwOD//wAAAAAmAAAAZAAAABYAAABMAAAAAAAAAAAAAAAEAAAAAAAAAAEAAACAgIAKAAAAACgAAAAoAAAAZAAAAGQAAAAAAAAAzMzMAAAAAABQAAAAUAAAAGQAAABkAAAAAAAAABcAAAAUAAAAAAAAAAAAAAD/fwAA/38AAAAAAAAJAAAABAAAAAAAAAAeAAAAaAAAAAAAAAAAAAAAAAAAAAAAAAAAAAAAECcAABAnAAAAAAAAAAAAAAAAAAAAAAAAAAAAAAAAAAAAAAAAAAAAABQAAAAAAAAAwMD/AAAAAABkAAAAMgAAAAAAAABkAAAAAAAAAH9/fwAKAAAAIgAAABgAAAAAAAAAAAAAAAAAAAAAAAAAAAAAAAAAAAAkAAAAJAAAAAAAAAAHAAAAAAAAAAAAAAAAAAAAAAAAAAAAAAAAAAAAf39/ACUAAABYAAAAAAAAAAAAAAAAAAAAAAAAAAAAAAAAAAAAAAAAAAAAAAAAAAAAAAAAAAAAAAA/AAAAAAAAAKCGAQAAAAAAAAAAAAAAAAAMAAAAAQAAAAAAAAAAAAAAAAAAAB8AAABUAAAAAAAABQAAAAEAAAAAAAAAAAAAAAAAAAAAAAAAAAAAAAAAAAAAAAAAAAAAAAJ/f38AAAAAA8zMzADAwP8Af39/AAAAAAAAAAAAAAAAAAAAAAAAAAAAIQAAABgAAAAUAAAAUx0AAK4BAABARwAAsCUAABAAAAAmAAAACAAAAAGAAAAAAAAAMAAAABQAAAAAAAAAAAD//wAAAQAAAP//AAABAA=="/>
               </a:ext>
             </a:extLst>
           </p:cNvSpPr>
@@ -2329,7 +2329,7 @@
             <a:spLocks noGrp="1" noChangeArrowheads="1"/>
             <a:extLst>
               <a:ext uri="smNativeData">
-                <pr:smNativeData xmlns:pr="smNativeData" xmlns="smNativeData" val="SMDATA_16_zYh+ZxMAAAAlAAAAZAAAAA8BAAAAkAAAAEgAAACQAAAASAAAAAAAAAAAAAAAAAAAAAEAAABQAAAAAAAAAAAA4D8AAAAAAADgPwAAAAAAAOA/AAAAAAAA4D8AAAAAAADgPwAAAAAAAOA/AAAAAAAA4D8AAAAAAADgPwAAAAAAAOA/AAAAAAAA4D8CAAAAjAAAAAAAAAAAAAAAu+DjDP///wgAAAAAAAAAAAAAAAAAAAAAAAAAAAAAAAAAAAAAZAAAAAEAAABAAAAAAAAAAAAAAAAAAAAAAAAAAAAAAAAAAAAAAAAAAAAAAAAAAAAAAAAAAAAAAAAAAAAAAAAAAAAAAAAAAAAAAAAAAAAAAAAAAAAAAAAAAAAAAAAAAAAAFAAAADwAAAAAAAAAAAAAAAAAAAkUAAAAAQAAABQAAAAUAAAAFAAAAAEAAAAAAAAAZAAAAGQAAAAAAAAAZAAAAGQAAAAVAAAAYAAAAAAAAAAAAAAADwAAACADAAAAAAAAAAAAAAEAAACgMgAAVgcAAKr4//8BAAAAf39/AAEAAABkAAAAAAAAABQAAABAHwAAAAAAACYAAAAAAAAAwOD//wAAAAAmAAAAZAAAABYAAABMAAAAAAAAAAAAAAAEAAAAAAAAAAEAAACAgIAKAAAAACgAAAAoAAAAZAAAAGQAAAAAAAAAzMzMAAAAAABQAAAAUAAAAGQAAABkAAAAAAAAABcAAAAUAAAAAAAAAAAAAAD/fwAA/38AAAAAAAAJAAAABAAAAAAAAAAeAAAAaAAAAAAAAAAAAAAAAAAAAAAAAAAAAAAAECcAABAnAAAAAAAAAAAAAAAAAAAAAAAAAAAAAAAAAAAAAAAAAAAAABQAAAAAAAAAwMD/AAAAAABkAAAAMgAAAAAAAABkAAAAAAAAAH9/fwAKAAAAIgAAABgAAAAAAAAAAAAAAAAAAAAAAAAAAAAAAAAAAAAkAAAAJAAAAAAAAAAHAAAAAAAAAAAAAAAAAAAAAAAAAAAAAAAAAAAAf39/ACUAAABYAAAAAAAAAAAAAAAAAAAAAAAAAAAAAAAAAAAAAAAAAAAAAAAAAAAAAAAAAAAAAAA/AAAAAAAAAKCGAQAAAAAAAAAAAAAAAAAMAAAAAQAAAAAAAAAAAAAAAAAAAB8AAABUAAAAAAAABQAAAAEAAAAAAAAAAAAAAAAAAAAAAAAAAAAAAAAAAAAAAAAAAAAAAAJ/f38AAAAAA8zMzADAwP8Af39/AAAAAAAAAAAAAAAAAAAAAAAAAAAAIQAAABgAAAAUAAAAwAMAANQIAABtHAAAsCUAABAAAAAmAAAACAAAAAGAAAAAAAAAMAAAABQAAAAAAAAAAAD//wAAAQAAAP//AAABAA=="/>
+                <pr:smNativeData xmlns:pr="smNativeData" xmlns="smNativeData" val="SMDATA_16_haKDZxMAAAAlAAAAZAAAAA8BAAAAkAAAAEgAAACQAAAASAAAAAAAAAAAAAAAAAAAAAEAAABQAAAAAAAAAAAA4D8AAAAAAADgPwAAAAAAAOA/AAAAAAAA4D8AAAAAAADgPwAAAAAAAOA/AAAAAAAA4D8AAAAAAADgPwAAAAAAAOA/AAAAAAAA4D8CAAAAjAAAAAAAAAAAAAAAu+DjDP///wgAAAAAAAAAAAAAAAAAAAAAAAAAAAAAAAAAAAAAZAAAAAEAAABAAAAAAAAAAAAAAAAAAAAAAAAAAAAAAAAAAAAAAAAAAAAAAAAAAAAAAAAAAAAAAAAAAAAAAAAAAAAAAAAAAAAAAAAAAAAAAAAAAAAAAAAAAAAAAAAAAAAAFAAAADwAAAAAAAAAAAAAAAAAAAkUAAAAAQAAABQAAAAUAAAAFAAAAAEAAAAAAAAAZAAAAGQAAAAAAAAAZAAAAGQAAAAVAAAAYAAAAAAAAAAAAAAADwAAACADAAAAAAAAAAAAAAEAAACgMgAAVgcAAKr4//8BAAAAf39/AAEAAABkAAAAAAAAABQAAABAHwAAAAAAACYAAAAAAAAAwOD//wAAAAAmAAAAZAAAABYAAABMAAAAAAAAAAAAAAAEAAAAAAAAAAEAAACAgIAKAAAAACgAAAAoAAAAZAAAAGQAAAAAAAAAzMzMAAAAAABQAAAAUAAAAGQAAABkAAAAAAAAABcAAAAUAAAAAAAAAAAAAAD/fwAA/38AAAAAAAAJAAAABAAAAAAAAAAeAAAAaAAAAAAAAAAAAAAAAAAAAAAAAAAAAAAAECcAABAnAAAAAAAAAAAAAAAAAAAAAAAAAAAAAAAAAAAAAAAAAAAAABQAAAAAAAAAwMD/AAAAAABkAAAAMgAAAAAAAABkAAAAAAAAAH9/fwAKAAAAIgAAABgAAAAAAAAAAAAAAAAAAAAAAAAAAAAAAAAAAAAkAAAAJAAAAAAAAAAHAAAAAAAAAAAAAAAAAAAAAAAAAAAAAAAAAAAAf39/ACUAAABYAAAAAAAAAAAAAAAAAAAAAAAAAAAAAAAAAAAAAAAAAAAAAAAAAAAAAAAAAAAAAAA/AAAAAAAAAKCGAQAAAAAAAAAAAAAAAAAMAAAAAQAAAAAAAAAAAAAAAAAAAB8AAABUAAAAAAAABQAAAAEAAAAAAAAAAAAAAAAAAAAAAAAAAAAAAAAAAAAAAAAAAAAAAAJ/f38AAAAAA8zMzADAwP8Af39/AAAAAAAAAAAAAAAAAAAAAAAAAAAAIQAAABgAAAAUAAAAwAMAANQIAABtHAAAsCUAABAAAAAmAAAACAAAAAGAAAAAAAAAMAAAABQAAAAAAAAAAAD//wAAAQAAAP//AAABAA=="/>
               </a:ext>
             </a:extLst>
           </p:cNvSpPr>
@@ -2398,7 +2398,7 @@
             <a:spLocks noGrp="1" noChangeArrowheads="1"/>
             <a:extLst>
               <a:ext uri="smNativeData">
-                <pr:smNativeData xmlns:pr="smNativeData" xmlns="smNativeData" val="SMDATA_16_zYh+ZxMAAAAlAAAAZAAAAA8BAAAAkAAAAEgAAACQAAAASAAAAAAAAAABAAAAAAAAAAEAAABQAAAAAAAAAAAA4D8AAAAAAADgPwAAAAAAAOA/AAAAAAAA4D8AAAAAAADgPwAAAAAAAOA/AAAAAAAA4D8AAAAAAADgPwAAAAAAAOA/AAAAAAAA4D8CAAAAjAAAAAAAAAAAAAAAu+DjDP///wgAAAAAAAAAAAAAAAAAAAAAAAAAAAAAAAAAAAAAZAAAAAEAAABAAAAAAAAAAAAAAAAAAAAAAAAAAAAAAAAAAAAAAAAAAAAAAAAAAAAAAAAAAAAAAAAAAAAAAAAAAAAAAAAAAAAAAAAAAAAAAAAAAAAAAAAAAAAAAAAAAAAAFAAAADwAAAAAAAAAAAAAAAAAAAkUAAAAAQAAABQAAAAUAAAAFAAAAAEAAAAAAAAAZAAAAGQAAAAAAAAAZAAAAGQAAAAVAAAAYAAAAAAAAAAAAAAADwAAACADAAAAAAAAAAAAAAEAAACgMgAAVgcAAKr4//8BAAAAf39/AAEAAABkAAAAAAAAABQAAABAHwAAAAAAACYAAAAAAAAAwOD//wAAAAAmAAAAZAAAABYAAABMAAAAAAAAAAAAAAAEAAAAAAAAAAEAAACAgIAKAAAAACgAAAAoAAAAZAAAAGQAAAAAAAAAzMzMAAAAAABQAAAAUAAAAGQAAABkAAAAAAAAABcAAAAUAAAAAAAAAAAAAAD/fwAA/38AAAAAAAAJAAAABAAAAAAAAAAeAAAAaAAAAAAAAAAAAAAAAAAAAAAAAAAAAAAAECcAABAnAAAAAAAAAAAAAAAAAAAAAAAAAAAAAAAAAAAAAAAAAAAAABQAAAAAAAAAwMD/AAAAAABkAAAAMgAAAAAAAABkAAAAAAAAAH9/fwAKAAAAIgAAABgAAAAAAAAAAAAAAAAAAAAAAAAAAAAAAAAAAAAkAAAAJAAAAAAAAAAHAAAAAAAAAAAAAAAAAAAAAAAAAAAAAAAAAAAAf39/ACUAAABYAAAAAAAAAAAAAAAAAAAAAAAAAAAAAAAAAAAAAAAAAAAAAAAAAAAAAAAAAAAAAAA/AAAAAAAAAKCGAQAAAAAAAAAAAAAAAAAMAAAAAQAAAAAAAAAAAAAAAAAAAB8AAABUAAAAAAAABQAAAAEAAAAAAAAAAAAAAAAAAAAAAAAAAAAAAAAAAAAAAAAAAAAAAAJ/f38AAAAAA8zMzADAwP8Af39/AAAAAAAAAAAAAAAAAAAAAAAAAAAAIQAAABgAAAAUAAAAwAMAABsnAAA/FQAAWSkAABAAAAAmAAAACAAAAAAAAAAAAAAAMAAAABQAAAAAAAAAAAD//wAAAQAAAP//AAABAA=="/>
+                <pr:smNativeData xmlns:pr="smNativeData" xmlns="smNativeData" val="SMDATA_16_haKDZxMAAAAlAAAAZAAAAA8BAAAAkAAAAEgAAACQAAAASAAAAAAAAAABAAAAAAAAAAEAAABQAAAAAAAAAAAA4D8AAAAAAADgPwAAAAAAAOA/AAAAAAAA4D8AAAAAAADgPwAAAAAAAOA/AAAAAAAA4D8AAAAAAADgPwAAAAAAAOA/AAAAAAAA4D8CAAAAjAAAAAAAAAAAAAAAu+DjDP///wgAAAAAAAAAAAAAAAAAAAAAAAAAAAAAAAAAAAAAZAAAAAEAAABAAAAAAAAAAAAAAAAAAAAAAAAAAAAAAAAAAAAAAAAAAAAAAAAAAAAAAAAAAAAAAAAAAAAAAAAAAAAAAAAAAAAAAAAAAAAAAAAAAAAAAAAAAAAAAAAAAAAAFAAAADwAAAAAAAAAAAAAAAAAAAkUAAAAAQAAABQAAAAUAAAAFAAAAAEAAAAAAAAAZAAAAGQAAAAAAAAAZAAAAGQAAAAVAAAAYAAAAAAAAAAAAAAADwAAACADAAAAAAAAAAAAAAEAAACgMgAAVgcAAKr4//8BAAAAf39/AAEAAABkAAAAAAAAABQAAABAHwAAAAAAACYAAAAAAAAAwOD//wAAAAAmAAAAZAAAABYAAABMAAAAAAAAAAAAAAAEAAAAAAAAAAEAAACAgIAKAAAAACgAAAAoAAAAZAAAAGQAAAAAAAAAzMzMAAAAAABQAAAAUAAAAGQAAABkAAAAAAAAABcAAAAUAAAAAAAAAAAAAAD/fwAA/38AAAAAAAAJAAAABAAAAAAAAAAeAAAAaAAAAAAAAAAAAAAAAAAAAAAAAAAAAAAAECcAABAnAAAAAAAAAAAAAAAAAAAAAAAAAAAAAAAAAAAAAAAAAAAAABQAAAAAAAAAwMD/AAAAAABkAAAAMgAAAAAAAABkAAAAAAAAAH9/fwAKAAAAIgAAABgAAAAAAAAAAAAAAAAAAAAAAAAAAAAAAAAAAAAkAAAAJAAAAAAAAAAHAAAAAAAAAAAAAAAAAAAAAAAAAAAAAAAAAAAAf39/ACUAAABYAAAAAAAAAAAAAAAAAAAAAAAAAAAAAAAAAAAAAAAAAAAAAAAAAAAAAAAAAAAAAAA/AAAAAAAAAKCGAQAAAAAAAAAAAAAAAAAMAAAAAQAAAAAAAAAAAAAAAAAAAB8AAABUAAAAAAAABQAAAAEAAAAAAAAAAAAAAAAAAAAAAAAAAAAAAAAAAAAAAAAAAAAAAAJ/f38AAAAAA8zMzADAwP8Af39/AAAAAAAAAAAAAAAAAAAAAAAAAAAAIQAAABgAAAAUAAAAwAMAABsnAAA/FQAAWSkAABAAAAAmAAAACAAAAAAAAAAAAAAAMAAAABQAAAAAAAAAAAD//wAAAQAAAP//AAABAA=="/>
               </a:ext>
             </a:extLst>
           </p:cNvSpPr>
@@ -2412,7 +2412,7 @@
           <a:lstStyle/>
           <a:p>
             <a:pPr/>
-            <a:fld id="{3F8C55D1-9FD2-D9A3-9C34-69F61B7A6A3C}" type="datetime1">
+            <a:fld id="{3F593B96-D8D2-0CCD-9CE1-2E9875AF6A7B}" type="datetime1">
               <a:t/>
             </a:fld>
           </a:p>
@@ -2425,7 +2425,7 @@
             <a:spLocks noGrp="1" noChangeArrowheads="1"/>
             <a:extLst>
               <a:ext uri="smNativeData">
-                <pr:smNativeData xmlns:pr="smNativeData" xmlns="smNativeData" val="SMDATA_16_zYh+ZxMAAAAlAAAAZAAAAA8BAAAAkAAAAEgAAACQAAAASAAAAAAAAAABAAAAAAAAAAEAAABQAAAAAAAAAAAA4D8AAAAAAADgPwAAAAAAAOA/AAAAAAAA4D8AAAAAAADgPwAAAAAAAOA/AAAAAAAA4D8AAAAAAADgPwAAAAAAAOA/AAAAAAAA4D8CAAAAjAAAAAAAAAAAAAAAu+DjDP///wgAAAAAAAAAAAAAAAAAAAAAAAAAAAAAAAAAAAAAZAAAAAEAAABAAAAAAAAAAAAAAAAAAAAAAAAAAAAAAAAAAAAAAAAAAAAAAAAAAAAAAAAAAAAAAAAAAAAAAAAAAAAAAAAAAAAAAAAAAAAAAAAAAAAAAAAAAAAAAAAAAAAAFAAAADwAAAAAAAAAAAAAAAAAAAkUAAAAAQAAABQAAAAUAAAAFAAAAAEAAAAAAAAAZAAAAGQAAAAAAAAAZAAAAGQAAAAVAAAAYAAAAAAAAAAAAAAADwAAACADAAAAAAAAAAAAAAEAAACgMgAAVgcAAKr4//8BAAAAf39/AAEAAABkAAAAAAAAABQAAABAHwAAAAAAACYAAAAAAAAAwOD//wAAAAAmAAAAZAAAABYAAABMAAAAAAAAAAAAAAAEAAAAAAAAAAEAAACAgIAKAAAAACgAAAAoAAAAZAAAAGQAAAAAAAAAzMzMAAAAAABQAAAAUAAAAGQAAABkAAAAAAAAABcAAAAUAAAAAAAAAAAAAAD/fwAA/38AAAAAAAAJAAAABAAAAHNwY0IeAAAAaAAAAAAAAAAAAAAAAAAAAAAAAAAAAAAAECcAABAnAAAAAAAAAAAAAAAAAAAAAAAAAAAAAAAAAAAAAAAAAAAAABQAAAAAAAAAwMD/AAAAAABkAAAAMgAAAAAAAABkAAAAAAAAAH9/fwAKAAAAIgAAABgAAAAAAAAAAAAAAAAAAAAAAAAAAAAAAAAAAAAkAAAAJAAAAAAAAAAHAAAAAAAAAAAAAAAAAAAAAAAAAAAAAAAAAAAAf39/ACUAAABYAAAAAAAAAAAAAAAAAAAAAAAAAAAAAAAAAAAAAAAAAAAAAAAAAAAAAAAAAAAAAAA/AAAAAAAAAKCGAQAAAAAAAAAAAAAAAAAMAAAAAQAAAAAAAAAAAAAAAAAAAB8AAABUAAAAAAAABQAAAAEAAAAAAAAAAAAAAAAAAAAAAAAAAAAAAAAAAAAAAAAAAAAAAAJ/f38AAAAAA8zMzADAwP8Af39/AAAAAAAAAAAAAAAAAAAAAAAAAAAAIQAAABgAAAAUAAAAoRkAABsnAABfMQAAWSkAABAAAAAmAAAACAAAAAAAAAAAAAAAMAAAABQAAAAAAAAAAAD//wAAAQAAAP//AAABAA=="/>
+                <pr:smNativeData xmlns:pr="smNativeData" xmlns="smNativeData" val="SMDATA_16_haKDZxMAAAAlAAAAZAAAAA8BAAAAkAAAAEgAAACQAAAASAAAAAAAAAABAAAAAAAAAAEAAABQAAAAAAAAAAAA4D8AAAAAAADgPwAAAAAAAOA/AAAAAAAA4D8AAAAAAADgPwAAAAAAAOA/AAAAAAAA4D8AAAAAAADgPwAAAAAAAOA/AAAAAAAA4D8CAAAAjAAAAAAAAAAAAAAAu+DjDP///wgAAAAAAAAAAAAAAAAAAAAAAAAAAAAAAAAAAAAAZAAAAAEAAABAAAAAAAAAAAAAAAAAAAAAAAAAAAAAAAAAAAAAAAAAAAAAAAAAAAAAAAAAAAAAAAAAAAAAAAAAAAAAAAAAAAAAAAAAAAAAAAAAAAAAAAAAAAAAAAAAAAAAFAAAADwAAAAAAAAAAAAAAAAAAAkUAAAAAQAAABQAAAAUAAAAFAAAAAEAAAAAAAAAZAAAAGQAAAAAAAAAZAAAAGQAAAAVAAAAYAAAAAAAAAAAAAAADwAAACADAAAAAAAAAAAAAAEAAACgMgAAVgcAAKr4//8BAAAAf39/AAEAAABkAAAAAAAAABQAAABAHwAAAAAAACYAAAAAAAAAwOD//wAAAAAmAAAAZAAAABYAAABMAAAAAAAAAAAAAAAEAAAAAAAAAAEAAACAgIAKAAAAACgAAAAoAAAAZAAAAGQAAAAAAAAAzMzMAAAAAABQAAAAUAAAAGQAAABkAAAAAAAAABcAAAAUAAAAAAAAAAAAAAD/fwAA/38AAAAAAAAJAAAABAAAAHNwY0IeAAAAaAAAAAAAAAAAAAAAAAAAAAAAAAAAAAAAECcAABAnAAAAAAAAAAAAAAAAAAAAAAAAAAAAAAAAAAAAAAAAAAAAABQAAAAAAAAAwMD/AAAAAABkAAAAMgAAAAAAAABkAAAAAAAAAH9/fwAKAAAAIgAAABgAAAAAAAAAAAAAAAAAAAAAAAAAAAAAAAAAAAAkAAAAJAAAAAAAAAAHAAAAAAAAAAAAAAAAAAAAAAAAAAAAAAAAAAAAf39/ACUAAABYAAAAAAAAAAAAAAAAAAAAAAAAAAAAAAAAAAAAAAAAAAAAAAAAAAAAAAAAAAAAAAA/AAAAAAAAAKCGAQAAAAAAAAAAAAAAAAAMAAAAAQAAAAAAAAAAAAAAAAAAAB8AAABUAAAAAAAABQAAAAEAAAAAAAAAAAAAAAAAAAAAAAAAAAAAAAAAAAAAAAAAAAAAAAJ/f38AAAAAA8zMzADAwP8Af39/AAAAAAAAAAAAAAAAAAAAAAAAAAAAIQAAABgAAAAUAAAAoRkAABsnAABfMQAAWSkAABAAAAAmAAAACAAAAAAAAAAAAAAAMAAAABQAAAAAAAAAAAD//wAAAQAAAP//AAABAA=="/>
               </a:ext>
             </a:extLst>
           </p:cNvSpPr>
@@ -2449,7 +2449,7 @@
             <a:spLocks noGrp="1" noChangeArrowheads="1"/>
             <a:extLst>
               <a:ext uri="smNativeData">
-                <pr:smNativeData xmlns:pr="smNativeData" xmlns="smNativeData" val="SMDATA_16_zYh+ZxMAAAAlAAAAZAAAAA8BAAAAkAAAAEgAAACQAAAASAAAAAAAAAABAAAAAAAAAAEAAABQAAAAAAAAAAAA4D8AAAAAAADgPwAAAAAAAOA/AAAAAAAA4D8AAAAAAADgPwAAAAAAAOA/AAAAAAAA4D8AAAAAAADgPwAAAAAAAOA/AAAAAAAA4D8CAAAAjAAAAAAAAAAAAAAAu+DjDP///wgAAAAAAAAAAAAAAAAAAAAAAAAAAAAAAAAAAAAAZAAAAAEAAABAAAAAAAAAAAAAAAAAAAAAAAAAAAAAAAAAAAAAAAAAAAAAAAAAAAAAAAAAAAAAAAAAAAAAAAAAAAAAAAAAAAAAAAAAAAAAAAAAAAAAAAAAAAAAAAAAAAAAFAAAADwAAAAAAAAAAAAAAAAAAAkUAAAAAQAAABQAAAAUAAAAFAAAAAEAAAAAAAAAZAAAAGQAAAAAAAAAZAAAAGQAAAAVAAAAYAAAAAAAAAAAAAAADwAAACADAAAAAAAAAAAAAAEAAACgMgAAVgcAAKr4//8BAAAAf39/AAEAAABkAAAAAAAAABQAAABAHwAAAAAAACYAAAAAAAAAwOD//wAAAAAmAAAAZAAAABYAAABMAAAAAAAAAAAAAAAEAAAAAAAAAAEAAACAgIAKAAAAACgAAAAoAAAAZAAAAGQAAAAAAAAAzMzMAAAAAABQAAAAUAAAAGQAAABkAAAAAAAAABcAAAAUAAAAAAAAAAAAAAD/fwAA/38AAAAAAAAJAAAABAAAAAAAAAAeAAAAaAAAAAAAAAAAAAAAAAAAAAAAAAAAAAAAECcAABAnAAAAAAAAAAAAAAAAAAAAAAAAAAAAAAAAAAAAAAAAAAAAABQAAAAAAAAAwMD/AAAAAABkAAAAMgAAAAAAAABkAAAAAAAAAH9/fwAKAAAAIgAAABgAAAAAAAAAAAAAAAAAAAAAAAAAAAAAAAAAAAAkAAAAJAAAAAAAAAAHAAAAAAAAAAAAAAAAAAAAAAAAAAAAAAAAAAAAf39/ACUAAABYAAAAAAAAAAAAAAAAAAAAAAAAAAAAAAAAAAAAAAAAAAAAAAAAAAAAAAAAAAAAAAA/AAAAAAAAAKCGAQAAAAAAAAAAAAAAAAAMAAAAAQAAAAAAAAAAAAAAAAAAAB8AAABUAAAAAAAABQAAAAEAAAAAAAAAAAAAAAAAAAAAAAAAAAAAAAAAAAAAAAAAAAAAAAJ/f38AAAAAA8zMzADAwP8Af39/AAAAAAAAAAAAAAAAAAAAAAAAAAAAIQAAABgAAAAUAAAAwTUAABsnAABARwAAWSkAABAAAAAmAAAACAAAAAAAAAAAAAAAMAAAABQAAAAAAAAAAAD//wAAAQAAAP//AAABAA=="/>
+                <pr:smNativeData xmlns:pr="smNativeData" xmlns="smNativeData" val="SMDATA_16_haKDZxMAAAAlAAAAZAAAAA8BAAAAkAAAAEgAAACQAAAASAAAAAAAAAABAAAAAAAAAAEAAABQAAAAAAAAAAAA4D8AAAAAAADgPwAAAAAAAOA/AAAAAAAA4D8AAAAAAADgPwAAAAAAAOA/AAAAAAAA4D8AAAAAAADgPwAAAAAAAOA/AAAAAAAA4D8CAAAAjAAAAAAAAAAAAAAAu+DjDP///wgAAAAAAAAAAAAAAAAAAAAAAAAAAAAAAAAAAAAAZAAAAAEAAABAAAAAAAAAAAAAAAAAAAAAAAAAAAAAAAAAAAAAAAAAAAAAAAAAAAAAAAAAAAAAAAAAAAAAAAAAAAAAAAAAAAAAAAAAAAAAAAAAAAAAAAAAAAAAAAAAAAAAFAAAADwAAAAAAAAAAAAAAAAAAAkUAAAAAQAAABQAAAAUAAAAFAAAAAEAAAAAAAAAZAAAAGQAAAAAAAAAZAAAAGQAAAAVAAAAYAAAAAAAAAAAAAAADwAAACADAAAAAAAAAAAAAAEAAACgMgAAVgcAAKr4//8BAAAAf39/AAEAAABkAAAAAAAAABQAAABAHwAAAAAAACYAAAAAAAAAwOD//wAAAAAmAAAAZAAAABYAAABMAAAAAAAAAAAAAAAEAAAAAAAAAAEAAACAgIAKAAAAACgAAAAoAAAAZAAAAGQAAAAAAAAAzMzMAAAAAABQAAAAUAAAAGQAAABkAAAAAAAAABcAAAAUAAAAAAAAAAAAAAD/fwAA/38AAAAAAAAJAAAABAAAAAAAAAAeAAAAaAAAAAAAAAAAAAAAAAAAAAAAAAAAAAAAECcAABAnAAAAAAAAAAAAAAAAAAAAAAAAAAAAAAAAAAAAAAAAAAAAABQAAAAAAAAAwMD/AAAAAABkAAAAMgAAAAAAAABkAAAAAAAAAH9/fwAKAAAAIgAAABgAAAAAAAAAAAAAAAAAAAAAAAAAAAAAAAAAAAAkAAAAJAAAAAAAAAAHAAAAAAAAAAAAAAAAAAAAAAAAAAAAAAAAAAAAf39/ACUAAABYAAAAAAAAAAAAAAAAAAAAAAAAAAAAAAAAAAAAAAAAAAAAAAAAAAAAAAAAAAAAAAA/AAAAAAAAAKCGAQAAAAAAAAAAAAAAAAAMAAAAAQAAAAAAAAAAAAAAAAAAAB8AAABUAAAAAAAABQAAAAEAAAAAAAAAAAAAAAAAAAAAAAAAAAAAAAAAAAAAAAAAAAAAAAJ/f38AAAAAA8zMzADAwP8Af39/AAAAAAAAAAAAAAAAAAAAAAAAAAAAIQAAABgAAAAUAAAAwTUAABsnAABARwAAWSkAABAAAAAmAAAACAAAAAAAAAAAAAAAMAAAABQAAAAAAAAAAAD//wAAAQAAAP//AAABAA=="/>
               </a:ext>
             </a:extLst>
           </p:cNvSpPr>
@@ -2463,7 +2463,7 @@
           <a:lstStyle/>
           <a:p>
             <a:pPr/>
-            <a:fld id="{3F8C7E90-DED2-D988-9C34-28DD307A6A7D}" type="slidenum">
+            <a:fld id="{3F593820-6ED2-0CCE-9CE1-989B76AF6ACD}" type="slidenum">
               <a:t/>
             </a:fld>
           </a:p>
@@ -2502,7 +2502,7 @@
             <a:spLocks noGrp="1" noChangeArrowheads="1"/>
             <a:extLst>
               <a:ext uri="smNativeData">
-                <pr:smNativeData xmlns:pr="smNativeData" xmlns="smNativeData" val="SMDATA_16_zYh+ZxMAAAAlAAAAZAAAAA8BAAAAkAAAAEgAAACQAAAASAAAAAAAAAACAAAAAAAAAAEAAABQAAAAAAAAAAAA4D8AAAAAAADgPwAAAAAAAOA/AAAAAAAA4D8AAAAAAADgPwAAAAAAAOA/AAAAAAAA4D8AAAAAAADgPwAAAAAAAOA/AAAAAAAA4D8CAAAAjAAAAAAAAAAAAAAAu+DjDP///wgAAAAAAAAAAAAAAAAAAAAAAAAAAAAAAAAAAAAAZAAAAAEAAABAAAAAAAAAAAAAAAAAAAAAAAAAAAAAAAAAAAAAAAAAAAAAAAAAAAAAAAAAAAAAAAAAAAAAAAAAAAAAAAAAAAAAAAAAAAAAAAAAAAAAAAAAAAAAAAAAAAAAFAAAADwAAAAAAAAAAAAAAAAAAAkUAAAAAQAAABQAAAAUAAAAFAAAAAEAAAAAAAAAZAAAAGQAAAAAAAAAZAAAAGQAAAAVAAAAYAAAAAAAAAAAAAAADwAAACADAAAAAAAAAAAAAAEAAACgMgAAVgcAAKr4//8BAAAAf39/AAEAAABkAAAAAAAAABQAAABAHwAAAAAAACYAAAAAAAAAwOD//wAAAAAmAAAAZAAAABYAAABMAAAAAAAAAAAAAAAEAAAAAAAAAAEAAACAgIAKAAAAACgAAAAoAAAAZAAAAGQAAAAAAAAAzMzMAAAAAABQAAAAUAAAAGQAAABkAAAAAAAAABcAAAAUAAAAAAAAAAAAAAD/fwAA/38AAAAAAAAJAAAABAAAAAAAAAAeAAAAaAAAAAAAAAAAAAAAAAAAAAAAAAAAAAAAECcAABAnAAAAAAAAAAAAAAAAAAAAAAAAAAAAAAAAAAAAAAAAAAAAABQAAAAAAAAAwMD/AAAAAABkAAAAMgAAAAAAAABkAAAAAAAAAH9/fwAKAAAAIgAAABgAAAAAAAAAAAAAAAAAAAAAAAAAAAAAAAAAAAAkAAAAJAAAAAAAAAAHAAAAAAAAAAAAAAAAAAAAAAAAAAAAAAAAAAAAf39/ACUAAABYAAAAAAAAAAAAAAAAAAAAAAAAAAAAAAAAAAAAAAAAAAAAAAAAAAAAAAAAAAAAAAA/AAAAAAAAAKCGAQAAAAAAAAAAAAAAAAAMAAAAAQAAAAAAAAAAAAAAAAAAAB8AAABUAAAAAAAABQAAAAEAAAAAAAAAAAAAAAAAAAAAAAAAAAAAAAAAAAAAAAAAAAAAAAJ/f38AAAAAA8zMzADAwP8Af39/AAAAAAAAAAAAAAAAAAAAAAAAAAAAIQAAABgAAAAUAAAAsw4AAIgdAACzOwAABCEAABAAAAAmAAAACAAAAIGAAAAAAAAAMAAAABQAAAAAAAAAAAD//wAAAQAAAP//AAABAA=="/>
+                <pr:smNativeData xmlns:pr="smNativeData" xmlns="smNativeData" val="SMDATA_16_haKDZxMAAAAlAAAAZAAAAA8BAAAAkAAAAEgAAACQAAAASAAAAAAAAAACAAAAAAAAAAEAAABQAAAAAAAAAAAA4D8AAAAAAADgPwAAAAAAAOA/AAAAAAAA4D8AAAAAAADgPwAAAAAAAOA/AAAAAAAA4D8AAAAAAADgPwAAAAAAAOA/AAAAAAAA4D8CAAAAjAAAAAAAAAAAAAAAu+DjDP///wgAAAAAAAAAAAAAAAAAAAAAAAAAAAAAAAAAAAAAZAAAAAEAAABAAAAAAAAAAAAAAAAAAAAAAAAAAAAAAAAAAAAAAAAAAAAAAAAAAAAAAAAAAAAAAAAAAAAAAAAAAAAAAAAAAAAAAAAAAAAAAAAAAAAAAAAAAAAAAAAAAAAAFAAAADwAAAAAAAAAAAAAAAAAAAkUAAAAAQAAABQAAAAUAAAAFAAAAAEAAAAAAAAAZAAAAGQAAAAAAAAAZAAAAGQAAAAVAAAAYAAAAAAAAAAAAAAADwAAACADAAAAAAAAAAAAAAEAAACgMgAAVgcAAKr4//8BAAAAf39/AAEAAABkAAAAAAAAABQAAABAHwAAAAAAACYAAAAAAAAAwOD//wAAAAAmAAAAZAAAABYAAABMAAAAAAAAAAAAAAAEAAAAAAAAAAEAAACAgIAKAAAAACgAAAAoAAAAZAAAAGQAAAAAAAAAzMzMAAAAAABQAAAAUAAAAGQAAABkAAAAAAAAABcAAAAUAAAAAAAAAAAAAAD/fwAA/38AAAAAAAAJAAAABAAAAAAAAAAeAAAAaAAAAAAAAAAAAAAAAAAAAAAAAAAAAAAAECcAABAnAAAAAAAAAAAAAAAAAAAAAAAAAAAAAAAAAAAAAAAAAAAAABQAAAAAAAAAwMD/AAAAAABkAAAAMgAAAAAAAABkAAAAAAAAAH9/fwAKAAAAIgAAABgAAAAAAAAAAAAAAAAAAAAAAAAAAAAAAAAAAAAkAAAAJAAAAAAAAAAHAAAAAAAAAAAAAAAAAAAAAAAAAAAAAAAAAAAAf39/ACUAAABYAAAAAAAAAAAAAAAAAAAAAAAAAAAAAAAAAAAAAAAAAAAAAAAAAAAAAAAAAAAAAAA/AAAAAAAAAKCGAQAAAAAAAAAAAAAAAAAMAAAAAQAAAAAAAAAAAAAAAAAAAB8AAABUAAAAAAAABQAAAAEAAAAAAAAAAAAAAAAAAAAAAAAAAAAAAAAAAAAAAAAAAAAAAAJ/f38AAAAAA8zMzADAwP8Af39/AAAAAAAAAAAAAAAAAAAAAAAAAAAAIQAAABgAAAAUAAAAsw4AAIgdAACzOwAABCEAABAAAAAmAAAACAAAAIGAAAAAAAAAMAAAABQAAAAAAAAAAAD//wAAAQAAAP//AAABAA=="/>
               </a:ext>
             </a:extLst>
           </p:cNvSpPr>
@@ -2542,7 +2542,7 @@
             <a:spLocks noGrp="1" noChangeArrowheads="1"/>
             <a:extLst>
               <a:ext uri="smNativeData">
-                <pr:smNativeData xmlns:pr="smNativeData" xmlns="smNativeData" val="SMDATA_16_zYh+ZxMAAAAlAAAAZAAAAA8BAAAAkAAAAEgAAACQAAAASAAAAAAAAAAAAAAAAAAAAAEAAABQAAAAAAAAAAAA4D8AAAAAAADgPwAAAAAAAOA/AAAAAAAA4D8AAAAAAADgPwAAAAAAAOA/AAAAAAAA4D8AAAAAAADgPwAAAAAAAOA/AAAAAAAA4D8CAAAAjAAAAAAAAAAAAAAAu+DjDP///wgAAAAAAAAAAAAAAAAAAAAAAAAAAAAAAAAAAAAAZAAAAAEAAABAAAAAAAAAAAAAAAAAAAAAAAAAAAAAAAAAAAAAAAAAAAAAAAAAAAAAAAAAAAAAAAAAAAAAAAAAAAAAAAAAAAAAAAAAAAAAAAAAAAAAAAAAAAAAAAAAAAAAFAAAADwAAAAAAAAAAAAAAAAAAAkUAAAAAQAAABQAAAAUAAAAFAAAAAEAAAAAAAAAZAAAAGQAAAAAAAAAZAAAAGQAAAAVAAAAYAAAAAAAAAAAAAAADwAAACADAAAAAAAAAAAAAAEAAACgMgAAVgcAAKr4//8BAAAAf39/AAEAAABkAAAAAAAAABQAAABAHwAAAAAAACYAAAAAAAAAwOD//wAAAAAmAAAAZAAAABYAAABMAAAAAAAAAAAAAAAEAAAAAAAAAAEAAACAgIAKAAAAACgAAAAoAAAAZAAAAGQAAAAAAAAAzMzMAAAAAABQAAAAUAAAAGQAAABkAAAAAAAAABcAAAAUAAAAAAAAAAAAAAD/fwAA/38AAAAAAAAJAAAABAAAAAAAAAAeAAAAaAAAAAAAAAAAAAAAAAAAAAAAAAAAAAAAECcAABAnAAAAAAAAAAAAAAAAAAAAAAAAAAAAAAAAAAAAAAAAAAAAABQAAAAAAAAAwMD/AAAAAABkAAAAMgAAAAAAAABkAAAAAAAAAH9/fwAKAAAAIgAAABgAAAAAAAAAAAAAAAAAAAAAAAAAAAAAAAAAAAAkAAAAJAAAAAAAAAAHAAAAAAAAAAAAAAAAAAAAAAAAAAAAAAAAAAAAf39/ACUAAABYAAAAAAAAAAAAAAAAAAAAAAAAAAAAAAAAAAAAAAAAAAAAAAAAAAAAAAAAAAAAAAA/AAAAAAAAAKCGAQAAAAAAAAAAAAAAAAAMAAAAAQAAAAAAAAAAAAAAAAAAAB8AAABUAAAAAAAABQAAAAEAAAAAAAAAAAAAAAAAAAAAAAAAAAAAAAAAAAAAAAAAAAAAAAJ/f38AAAAAA8zMzADAwP8Af39/AAAAAAAAAAAAAAAAAAAAAAAAAAAAIQAAABgAAAAUAAAAsw4AAMYDAACzOwAAFh0AABAAAAAmAAAACAAAAAGAAAAAAAAAMAAAABQAAAAAAAAAAAD//wAAAQAAAP//AAABAA=="/>
+                <pr:smNativeData xmlns:pr="smNativeData" xmlns="smNativeData" val="SMDATA_16_haKDZxMAAAAlAAAAZAAAAA8BAAAAkAAAAEgAAACQAAAASAAAAAAAAAAAAAAAAAAAAAEAAABQAAAAAAAAAAAA4D8AAAAAAADgPwAAAAAAAOA/AAAAAAAA4D8AAAAAAADgPwAAAAAAAOA/AAAAAAAA4D8AAAAAAADgPwAAAAAAAOA/AAAAAAAA4D8CAAAAjAAAAAAAAAAAAAAAu+DjDP///wgAAAAAAAAAAAAAAAAAAAAAAAAAAAAAAAAAAAAAZAAAAAEAAABAAAAAAAAAAAAAAAAAAAAAAAAAAAAAAAAAAAAAAAAAAAAAAAAAAAAAAAAAAAAAAAAAAAAAAAAAAAAAAAAAAAAAAAAAAAAAAAAAAAAAAAAAAAAAAAAAAAAAFAAAADwAAAAAAAAAAAAAAAAAAAkUAAAAAQAAABQAAAAUAAAAFAAAAAEAAAAAAAAAZAAAAGQAAAAAAAAAZAAAAGQAAAAVAAAAYAAAAAAAAAAAAAAADwAAACADAAAAAAAAAAAAAAEAAACgMgAAVgcAAKr4//8BAAAAf39/AAEAAABkAAAAAAAAABQAAABAHwAAAAAAACYAAAAAAAAAwOD//wAAAAAmAAAAZAAAABYAAABMAAAAAAAAAAAAAAAEAAAAAAAAAAEAAACAgIAKAAAAACgAAAAoAAAAZAAAAGQAAAAAAAAAzMzMAAAAAABQAAAAUAAAAGQAAABkAAAAAAAAABcAAAAUAAAAAAAAAAAAAAD/fwAA/38AAAAAAAAJAAAABAAAAAAAAAAeAAAAaAAAAAAAAAAAAAAAAAAAAAAAAAAAAAAAECcAABAnAAAAAAAAAAAAAAAAAAAAAAAAAAAAAAAAAAAAAAAAAAAAABQAAAAAAAAAwMD/AAAAAABkAAAAMgAAAAAAAABkAAAAAAAAAH9/fwAKAAAAIgAAABgAAAAAAAAAAAAAAAAAAAAAAAAAAAAAAAAAAAAkAAAAJAAAAAAAAAAHAAAAAAAAAAAAAAAAAAAAAAAAAAAAAAAAAAAAf39/ACUAAABYAAAAAAAAAAAAAAAAAAAAAAAAAAAAAAAAAAAAAAAAAAAAAAAAAAAAAAAAAAAAAAA/AAAAAAAAAKCGAQAAAAAAAAAAAAAAAAAMAAAAAQAAAAAAAAAAAAAAAAAAAB8AAABUAAAAAAAABQAAAAEAAAAAAAAAAAAAAAAAAAAAAAAAAAAAAAAAAAAAAAAAAAAAAAJ/f38AAAAAA8zMzADAwP8Af39/AAAAAAAAAAAAAAAAAAAAAAAAAAAAIQAAABgAAAAUAAAAsw4AAMYDAACzOwAAFh0AABAAAAAmAAAACAAAAAGAAAAAAAAAMAAAABQAAAAAAAAAAAD//wAAAQAAAP//AAABAA=="/>
               </a:ext>
             </a:extLst>
           </p:cNvSpPr>
@@ -2611,7 +2611,7 @@
             <a:spLocks noGrp="1" noChangeArrowheads="1"/>
             <a:extLst>
               <a:ext uri="smNativeData">
-                <pr:smNativeData xmlns:pr="smNativeData" xmlns="smNativeData" val="SMDATA_16_zYh+ZxMAAAAlAAAAZAAAAA8BAAAAkAAAAEgAAACQAAAASAAAAAAAAAAAAAAAAAAAAAEAAABQAAAAAAAAAAAA4D8AAAAAAADgPwAAAAAAAOA/AAAAAAAA4D8AAAAAAADgPwAAAAAAAOA/AAAAAAAA4D8AAAAAAADgPwAAAAAAAOA/AAAAAAAA4D8CAAAAjAAAAAAAAAAAAAAAu+DjDP///wgAAAAAAAAAAAAAAAAAAAAAAAAAAAAAAAAAAAAAZAAAAAEAAABAAAAAAAAAAAAAAAAAAAAAAAAAAAAAAAAAAAAAAAAAAAAAAAAAAAAAAAAAAAAAAAAAAAAAAAAAAAAAAAAAAAAAAAAAAAAAAAAAAAAAAAAAAAAAAAAAAAAAFAAAADwAAAAAAAAAAAAAAAAAAAkUAAAAAQAAABQAAAAUAAAAFAAAAAEAAAAAAAAAZAAAAGQAAAAAAAAAZAAAAGQAAAAVAAAAYAAAAAAAAAAAAAAADwAAACADAAAAAAAAAAAAAAEAAACgMgAAVgcAAKr4//8BAAAAf39/AAEAAABkAAAAAAAAABQAAABAHwAAAAAAACYAAAAAAAAAwOD//wAAAAAmAAAAZAAAABYAAABMAAAAAAAAAAAAAAAEAAAAAAAAAAEAAACAgIAKAAAAACgAAAAoAAAAZAAAAGQAAAAAAAAAzMzMAAAAAABQAAAAUAAAAGQAAABkAAAAAAAAABcAAAAUAAAAAAAAAAAAAAD/fwAA/38AAAAAAAAJAAAABAAAAAAAAAAeAAAAaAAAAAAAAAAAAAAAAAAAAAAAAAAAAAAAECcAABAnAAAAAAAAAAAAAAAAAAAAAAAAAAAAAAAAAAAAAAAAAAAAABQAAAAAAAAAwMD/AAAAAABkAAAAMgAAAAAAAABkAAAAAAAAAH9/fwAKAAAAIgAAABgAAAAAAAAAAAAAAAAAAAAAAAAAAAAAAAAAAAAkAAAAJAAAAAAAAAAHAAAAAAAAAAAAAAAAAAAAAAAAAAAAAAAAAAAAf39/ACUAAABYAAAAAAAAAAAAAAAAAAAAAAAAAAAAAAAAAAAAAAAAAAAAAAAAAAAAAAAAAAAAAAA/AAAAAAAAAKCGAQAAAAAAAAAAAAAAAAAMAAAAAQAAAAAAAAAAAAAAAAAAAB8AAABUAAAAAAAABQAAAAEAAAAAAAAAAAAAAAAAAAAAAAAAAAAAAAAAAAAAAAAAAAAAAAJ/f38AAAAAA8zMzADAwP8Af39/AAAAAAAAAAAAAAAAAAAAAAAAAAAAIQAAABgAAAAUAAAAsw4AAAQhAACzOwAA+CUAABAAAAAmAAAACAAAAAGAAAAAAAAAMAAAABQAAAAAAAAAAAD//wAAAQAAAP//AAABAA=="/>
+                <pr:smNativeData xmlns:pr="smNativeData" xmlns="smNativeData" val="SMDATA_16_haKDZxMAAAAlAAAAZAAAAA8BAAAAkAAAAEgAAACQAAAASAAAAAAAAAAAAAAAAAAAAAEAAABQAAAAAAAAAAAA4D8AAAAAAADgPwAAAAAAAOA/AAAAAAAA4D8AAAAAAADgPwAAAAAAAOA/AAAAAAAA4D8AAAAAAADgPwAAAAAAAOA/AAAAAAAA4D8CAAAAjAAAAAAAAAAAAAAAu+DjDP///wgAAAAAAAAAAAAAAAAAAAAAAAAAAAAAAAAAAAAAZAAAAAEAAABAAAAAAAAAAAAAAAAAAAAAAAAAAAAAAAAAAAAAAAAAAAAAAAAAAAAAAAAAAAAAAAAAAAAAAAAAAAAAAAAAAAAAAAAAAAAAAAAAAAAAAAAAAAAAAAAAAAAAFAAAADwAAAAAAAAAAAAAAAAAAAkUAAAAAQAAABQAAAAUAAAAFAAAAAEAAAAAAAAAZAAAAGQAAAAAAAAAZAAAAGQAAAAVAAAAYAAAAAAAAAAAAAAADwAAACADAAAAAAAAAAAAAAEAAACgMgAAVgcAAKr4//8BAAAAf39/AAEAAABkAAAAAAAAABQAAABAHwAAAAAAACYAAAAAAAAAwOD//wAAAAAmAAAAZAAAABYAAABMAAAAAAAAAAAAAAAEAAAAAAAAAAEAAACAgIAKAAAAACgAAAAoAAAAZAAAAGQAAAAAAAAAzMzMAAAAAABQAAAAUAAAAGQAAABkAAAAAAAAABcAAAAUAAAAAAAAAAAAAAD/fwAA/38AAAAAAAAJAAAABAAAAAAAAAAeAAAAaAAAAAAAAAAAAAAAAAAAAAAAAAAAAAAAECcAABAnAAAAAAAAAAAAAAAAAAAAAAAAAAAAAAAAAAAAAAAAAAAAABQAAAAAAAAAwMD/AAAAAABkAAAAMgAAAAAAAABkAAAAAAAAAH9/fwAKAAAAIgAAABgAAAAAAAAAAAAAAAAAAAAAAAAAAAAAAAAAAAAkAAAAJAAAAAAAAAAHAAAAAAAAAAAAAAAAAAAAAAAAAAAAAAAAAAAAf39/ACUAAABYAAAAAAAAAAAAAAAAAAAAAAAAAAAAAAAAAAAAAAAAAAAAAAAAAAAAAAAAAAAAAAA/AAAAAAAAAKCGAQAAAAAAAAAAAAAAAAAMAAAAAQAAAAAAAAAAAAAAAAAAAB8AAABUAAAAAAAABQAAAAEAAAAAAAAAAAAAAAAAAAAAAAAAAAAAAAAAAAAAAAAAAAAAAAJ/f38AAAAAA8zMzADAwP8Af39/AAAAAAAAAAAAAAAAAAAAAAAAAAAAIQAAABgAAAAUAAAAsw4AAAQhAACzOwAA+CUAABAAAAAmAAAACAAAAAGAAAAAAAAAMAAAABQAAAAAAAAAAAD//wAAAQAAAP//AAABAA=="/>
               </a:ext>
             </a:extLst>
           </p:cNvSpPr>
@@ -2680,7 +2680,7 @@
             <a:spLocks noGrp="1" noChangeArrowheads="1"/>
             <a:extLst>
               <a:ext uri="smNativeData">
-                <pr:smNativeData xmlns:pr="smNativeData" xmlns="smNativeData" val="SMDATA_16_zYh+ZxMAAAAlAAAAZAAAAA8BAAAAkAAAAEgAAACQAAAASAAAAAAAAAABAAAAAAAAAAEAAABQAAAAAAAAAAAA4D8AAAAAAADgPwAAAAAAAOA/AAAAAAAA4D8AAAAAAADgPwAAAAAAAOA/AAAAAAAA4D8AAAAAAADgPwAAAAAAAOA/AAAAAAAA4D8CAAAAjAAAAAAAAAAAAAAAu+DjDP///wgAAAAAAAAAAAAAAAAAAAAAAAAAAAAAAAAAAAAAZAAAAAEAAABAAAAAAAAAAAAAAAAAAAAAAAAAAAAAAAAAAAAAAAAAAAAAAAAAAAAAAAAAAAAAAAAAAAAAAAAAAAAAAAAAAAAAAAAAAAAAAAAAAAAAAAAAAAAAAAAAAAAAFAAAADwAAAAAAAAAAAAAAAAAAAkUAAAAAQAAABQAAAAUAAAAFAAAAAEAAAAAAAAAZAAAAGQAAAAAAAAAZAAAAGQAAAAVAAAAYAAAAAAAAAAAAAAADwAAACADAAAAAAAAAAAAAAEAAACgMgAAVgcAAKr4//8BAAAAf39/AAEAAABkAAAAAAAAABQAAABAHwAAAAAAACYAAAAAAAAAwOD//wAAAAAmAAAAZAAAABYAAABMAAAAAAAAAAAAAAAEAAAAAAAAAAEAAACAgIAKAAAAACgAAAAoAAAAZAAAAGQAAAAAAAAAzMzMAAAAAABQAAAAUAAAAGQAAABkAAAAAAAAABcAAAAUAAAAAAAAAAAAAAD/fwAA/38AAAAAAAAJAAAABAAAAAAAAAAeAAAAaAAAAAAAAAAAAAAAAAAAAAAAAAAAAAAAECcAABAnAAAAAAAAAAAAAAAAAAAAAAAAAAAAAAAAAAAAAAAAAAAAABQAAAAAAAAAwMD/AAAAAABkAAAAMgAAAAAAAABkAAAAAAAAAH9/fwAKAAAAIgAAABgAAAAAAAAAAAAAAAAAAAAAAAAAAAAAAAAAAAAkAAAAJAAAAAAAAAAHAAAAAAAAAAAAAAAAAAAAAAAAAAAAAAAAAAAAf39/ACUAAABYAAAAAAAAAAAAAAAAAAAAAAAAAAAAAAAAAAAAAAAAAAAAAAAAAAAAAAAAAAAAAAA/AAAAAAAAAKCGAQAAAAAAAAAAAAAAAAAMAAAAAQAAAAAAAAAAAAAAAAAAAB8AAABUAAAAAAAABQAAAAEAAAAAAAAAAAAAAAAAAAAAAAAAAAAAAAAAAAAAAAAAAAAAAAJ/f38AAAAAA8zMzADAwP8Af39/AAAAAAAAAAAAAAAAAAAAAAAAAAAAIQAAABgAAAAUAAAAwAMAABsnAAA/FQAAWSkAABAAAAAmAAAACAAAAAAAAAAAAAAAMAAAABQAAAAAAAAAAAD//wAAAQAAAP//AAABAA=="/>
+                <pr:smNativeData xmlns:pr="smNativeData" xmlns="smNativeData" val="SMDATA_16_haKDZxMAAAAlAAAAZAAAAA8BAAAAkAAAAEgAAACQAAAASAAAAAAAAAABAAAAAAAAAAEAAABQAAAAAAAAAAAA4D8AAAAAAADgPwAAAAAAAOA/AAAAAAAA4D8AAAAAAADgPwAAAAAAAOA/AAAAAAAA4D8AAAAAAADgPwAAAAAAAOA/AAAAAAAA4D8CAAAAjAAAAAAAAAAAAAAAu+DjDP///wgAAAAAAAAAAAAAAAAAAAAAAAAAAAAAAAAAAAAAZAAAAAEAAABAAAAAAAAAAAAAAAAAAAAAAAAAAAAAAAAAAAAAAAAAAAAAAAAAAAAAAAAAAAAAAAAAAAAAAAAAAAAAAAAAAAAAAAAAAAAAAAAAAAAAAAAAAAAAAAAAAAAAFAAAADwAAAAAAAAAAAAAAAAAAAkUAAAAAQAAABQAAAAUAAAAFAAAAAEAAAAAAAAAZAAAAGQAAAAAAAAAZAAAAGQAAAAVAAAAYAAAAAAAAAAAAAAADwAAACADAAAAAAAAAAAAAAEAAACgMgAAVgcAAKr4//8BAAAAf39/AAEAAABkAAAAAAAAABQAAABAHwAAAAAAACYAAAAAAAAAwOD//wAAAAAmAAAAZAAAABYAAABMAAAAAAAAAAAAAAAEAAAAAAAAAAEAAACAgIAKAAAAACgAAAAoAAAAZAAAAGQAAAAAAAAAzMzMAAAAAABQAAAAUAAAAGQAAABkAAAAAAAAABcAAAAUAAAAAAAAAAAAAAD/fwAA/38AAAAAAAAJAAAABAAAAAAAAAAeAAAAaAAAAAAAAAAAAAAAAAAAAAAAAAAAAAAAECcAABAnAAAAAAAAAAAAAAAAAAAAAAAAAAAAAAAAAAAAAAAAAAAAABQAAAAAAAAAwMD/AAAAAABkAAAAMgAAAAAAAABkAAAAAAAAAH9/fwAKAAAAIgAAABgAAAAAAAAAAAAAAAAAAAAAAAAAAAAAAAAAAAAkAAAAJAAAAAAAAAAHAAAAAAAAAAAAAAAAAAAAAAAAAAAAAAAAAAAAf39/ACUAAABYAAAAAAAAAAAAAAAAAAAAAAAAAAAAAAAAAAAAAAAAAAAAAAAAAAAAAAAAAAAAAAA/AAAAAAAAAKCGAQAAAAAAAAAAAAAAAAAMAAAAAQAAAAAAAAAAAAAAAAAAAB8AAABUAAAAAAAABQAAAAEAAAAAAAAAAAAAAAAAAAAAAAAAAAAAAAAAAAAAAAAAAAAAAAJ/f38AAAAAA8zMzADAwP8Af39/AAAAAAAAAAAAAAAAAAAAAAAAAAAAIQAAABgAAAAUAAAAwAMAABsnAAA/FQAAWSkAABAAAAAmAAAACAAAAAAAAAAAAAAAMAAAABQAAAAAAAAAAAD//wAAAQAAAP//AAABAA=="/>
               </a:ext>
             </a:extLst>
           </p:cNvSpPr>
@@ -2694,7 +2694,7 @@
           <a:lstStyle/>
           <a:p>
             <a:pPr/>
-            <a:fld id="{3F8C73AB-E5D2-D985-9C34-13D03D7A6A46}" type="datetime1">
+            <a:fld id="{3F592BC2-8CD2-0CDD-9CE1-7A8865AF6A2F}" type="datetime1">
               <a:t/>
             </a:fld>
           </a:p>
@@ -2707,7 +2707,7 @@
             <a:spLocks noGrp="1" noChangeArrowheads="1"/>
             <a:extLst>
               <a:ext uri="smNativeData">
-                <pr:smNativeData xmlns:pr="smNativeData" xmlns="smNativeData" val="SMDATA_16_zYh+ZxMAAAAlAAAAZAAAAA8BAAAAkAAAAEgAAACQAAAASAAAAAAAAAABAAAAAAAAAAEAAABQAAAAAAAAAAAA4D8AAAAAAADgPwAAAAAAAOA/AAAAAAAA4D8AAAAAAADgPwAAAAAAAOA/AAAAAAAA4D8AAAAAAADgPwAAAAAAAOA/AAAAAAAA4D8CAAAAjAAAAAAAAAAAAAAAu+DjDP///wgAAAAAAAAAAAAAAAAAAAAAAAAAAAAAAAAAAAAAZAAAAAEAAABAAAAAAAAAAAAAAAAAAAAAAAAAAAAAAAAAAAAAAAAAAAAAAAAAAAAAAAAAAAAAAAAAAAAAAAAAAAAAAAAAAAAAAAAAAAAAAAAAAAAAAAAAAAAAAAAAAAAAFAAAADwAAAAAAAAAAAAAAAAAAAkUAAAAAQAAABQAAAAUAAAAFAAAAAEAAAAAAAAAZAAAAGQAAAAAAAAAZAAAAGQAAAAVAAAAYAAAAAAAAAAAAAAADwAAACADAAAAAAAAAAAAAAEAAACgMgAAVgcAAKr4//8BAAAAf39/AAEAAABkAAAAAAAAABQAAABAHwAAAAAAACYAAAAAAAAAwOD//wAAAAAmAAAAZAAAABYAAABMAAAAAAAAAAAAAAAEAAAAAAAAAAEAAACAgIAKAAAAACgAAAAoAAAAZAAAAGQAAAAAAAAAzMzMAAAAAABQAAAAUAAAAGQAAABkAAAAAAAAABcAAAAUAAAAAAAAAAAAAAD/fwAA/38AAAAAAAAJAAAABAAAAAAAAAAeAAAAaAAAAAAAAAAAAAAAAAAAAAAAAAAAAAAAECcAABAnAAAAAAAAAAAAAAAAAAAAAAAAAAAAAAAAAAAAAAAAAAAAABQAAAAAAAAAwMD/AAAAAABkAAAAMgAAAAAAAABkAAAAAAAAAH9/fwAKAAAAIgAAABgAAAAAAAAAAAAAAAAAAAAAAAAAAAAAAAAAAAAkAAAAJAAAAAAAAAAHAAAAAAAAAAAAAAAAAAAAAAAAAAAAAAAAAAAAf39/ACUAAABYAAAAAAAAAAAAAAAAAAAAAAAAAAAAAAAAAAAAAAAAAAAAAAAAAAAAAAAAAAAAAAA/AAAAAAAAAKCGAQAAAAAAAAAAAAAAAAAMAAAAAQAAAAAAAAAAAAAAAAAAAB8AAABUAAAAAAAABQAAAAEAAAAAAAAAAAAAAAAAAAAAAAAAAAAAAAAAAAAAAAAAAAAAAAJ/f38AAAAAA8zMzADAwP8Af39/AAAAAAAAAAAAAAAAAAAAAAAAAAAAIQAAABgAAAAUAAAAoRkAABsnAABfMQAAWSkAABAAAAAmAAAACAAAAAAAAAAAAAAAMAAAABQAAAAAAAAAAAD//wAAAQAAAP//AAABAA=="/>
+                <pr:smNativeData xmlns:pr="smNativeData" xmlns="smNativeData" val="SMDATA_16_haKDZxMAAAAlAAAAZAAAAA8BAAAAkAAAAEgAAACQAAAASAAAAAAAAAABAAAAAAAAAAEAAABQAAAAAAAAAAAA4D8AAAAAAADgPwAAAAAAAOA/AAAAAAAA4D8AAAAAAADgPwAAAAAAAOA/AAAAAAAA4D8AAAAAAADgPwAAAAAAAOA/AAAAAAAA4D8CAAAAjAAAAAAAAAAAAAAAu+DjDP///wgAAAAAAAAAAAAAAAAAAAAAAAAAAAAAAAAAAAAAZAAAAAEAAABAAAAAAAAAAAAAAAAAAAAAAAAAAAAAAAAAAAAAAAAAAAAAAAAAAAAAAAAAAAAAAAAAAAAAAAAAAAAAAAAAAAAAAAAAAAAAAAAAAAAAAAAAAAAAAAAAAAAAFAAAADwAAAAAAAAAAAAAAAAAAAkUAAAAAQAAABQAAAAUAAAAFAAAAAEAAAAAAAAAZAAAAGQAAAAAAAAAZAAAAGQAAAAVAAAAYAAAAAAAAAAAAAAADwAAACADAAAAAAAAAAAAAAEAAACgMgAAVgcAAKr4//8BAAAAf39/AAEAAABkAAAAAAAAABQAAABAHwAAAAAAACYAAAAAAAAAwOD//wAAAAAmAAAAZAAAABYAAABMAAAAAAAAAAAAAAAEAAAAAAAAAAEAAACAgIAKAAAAACgAAAAoAAAAZAAAAGQAAAAAAAAAzMzMAAAAAABQAAAAUAAAAGQAAABkAAAAAAAAABcAAAAUAAAAAAAAAAAAAAD/fwAA/38AAAAAAAAJAAAABAAAAAAAAAAeAAAAaAAAAAAAAAAAAAAAAAAAAAAAAAAAAAAAECcAABAnAAAAAAAAAAAAAAAAAAAAAAAAAAAAAAAAAAAAAAAAAAAAABQAAAAAAAAAwMD/AAAAAABkAAAAMgAAAAAAAABkAAAAAAAAAH9/fwAKAAAAIgAAABgAAAAAAAAAAAAAAAAAAAAAAAAAAAAAAAAAAAAkAAAAJAAAAAAAAAAHAAAAAAAAAAAAAAAAAAAAAAAAAAAAAAAAAAAAf39/ACUAAABYAAAAAAAAAAAAAAAAAAAAAAAAAAAAAAAAAAAAAAAAAAAAAAAAAAAAAAAAAAAAAAA/AAAAAAAAAKCGAQAAAAAAAAAAAAAAAAAMAAAAAQAAAAAAAAAAAAAAAAAAAB8AAABUAAAAAAAABQAAAAEAAAAAAAAAAAAAAAAAAAAAAAAAAAAAAAAAAAAAAAAAAAAAAAJ/f38AAAAAA8zMzADAwP8Af39/AAAAAAAAAAAAAAAAAAAAAAAAAAAAIQAAABgAAAAUAAAAoRkAABsnAABfMQAAWSkAABAAAAAmAAAACAAAAAAAAAAAAAAAMAAAABQAAAAAAAAAAAD//wAAAQAAAP//AAABAA=="/>
               </a:ext>
             </a:extLst>
           </p:cNvSpPr>
@@ -2731,7 +2731,7 @@
             <a:spLocks noGrp="1" noChangeArrowheads="1"/>
             <a:extLst>
               <a:ext uri="smNativeData">
-                <pr:smNativeData xmlns:pr="smNativeData" xmlns="smNativeData" val="SMDATA_16_zYh+ZxMAAAAlAAAAZAAAAA8BAAAAkAAAAEgAAACQAAAASAAAAAAAAAABAAAAAAAAAAEAAABQAAAAAAAAAAAA4D8AAAAAAADgPwAAAAAAAOA/AAAAAAAA4D8AAAAAAADgPwAAAAAAAOA/AAAAAAAA4D8AAAAAAADgPwAAAAAAAOA/AAAAAAAA4D8CAAAAjAAAAAAAAAAAAAAAu+DjDP///wgAAAAAAAAAAAAAAAAAAAAAAAAAAAAAAAAAAAAAZAAAAAEAAABAAAAAAAAAAAAAAAAAAAAAAAAAAAAAAAAAAAAAAAAAAAAAAAAAAAAAAAAAAAAAAAAAAAAAAAAAAAAAAAAAAAAAAAAAAAAAAAAAAAAAAAAAAAAAAAAAAAAAFAAAADwAAAAAAAAAAAAAAAAAAAkUAAAAAQAAABQAAAAUAAAAFAAAAAEAAAAAAAAAZAAAAGQAAAAAAAAAZAAAAGQAAAAVAAAAYAAAAAAAAAAAAAAADwAAACADAAAAAAAAAAAAAAEAAACgMgAAVgcAAKr4//8BAAAAf39/AAEAAABkAAAAAAAAABQAAABAHwAAAAAAACYAAAAAAAAAwOD//wAAAAAmAAAAZAAAABYAAABMAAAAAAAAAAAAAAAEAAAAAAAAAAEAAACAgIAKAAAAACgAAAAoAAAAZAAAAGQAAAAAAAAAzMzMAAAAAABQAAAAUAAAAGQAAABkAAAAAAAAABcAAAAUAAAAAAAAAAAAAAD/fwAA/38AAAAAAAAJAAAABAAAAAAAAAAeAAAAaAAAAAAAAAAAAAAAAAAAAAAAAAAAAAAAECcAABAnAAAAAAAAAAAAAAAAAAAAAAAAAAAAAAAAAAAAAAAAAAAAABQAAAAAAAAAwMD/AAAAAABkAAAAMgAAAAAAAABkAAAAAAAAAH9/fwAKAAAAIgAAABgAAAAAAAAAAAAAAAAAAAAAAAAAAAAAAAAAAAAkAAAAJAAAAAAAAAAHAAAAAAAAAAAAAAAAAAAAAAAAAAAAAAAAAAAAf39/ACUAAABYAAAAAAAAAAAAAAAAAAAAAAAAAAAAAAAAAAAAAAAAAAAAAAAAAAAAAAAAAAAAAAA/AAAAAAAAAKCGAQAAAAAAAAAAAAAAAAAMAAAAAQAAAAAAAAAAAAAAAAAAAB8AAABUAAAAAAAABQAAAAEAAAAAAAAAAAAAAAAAAAAAAAAAAAAAAAAAAAAAAAAAAAAAAAJ/f38AAAAAA8zMzADAwP8Af39/AAAAAAAAAAAAAAAAAAAAAAAAAAAAIQAAABgAAAAUAAAAwTUAABsnAABARwAAWSkAABAAAAAmAAAACAAAAAAAAAAAAAAAMAAAABQAAAAAAAAAAAD//wAAAQAAAP//AAABAA=="/>
+                <pr:smNativeData xmlns:pr="smNativeData" xmlns="smNativeData" val="SMDATA_16_haKDZxMAAAAlAAAAZAAAAA8BAAAAkAAAAEgAAACQAAAASAAAAAAAAAABAAAAAAAAAAEAAABQAAAAAAAAAAAA4D8AAAAAAADgPwAAAAAAAOA/AAAAAAAA4D8AAAAAAADgPwAAAAAAAOA/AAAAAAAA4D8AAAAAAADgPwAAAAAAAOA/AAAAAAAA4D8CAAAAjAAAAAAAAAAAAAAAu+DjDP///wgAAAAAAAAAAAAAAAAAAAAAAAAAAAAAAAAAAAAAZAAAAAEAAABAAAAAAAAAAAAAAAAAAAAAAAAAAAAAAAAAAAAAAAAAAAAAAAAAAAAAAAAAAAAAAAAAAAAAAAAAAAAAAAAAAAAAAAAAAAAAAAAAAAAAAAAAAAAAAAAAAAAAFAAAADwAAAAAAAAAAAAAAAAAAAkUAAAAAQAAABQAAAAUAAAAFAAAAAEAAAAAAAAAZAAAAGQAAAAAAAAAZAAAAGQAAAAVAAAAYAAAAAAAAAAAAAAADwAAACADAAAAAAAAAAAAAAEAAACgMgAAVgcAAKr4//8BAAAAf39/AAEAAABkAAAAAAAAABQAAABAHwAAAAAAACYAAAAAAAAAwOD//wAAAAAmAAAAZAAAABYAAABMAAAAAAAAAAAAAAAEAAAAAAAAAAEAAACAgIAKAAAAACgAAAAoAAAAZAAAAGQAAAAAAAAAzMzMAAAAAABQAAAAUAAAAGQAAABkAAAAAAAAABcAAAAUAAAAAAAAAAAAAAD/fwAA/38AAAAAAAAJAAAABAAAAAAAAAAeAAAAaAAAAAAAAAAAAAAAAAAAAAAAAAAAAAAAECcAABAnAAAAAAAAAAAAAAAAAAAAAAAAAAAAAAAAAAAAAAAAAAAAABQAAAAAAAAAwMD/AAAAAABkAAAAMgAAAAAAAABkAAAAAAAAAH9/fwAKAAAAIgAAABgAAAAAAAAAAAAAAAAAAAAAAAAAAAAAAAAAAAAkAAAAJAAAAAAAAAAHAAAAAAAAAAAAAAAAAAAAAAAAAAAAAAAAAAAAf39/ACUAAABYAAAAAAAAAAAAAAAAAAAAAAAAAAAAAAAAAAAAAAAAAAAAAAAAAAAAAAAAAAAAAAA/AAAAAAAAAKCGAQAAAAAAAAAAAAAAAAAMAAAAAQAAAAAAAAAAAAAAAAAAAB8AAABUAAAAAAAABQAAAAEAAAAAAAAAAAAAAAAAAAAAAAAAAAAAAAAAAAAAAAAAAAAAAAJ/f38AAAAAA8zMzADAwP8Af39/AAAAAAAAAAAAAAAAAAAAAAAAAAAAIQAAABgAAAAUAAAAwTUAABsnAABARwAAWSkAABAAAAAmAAAACAAAAAAAAAAAAAAAMAAAABQAAAAAAAAAAAD//wAAAQAAAP//AAABAA=="/>
               </a:ext>
             </a:extLst>
           </p:cNvSpPr>
@@ -2745,7 +2745,7 @@
           <a:lstStyle/>
           <a:p>
             <a:pPr/>
-            <a:fld id="{3F8C5207-49D2-D9A4-9C34-BFF11C7A6AEA}" type="slidenum">
+            <a:fld id="{3F596A18-56D2-0C9C-9CE1-A0C924AF6AF5}" type="slidenum">
               <a:t/>
             </a:fld>
           </a:p>
@@ -2792,7 +2792,7 @@
             <a:spLocks noGrp="1" noChangeArrowheads="1"/>
             <a:extLst>
               <a:ext uri="smNativeData">
-                <pr:smNativeData xmlns:pr="smNativeData" xmlns="smNativeData" val="SMDATA_16_zYh+ZxMAAAAlAAAAZAAAAA8BAAAAkAAAAEgAAACQAAAASAAAAAAAAAABAAAAAAAAAAEAAABQAAAAAAAAAAAA4D8AAAAAAADgPwAAAAAAAOA/AAAAAAAA4D8AAAAAAADgPwAAAAAAAOA/AAAAAAAA4D8AAAAAAADgPwAAAAAAAOA/AAAAAAAA4D8CAAAAjAAAAAAAAAAAAAAAu+DjDP///wgAAAAAAAAAAAAAAAAAAAAAAAAAAAAAAAAAAAAAZAAAAAEAAABAAAAAAAAAAAAAAAAAAAAAAAAAAAAAAAAAAAAAAAAAAAAAAAAAAAAAAAAAAAAAAAAAAAAAAAAAAAAAAAAAAAAAAAAAAAAAAAAAAAAAAAAAAAAAAAAAAAAAFAAAADwAAAAAAAAAAAAAAAAAAAkUAAAAAQAAABQAAAAUAAAAFAAAAAEAAAAAAAAAZAAAAGQAAAAAAAAAZAAAAGQAAAAVAAAAYAAAAAAAAAAAAAAADwAAACADAAAAAAAAAAAAAAEAAACgMgAAVgcAAKr4//8BAAAAf39/AAEAAABkAAAAAAAAABQAAABAHwAAAAAAACYAAAAAAAAAwOD//wAAAAAmAAAAZAAAABYAAABMAAAAAAAAAAAAAAAEAAAAAAAAAAEAAACAgIAKAAAAACgAAAAoAAAAZAAAAGQAAAAAAAAAzMzMAAAAAABQAAAAUAAAAGQAAABkAAAAAAAAABcAAAAUAAAAAAAAAAAAAAD/fwAA/38AAAAAAAAJAAAABAAAAHsAfAAeAAAAaAAAAAAAAAAAAAAAAAAAAAAAAAAAAAAAECcAABAnAAAAAAAAAAAAAAAAAAAAAAAAAAAAAAAAAAAAAAAAAAAAABQAAAAAAAAAwMD/AAAAAABkAAAAMgAAAAAAAABkAAAAAAAAAH9/fwAKAAAAIgAAABgAAAAAAAAAAAAAAAAAAAAAAAAAAAAAAAAAAAAkAAAAJAAAAAAAAAAHAAAAAAAAAAAAAAAAAAAAAAAAAAAAAAAAAAAAf39/ACUAAABYAAAAAAAAAAAAAAAAAAAAAAAAAAAAAAAAAAAAAAAAAAAAAAAAAAAAAAAAAAAAAAA/AAAAAAAAAKCGAQAAAAAAAAAAAAAAAAAMAAAAAQAAAAAAAAAAAAAAAAAAAB8AAABUAAAAAAAABQAAAAEAAAAAAAAAAAAAAAAAAAAAAAAAAAAAAAAAAAAAAAAAAAAAAAJ/f38AAAAAA8zMzADAwP8Af39/AAAAAAAAAAAAAAAAAAAAAAAAAAAAIQAAABgAAAAUAAAAwAMAALABAABARwAAuAgAABAAAAAmAAAACAAAAP//////////MAAAABQAAAAAAAAAAAD//wAAAQAAAP//AAABAA=="/>
+                <pr:smNativeData xmlns:pr="smNativeData" xmlns="smNativeData" val="SMDATA_16_haKDZxMAAAAlAAAAZAAAAA8BAAAAkAAAAEgAAACQAAAASAAAAAAAAAABAAAAAAAAAAEAAABQAAAAAAAAAAAA4D8AAAAAAADgPwAAAAAAAOA/AAAAAAAA4D8AAAAAAADgPwAAAAAAAOA/AAAAAAAA4D8AAAAAAADgPwAAAAAAAOA/AAAAAAAA4D8CAAAAjAAAAAAAAAAAAAAAu+DjDP///wgAAAAAAAAAAAAAAAAAAAAAAAAAAAAAAAAAAAAAZAAAAAEAAABAAAAAAAAAAAAAAAAAAAAAAAAAAAAAAAAAAAAAAAAAAAAAAAAAAAAAAAAAAAAAAAAAAAAAAAAAAAAAAAAAAAAAAAAAAAAAAAAAAAAAAAAAAAAAAAAAAAAAFAAAADwAAAAAAAAAAAAAAAAAAAkUAAAAAQAAABQAAAAUAAAAFAAAAAEAAAAAAAAAZAAAAGQAAAAAAAAAZAAAAGQAAAAVAAAAYAAAAAAAAAAAAAAADwAAACADAAAAAAAAAAAAAAEAAACgMgAAVgcAAKr4//8BAAAAf39/AAEAAABkAAAAAAAAABQAAABAHwAAAAAAACYAAAAAAAAAwOD//wAAAAAmAAAAZAAAABYAAABMAAAAAAAAAAAAAAAEAAAAAAAAAAEAAACAgIAKAAAAACgAAAAoAAAAZAAAAGQAAAAAAAAAzMzMAAAAAABQAAAAUAAAAGQAAABkAAAAAAAAABcAAAAUAAAAAAAAAAAAAAD/fwAA/38AAAAAAAAJAAAABAAAAHsAfAAeAAAAaAAAAAAAAAAAAAAAAAAAAAAAAAAAAAAAECcAABAnAAAAAAAAAAAAAAAAAAAAAAAAAAAAAAAAAAAAAAAAAAAAABQAAAAAAAAAwMD/AAAAAABkAAAAMgAAAAAAAABkAAAAAAAAAH9/fwAKAAAAIgAAABgAAAAAAAAAAAAAAAAAAAAAAAAAAAAAAAAAAAAkAAAAJAAAAAAAAAAHAAAAAAAAAAAAAAAAAAAAAAAAAAAAAAAAAAAAf39/ACUAAABYAAAAAAAAAAAAAAAAAAAAAAAAAAAAAAAAAAAAAAAAAAAAAAAAAAAAAAAAAAAAAAA/AAAAAAAAAKCGAQAAAAAAAAAAAAAAAAAMAAAAAQAAAAAAAAAAAAAAAAAAAB8AAABUAAAAAAAABQAAAAEAAAAAAAAAAAAAAAAAAAAAAAAAAAAAAAAAAAAAAAAAAAAAAAJ/f38AAAAAA8zMzADAwP8Af39/AAAAAAAAAAAAAAAAAAAAAAAAAAAAIQAAABgAAAAUAAAAwAMAALABAABARwAAuAgAABAAAAAmAAAACAAAAP//////////MAAAABQAAAAAAAAAAAD//wAAAQAAAP//AAABAA=="/>
               </a:ext>
             </a:extLst>
           </p:cNvSpPr>
@@ -2836,7 +2836,7 @@
             <a:spLocks noGrp="1" noChangeArrowheads="1"/>
             <a:extLst>
               <a:ext uri="smNativeData">
-                <pr:smNativeData xmlns:pr="smNativeData" xmlns="smNativeData" val="SMDATA_16_zYh+ZxMAAAAlAAAAZAAAAA8BAAAAkAAAAEgAAACQAAAASAAAAAAAAAAAAAAAAAAAAAEAAABQAAAAAAAAAAAA4D8AAAAAAADgPwAAAAAAAOA/AAAAAAAA4D8AAAAAAADgPwAAAAAAAOA/AAAAAAAA4D8AAAAAAADgPwAAAAAAAOA/AAAAAAAA4D8CAAAAjAAAAAAAAAAAAAAAu+DjDP///wgAAAAAAAAAAAAAAAAAAAAAAAAAAAAAAAAAAAAAZAAAAAEAAABAAAAAAAAAAAAAAAAAAAAAAAAAAAAAAAAAAAAAAAAAAAAAAAAAAAAAAAAAAAAAAAAAAAAAAAAAAAAAAAAAAAAAAAAAAAAAAAAAAAAAAAAAAAAAAAAAAAAAFAAAADwAAAAAAAAAAAAAAAAAAAkUAAAAAQAAABQAAAAUAAAAFAAAAAEAAAAAAAAAZAAAAGQAAAAAAAAAZAAAAGQAAAAVAAAAYAAAAAAAAAAAAAAADwAAACADAAAAAAAAAAAAAAEAAACgMgAAVgcAAKr4//8BAAAAf39/AAEAAABkAAAAAAAAABQAAABAHwAAAAAAACYAAAAAAAAAwOD//wAAAAAmAAAAZAAAABYAAABMAAAAAAAAAAAAAAAEAAAAAAAAAAEAAACAgIAKAAAAACgAAAAoAAAAZAAAAGQAAAAAAAAAzMzMAAAAAABQAAAAUAAAAGQAAABkAAAAAAAAABcAAAAUAAAAAAAAAAAAAAD/fwAA/38AAAAAAAAJAAAABAAAAHsAfAAeAAAAaAAAAAAAAAAAAAAAAAAAAAAAAAAAAAAAECcAABAnAAAAAAAAAAAAAAAAAAAAAAAAAAAAAAAAAAAAAAAAAAAAABQAAAAAAAAAwMD/AAAAAABkAAAAMgAAAAAAAABkAAAAAAAAAH9/fwAKAAAAIgAAABgAAAAAAAAAAAAAAAAAAAAAAAAAAAAAAAAAAAAkAAAAJAAAAAAAAAAHAAAAAAAAAAAAAAAAAAAAAAAAAAAAAAAAAAAAf39/ACUAAABYAAAAAAAAAAAAAAAAAAAAAAAAAAAAAAAAAAAAAAAAAAAAAAAAAAAAAAAAAAAAAAA/AAAAAAAAAKCGAQAAAAAAAAAAAAAAAAAMAAAAAQAAAAAAAAAAAAAAAAAAAB8AAABUAAAAAAAABQAAAAEAAAAAAAAAAAAAAAAAAAAAAAAAAAAAAAAAAAAAAAAAAAAAAAJ/f38AAAAAA8zMzADAwP8Af39/AAAAAAAAAAAAAAAAAAAAAAAAAAAAIQAAABgAAAAUAAAAwAMAANgJAABARwAAsCUAABAAAAAmAAAACAAAAP//////////MAAAABQAAAAAAAAAAAD//wAAAQAAAP//AAABAA=="/>
+                <pr:smNativeData xmlns:pr="smNativeData" xmlns="smNativeData" val="SMDATA_16_haKDZxMAAAAlAAAAZAAAAA8BAAAAkAAAAEgAAACQAAAASAAAAAAAAAAAAAAAAAAAAAEAAABQAAAAAAAAAAAA4D8AAAAAAADgPwAAAAAAAOA/AAAAAAAA4D8AAAAAAADgPwAAAAAAAOA/AAAAAAAA4D8AAAAAAADgPwAAAAAAAOA/AAAAAAAA4D8CAAAAjAAAAAAAAAAAAAAAu+DjDP///wgAAAAAAAAAAAAAAAAAAAAAAAAAAAAAAAAAAAAAZAAAAAEAAABAAAAAAAAAAAAAAAAAAAAAAAAAAAAAAAAAAAAAAAAAAAAAAAAAAAAAAAAAAAAAAAAAAAAAAAAAAAAAAAAAAAAAAAAAAAAAAAAAAAAAAAAAAAAAAAAAAAAAFAAAADwAAAAAAAAAAAAAAAAAAAkUAAAAAQAAABQAAAAUAAAAFAAAAAEAAAAAAAAAZAAAAGQAAAAAAAAAZAAAAGQAAAAVAAAAYAAAAAAAAAAAAAAADwAAACADAAAAAAAAAAAAAAEAAACgMgAAVgcAAKr4//8BAAAAf39/AAEAAABkAAAAAAAAABQAAABAHwAAAAAAACYAAAAAAAAAwOD//wAAAAAmAAAAZAAAABYAAABMAAAAAAAAAAAAAAAEAAAAAAAAAAEAAACAgIAKAAAAACgAAAAoAAAAZAAAAGQAAAAAAAAAzMzMAAAAAABQAAAAUAAAAGQAAABkAAAAAAAAABcAAAAUAAAAAAAAAAAAAAD/fwAA/38AAAAAAAAJAAAABAAAAHsAfAAeAAAAaAAAAAAAAAAAAAAAAAAAAAAAAAAAAAAAECcAABAnAAAAAAAAAAAAAAAAAAAAAAAAAAAAAAAAAAAAAAAAAAAAABQAAAAAAAAAwMD/AAAAAABkAAAAMgAAAAAAAABkAAAAAAAAAH9/fwAKAAAAIgAAABgAAAAAAAAAAAAAAAAAAAAAAAAAAAAAAAAAAAAkAAAAJAAAAAAAAAAHAAAAAAAAAAAAAAAAAAAAAAAAAAAAAAAAAAAAf39/ACUAAABYAAAAAAAAAAAAAAAAAAAAAAAAAAAAAAAAAAAAAAAAAAAAAAAAAAAAAAAAAAAAAAA/AAAAAAAAAKCGAQAAAAAAAAAAAAAAAAAMAAAAAQAAAAAAAAAAAAAAAAAAAB8AAABUAAAAAAAABQAAAAEAAAAAAAAAAAAAAAAAAAAAAAAAAAAAAAAAAAAAAAAAAAAAAAJ/f38AAAAAA8zMzADAwP8Af39/AAAAAAAAAAAAAAAAAAAAAAAAAAAAIQAAABgAAAAUAAAAwAMAANgJAABARwAAsCUAABAAAAAmAAAACAAAAP//////////MAAAABQAAAAAAAAAAAD//wAAAQAAAP//AAABAA=="/>
               </a:ext>
             </a:extLst>
           </p:cNvSpPr>
@@ -2904,7 +2904,7 @@
             <a:spLocks noGrp="1" noChangeArrowheads="1"/>
             <a:extLst>
               <a:ext uri="smNativeData">
-                <pr:smNativeData xmlns:pr="smNativeData" xmlns="smNativeData" val="SMDATA_16_zYh+ZxMAAAAlAAAAZAAAAA8BAAAAkAAAAEgAAACQAAAASAAAAAAAAAABAAAAAAAAAAEAAABQAAAAAAAAAAAA4D8AAAAAAADgPwAAAAAAAOA/AAAAAAAA4D8AAAAAAADgPwAAAAAAAOA/AAAAAAAA4D8AAAAAAADgPwAAAAAAAOA/AAAAAAAA4D8CAAAAjAAAAAAAAAAAAAAAu+DjDP///wgAAAAAAAAAAAAAAAAAAAAAAAAAAAAAAAAAAAAAZAAAAAEAAABAAAAAAAAAAAAAAAAAAAAAAAAAAAAAAAAAAAAAAAAAAAAAAAAAAAAAAAAAAAAAAAAAAAAAAAAAAAAAAAAAAAAAAAAAAAAAAAAAAAAAAAAAAAAAAAAAAAAAFAAAADwAAAAAAAAAAAAAAAAAAAkUAAAAAQAAABQAAAAUAAAAFAAAAAEAAAAAAAAAZAAAAGQAAAAAAAAAZAAAAGQAAAAVAAAAYAAAAAAAAAAAAAAADwAAACADAAAAAAAAAAAAAAEAAACgMgAAVgcAAKr4//8BAAAAf39/AAEAAABkAAAAAAAAABQAAABAHwAAAAAAACYAAAAAAAAAwOD//wAAAAAmAAAAZAAAABYAAABMAAAAAAAAAAAAAAAEAAAAAAAAAAEAAACAgIAKAAAAACgAAAAoAAAAZAAAAGQAAAAAAAAAzMzMAAAAAABQAAAAUAAAAGQAAABkAAAAAAAAABcAAAAUAAAAAAAAAAAAAAD/fwAA/38AAAAAAAAJAAAABAAAAHsAfAAeAAAAaAAAAAAAAAAAAAAAAAAAAAAAAAAAAAAAECcAABAnAAAAAAAAAAAAAAAAAAAAAAAAAAAAAAAAAAAAAAAAAAAAABQAAAAAAAAAwMD/AAAAAABkAAAAMgAAAAAAAABkAAAAAAAAAH9/fwAKAAAAIgAAABgAAAAAAAAAAAAAAAAAAAAAAAAAAAAAAAAAAAAkAAAAJAAAAAAAAAAHAAAAAAAAAAAAAAAAAAAAAAAAAAAAAAAAAAAAf39/ACUAAABYAAAAAAAAAAAAAAAAAAAAAAAAAAAAAAAAAAAAAAAAAAAAAAAAAAAAAAAAAAAAAAA/AAAAAAAAAKCGAQAAAAAAAAAAAAAAAAAMAAAAAQAAAAAAAAAAAAAAAAAAAB8AAABUAAAAAAAABQAAAAEAAAAAAAAAAAAAAAAAAAAAAAAAAAAAAAAAAAAAAAAAAAAAAAJ/f38AAAAAA8zMzADAwP8Af39/AAAAAAAAAAAAAAAAAAAAAAAAAAAAIQAAABgAAAAUAAAAwAMAABsnAAA/FQAAWSkAABAAAAAmAAAACAAAAP//////////MAAAABQAAAAAAAAAAAD//wAAAQAAAP//AAABAA=="/>
+                <pr:smNativeData xmlns:pr="smNativeData" xmlns="smNativeData" val="SMDATA_16_haKDZxMAAAAlAAAAZAAAAA8BAAAAkAAAAEgAAACQAAAASAAAAAAAAAABAAAAAAAAAAEAAABQAAAAAAAAAAAA4D8AAAAAAADgPwAAAAAAAOA/AAAAAAAA4D8AAAAAAADgPwAAAAAAAOA/AAAAAAAA4D8AAAAAAADgPwAAAAAAAOA/AAAAAAAA4D8CAAAAjAAAAAAAAAAAAAAAu+DjDP///wgAAAAAAAAAAAAAAAAAAAAAAAAAAAAAAAAAAAAAZAAAAAEAAABAAAAAAAAAAAAAAAAAAAAAAAAAAAAAAAAAAAAAAAAAAAAAAAAAAAAAAAAAAAAAAAAAAAAAAAAAAAAAAAAAAAAAAAAAAAAAAAAAAAAAAAAAAAAAAAAAAAAAFAAAADwAAAAAAAAAAAAAAAAAAAkUAAAAAQAAABQAAAAUAAAAFAAAAAEAAAAAAAAAZAAAAGQAAAAAAAAAZAAAAGQAAAAVAAAAYAAAAAAAAAAAAAAADwAAACADAAAAAAAAAAAAAAEAAACgMgAAVgcAAKr4//8BAAAAf39/AAEAAABkAAAAAAAAABQAAABAHwAAAAAAACYAAAAAAAAAwOD//wAAAAAmAAAAZAAAABYAAABMAAAAAAAAAAAAAAAEAAAAAAAAAAEAAACAgIAKAAAAACgAAAAoAAAAZAAAAGQAAAAAAAAAzMzMAAAAAABQAAAAUAAAAGQAAABkAAAAAAAAABcAAAAUAAAAAAAAAAAAAAD/fwAA/38AAAAAAAAJAAAABAAAAHsAfAAeAAAAaAAAAAAAAAAAAAAAAAAAAAAAAAAAAAAAECcAABAnAAAAAAAAAAAAAAAAAAAAAAAAAAAAAAAAAAAAAAAAAAAAABQAAAAAAAAAwMD/AAAAAABkAAAAMgAAAAAAAABkAAAAAAAAAH9/fwAKAAAAIgAAABgAAAAAAAAAAAAAAAAAAAAAAAAAAAAAAAAAAAAkAAAAJAAAAAAAAAAHAAAAAAAAAAAAAAAAAAAAAAAAAAAAAAAAAAAAf39/ACUAAABYAAAAAAAAAAAAAAAAAAAAAAAAAAAAAAAAAAAAAAAAAAAAAAAAAAAAAAAAAAAAAAA/AAAAAAAAAKCGAQAAAAAAAAAAAAAAAAAMAAAAAQAAAAAAAAAAAAAAAAAAAB8AAABUAAAAAAAABQAAAAEAAAAAAAAAAAAAAAAAAAAAAAAAAAAAAAAAAAAAAAAAAAAAAAJ/f38AAAAAA8zMzADAwP8Af39/AAAAAAAAAAAAAAAAAAAAAAAAAAAAIQAAABgAAAAUAAAAwAMAABsnAAA/FQAAWSkAABAAAAAmAAAACAAAAP//////////MAAAABQAAAAAAAAAAAD//wAAAQAAAP//AAABAA=="/>
               </a:ext>
             </a:extLst>
           </p:cNvSpPr>
@@ -2939,7 +2939,7 @@
           </a:lstStyle>
           <a:p>
             <a:pPr/>
-            <a:fld id="{3F8C4CB1-FFD2-D9BA-9C34-09EF027A6A5C}" type="datetime1">
+            <a:fld id="{3F590A42-0CD2-0CFC-9CE1-FAA944AF6AAF}" type="datetime1">
               <a:t/>
             </a:fld>
           </a:p>
@@ -2952,7 +2952,7 @@
             <a:spLocks noGrp="1" noChangeArrowheads="1"/>
             <a:extLst>
               <a:ext uri="smNativeData">
-                <pr:smNativeData xmlns:pr="smNativeData" xmlns="smNativeData" val="SMDATA_16_zYh+ZxMAAAAlAAAAZAAAAA8BAAAAkAAAAEgAAACQAAAASAAAAAAAAAABAAAAAAAAAAEAAABQAAAAAAAAAAAA4D8AAAAAAADgPwAAAAAAAOA/AAAAAAAA4D8AAAAAAADgPwAAAAAAAOA/AAAAAAAA4D8AAAAAAADgPwAAAAAAAOA/AAAAAAAA4D8CAAAAjAAAAAAAAAAAAAAAu+DjDP///wgAAAAAAAAAAAAAAAAAAAAAAAAAAAAAAAAAAAAAZAAAAAEAAABAAAAAAAAAAAAAAAAAAAAAAAAAAAAAAAAAAAAAAAAAAAAAAAAAAAAAAAAAAAAAAAAAAAAAAAAAAAAAAAAAAAAAAAAAAAAAAAAAAAAAAAAAAAAAAAAAAAAAFAAAADwAAAAAAAAAAAAAAAAAAAkUAAAAAQAAABQAAAAUAAAAFAAAAAEAAAAAAAAAZAAAAGQAAAAAAAAAZAAAAGQAAAAVAAAAYAAAAAAAAAAAAAAADwAAACADAAAAAAAAAAAAAAEAAACgMgAAVgcAAKr4//8BAAAAf39/AAEAAABkAAAAAAAAABQAAABAHwAAAAAAACYAAAAAAAAAwOD//wAAAAAmAAAAZAAAABYAAABMAAAAAAAAAAAAAAAEAAAAAAAAAAEAAACAgIAKAAAAACgAAAAoAAAAZAAAAGQAAAAAAAAAzMzMAAAAAABQAAAAUAAAAGQAAABkAAAAAAAAABcAAAAUAAAAAAAAAAAAAAD/fwAA/38AAAAAAAAJAAAABAAAAAAAAAAeAAAAaAAAAAAAAAAAAAAAAAAAAAAAAAAAAAAAECcAABAnAAAAAAAAAAAAAAAAAAAAAAAAAAAAAAAAAAAAAAAAAAAAABQAAAAAAAAAwMD/AAAAAABkAAAAMgAAAAAAAABkAAAAAAAAAH9/fwAKAAAAIgAAABgAAAAAAAAAAAAAAAAAAAAAAAAAAAAAAAAAAAAkAAAAJAAAAAAAAAAHAAAAAAAAAAAAAAAAAAAAAAAAAAAAAAAAAAAAf39/ACUAAABYAAAAAAAAAAAAAAAAAAAAAAAAAAAAAAAAAAAAAAAAAAAAAAAAAAAAAAAAAAAAAAA/AAAAAAAAAKCGAQAAAAAAAAAAAAAAAAAMAAAAAQAAAAAAAAAAAAAAAAAAAB8AAABUAAAAAAAABQAAAAEAAAAAAAAAAAAAAAAAAAAAAAAAAAAAAAAAAAAAAAAAAAAAAAJ/f38AAAAAA8zMzADAwP8Af39/AAAAAAAAAAAAAAAAAAAAAAAAAAAAIQAAABgAAAAUAAAAoRkAABsnAABfMQAAWSkAABAAAAAmAAAACAAAAP//////////MAAAABQAAAAAAAAAAAD//wAAAQAAAP//AAABAA=="/>
+                <pr:smNativeData xmlns:pr="smNativeData" xmlns="smNativeData" val="SMDATA_16_haKDZxMAAAAlAAAAZAAAAA8BAAAAkAAAAEgAAACQAAAASAAAAAAAAAABAAAAAAAAAAEAAABQAAAAAAAAAAAA4D8AAAAAAADgPwAAAAAAAOA/AAAAAAAA4D8AAAAAAADgPwAAAAAAAOA/AAAAAAAA4D8AAAAAAADgPwAAAAAAAOA/AAAAAAAA4D8CAAAAjAAAAAAAAAAAAAAAu+DjDP///wgAAAAAAAAAAAAAAAAAAAAAAAAAAAAAAAAAAAAAZAAAAAEAAABAAAAAAAAAAAAAAAAAAAAAAAAAAAAAAAAAAAAAAAAAAAAAAAAAAAAAAAAAAAAAAAAAAAAAAAAAAAAAAAAAAAAAAAAAAAAAAAAAAAAAAAAAAAAAAAAAAAAAFAAAADwAAAAAAAAAAAAAAAAAAAkUAAAAAQAAABQAAAAUAAAAFAAAAAEAAAAAAAAAZAAAAGQAAAAAAAAAZAAAAGQAAAAVAAAAYAAAAAAAAAAAAAAADwAAACADAAAAAAAAAAAAAAEAAACgMgAAVgcAAKr4//8BAAAAf39/AAEAAABkAAAAAAAAABQAAABAHwAAAAAAACYAAAAAAAAAwOD//wAAAAAmAAAAZAAAABYAAABMAAAAAAAAAAAAAAAEAAAAAAAAAAEAAACAgIAKAAAAACgAAAAoAAAAZAAAAGQAAAAAAAAAzMzMAAAAAABQAAAAUAAAAGQAAABkAAAAAAAAABcAAAAUAAAAAAAAAAAAAAD/fwAA/38AAAAAAAAJAAAABAAAAAAAAAAeAAAAaAAAAAAAAAAAAAAAAAAAAAAAAAAAAAAAECcAABAnAAAAAAAAAAAAAAAAAAAAAAAAAAAAAAAAAAAAAAAAAAAAABQAAAAAAAAAwMD/AAAAAABkAAAAMgAAAAAAAABkAAAAAAAAAH9/fwAKAAAAIgAAABgAAAAAAAAAAAAAAAAAAAAAAAAAAAAAAAAAAAAkAAAAJAAAAAAAAAAHAAAAAAAAAAAAAAAAAAAAAAAAAAAAAAAAAAAAf39/ACUAAABYAAAAAAAAAAAAAAAAAAAAAAAAAAAAAAAAAAAAAAAAAAAAAAAAAAAAAAAAAAAAAAA/AAAAAAAAAKCGAQAAAAAAAAAAAAAAAAAMAAAAAQAAAAAAAAAAAAAAAAAAAB8AAABUAAAAAAAABQAAAAEAAAAAAAAAAAAAAAAAAAAAAAAAAAAAAAAAAAAAAAAAAAAAAAJ/f38AAAAAA8zMzADAwP8Af39/AAAAAAAAAAAAAAAAAAAAAAAAAAAAIQAAABgAAAAUAAAAoRkAABsnAABfMQAAWSkAABAAAAAmAAAACAAAAP//////////MAAAABQAAAAAAAAAAAD//wAAAQAAAP//AAABAA=="/>
               </a:ext>
             </a:extLst>
           </p:cNvSpPr>
@@ -2997,7 +2997,7 @@
             <a:spLocks noGrp="1" noChangeArrowheads="1"/>
             <a:extLst>
               <a:ext uri="smNativeData">
-                <pr:smNativeData xmlns:pr="smNativeData" xmlns="smNativeData" val="SMDATA_16_zYh+ZxMAAAAlAAAAZAAAAA8BAAAAkAAAAEgAAACQAAAASAAAAAAAAAABAAAAAAAAAAEAAABQAAAAAAAAAAAA4D8AAAAAAADgPwAAAAAAAOA/AAAAAAAA4D8AAAAAAADgPwAAAAAAAOA/AAAAAAAA4D8AAAAAAADgPwAAAAAAAOA/AAAAAAAA4D8CAAAAjAAAAAAAAAAAAAAAu+DjDP///wgAAAAAAAAAAAAAAAAAAAAAAAAAAAAAAAAAAAAAZAAAAAEAAABAAAAAAAAAAAAAAAAAAAAAAAAAAAAAAAAAAAAAAAAAAAAAAAAAAAAAAAAAAAAAAAAAAAAAAAAAAAAAAAAAAAAAAAAAAAAAAAAAAAAAAAAAAAAAAAAAAAAAFAAAADwAAAAAAAAAAAAAAAAAAAkUAAAAAQAAABQAAAAUAAAAFAAAAAEAAAAAAAAAZAAAAGQAAAAAAAAAZAAAAGQAAAAVAAAAYAAAAAAAAAAAAAAADwAAACADAAAAAAAAAAAAAAEAAACgMgAAVgcAAKr4//8BAAAAf39/AAEAAABkAAAAAAAAABQAAABAHwAAAAAAACYAAAAAAAAAwOD//wAAAAAmAAAAZAAAABYAAABMAAAAAAAAAAAAAAAEAAAAAAAAAAEAAACAgIAKAAAAACgAAAAoAAAAZAAAAGQAAAAAAAAAzMzMAAAAAABQAAAAUAAAAGQAAABkAAAAAAAAABcAAAAUAAAAAAAAAAAAAAD/fwAA/38AAAAAAAAJAAAABAAAAP////8eAAAAaAAAAAAAAAAAAAAAAAAAAAAAAAAAAAAAECcAABAnAAAAAAAAAAAAAAAAAAAAAAAAAAAAAAAAAAAAAAAAAAAAABQAAAAAAAAAwMD/AAAAAABkAAAAMgAAAAAAAABkAAAAAAAAAH9/fwAKAAAAIgAAABgAAAAAAAAAAAAAAAAAAAAAAAAAAAAAAAAAAAAkAAAAJAAAAAAAAAAHAAAAAAAAAAAAAAAAAAAAAAAAAAAAAAAAAAAAf39/ACUAAABYAAAAAAAAAAAAAAAAAAAAAAAAAAAAAAAAAAAAAAAAAAAAAAAAAAAAAAAAAAAAAAA/AAAAAAAAAKCGAQAAAAAAAAAAAAAAAAAMAAAAAQAAAAAAAAAAAAAAAAAAAB8AAABUAAAAAAAABQAAAAEAAAAAAAAAAAAAAAAAAAAAAAAAAAAAAAAAAAAAAAAAAAAAAAJ/f38AAAAAA8zMzADAwP8Af39/AAAAAAAAAAAAAAAAAAAAAAAAAAAAIQAAABgAAAAUAAAAwTUAABsnAABARwAAWSkAABAAAAAmAAAACAAAAP//////////MAAAABQAAAAAAAAAAAD//wAAAQAAAP//AAABAA=="/>
+                <pr:smNativeData xmlns:pr="smNativeData" xmlns="smNativeData" val="SMDATA_16_haKDZxMAAAAlAAAAZAAAAA8BAAAAkAAAAEgAAACQAAAASAAAAAAAAAABAAAAAAAAAAEAAABQAAAAAAAAAAAA4D8AAAAAAADgPwAAAAAAAOA/AAAAAAAA4D8AAAAAAADgPwAAAAAAAOA/AAAAAAAA4D8AAAAAAADgPwAAAAAAAOA/AAAAAAAA4D8CAAAAjAAAAAAAAAAAAAAAu+DjDP///wgAAAAAAAAAAAAAAAAAAAAAAAAAAAAAAAAAAAAAZAAAAAEAAABAAAAAAAAAAAAAAAAAAAAAAAAAAAAAAAAAAAAAAAAAAAAAAAAAAAAAAAAAAAAAAAAAAAAAAAAAAAAAAAAAAAAAAAAAAAAAAAAAAAAAAAAAAAAAAAAAAAAAFAAAADwAAAAAAAAAAAAAAAAAAAkUAAAAAQAAABQAAAAUAAAAFAAAAAEAAAAAAAAAZAAAAGQAAAAAAAAAZAAAAGQAAAAVAAAAYAAAAAAAAAAAAAAADwAAACADAAAAAAAAAAAAAAEAAACgMgAAVgcAAKr4//8BAAAAf39/AAEAAABkAAAAAAAAABQAAABAHwAAAAAAACYAAAAAAAAAwOD//wAAAAAmAAAAZAAAABYAAABMAAAAAAAAAAAAAAAEAAAAAAAAAAEAAACAgIAKAAAAACgAAAAoAAAAZAAAAGQAAAAAAAAAzMzMAAAAAABQAAAAUAAAAGQAAABkAAAAAAAAABcAAAAUAAAAAAAAAAAAAAD/fwAA/38AAAAAAAAJAAAABAAAAP////8eAAAAaAAAAAAAAAAAAAAAAAAAAAAAAAAAAAAAECcAABAnAAAAAAAAAAAAAAAAAAAAAAAAAAAAAAAAAAAAAAAAAAAAABQAAAAAAAAAwMD/AAAAAABkAAAAMgAAAAAAAABkAAAAAAAAAH9/fwAKAAAAIgAAABgAAAAAAAAAAAAAAAAAAAAAAAAAAAAAAAAAAAAkAAAAJAAAAAAAAAAHAAAAAAAAAAAAAAAAAAAAAAAAAAAAAAAAAAAAf39/ACUAAABYAAAAAAAAAAAAAAAAAAAAAAAAAAAAAAAAAAAAAAAAAAAAAAAAAAAAAAAAAAAAAAA/AAAAAAAAAKCGAQAAAAAAAAAAAAAAAAAMAAAAAQAAAAAAAAAAAAAAAAAAAB8AAABUAAAAAAAABQAAAAEAAAAAAAAAAAAAAAAAAAAAAAAAAAAAAAAAAAAAAAAAAAAAAAJ/f38AAAAAA8zMzADAwP8Af39/AAAAAAAAAAAAAAAAAAAAAAAAAAAAIQAAABgAAAAUAAAAwTUAABsnAABARwAAWSkAABAAAAAmAAAACAAAAP//////////MAAAABQAAAAAAAAAAAD//wAAAQAAAP//AAABAA=="/>
               </a:ext>
             </a:extLst>
           </p:cNvSpPr>
@@ -3032,7 +3032,7 @@
           </a:lstStyle>
           <a:p>
             <a:pPr/>
-            <a:fld id="{3F8C1256-18D2-D9E4-9C34-EEB15C7A6ABB}" type="slidenum">
+            <a:fld id="{3F591BFC-B2D2-0CED-9CE1-44B855AF6A11}" type="slidenum">
               <a:t/>
             </a:fld>
           </a:p>
@@ -3711,7 +3711,7 @@
             <a:spLocks noGrp="1" noChangeArrowheads="1"/>
             <a:extLst>
               <a:ext uri="smNativeData">
-                <pr:smNativeData xmlns:pr="smNativeData" xmlns="smNativeData" val="SMDATA_16_zYh+ZxMAAAAlAAAAZAAAAA8BAAAAkAAAAEgAAACQAAAASAAAAAAAAAABAAAAAAAAAAEAAABQAAAAAAAAAAAA4D8AAAAAAADgPwAAAAAAAOA/AAAAAAAA4D8AAAAAAADgPwAAAAAAAOA/AAAAAAAA4D8AAAAAAADgPwAAAAAAAOA/AAAAAAAA4D8CAAAAjAAAAAAAAAAAAAAAu+DjDP///wgAAAAAAAAAAAAAAAAAAAAAAAAAAAAAAAAAAAAAZAAAAAEAAABAAAAAAAAAAAAAAAAAAAAAAAAAAAAAAAAAAAAAAAAAAAAAAAAAAAAAAAAAAAAAAAAAAAAAAAAAAAAAAAAAAAAAAAAAAAAAAAAAAAAAAAAAAAAAAAAAAAAAFAAAADwAAAAAAAAAAAAAAAAAAAkUAAAAAQAAABQAAAAUAAAAFAAAAAEAAAAAAAAAZAAAAGQAAAAAAAAAZAAAAGQAAAAVAAAAYAAAAAAAAAAAAAAADwAAACADAAAAAAAAAAAAAAEAAACgMgAAVgcAAKr4//8BAAAAf39/AAEAAABkAAAAAAAAABQAAABAHwAAAAAAACYAAAAAAAAAwOD//wAAAAAmAAAAZAAAABYAAABMAAAAAAAAAAAAAAAEAAAAAAAAAAEAAACAgIAKAAAAACgAAAAoAAAAZAAAAGQAAAAAAAAAzMzMAAAAAABQAAAAUAAAAGQAAABkAAAAAAAAABcAAAAUAAAAAAAAAAAAAAD/fwAA/38AAAAAAAAJAAAABAAAAAAAAAAeAAAAaAAAAAAAAAAAAAAAAAAAAAAAAAAAAAAAECcAABAnAAAAAAAAAAAAAAAAAAAAAAAAAAAAAAAAAAAAAAAAAAAAABQAAAAAAAAAwMD/AAAAAABkAAAAMgAAAAAAAABkAAAAAAAAAH9/fwAKAAAAIgAAABgAAAAAAAAAAAAAAAAAAAAAAAAAAAAAAAAAAAAkAAAAJAAAAAAAAAAHAAAAAAAAAAAAAAAAAAAAAAAAAAAAAAAAAAAAf39/ACUAAABYAAAAAAAAAAAAAAAAAAAAAAAAAAAAAAAAAAAAAAAAAAAAAAAAAAAAAAAAAAAAAAA/AAAAAAAAAKCGAQAAAAAAAAAAAAAAAAAMAAAAAQAAAAAAAAAAAAAAAAAAAB8AAABUAAAAAAAABQAAAAEAAAAAAAAAAAAAAAAAAAAAAAAAAAAAAAAAAAAAAAAAAAAAAAJ/f38AAAAAA8zMzADAwP8Af39/AAAAAAAAAAAAAAAAAAAAAAAAAAAAIQAAABgAAAAUAAAAoAUAABoNAABgRQAAJhYAABAAAAAmAAAACAAAAAAAAAAAAAAAMAAAABQAAAAAAAAAAAD//wAAAQAAAP//AAABAA=="/>
+                <pr:smNativeData xmlns:pr="smNativeData" xmlns="smNativeData" val="SMDATA_16_haKDZxMAAAAlAAAAZAAAAA8BAAAAkAAAAEgAAACQAAAASAAAAAAAAAABAAAAAAAAAAEAAABQAAAAAAAAAAAA4D8AAAAAAADgPwAAAAAAAOA/AAAAAAAA4D8AAAAAAADgPwAAAAAAAOA/AAAAAAAA4D8AAAAAAADgPwAAAAAAAOA/AAAAAAAA4D8CAAAAjAAAAAAAAAAAAAAAu+DjDP///wgAAAAAAAAAAAAAAAAAAAAAAAAAAAAAAAAAAAAAZAAAAAEAAABAAAAAAAAAAAAAAAAAAAAAAAAAAAAAAAAAAAAAAAAAAAAAAAAAAAAAAAAAAAAAAAAAAAAAAAAAAAAAAAAAAAAAAAAAAAAAAAAAAAAAAAAAAAAAAAAAAAAAFAAAADwAAAAAAAAAAAAAAAAAAAkUAAAAAQAAABQAAAAUAAAAFAAAAAEAAAAAAAAAZAAAAGQAAAAAAAAAZAAAAGQAAAAVAAAAYAAAAAAAAAAAAAAADwAAACADAAAAAAAAAAAAAAEAAACgMgAAVgcAAKr4//8BAAAAf39/AAEAAABkAAAAAAAAABQAAABAHwAAAAAAACYAAAAAAAAAwOD//wAAAAAmAAAAZAAAABYAAABMAAAAAAAAAAAAAAAEAAAAAAAAAAEAAACAgIAKAAAAACgAAAAoAAAAZAAAAGQAAAAAAAAAzMzMAAAAAABQAAAAUAAAAGQAAABkAAAAAAAAABcAAAAUAAAAAAAAAAAAAAD/fwAA/38AAAAAAAAJAAAABAAAAAAAAAAeAAAAaAAAAAAAAAAAAAAAAAAAAAAAAAAAAAAAECcAABAnAAAAAAAAAAAAAAAAAAAAAAAAAAAAAAAAAAAAAAAAAAAAABQAAAAAAAAAwMD/AAAAAABkAAAAMgAAAAAAAABkAAAAAAAAAH9/fwAKAAAAIgAAABgAAAAAAAAAAAAAAAAAAAAAAAAAAAAAAAAAAAAkAAAAJAAAAAAAAAAHAAAAAAAAAAAAAAAAAAAAAAAAAAAAAAAAAAAAf39/ACUAAABYAAAAAAAAAAAAAAAAAAAAAAAAAAAAAAAAAAAAAAAAAAAAAAAAAAAAAAAAAAAAAAA/AAAAAAAAAKCGAQAAAAAAAAAAAAAAAAAMAAAAAQAAAAAAAAAAAAAAAAAAAB8AAABUAAAAAAAABQAAAAEAAAAAAAAAAAAAAAAAAAAAAAAAAAAAAAAAAAAAAAAAAAAAAAJ/f38AAAAAA8zMzADAwP8Af39/AAAAAAAAAAAAAAAAAAAAAAAAAAAAIQAAABgAAAAUAAAAoAUAABoNAABgRQAAJhYAABAAAAAmAAAACAAAAAAAAAAAAAAAMAAAABQAAAAAAAAAAAD//wAAAQAAAP//AAABAA=="/>
               </a:ext>
             </a:extLst>
           </p:cNvSpPr>
@@ -3738,7 +3738,7 @@
             <a:spLocks noGrp="1" noChangeArrowheads="1"/>
             <a:extLst>
               <a:ext uri="smNativeData">
-                <pr:smNativeData xmlns:pr="smNativeData" xmlns="smNativeData" val="SMDATA_16_zYh+ZxMAAAAlAAAAZAAAAA8BAAAAkAAAAEgAAACQAAAASAAAAAAAAAAAAAAAAAAAAAEAAABQAAAAAAAAAAAA4D8AAAAAAADgPwAAAAAAAOA/AAAAAAAA4D8AAAAAAADgPwAAAAAAAOA/AAAAAAAA4D8AAAAAAADgPwAAAAAAAOA/AAAAAAAA4D8CAAAAjAAAAAAAAAAAAAAAu+DjDP///wgAAAAAAAAAAAAAAAAAAAAAAAAAAAAAAAAAAAAAZAAAAAEAAABAAAAAAAAAAAAAAAAAAAAAAAAAAAAAAAAAAAAAAAAAAAAAAAAAAAAAAAAAAAAAAAAAAAAAAAAAAAAAAAAAAAAAAAAAAAAAAAAAAAAAAAAAAAAAAAAAAAAAFAAAADwAAAAAAAAAAAAAAAAAAAkUAAAAAQAAABQAAAAUAAAAFAAAAAEAAAAAAAAAZAAAAGQAAAAAAAAAZAAAAGQAAAAVAAAAYAAAAAAAAAAAAAAADwAAACADAAAAAAAAAAAAAAEAAACgMgAAVgcAAKr4//8BAAAAf39/AAEAAABkAAAAAAAAABQAAABAHwAAAAAAACYAAAAAAAAAwOD//wAAAAAmAAAAZAAAABYAAABMAAAAAAAAAAAAAAAEAAAAAAAAAAEAAACAgIAKAAAAACgAAAAoAAAAZAAAAGQAAAAAAAAAzMzMAAAAAABQAAAAUAAAAGQAAABkAAAAAAAAABcAAAAUAAAAAAAAAAAAAAD/fwAA/38AAAAAAAAJAAAABAAAAAAAAAAeAAAAaAAAAAAAAAAAAAAAAAAAAAAAAAAAAAAAECcAABAnAAAAAAAAAAAAAAAAAAAAAAAAAAAAAAAAAAAAAAAAAAAAABQAAAAAAAAAwMD/AAAAAABkAAAAMgAAAAAAAABkAAAAAAAAAH9/fwAKAAAAIgAAABgAAAAAAAAAAAAAAAAAAAAAAAAAAAAAAAAAAAAkAAAAJAAAAAAAAAAHAAAAAAAAAAAAAAAAAAAAAAAAAAAAAAAAAAAAf39/ACUAAABYAAAAAAAAAAAAAAAAAAAAAAAAAAAAAAAAAAAAAAAAAAAAAAAAAAAAAAAAAAAAAAA/AAAAAAAAAKCGAQAAAAAAAAAAAAAAAAAMAAAAAQAAAAAAAAAAAAAAAAAAAB8AAABUAAAAAAAABQAAAAEAAAAAAAAAAAAAAAAAAAAAAAAAAAAAAAAAAAAAAAAAAAAAAAJ/f38AAAAAA8zMzADAwP8Af39/AAAAAAAAAAAAAAAAAAAAAAAAAAAAIQAAABgAAAAUAAAAQAsAAOgXAADAPwAAsCIAABAAAAAmAAAACAAAAAAAAAAAAAAAMAAAABQAAAAAAAAAAAD//wAAAQAAAP//AAABAA=="/>
+                <pr:smNativeData xmlns:pr="smNativeData" xmlns="smNativeData" val="SMDATA_16_haKDZxMAAAAlAAAAZAAAAA8BAAAAkAAAAEgAAACQAAAASAAAAAAAAAAAAAAAAAAAAAEAAABQAAAAAAAAAAAA4D8AAAAAAADgPwAAAAAAAOA/AAAAAAAA4D8AAAAAAADgPwAAAAAAAOA/AAAAAAAA4D8AAAAAAADgPwAAAAAAAOA/AAAAAAAA4D8CAAAAjAAAAAAAAAAAAAAAu+DjDP///wgAAAAAAAAAAAAAAAAAAAAAAAAAAAAAAAAAAAAAZAAAAAEAAABAAAAAAAAAAAAAAAAAAAAAAAAAAAAAAAAAAAAAAAAAAAAAAAAAAAAAAAAAAAAAAAAAAAAAAAAAAAAAAAAAAAAAAAAAAAAAAAAAAAAAAAAAAAAAAAAAAAAAFAAAADwAAAAAAAAAAAAAAAAAAAkUAAAAAQAAABQAAAAUAAAAFAAAAAEAAAAAAAAAZAAAAGQAAAAAAAAAZAAAAGQAAAAVAAAAYAAAAAAAAAAAAAAADwAAACADAAAAAAAAAAAAAAEAAACgMgAAVgcAAKr4//8BAAAAf39/AAEAAABkAAAAAAAAABQAAABAHwAAAAAAACYAAAAAAAAAwOD//wAAAAAmAAAAZAAAABYAAABMAAAAAAAAAAAAAAAEAAAAAAAAAAEAAACAgIAKAAAAACgAAAAoAAAAZAAAAGQAAAAAAAAAzMzMAAAAAABQAAAAUAAAAGQAAABkAAAAAAAAABcAAAAUAAAAAAAAAAAAAAD/fwAA/38AAAAAAAAJAAAABAAAAAAAAAAeAAAAaAAAAAAAAAAAAAAAAAAAAAAAAAAAAAAAECcAABAnAAAAAAAAAAAAAAAAAAAAAAAAAAAAAAAAAAAAAAAAAAAAABQAAAAAAAAAwMD/AAAAAABkAAAAMgAAAAAAAABkAAAAAAAAAH9/fwAKAAAAIgAAABgAAAAAAAAAAAAAAAAAAAAAAAAAAAAAAAAAAAAkAAAAJAAAAAAAAAAHAAAAAAAAAAAAAAAAAAAAAAAAAAAAAAAAAAAAf39/ACUAAABYAAAAAAAAAAAAAAAAAAAAAAAAAAAAAAAAAAAAAAAAAAAAAAAAAAAAAAAAAAAAAAA/AAAAAAAAAKCGAQAAAAAAAAAAAAAAAAAMAAAAAQAAAAAAAAAAAAAAAAAAAB8AAABUAAAAAAAABQAAAAEAAAAAAAAAAAAAAAAAAAAAAAAAAAAAAAAAAAAAAAAAAAAAAAJ/f38AAAAAA8zMzADAwP8Af39/AAAAAAAAAAAAAAAAAAAAAAAAAAAAIQAAABgAAAAUAAAAQAsAAOgXAADAPwAAsCIAABAAAAAmAAAACAAAAAAAAAAAAAAAMAAAABQAAAAAAAAAAAD//wAAAQAAAP//AAABAA=="/>
               </a:ext>
             </a:extLst>
           </p:cNvSpPr>
@@ -3797,7 +3797,7 @@
             <a:spLocks noGrp="1" noChangeArrowheads="1"/>
             <a:extLst>
               <a:ext uri="smNativeData">
-                <pr:smNativeData xmlns:pr="smNativeData" xmlns="smNativeData" val="SMDATA_16_zYh+ZxMAAAAlAAAAZAAAAA8BAAAAkAAAAEgAAACQAAAASAAAAAAAAAABAAAAAAAAAAEAAABQAAAAAAAAAAAA4D8AAAAAAADgPwAAAAAAAOA/AAAAAAAA4D8AAAAAAADgPwAAAAAAAOA/AAAAAAAA4D8AAAAAAADgPwAAAAAAAOA/AAAAAAAA4D8CAAAAjAAAAAAAAAAAAAAAu+DjDP///wgAAAAAAAAAAAAAAAAAAAAAAAAAAAAAAAAAAAAAZAAAAAEAAABAAAAAAAAAAAAAAAAAAAAAAAAAAAAAAAAAAAAAAAAAAAAAAAAAAAAAAAAAAAAAAAAAAAAAAAAAAAAAAAAAAAAAAAAAAAAAAAAAAAAAAAAAAAAAAAAAAAAAFAAAADwAAAAAAAAAAAAAAAAAAAkUAAAAAQAAABQAAAAUAAAAFAAAAAEAAAAAAAAAZAAAAGQAAAAAAAAAZAAAAGQAAAAVAAAAYAAAAAAAAAAAAAAADwAAACADAAAAAAAAAAAAAAEAAACgMgAAVgcAAKr4//8BAAAAf39/AAEAAABkAAAAAAAAABQAAABAHwAAAAAAACYAAAAAAAAAwOD//wAAAAAmAAAAZAAAABYAAABMAAAAAAAAAAAAAAAEAAAAAAAAAAEAAACAgIAKAAAAACgAAAAoAAAAZAAAAGQAAAAAAAAAzMzMAAAAAABQAAAAUAAAAGQAAABkAAAAAAAAABcAAAAUAAAAAAAAAAAAAAD/fwAA/38AAAAAAAAJAAAABAAAACYAAAAeAAAAaAAAAAAAAAAAAAAAAAAAAAAAAAAAAAAAECcAABAnAAAAAAAAAAAAAAAAAAAAAAAAAAAAAAAAAAAAAAAAAAAAABQAAAAAAAAAwMD/AAAAAABkAAAAMgAAAAAAAABkAAAAAAAAAH9/fwAKAAAAIgAAABgAAAAAAAAAAAAAAAAAAAAAAAAAAAAAAAAAAAAkAAAAJAAAAAAAAAAHAAAAAAAAAAAAAAAAAAAAAAAAAAAAAAAAAAAAf39/ACUAAABYAAAAAAAAAAAAAAAAAAAAAAAAAAAAAAAAAAAAAAAAAAAAAAAAAAAAAAAAAAAAAAA/AAAAAAAAAKCGAQAAAAAAAAAAAAAAAAAMAAAAAQAAAAAAAAAAAAAAAAAAAB8AAABUAAAAAAAABQAAAAEAAAAAAAAAAAAAAAAAAAAAAAAAAAAAAAAAAAAAAAAAAAAAAAJ/f38AAAAAA8zMzADAwP8Af39/AAAAAAAAAAAAAAAAAAAAAAAAAAAAIQAAABgAAAAUAAAAwAMAALABAABARwAAuAgAABAAAAAmAAAACAAAAAAAAAAAAAAAMAAAABQAAAAAAAAAAAD//wAAAQAAAP//AAABAA=="/>
+                <pr:smNativeData xmlns:pr="smNativeData" xmlns="smNativeData" val="SMDATA_16_haKDZxMAAAAlAAAAZAAAAA8BAAAAkAAAAEgAAACQAAAASAAAAAAAAAABAAAAAAAAAAEAAABQAAAAAAAAAAAA4D8AAAAAAADgPwAAAAAAAOA/AAAAAAAA4D8AAAAAAADgPwAAAAAAAOA/AAAAAAAA4D8AAAAAAADgPwAAAAAAAOA/AAAAAAAA4D8CAAAAjAAAAAAAAAAAAAAAu+DjDP///wgAAAAAAAAAAAAAAAAAAAAAAAAAAAAAAAAAAAAAZAAAAAEAAABAAAAAAAAAAAAAAAAAAAAAAAAAAAAAAAAAAAAAAAAAAAAAAAAAAAAAAAAAAAAAAAAAAAAAAAAAAAAAAAAAAAAAAAAAAAAAAAAAAAAAAAAAAAAAAAAAAAAAFAAAADwAAAAAAAAAAAAAAAAAAAkUAAAAAQAAABQAAAAUAAAAFAAAAAEAAAAAAAAAZAAAAGQAAAAAAAAAZAAAAGQAAAAVAAAAYAAAAAAAAAAAAAAADwAAACADAAAAAAAAAAAAAAEAAACgMgAAVgcAAKr4//8BAAAAf39/AAEAAABkAAAAAAAAABQAAABAHwAAAAAAACYAAAAAAAAAwOD//wAAAAAmAAAAZAAAABYAAABMAAAAAAAAAAAAAAAEAAAAAAAAAAEAAACAgIAKAAAAACgAAAAoAAAAZAAAAGQAAAAAAAAAzMzMAAAAAABQAAAAUAAAAGQAAABkAAAAAAAAABcAAAAUAAAAAAAAAAAAAAD/fwAA/38AAAAAAAAJAAAABAAAACYAAAAeAAAAaAAAAAAAAAAAAAAAAAAAAAAAAAAAAAAAECcAABAnAAAAAAAAAAAAAAAAAAAAAAAAAAAAAAAAAAAAAAAAAAAAABQAAAAAAAAAwMD/AAAAAABkAAAAMgAAAAAAAABkAAAAAAAAAH9/fwAKAAAAIgAAABgAAAAAAAAAAAAAAAAAAAAAAAAAAAAAAAAAAAAkAAAAJAAAAAAAAAAHAAAAAAAAAAAAAAAAAAAAAAAAAAAAAAAAAAAAf39/ACUAAABYAAAAAAAAAAAAAAAAAAAAAAAAAAAAAAAAAAAAAAAAAAAAAAAAAAAAAAAAAAAAAAA/AAAAAAAAAKCGAQAAAAAAAAAAAAAAAAAMAAAAAQAAAAAAAAAAAAAAAAAAAB8AAABUAAAAAAAABQAAAAEAAAAAAAAAAAAAAAAAAAAAAAAAAAAAAAAAAAAAAAAAAAAAAAJ/f38AAAAAA8zMzADAwP8Af39/AAAAAAAAAAAAAAAAAAAAAAAAAAAAIQAAABgAAAAUAAAAwAMAALABAABARwAAuAgAABAAAAAmAAAACAAAAAAAAAAAAAAAMAAAABQAAAAAAAAAAAD//wAAAQAAAP//AAABAA=="/>
               </a:ext>
             </a:extLst>
           </p:cNvSpPr>
@@ -3824,7 +3824,7 @@
             <a:spLocks noGrp="1" noChangeArrowheads="1"/>
             <a:extLst>
               <a:ext uri="smNativeData">
-                <pr:smNativeData xmlns:pr="smNativeData" xmlns="smNativeData" val="SMDATA_16_zYh+ZxMAAAAlAAAAZAAAAA8BAAAAkAAAAEgAAACQAAAASAAAAAAAAAAAAAAAAAAAAAEAAABQAAAAAAAAAAAA4D8AAAAAAADgPwAAAAAAAOA/AAAAAAAA4D8AAAAAAADgPwAAAAAAAOA/AAAAAAAA4D8AAAAAAADgPwAAAAAAAOA/AAAAAAAA4D8CAAAAjAAAAAAAAAAAAAAAu+DjDP///wgAAAAAAAAAAAAAAAAAAAAAAAAAAAAAAAAAAAAAZAAAAAEAAABAAAAAAAAAAAAAAAAAAAAAAAAAAAAAAAAAAAAAAAAAAAAAAAAAAAAAAAAAAAAAAAAAAAAAAAAAAAAAAAAAAAAAAAAAAAAAAAAAAAAAAAAAAAAAAAAAAAAAFAAAADwAAAAAAAAAAAAAAAAAAAkUAAAAAQAAABQAAAAUAAAAFAAAAAEAAAAAAAAAZAAAAGQAAAAAAAAAZAAAAGQAAAAVAAAAYAAAAAAAAAAAAAAADwAAACADAAAAAAAAAAAAAAEAAACgMgAAVgcAAKr4//8BAAAAf39/AAEAAABkAAAAAAAAABQAAABAHwAAAAAAACYAAAAAAAAAwOD//wAAAAAmAAAAZAAAABYAAABMAAAAAAAAAAAAAAAEAAAAAAAAAAEAAACAgIAKAAAAACgAAAAoAAAAZAAAAGQAAAAAAAAAzMzMAAAAAABQAAAAUAAAAGQAAABkAAAAAAAAABcAAAAUAAAAAAAAAAAAAAD/fwAA/38AAAAAAAAJAAAABAAAAE0AAAAeAAAAaAAAAAAAAAAAAAAAAAAAAAAAAAAAAAAAECcAABAnAAAAAAAAAAAAAAAAAAAAAAAAAAAAAAAAAAAAAAAAAAAAABQAAAAAAAAAwMD/AAAAAABkAAAAMgAAAAAAAABkAAAAAAAAAH9/fwAKAAAAIgAAABgAAAAAAAAAAAAAAAAAAAAAAAAAAAAAAAAAAAAkAAAAJAAAAAAAAAAHAAAAAAAAAAAAAAAAAAAAAAAAAAAAAAAAAAAAf39/ACUAAABYAAAAAAAAAAAAAAAAAAAAAAAAAAAAAAAAAAAAAAAAAAAAAAAAAAAAAAAAAAAAAAA/AAAAAAAAAKCGAQAAAAAAAAAAAAAAAAAMAAAAAQAAAAAAAAAAAAAAAAAAAB8AAABUAAAAAAAABQAAAAEAAAAAAAAAAAAAAAAAAAAAAAAAAAAAAAAAAAAAAAAAAAAAAAJ/f38AAAAAA8zMzADAwP8Af39/AAAAAAAAAAAAAAAAAAAAAAAAAAAAIQAAABgAAAAUAAAAwAMAANgJAABARwAAsCUAABAAAAAmAAAACAAAAAAAAAAAAAAAMAAAABQAAAAAAAAAAAD//wAAAQAAAP//AAABAA=="/>
+                <pr:smNativeData xmlns:pr="smNativeData" xmlns="smNativeData" val="SMDATA_16_haKDZxMAAAAlAAAAZAAAAA8BAAAAkAAAAEgAAACQAAAASAAAAAAAAAAAAAAAAAAAAAEAAABQAAAAAAAAAAAA4D8AAAAAAADgPwAAAAAAAOA/AAAAAAAA4D8AAAAAAADgPwAAAAAAAOA/AAAAAAAA4D8AAAAAAADgPwAAAAAAAOA/AAAAAAAA4D8CAAAAjAAAAAAAAAAAAAAAu+DjDP///wgAAAAAAAAAAAAAAAAAAAAAAAAAAAAAAAAAAAAAZAAAAAEAAABAAAAAAAAAAAAAAAAAAAAAAAAAAAAAAAAAAAAAAAAAAAAAAAAAAAAAAAAAAAAAAAAAAAAAAAAAAAAAAAAAAAAAAAAAAAAAAAAAAAAAAAAAAAAAAAAAAAAAFAAAADwAAAAAAAAAAAAAAAAAAAkUAAAAAQAAABQAAAAUAAAAFAAAAAEAAAAAAAAAZAAAAGQAAAAAAAAAZAAAAGQAAAAVAAAAYAAAAAAAAAAAAAAADwAAACADAAAAAAAAAAAAAAEAAACgMgAAVgcAAKr4//8BAAAAf39/AAEAAABkAAAAAAAAABQAAABAHwAAAAAAACYAAAAAAAAAwOD//wAAAAAmAAAAZAAAABYAAABMAAAAAAAAAAAAAAAEAAAAAAAAAAEAAACAgIAKAAAAACgAAAAoAAAAZAAAAGQAAAAAAAAAzMzMAAAAAABQAAAAUAAAAGQAAABkAAAAAAAAABcAAAAUAAAAAAAAAAAAAAD/fwAA/38AAAAAAAAJAAAABAAAAE0AAAAeAAAAaAAAAAAAAAAAAAAAAAAAAAAAAAAAAAAAECcAABAnAAAAAAAAAAAAAAAAAAAAAAAAAAAAAAAAAAAAAAAAAAAAABQAAAAAAAAAwMD/AAAAAABkAAAAMgAAAAAAAABkAAAAAAAAAH9/fwAKAAAAIgAAABgAAAAAAAAAAAAAAAAAAAAAAAAAAAAAAAAAAAAkAAAAJAAAAAAAAAAHAAAAAAAAAAAAAAAAAAAAAAAAAAAAAAAAAAAAf39/ACUAAABYAAAAAAAAAAAAAAAAAAAAAAAAAAAAAAAAAAAAAAAAAAAAAAAAAAAAAAAAAAAAAAA/AAAAAAAAAKCGAQAAAAAAAAAAAAAAAAAMAAAAAQAAAAAAAAAAAAAAAAAAAB8AAABUAAAAAAAABQAAAAEAAAAAAAAAAAAAAAAAAAAAAAAAAAAAAAAAAAAAAAAAAAAAAAJ/f38AAAAAA8zMzADAwP8Af39/AAAAAAAAAAAAAAAAAAAAAAAAAAAAIQAAABgAAAAUAAAAwAMAANgJAABARwAAsCUAAAAAAAAmAAAACAAAAAEAAAAAAAAAMAAAABQAAAAAAAAAAAD//wAAAQAAAP//AAABAA=="/>
               </a:ext>
             </a:extLst>
           </p:cNvSpPr>
@@ -3832,13 +3832,18 @@
             <p:ph type="body" idx="1"/>
           </p:nvPr>
         </p:nvSpPr>
-        <p:spPr/>
+        <p:spPr>
+          <a:xfrm>
+            <a:off x="609600" y="1600200"/>
+            <a:ext cx="10972800" cy="4526280"/>
+          </a:xfrm>
+        </p:spPr>
         <p:txBody>
           <a:bodyPr/>
           <a:lstStyle/>
           <a:p>
             <a:pPr>
-              <a:defRPr sz="3100" cap="none"/>
+              <a:defRPr sz="2200" cap="none"/>
             </a:pPr>
             <a:r>
               <a:t>Поменять алгоритм Bag Of Words на более актуальный TF-IDF.</a:t>
@@ -3846,7 +3851,7 @@
           </a:p>
           <a:p>
             <a:pPr>
-              <a:defRPr sz="3100" cap="none"/>
+              <a:defRPr sz="2200" cap="none"/>
             </a:pPr>
             <a:r>
               <a:t>Применить для предообработки данных NER модель, которая удалит из тренировочного dataset все названия компаний (названия это идентификаторы, на них модель переобучается). Сейчас удаление названий компаний основано на редактируемом пользователем stop list.</a:t>
@@ -3854,10 +3859,18 @@
           </a:p>
           <a:p>
             <a:pPr>
-              <a:defRPr sz="3100" cap="none"/>
+              <a:defRPr sz="2200" cap="none"/>
             </a:pPr>
             <a:r>
-              <a:t>В качестве эксперимента можно добавить features на основе графовых алгоритмов (одним компаниям могут принадлежать другие — получаем направленный граф).</a:t>
+              <a:t>Добавить автоматический мониторинг дрейфа данных, чтобы вовремя заново тренировать модель при снижении качества результатов, если будут значительные изменения в данных о компаниях.</a:t>
+            </a:r>
+          </a:p>
+          <a:p>
+            <a:pPr>
+              <a:defRPr sz="2200" cap="none"/>
+            </a:pPr>
+            <a:r>
+              <a:t>В качестве эксперимента можно добавить features на основе графовых алгоритмов (одним компаниям могут принадлежать другие — получаем направленный граф). Такое улучшение подойдёт брокерам (у которых есть нужные данные) или для отдельных инвесторов, которые готовы сами обогащать данные.</a:t>
             </a:r>
           </a:p>
         </p:txBody>
@@ -3901,7 +3914,7 @@
             <a:spLocks noGrp="1" noChangeArrowheads="1"/>
             <a:extLst>
               <a:ext uri="smNativeData">
-                <pr:smNativeData xmlns:pr="smNativeData" xmlns="smNativeData" val="SMDATA_16_zYh+ZxMAAAAlAAAAZAAAAA8BAAAAkAAAAEgAAACQAAAASAAAAAAAAAACAAAAAAAAAAEAAABQAAAAAAAAAAAA4D8AAAAAAADgPwAAAAAAAOA/AAAAAAAA4D8AAAAAAADgPwAAAAAAAOA/AAAAAAAA4D8AAAAAAADgPwAAAAAAAOA/AAAAAAAA4D8CAAAAjAAAAAAAAAAAAAAAu+DjDP///wgAAAAAAAAAAAAAAAAAAAAAAAAAAAAAAAAAAAAAZAAAAAEAAABAAAAAAAAAAAAAAAAAAAAAAAAAAAAAAAAAAAAAAAAAAAAAAAAAAAAAAAAAAAAAAAAAAAAAAAAAAAAAAAAAAAAAAAAAAAAAAAAAAAAAAAAAAAAAAAAAAAAAFAAAADwAAAAAAAAAAAAAAAAAAAkUAAAAAQAAABQAAAAUAAAAFAAAAAEAAAAAAAAAZAAAAGQAAAAAAAAAZAAAAGQAAAAVAAAAYAAAAAAAAAAAAAAADwAAACADAAAAAAAAAAAAAAEAAACgMgAAVgcAAKr4//8BAAAAf39/AAEAAABkAAAAAAAAABQAAABAHwAAAAAAACYAAAAAAAAAwOD//wAAAAAmAAAAZAAAABYAAABMAAAAAAAAAAAAAAAEAAAAAAAAAAEAAACAgIAKAAAAACgAAAAoAAAAZAAAAGQAAAAAAAAAzMzMAAAAAABQAAAAUAAAAGQAAABkAAAAAAAAABcAAAAUAAAAAAAAAAAAAAD/fwAA/38AAAAAAAAJAAAABAAAAAAAAAAeAAAAaAAAAAAAAAAAAAAAAAAAAAAAAAAAAAAAECcAABAnAAAAAAAAAAAAAAAAAAAAAAAAAAAAAAAAAAAAAAAAAAAAABQAAAAAAAAAwMD/AAAAAABkAAAAMgAAAAAAAABkAAAAAAAAAH9/fwAKAAAAIgAAABgAAAAAAAAAAAAAAAAAAAAAAAAAAAAAAAAAAAAkAAAAJAAAAAAAAAAHAAAAAAAAAAAAAAAAAAAAAAAAAAAAAAAAAAAAf39/ACUAAABYAAAAAAAAAAAAAAAAAAAAAAAAAAAAAAAAAAAAAAAAAAAAAAAAAAAAAAAAAAAAAAA/AAAAAAAAAKCGAQAAAAAAAAAAAAAAAAAMAAAAAQAAAAAAAAAAAAAAAAAAAB8AAABUAAAAAAAABQAAAAEAAAAAAAAAAAAAAAAAAAAAAAAAAAAAAAAAAAAAAAAAAAAAAAJ/f38AAAAAA8zMzADAwP8Af39/AAAAAAAAAAAAAAAAAAAAAAAAAAAAIQAAABgAAAAUAAAAwAMAAK4BAABtHAAA1AgAABAAAAAmAAAACAAAAAAAAAAAAAAAMAAAABQAAAAAAAAAAAD//wAAAQAAAP//AAABAA=="/>
+                <pr:smNativeData xmlns:pr="smNativeData" xmlns="smNativeData" val="SMDATA_16_haKDZxMAAAAlAAAAZAAAAA8BAAAAkAAAAEgAAACQAAAASAAAAAAAAAACAAAAAAAAAAEAAABQAAAAAAAAAAAA4D8AAAAAAADgPwAAAAAAAOA/AAAAAAAA4D8AAAAAAADgPwAAAAAAAOA/AAAAAAAA4D8AAAAAAADgPwAAAAAAAOA/AAAAAAAA4D8CAAAAjAAAAAAAAAAAAAAAu+DjDP///wgAAAAAAAAAAAAAAAAAAAAAAAAAAAAAAAAAAAAAZAAAAAEAAABAAAAAAAAAAAAAAAAAAAAAAAAAAAAAAAAAAAAAAAAAAAAAAAAAAAAAAAAAAAAAAAAAAAAAAAAAAAAAAAAAAAAAAAAAAAAAAAAAAAAAAAAAAAAAAAAAAAAAFAAAADwAAAAAAAAAAAAAAAAAAAkUAAAAAQAAABQAAAAUAAAAFAAAAAEAAAAAAAAAZAAAAGQAAAAAAAAAZAAAAGQAAAAVAAAAYAAAAAAAAAAAAAAADwAAACADAAAAAAAAAAAAAAEAAACgMgAAVgcAAKr4//8BAAAAf39/AAEAAABkAAAAAAAAABQAAABAHwAAAAAAACYAAAAAAAAAwOD//wAAAAAmAAAAZAAAABYAAABMAAAAAAAAAAAAAAAEAAAAAAAAAAEAAACAgIAKAAAAACgAAAAoAAAAZAAAAGQAAAAAAAAAzMzMAAAAAABQAAAAUAAAAGQAAABkAAAAAAAAABcAAAAUAAAAAAAAAAAAAAD/fwAA/38AAAAAAAAJAAAABAAAAAAAAAAeAAAAaAAAAAAAAAAAAAAAAAAAAAAAAAAAAAAAECcAABAnAAAAAAAAAAAAAAAAAAAAAAAAAAAAAAAAAAAAAAAAAAAAABQAAAAAAAAAwMD/AAAAAABkAAAAMgAAAAAAAABkAAAAAAAAAH9/fwAKAAAAIgAAABgAAAAAAAAAAAAAAAAAAAAAAAAAAAAAAAAAAAAkAAAAJAAAAAAAAAAHAAAAAAAAAAAAAAAAAAAAAAAAAAAAAAAAAAAAf39/ACUAAABYAAAAAAAAAAAAAAAAAAAAAAAAAAAAAAAAAAAAAAAAAAAAAAAAAAAAAAAAAAAAAAA/AAAAAAAAAKCGAQAAAAAAAAAAAAAAAAAMAAAAAQAAAAAAAAAAAAAAAAAAAB8AAABUAAAAAAAABQAAAAEAAAAAAAAAAAAAAAAAAAAAAAAAAAAAAAAAAAAAAAAAAAAAAAJ/f38AAAAAA8zMzADAwP8Af39/AAAAAAAAAAAAAAAAAAAAAAAAAAAAIQAAABgAAAAUAAAAwAMAAK4BAABtHAAA1AgAABAAAAAmAAAACAAAAAAAAAAAAAAAMAAAABQAAAAAAAAAAAD//wAAAQAAAP//AAABAA=="/>
               </a:ext>
             </a:extLst>
           </p:cNvSpPr>
@@ -3929,7 +3942,7 @@
             <a:spLocks noGrp="1" noChangeArrowheads="1"/>
             <a:extLst>
               <a:ext uri="smNativeData">
-                <pr:smNativeData xmlns:pr="smNativeData" xmlns="smNativeData" val="SMDATA_16_zYh+ZxMAAAAlAAAAZAAAAA8BAAAAkAAAAEgAAACQAAAASAAAAAAAAAAAAAAAAAAAAAEAAABQAAAAAAAAAAAA4D8AAAAAAADgPwAAAAAAAOA/AAAAAAAA4D8AAAAAAADgPwAAAAAAAOA/AAAAAAAA4D8AAAAAAADgPwAAAAAAAOA/AAAAAAAA4D8CAAAAjAAAAAAAAAAAAAAAu+DjDP///wgAAAAAAAAAAAAAAAAAAAAAAAAAAAAAAAAAAAAAZAAAAAEAAABAAAAAAAAAAAAAAAAAAAAAAAAAAAAAAAAAAAAAAAAAAAAAAAAAAAAAAAAAAAAAAAAAAAAAAAAAAAAAAAAAAAAAAAAAAAAAAAAAAAAAAAAAAAAAAAAAAAAAFAAAADwAAAAAAAAAAAAAAAAAAAkUAAAAAQAAABQAAAAUAAAAFAAAAAEAAAAAAAAAZAAAAGQAAAAAAAAAZAAAAGQAAAAVAAAAYAAAAAAAAAAAAAAADwAAACADAAAAAAAAAAAAAAEAAACgMgAAVgcAAKr4//8BAAAAf39/AAEAAABkAAAAAAAAABQAAABAHwAAAAAAACYAAAAAAAAAwOD//wAAAAAmAAAAZAAAABYAAABMAAAAAAAAAAAAAAAEAAAAAAAAAAEAAACAgIAKAAAAACgAAAAoAAAAZAAAAGQAAAAAAAAAzMzMAAAAAABQAAAAUAAAAGQAAABkAAAAAAAAABcAAAAUAAAAAAAAAAAAAAD/fwAA/38AAAAAAAAJAAAABAAAAAAAAKAeAAAAaAAAAAAAAAAAAAAAAAAAAAAAAAAAAAAAECcAABAnAAAAAAAAAAAAAAAAAAAAAAAAAAAAAAAAAAAAAAAAAAAAABQAAAAAAAAAwMD/AAAAAABkAAAAMgAAAAAAAABkAAAAAAAAAH9/fwAKAAAAIgAAABgAAAAAAAAAAAAAAAAAAAAAAAAAAAAAAAAAAAAkAAAAJAAAAAAAAAAHAAAAAAAAAAAAAAAAAAAAAAAAAAAAAAAAAAAAf39/ACUAAABYAAAAAAAAAAAAAAAAAAAAAAAAAAAAAAAAAAAAAAAAAAAAAAAAAAAAAAAAAAAAAAA/AAAAAAAAAKCGAQAAAAAAAAAAAAAAAAAMAAAAAQAAAAAAAAAAAAAAAAAAAB8AAABUAAAAAAAABQAAAAEAAAAAAAAAAAAAAAAAAAAAAAAAAAAAAAAAAAAAAAAAAAAAAAJ/f38AAAAAA8zMzADAwP8Af39/AAAAAAAAAAAAAAAAAAAAAAAAAAAAIQAAABgAAAAUAAAAUx0AAK4BAABARwAAsCUAABAAAAAmAAAACAAAAAGAAAAAAAAAMAAAABQAAAAAAAAAAAD//wAAAQAAAP//AAABAA=="/>
+                <pr:smNativeData xmlns:pr="smNativeData" xmlns="smNativeData" val="SMDATA_16_haKDZxMAAAAlAAAAZAAAAA8BAAAAkAAAAEgAAACQAAAASAAAAAAAAAAAAAAAAAAAAAEAAABQAAAAAAAAAAAA4D8AAAAAAADgPwAAAAAAAOA/AAAAAAAA4D8AAAAAAADgPwAAAAAAAOA/AAAAAAAA4D8AAAAAAADgPwAAAAAAAOA/AAAAAAAA4D8CAAAAjAAAAAAAAAAAAAAAu+DjDP///wgAAAAAAAAAAAAAAAAAAAAAAAAAAAAAAAAAAAAAZAAAAAEAAABAAAAAAAAAAAAAAAAAAAAAAAAAAAAAAAAAAAAAAAAAAAAAAAAAAAAAAAAAAAAAAAAAAAAAAAAAAAAAAAAAAAAAAAAAAAAAAAAAAAAAAAAAAAAAAAAAAAAAFAAAADwAAAAAAAAAAAAAAAAAAAkUAAAAAQAAABQAAAAUAAAAFAAAAAEAAAAAAAAAZAAAAGQAAAAAAAAAZAAAAGQAAAAVAAAAYAAAAAAAAAAAAAAADwAAACADAAAAAAAAAAAAAAEAAACgMgAAVgcAAKr4//8BAAAAf39/AAEAAABkAAAAAAAAABQAAABAHwAAAAAAACYAAAAAAAAAwOD//wAAAAAmAAAAZAAAABYAAABMAAAAAAAAAAAAAAAEAAAAAAAAAAEAAACAgIAKAAAAACgAAAAoAAAAZAAAAGQAAAAAAAAAzMzMAAAAAABQAAAAUAAAAGQAAABkAAAAAAAAABcAAAAUAAAAAAAAAAAAAAD/fwAA/38AAAAAAAAJAAAABAAAAAAAAKAeAAAAaAAAAAAAAAAAAAAAAAAAAAAAAAAAAAAAECcAABAnAAAAAAAAAAAAAAAAAAAAAAAAAAAAAAAAAAAAAAAAAAAAABQAAAAAAAAAwMD/AAAAAABkAAAAMgAAAAAAAABkAAAAAAAAAH9/fwAKAAAAIgAAABgAAAAAAAAAAAAAAAAAAAAAAAAAAAAAAAAAAAAkAAAAJAAAAAAAAAAHAAAAAAAAAAAAAAAAAAAAAAAAAAAAAAAAAAAAf39/ACUAAABYAAAAAAAAAAAAAAAAAAAAAAAAAAAAAAAAAAAAAAAAAAAAAAAAAAAAAAAAAAAAAAA/AAAAAAAAAKCGAQAAAAAAAAAAAAAAAAAMAAAAAQAAAAAAAAAAAAAAAAAAAB8AAABUAAAAAAAABQAAAAEAAAAAAAAAAAAAAAAAAAAAAAAAAAAAAAAAAAAAAAAAAAAAAAJ/f38AAAAAA8zMzADAwP8Af39/AAAAAAAAAAAAAAAAAAAAAAAAAAAAIQAAABgAAAAUAAAAUx0AAK4BAABARwAAsCUAABAAAAAmAAAACAAAAAGAAAAAAAAAMAAAABQAAAAAAAAAAAD//wAAAQAAAP//AAABAA=="/>
               </a:ext>
             </a:extLst>
           </p:cNvSpPr>
@@ -3997,7 +4010,7 @@
             <a:spLocks noGrp="1" noChangeArrowheads="1"/>
             <a:extLst>
               <a:ext uri="smNativeData">
-                <pr:smNativeData xmlns:pr="smNativeData" xmlns="smNativeData" val="SMDATA_16_zYh+ZxMAAAAlAAAAZAAAAA8BAAAAkAAAAEgAAACQAAAASAAAAAAAAAAAAAAAAAAAAAEAAABQAAAAAAAAAAAA4D8AAAAAAADgPwAAAAAAAOA/AAAAAAAA4D8AAAAAAADgPwAAAAAAAOA/AAAAAAAA4D8AAAAAAADgPwAAAAAAAOA/AAAAAAAA4D8CAAAAjAAAAAAAAAAAAAAAu+DjDP///wgAAAAAAAAAAAAAAAAAAAAAAAAAAAAAAAAAAAAAZAAAAAEAAABAAAAAAAAAAAAAAAAAAAAAAAAAAAAAAAAAAAAAAAAAAAAAAAAAAAAAAAAAAAAAAAAAAAAAAAAAAAAAAAAAAAAAAAAAAAAAAAAAAAAAAAAAAAAAAAAAAAAAFAAAADwAAAAAAAAAAAAAAAAAAAkUAAAAAQAAABQAAAAUAAAAFAAAAAEAAAAAAAAAZAAAAGQAAAAAAAAAZAAAAGQAAAAVAAAAYAAAAAAAAAAAAAAADwAAACADAAAAAAAAAAAAAAEAAACgMgAAVgcAAKr4//8BAAAAf39/AAEAAABkAAAAAAAAABQAAABAHwAAAAAAACYAAAAAAAAAwOD//wAAAAAmAAAAZAAAABYAAABMAAAAAAAAAAAAAAAEAAAAAAAAAAEAAACAgIAKAAAAACgAAAAoAAAAZAAAAGQAAAAAAAAAzMzMAAAAAABQAAAAUAAAAGQAAABkAAAAAAAAABcAAAAUAAAAAAAAAAAAAAD/fwAA/38AAAAAAAAJAAAABAAAAAgAAAAeAAAAaAAAAAAAAAAAAAAAAAAAAAAAAAAAAAAAECcAABAnAAAAAAAAAAAAAAAAAAAAAAAAAAAAAAAAAAAAAAAAAAAAABQAAAAAAAAAwMD/AAAAAABkAAAAMgAAAAAAAABkAAAAAAAAAH9/fwAKAAAAIgAAABgAAAAAAAAAAAAAAAAAAAAAAAAAAAAAAAAAAAAkAAAAJAAAAAAAAAAHAAAAAAAAAAAAAAAAAAAAAAAAAAAAAAAAAAAAf39/ACUAAABYAAAAAAAAAAAAAAAAAAAAAAAAAAAAAAAAAAAAAAAAAAAAAAAAAAAAAAAAAAAAAAA/AAAAAAAAAKCGAQAAAAAAAAAAAAAAAAAMAAAAAQAAAAAAAAAAAAAAAAAAAB8AAABUAAAAAAAABQAAAAEAAAAAAAAAAAAAAAAAAAAAAAAAAAAAAAAAAAAAAAAAAAAAAAJ/f38AAAAAA8zMzADAwP8Af39/AAAAAAAAAAAAAAAAAAAAAAAAAAAAIQAAABgAAAAUAAAAwAMAANQIAABtHAAAsCUAABAAAAAmAAAACAAAAAAAAAAAAAAAMAAAABQAAAAAAAAAAAD//wAAAQAAAP//AAABAA=="/>
+                <pr:smNativeData xmlns:pr="smNativeData" xmlns="smNativeData" val="SMDATA_16_haKDZxMAAAAlAAAAZAAAAA8BAAAAkAAAAEgAAACQAAAASAAAAAAAAAAAAAAAAAAAAAEAAABQAAAAAAAAAAAA4D8AAAAAAADgPwAAAAAAAOA/AAAAAAAA4D8AAAAAAADgPwAAAAAAAOA/AAAAAAAA4D8AAAAAAADgPwAAAAAAAOA/AAAAAAAA4D8CAAAAjAAAAAAAAAAAAAAAu+DjDP///wgAAAAAAAAAAAAAAAAAAAAAAAAAAAAAAAAAAAAAZAAAAAEAAABAAAAAAAAAAAAAAAAAAAAAAAAAAAAAAAAAAAAAAAAAAAAAAAAAAAAAAAAAAAAAAAAAAAAAAAAAAAAAAAAAAAAAAAAAAAAAAAAAAAAAAAAAAAAAAAAAAAAAFAAAADwAAAAAAAAAAAAAAAAAAAkUAAAAAQAAABQAAAAUAAAAFAAAAAEAAAAAAAAAZAAAAGQAAAAAAAAAZAAAAGQAAAAVAAAAYAAAAAAAAAAAAAAADwAAACADAAAAAAAAAAAAAAEAAACgMgAAVgcAAKr4//8BAAAAf39/AAEAAABkAAAAAAAAABQAAABAHwAAAAAAACYAAAAAAAAAwOD//wAAAAAmAAAAZAAAABYAAABMAAAAAAAAAAAAAAAEAAAAAAAAAAEAAACAgIAKAAAAACgAAAAoAAAAZAAAAGQAAAAAAAAAzMzMAAAAAABQAAAAUAAAAGQAAABkAAAAAAAAABcAAAAUAAAAAAAAAAAAAAD/fwAA/38AAAAAAAAJAAAABAAAAAgAAAAeAAAAaAAAAAAAAAAAAAAAAAAAAAAAAAAAAAAAECcAABAnAAAAAAAAAAAAAAAAAAAAAAAAAAAAAAAAAAAAAAAAAAAAABQAAAAAAAAAwMD/AAAAAABkAAAAMgAAAAAAAABkAAAAAAAAAH9/fwAKAAAAIgAAABgAAAAAAAAAAAAAAAAAAAAAAAAAAAAAAAAAAAAkAAAAJAAAAAAAAAAHAAAAAAAAAAAAAAAAAAAAAAAAAAAAAAAAAAAAf39/ACUAAABYAAAAAAAAAAAAAAAAAAAAAAAAAAAAAAAAAAAAAAAAAAAAAAAAAAAAAAAAAAAAAAA/AAAAAAAAAKCGAQAAAAAAAAAAAAAAAAAMAAAAAQAAAAAAAAAAAAAAAAAAAB8AAABUAAAAAAAABQAAAAEAAAAAAAAAAAAAAAAAAAAAAAAAAAAAAAAAAAAAAAAAAAAAAAJ/f38AAAAAA8zMzADAwP8Af39/AAAAAAAAAAAAAAAAAAAAAAAAAAAAIQAAABgAAAAUAAAAwAMAANQIAABtHAAAsCUAABAAAAAmAAAACAAAAAAAAAAAAAAAMAAAABQAAAAAAAAAAAD//wAAAQAAAP//AAABAA=="/>
               </a:ext>
             </a:extLst>
           </p:cNvSpPr>
@@ -4057,7 +4070,7 @@
           <p:cNvSpPr>
             <a:extLst>
               <a:ext uri="smNativeData">
-                <pr:smNativeData xmlns:pr="smNativeData" xmlns="smNativeData" val="SMDATA_16_zYh+ZxMAAAAlAAAAZAAAAA8BAAAAkAAAAEgAAACQAAAASAAAAAAAAAABAAAAAAAAAAEAAABQAAAAAAAAAAAA4D8AAAAAAADgPwAAAAAAAOA/AAAAAAAA4D8AAAAAAADgPwAAAAAAAOA/AAAAAAAA4D8AAAAAAADgPwAAAAAAAOA/AAAAAAAA4D8CAAAAjAAAAAEAAAAAAAAAu+DjDP///wgAAAAAAAAAAAAAAAAAAAAAAAAAAAAAAAAAAAAAZAAAAAEAAABAAAAAAAAAAAAAAAAAAAAAAAAAAAAAAAAAAAAAAAAAAAAAAAAAAAAAAAAAAAAAAAAAAAAAAAAAAAAAAAAAAAAAAAAAAAAAAAAAAAAAAAAAAAAAAAAAAAAAFAAAADwAAAABAAAAAAAAAAAAAAkUAAAAAQAAABQAAAAUAAAAFAAAAAEAAAAAAAAAZAAAAGQAAAAAAAAAZAAAAGQAAAAVAAAAYAAAAAAAAAAAAAAADwAAACADAAAAAAAAAAAAAAEAAACgMgAAVgcAAKr4//8BAAAAf39/AAEAAABkAAAAAAAAABQAAABAHwAAAAAAACYAAAAAAAAAwOD//wAAAAAmAAAAZAAAABYAAABMAAAAAAAAAAAAAAAEAAAAAAAAAAEAAACAgIAKAAAAACgAAAAoAAAAZAAAAGQAAAAAAAAAzMzMAAAAAABQAAAAUAAAAGQAAABkAAAAAAAAABcAAAAUAAAAAAAAAAAAAAD/fwAA/38AAAAAAAAJAAAABAAAAAAAAAAeAAAAaAAAAAAAAAAAAAAAAAAAAAAAAAAAAAAAECcAABAnAAAAAAAAAAAAAAAAAAAAAAAAAAAAAAAAAAAAAAAAAAAAABQAAAAAAAAAwMD/AAAAAABkAAAAMgAAAAAAAABkAAAAAAAAAH9/fwAKAAAAIgAAABgAAAAAAAAAAAAAAAAAAAAAAAAAAAAAAAAAAAAkAAAAJAAAAAAAAAAHAAAAAAAAAAAAAAAAAAAAAAAAAAAAAAAAAAAAf39/ACUAAABYAAAAAAAAAAAAAAAAAAAAAAAAAAAAAAAAAAAAAAAAAAAAAAAAAAAAAAAAAAAAAAA/AAAAAAAAAKCGAQAAAAAAAAAAAAAAAAAMAAAAAQAAAAAAAAAAAAAAAAAAAB8AAABUAAAAu+DjBf///wEAAAAAAAAAAAAAAAAAAAAAAAAAAAAAAAAAAAAAAAAAAAAAAAJ/f38AgICAA8zMzADAwP8Af39/AAAAAAAAAAAAAAAAAAAAAAAAAAAAIQAAABgAAAAUAAAAUx0AAIsJAAACKwAAogwAABAAAAAmAAAACAAAAP//////////MAAAABQAAAAAAAAAAAD//wAAAQAAAP//AAABAA=="/>
+                <pr:smNativeData xmlns:pr="smNativeData" xmlns="smNativeData" val="SMDATA_16_haKDZxMAAAAlAAAAZAAAAA8BAAAAkAAAAEgAAACQAAAASAAAAAAAAAABAAAAAAAAAAEAAABQAAAAAAAAAAAA4D8AAAAAAADgPwAAAAAAAOA/AAAAAAAA4D8AAAAAAADgPwAAAAAAAOA/AAAAAAAA4D8AAAAAAADgPwAAAAAAAOA/AAAAAAAA4D8CAAAAjAAAAAEAAAAAAAAAu+DjDP///wgAAAAAAAAAAAAAAAAAAAAAAAAAAAAAAAAAAAAAZAAAAAEAAABAAAAAAAAAAAAAAAAAAAAAAAAAAAAAAAAAAAAAAAAAAAAAAAAAAAAAAAAAAAAAAAAAAAAAAAAAAAAAAAAAAAAAAAAAAAAAAAAAAAAAAAAAAAAAAAAAAAAAFAAAADwAAAABAAAAAAAAAAAAAAkUAAAAAQAAABQAAAAUAAAAFAAAAAEAAAAAAAAAZAAAAGQAAAAAAAAAZAAAAGQAAAAVAAAAYAAAAAAAAAAAAAAADwAAACADAAAAAAAAAAAAAAEAAACgMgAAVgcAAKr4//8BAAAAf39/AAEAAABkAAAAAAAAABQAAABAHwAAAAAAACYAAAAAAAAAwOD//wAAAAAmAAAAZAAAABYAAABMAAAAAAAAAAAAAAAEAAAAAAAAAAEAAACAgIAKAAAAACgAAAAoAAAAZAAAAGQAAAAAAAAAzMzMAAAAAABQAAAAUAAAAGQAAABkAAAAAAAAABcAAAAUAAAAAAAAAAAAAAD/fwAA/38AAAAAAAAJAAAABAAAAAAAAAAeAAAAaAAAAAAAAAAAAAAAAAAAAAAAAAAAAAAAECcAABAnAAAAAAAAAAAAAAAAAAAAAAAAAAAAAAAAAAAAAAAAAAAAABQAAAAAAAAAwMD/AAAAAABkAAAAMgAAAAAAAABkAAAAAAAAAH9/fwAKAAAAIgAAABgAAAAAAAAAAAAAAAAAAAAAAAAAAAAAAAAAAAAkAAAAJAAAAAAAAAAHAAAAAAAAAAAAAAAAAAAAAAAAAAAAAAAAAAAAf39/ACUAAABYAAAAAAAAAAAAAAAAAAAAAAAAAAAAAAAAAAAAAAAAAAAAAAAAAAAAAAAAAAAAAAA/AAAAAAAAAKCGAQAAAAAAAAAAAAAAAAAMAAAAAQAAAAAAAAAAAAAAAAAAAB8AAABUAAAAu+DjBf///wEAAAAAAAAAAAAAAAAAAAAAAAAAAAAAAAAAAAAAAAAAAAAAAAJ/f38AgICAA8zMzADAwP8Af39/AAAAAAAAAAAAAAAAAAAAAAAAAAAAIQAAABgAAAAUAAAAUx0AAIsJAAACKwAAogwAABAAAAAmAAAACAAAAP//////////MAAAABQAAAAAAAAAAAD//wAAAQAAAP//AAABAA=="/>
               </a:ext>
             </a:extLst>
           </p:cNvSpPr>
@@ -4101,7 +4114,7 @@
           <p:cNvSpPr>
             <a:extLst>
               <a:ext uri="smNativeData">
-                <pr:smNativeData xmlns:pr="smNativeData" xmlns="smNativeData" val="SMDATA_16_zYh+ZxMAAAAlAAAAZAAAAA8BAAAAkAAAAEgAAACQAAAASAAAAAAAAAABAAAAAAAAAAEAAABQAAAAAAAAAAAA4D8AAAAAAADgPwAAAAAAAOA/AAAAAAAA4D8AAAAAAADgPwAAAAAAAOA/AAAAAAAA4D8AAAAAAADgPwAAAAAAAOA/AAAAAAAA4D8CAAAAjAAAAAEAAAAAAAAAu+DjDP///wgAAAAAAAAAAAAAAAAAAAAAAAAAAAAAAAAAAAAAZAAAAAEAAABAAAAAAAAAAAAAAAAAAAAAAAAAAAAAAAAAAAAAAAAAAAAAAAAAAAAAAAAAAAAAAAAAAAAAAAAAAAAAAAAAAAAAAAAAAAAAAAAAAAAAAAAAAAAAAAAAAAAAFAAAADwAAAABAAAAAAAAAAAAAAkUAAAAAQAAABQAAAAUAAAAFAAAAAEAAAAAAAAAZAAAAGQAAAAAAAAAZAAAAGQAAAAVAAAAYAAAAAAAAAAAAAAADwAAACADAAAAAAAAAAAAAAEAAACgMgAAVgcAAKr4//8BAAAAf39/AAEAAABkAAAAAAAAABQAAABAHwAAAAAAACYAAAAAAAAAwOD//wAAAAAmAAAAZAAAABYAAABMAAAAAAAAAAAAAAAEAAAAAAAAAAEAAACAgIAKAAAAACgAAAAoAAAAZAAAAGQAAAAAAAAAzMzMAAAAAABQAAAAUAAAAGQAAABkAAAAAAAAABcAAAAUAAAAAAAAAAAAAAD/fwAA/38AAAAAAAAJAAAABAAAABcAFwAeAAAAaAAAAAAAAAAAAAAAAAAAAAAAAAAAAAAAECcAABAnAAAAAAAAAAAAAAAAAAAAAAAAAAAAAAAAAAAAAAAAAAAAABQAAAAAAAAAwMD/AAAAAABkAAAAMgAAAAAAAABkAAAAAAAAAH9/fwAKAAAAIgAAABgAAAAAAAAAAAAAAAAAAAAAAAAAAAAAAAAAAAAkAAAAJAAAAAAAAAAHAAAAAAAAAAAAAAAAAAAAAAAAAAAAAAAAAAAAf39/ACUAAABYAAAAAAAAAAAAAAAAAAAAAAAAAAAAAAAAAAAAAAAAAAAAAAAAAAAAAAAAAAAAAAA/AAAAAAAAAKCGAQAAAAAAAAAAAAAAAAAMAAAAAQAAAAAAAAAAAAAAAAAAAB8AAABUAAAAu+DjBf///wEAAAAAAAAAAAAAAAAAAAAAAAAAAAAAAAAAAAAAAAAAAAAAAAJ/f38AgICAA8zMzADAwP8Af39/AAAAAAAAAAAAAAAAAAAAAAAAAAAAIQAAABgAAAAUAAAAkx0AAKMOAACCKwAADRMAABAAAAAmAAAACAAAAP//////////MAAAABQAAAAAAAAAAAD//wAAAQAAAP//AAABAA=="/>
+                <pr:smNativeData xmlns:pr="smNativeData" xmlns="smNativeData" val="SMDATA_16_haKDZxMAAAAlAAAAZAAAAA8BAAAAkAAAAEgAAACQAAAASAAAAAAAAAABAAAAAAAAAAEAAABQAAAAAAAAAAAA4D8AAAAAAADgPwAAAAAAAOA/AAAAAAAA4D8AAAAAAADgPwAAAAAAAOA/AAAAAAAA4D8AAAAAAADgPwAAAAAAAOA/AAAAAAAA4D8CAAAAjAAAAAEAAAAAAAAAu+DjDP///wgAAAAAAAAAAAAAAAAAAAAAAAAAAAAAAAAAAAAAZAAAAAEAAABAAAAAAAAAAAAAAAAAAAAAAAAAAAAAAAAAAAAAAAAAAAAAAAAAAAAAAAAAAAAAAAAAAAAAAAAAAAAAAAAAAAAAAAAAAAAAAAAAAAAAAAAAAAAAAAAAAAAAFAAAADwAAAABAAAAAAAAAAAAAAkUAAAAAQAAABQAAAAUAAAAFAAAAAEAAAAAAAAAZAAAAGQAAAAAAAAAZAAAAGQAAAAVAAAAYAAAAAAAAAAAAAAADwAAACADAAAAAAAAAAAAAAEAAACgMgAAVgcAAKr4//8BAAAAf39/AAEAAABkAAAAAAAAABQAAABAHwAAAAAAACYAAAAAAAAAwOD//wAAAAAmAAAAZAAAABYAAABMAAAAAAAAAAAAAAAEAAAAAAAAAAEAAACAgIAKAAAAACgAAAAoAAAAZAAAAGQAAAAAAAAAzMzMAAAAAABQAAAAUAAAAGQAAABkAAAAAAAAABcAAAAUAAAAAAAAAAAAAAD/fwAA/38AAAAAAAAJAAAABAAAABcAFwAeAAAAaAAAAAAAAAAAAAAAAAAAAAAAAAAAAAAAECcAABAnAAAAAAAAAAAAAAAAAAAAAAAAAAAAAAAAAAAAAAAAAAAAABQAAAAAAAAAwMD/AAAAAABkAAAAMgAAAAAAAABkAAAAAAAAAH9/fwAKAAAAIgAAABgAAAAAAAAAAAAAAAAAAAAAAAAAAAAAAAAAAAAkAAAAJAAAAAAAAAAHAAAAAAAAAAAAAAAAAAAAAAAAAAAAAAAAAAAAf39/ACUAAABYAAAAAAAAAAAAAAAAAAAAAAAAAAAAAAAAAAAAAAAAAAAAAAAAAAAAAAAAAAAAAAA/AAAAAAAAAKCGAQAAAAAAAAAAAAAAAAAMAAAAAQAAAAAAAAAAAAAAAAAAAB8AAABUAAAAu+DjBf///wEAAAAAAAAAAAAAAAAAAAAAAAAAAAAAAAAAAAAAAAAAAAAAAAJ/f38AgICAA8zMzADAwP8Af39/AAAAAAAAAAAAAAAAAAAAAAAAAAAAIQAAABgAAAAUAAAAkx0AAKMOAACCKwAADRMAABAAAAAmAAAACAAAAP//////////MAAAABQAAAAAAAAAAAD//wAAAQAAAP//AAABAA=="/>
               </a:ext>
             </a:extLst>
           </p:cNvSpPr>
@@ -4145,7 +4158,7 @@
           <p:cNvSpPr>
             <a:extLst>
               <a:ext uri="smNativeData">
-                <pr:smNativeData xmlns:pr="smNativeData" xmlns="smNativeData" val="SMDATA_16_zYh+ZxMAAAAlAAAACgAAAA8BAAAAkAAAAEgAAACQAAAASAAAAAAAAAABAAAAAAAAAAEAAABQAAAAAAAAAAAA4D8AAAAAAADgPwAAAAAAAOA/AAAAAAAA4D8AAAAAAADgPwAAAAAAAOA/AAAAAAAA4D8AAAAAAADgPwAAAAAAAOA/AAAAAAAA4D8CAAAAjAAAAAAAAAAAAAAAu+DjDP///wgAAAAAAAAAAAAAAAAAAAAAAAAAAAAAAAAAAAAAZAAAAAEAAABAAAAAAAAAAAAAAAAAAAAAAAAAAAAAAAAAAAAAAAAAAAAAAAAAAAAAAAAAAAAAAAAAAAAAAAAAAAAAAAAAAAAAAAAAAAAAAAAAAAAAAAAAAAAAAAAAAAAAFAAAADwAAAABAAAAAAAAAAAAAAkUAAAAAQAAABQAAAAUAAAAFAAAAAEAAAABAAAAlgAAAJYAAAAAAAAAZAAAAGQAAAAVAAAAYAAAAAAAAAAAAAAADwAAACADAAAAAAAAAAAAAAEAAACgMgAAVgcAAKr4//8BAAAAf39/AAEAAABkAAAAAAAAABQAAABAHwAAAAAAACYAAAAAAAAAwOD//wAAAAAmAAAAZAAAABYAAABMAAAAAAAAAAAAAAAEAAAAAAAAAAEAAACAgIAKAAAAACgAAAAoAAAAZAAAAGQAAAAAAAAAzMzMAAAAAABQAAAAUAAAAGQAAABkAAAAAAAAABcAAAAUAAAAAAAAAAAAAAD/fwAA/38AAAAAAAAJAAAABAAAAAAAAAAeAAAAaAAAAAAAAAAAAAAAAAAAAAAAAAAAAAAAECcAABAnAAAAAAAAAAAAAAAAAAAAAAAAAAAAAAAAAAAAAAAAAAAAABQAAAAAAAAAwMD/AAAAAABkAAAAMgAAAAAAAABkAAAAAAAAAH9/fwAKAAAAIgAAABgAAAAAAAAAAAAAAAAAAAAAAAAAAAAAAAAAAAAkAAAAJAAAAAAAAAAHAAAAAAAAAAAAAAAAAAAAAAAAAAAAAAAAAAAAf39/ACUAAABYAAAAAAAAAAAAAAAAAAAAAAAAAAAAAAAAAAAAAAAAAAAAAAAAAAAAAAAAAAAAAAA/AAAAAAAAAKCGAQAAAAAAAAAAAAAAAAAMAAAAAQAAAAAAAAAAAAAAAAAAAB8AAABUAAAAu+DjBf///wEAAAAAAAAAAAAAAAAAAAAAAAAAAAAAAAAAAAAAAAAAAAAAAAJ/f38AgICAA8zMzADAwP8Af39/AAAAAAAAAAAAAAAAAAAAAAAAAAAAIQAAABgAAAAUAAAApCQAAHAMAACkJAAANA4AABAAAAAmAAAACAAAAP//////////MAAAABQAAAAAAAAAAAD//wAAAQAAAP//AAABAA=="/>
+                <pr:smNativeData xmlns:pr="smNativeData" xmlns="smNativeData" val="SMDATA_16_haKDZxMAAAAlAAAACgAAAA8BAAAAkAAAAEgAAACQAAAASAAAAAAAAAABAAAAAAAAAAEAAABQAAAAAAAAAAAA4D8AAAAAAADgPwAAAAAAAOA/AAAAAAAA4D8AAAAAAADgPwAAAAAAAOA/AAAAAAAA4D8AAAAAAADgPwAAAAAAAOA/AAAAAAAA4D8CAAAAjAAAAAAAAAAAAAAAu+DjDP///wgAAAAAAAAAAAAAAAAAAAAAAAAAAAAAAAAAAAAAZAAAAAEAAABAAAAAAAAAAAAAAAAAAAAAAAAAAAAAAAAAAAAAAAAAAAAAAAAAAAAAAAAAAAAAAAAAAAAAAAAAAAAAAAAAAAAAAAAAAAAAAAAAAAAAAAAAAAAAAAAAAAAAFAAAADwAAAABAAAAAAAAAAAAAAkUAAAAAQAAABQAAAAUAAAAFAAAAAEAAAABAAAAlgAAAJYAAAAAAAAAZAAAAGQAAAAVAAAAYAAAAAAAAAAAAAAADwAAACADAAAAAAAAAAAAAAEAAACgMgAAVgcAAKr4//8BAAAAf39/AAEAAABkAAAAAAAAABQAAABAHwAAAAAAACYAAAAAAAAAwOD//wAAAAAmAAAAZAAAABYAAABMAAAAAAAAAAAAAAAEAAAAAAAAAAEAAACAgIAKAAAAACgAAAAoAAAAZAAAAGQAAAAAAAAAzMzMAAAAAABQAAAAUAAAAGQAAABkAAAAAAAAABcAAAAUAAAAAAAAAAAAAAD/fwAA/38AAAAAAAAJAAAABAAAAAAAAAAeAAAAaAAAAAAAAAAAAAAAAAAAAAAAAAAAAAAAECcAABAnAAAAAAAAAAAAAAAAAAAAAAAAAAAAAAAAAAAAAAAAAAAAABQAAAAAAAAAwMD/AAAAAABkAAAAMgAAAAAAAABkAAAAAAAAAH9/fwAKAAAAIgAAABgAAAAAAAAAAAAAAAAAAAAAAAAAAAAAAAAAAAAkAAAAJAAAAAAAAAAHAAAAAAAAAAAAAAAAAAAAAAAAAAAAAAAAAAAAf39/ACUAAABYAAAAAAAAAAAAAAAAAAAAAAAAAAAAAAAAAAAAAAAAAAAAAAAAAAAAAAAAAAAAAAA/AAAAAAAAAKCGAQAAAAAAAAAAAAAAAAAMAAAAAQAAAAAAAAAAAAAAAAAAAB8AAABUAAAAu+DjBf///wEAAAAAAAAAAAAAAAAAAAAAAAAAAAAAAAAAAAAAAAAAAAAAAAJ/f38AgICAA8zMzADAwP8Af39/AAAAAAAAAAAAAAAAAAAAAAAAAAAAIQAAABgAAAAUAAAApCQAAHAMAACkJAAANA4AABAAAAAmAAAACAAAAP//////////MAAAABQAAAAAAAAAAAD//wAAAQAAAP//AAABAA=="/>
               </a:ext>
             </a:extLst>
           </p:cNvSpPr>
@@ -4184,7 +4197,7 @@
           <p:cNvSpPr>
             <a:extLst>
               <a:ext uri="smNativeData">
-                <pr:smNativeData xmlns:pr="smNativeData" xmlns="smNativeData" val="SMDATA_16_zYh+ZxMAAAAlAAAALwEAAA8BAAAAkAAAAEgAAACQAAAASAAAAAAAAAABAAAAAAAAAAEAAABQAAAAAAAAAAAA4D8AAAAAAADgPwAAAAAAAOA/AAAAAAAA4D8AAAAAAADgPwAAAAAAAOA/AAAAAAAA4D8AAAAAAADgPwAAAAAAAOA/AAAAAAAA4D8CAAAAjAAAAAEAAAAAAAAAu+DjDP///wgAAAAAAAAAAAAAAAAAAAAAAAAAAAAAAAAAAAAAZAAAAAEAAABAAAAAAAAAAAAAAAAAAAAAAAAAAAAAAAAAAAAAAAAAAAAAAAAAAAAAAAAAAAAAAAAAAAAAAAAAAAAAAAAAAAAAAAAAAAAAAAAAAAAAAAAAAAAAAAAAAAAAFAAAADwAAAABAAAAAAAAAAAAAAkUAAAAAQAAABQAAAAUAAAAFAAAAAEAAAAAAAAAZAAAAGQAAAAAAAAAZAAAAGQAAAAVAAAAYAAAAAAAAAAAAAAADwAAACADAAAAAAAAAAAAAAEAAACgMgAAVgcAAKr4//8BAAAAf39/AAEAAABkAAAAAAAAABQAAABAHwAAAAAAACYAAAAAAAAAwOD//wAAAAAmAAAAZAAAABYAAABMAAAAAAAAAAAAAAAEAAAAAAAAAAEAAACAgIAKAAAAACgAAAAoAAAAZAAAAGQAAAAAAAAAzMzMAAAAAABQAAAAUAAAAGQAAABkAAAAAAAAABcAAAAUAAAAAAAAAAAAAAD/fwAA/38AAAAAAAAJAAAABAAAAAAAAAAeAAAAaAAAAAAAAAAAAAAAAAAAAAAAAAAAAAAAECcAABAnAAAAAAAAAAAAAAAAAAAAAAAAAAAAAAAAAAAAAAAAAAAAABQAAAAAAAAAwMD/AAAAAABkAAAAMgAAAAAAAABkAAAAAAAAAH9/fwAKAAAAIgAAABgAAAAAAAAAAAAAAAAAAAAAAAAAAAAAAAAAAAAkAAAAJAAAAAAAAAAHAAAAAAAAAAAAAAAAAAAAAAAAAAAAAAAAAAAAf39/ACUAAABYAAAAAAAAAAAAAAAAAAAAAAAAAAAAAAAAAAAAAAAAAAAAAAAAAAAAAAAAAAAAAAA/AAAAAAAAAKCGAQAAAAAAAAAAAAAAAAAMAAAAAQAAAAAAAAAAAAAAAAAAAB8AAABUAAAAu+DjBf///wEAAAAAAAAAAAAAAAAAAAAAAAAAAAAAAAAAAAAAAAAAAAAAAAJ/f38AgICAA8zMzADAwP8Af39/AAAAAAAAAAAAAAAAAAAAAAAAAAAAIQAAABgAAAAUAAAAkx0AACEVAABCKwAA3hoAABAAAAAmAAAACAAAAP//////////MAAAABQAAAAAAAAAZ2b//5mZAAAAAP//AAABAA=="/>
+                <pr:smNativeData xmlns:pr="smNativeData" xmlns="smNativeData" val="SMDATA_16_haKDZxMAAAAlAAAALwEAAA8BAAAAkAAAAEgAAACQAAAASAAAAAAAAAABAAAAAAAAAAEAAABQAAAAAAAAAAAA4D8AAAAAAADgPwAAAAAAAOA/AAAAAAAA4D8AAAAAAADgPwAAAAAAAOA/AAAAAAAA4D8AAAAAAADgPwAAAAAAAOA/AAAAAAAA4D8CAAAAjAAAAAEAAAAAAAAAu+DjDP///wgAAAAAAAAAAAAAAAAAAAAAAAAAAAAAAAAAAAAAZAAAAAEAAABAAAAAAAAAAAAAAAAAAAAAAAAAAAAAAAAAAAAAAAAAAAAAAAAAAAAAAAAAAAAAAAAAAAAAAAAAAAAAAAAAAAAAAAAAAAAAAAAAAAAAAAAAAAAAAAAAAAAAFAAAADwAAAABAAAAAAAAAAAAAAkUAAAAAQAAABQAAAAUAAAAFAAAAAEAAAAAAAAAZAAAAGQAAAAAAAAAZAAAAGQAAAAVAAAAYAAAAAAAAAAAAAAADwAAACADAAAAAAAAAAAAAAEAAACgMgAAVgcAAKr4//8BAAAAf39/AAEAAABkAAAAAAAAABQAAABAHwAAAAAAACYAAAAAAAAAwOD//wAAAAAmAAAAZAAAABYAAABMAAAAAAAAAAAAAAAEAAAAAAAAAAEAAACAgIAKAAAAACgAAAAoAAAAZAAAAGQAAAAAAAAAzMzMAAAAAABQAAAAUAAAAGQAAABkAAAAAAAAABcAAAAUAAAAAAAAAAAAAAD/fwAA/38AAAAAAAAJAAAABAAAAAAAAAAeAAAAaAAAAAAAAAAAAAAAAAAAAAAAAAAAAAAAECcAABAnAAAAAAAAAAAAAAAAAAAAAAAAAAAAAAAAAAAAAAAAAAAAABQAAAAAAAAAwMD/AAAAAABkAAAAMgAAAAAAAABkAAAAAAAAAH9/fwAKAAAAIgAAABgAAAAAAAAAAAAAAAAAAAAAAAAAAAAAAAAAAAAkAAAAJAAAAAAAAAAHAAAAAAAAAAAAAAAAAAAAAAAAAAAAAAAAAAAAf39/ACUAAABYAAAAAAAAAAAAAAAAAAAAAAAAAAAAAAAAAAAAAAAAAAAAAAAAAAAAAAAAAAAAAAA/AAAAAAAAAKCGAQAAAAAAAAAAAAAAAAAMAAAAAQAAAAAAAAAAAAAAAAAAAB8AAABUAAAAu+DjBf///wEAAAAAAAAAAAAAAAAAAAAAAAAAAAAAAAAAAAAAAAAAAAAAAAJ/f38AgICAA8zMzADAwP8Af39/AAAAAAAAAAAAAAAAAAAAAAAAAAAAIQAAABgAAAAUAAAAkx0AACEVAABCKwAA3hoAABAAAAAmAAAACAAAAP//////////MAAAABQAAAAAAAAAZ2b//5mZAAAAAP//AAABAA=="/>
               </a:ext>
             </a:extLst>
           </p:cNvSpPr>
@@ -4228,7 +4241,7 @@
           <p:cNvSpPr>
             <a:extLst>
               <a:ext uri="smNativeData">
-                <pr:smNativeData xmlns:pr="smNativeData" xmlns="smNativeData" val="SMDATA_16_zYh+ZxMAAAAlAAAACgAAAA8BAAAAkAAAAEgAAACQAAAASAAAAAAAAAAAAAAAAAAAAAEAAABQAAAAAAAAAAAA4D8AAAAAAADgPwAAAAAAAOA/AAAAAAAA4D8AAAAAAADgPwAAAAAAAOA/AAAAAAAA4D8AAAAAAADgPwAAAAAAAOA/AAAAAAAA4D8CAAAAjAAAAAAAAAAAAAAAu+DjDP///wgAAAAAAAAAAAAAAAAAAAAAAAAAAAAAAAAAAAAAZAAAAAEAAABAAAAAAAAAAAAAAAAAAAAAAAAAAAAAAAAAAAAAAAAAAAAAAAAAAAAAAAAAAAAAAAAAAAAAAAAAAAAAAAAAAAAAAAAAAAAAAAAAAAAAAAAAAAAAAAAAAAAAFAAAADwAAAABAAAAAAAAAAAAAAkUAAAAAQAAABQAAAAUAAAAFAAAAAEAAAAAAAAAZAAAAGQAAAABAAAAlgAAAJYAAAAVAAAAYAAAAAAAAAAAAAAADwAAACADAAAAAAAAAAAAAAEAAACgMgAAVgcAAKr4//8BAAAAf39/AAEAAABkAAAAAAAAABQAAABAHwAAAAAAACYAAAAAAAAAwOD//wAAAAAmAAAAZAAAABYAAABMAAAAAAAAAAAAAAAEAAAAAAAAAAEAAACAgIAKAAAAACgAAAAoAAAAZAAAAGQAAAAAAAAAzMzMAAAAAABQAAAAUAAAAGQAAABkAAAAAAAAABcAAAAUAAAAAAAAAAAAAAD/fwAA/38AAAAAAAAJAAAABAAAALAXsPweAAAAaAAAAAAAAAAAAAAAAAAAAAAAAAAAAAAAECcAABAnAAAAAAAAAAAAAAAAAAAAAAAAAAAAAAAAAAAAAAAAAAAAABQAAAAAAAAAwMD/AAAAAABkAAAAMgAAAAAAAABkAAAAAAAAAH9/fwAKAAAAIgAAABgAAAAAAAAAAAAAAAAAAAAAAAAAAAAAAAAAAAAkAAAAJAAAAAAAAAAHAAAAAAAAAAAAAAAAAAAAAAAAAAAAAAAAAAAAf39/ACUAAABYAAAAAAAAAAAAAAAAAAAAAAAAAAAAAAAAAAAAAAAAAAAAAAAAAAAAAAAAAAAAAAA/AAAAAAAAAKCGAQAAAAAAAAAAAAAAAAAMAAAAAQAAAAAAAAAAAAAAAAAAAB8AAABUAAAAu+DjBf///wEAAAAAAAAAAAAAAAAAAAAAAAAAAAAAAAAAAAAAAAAAAAAAAAJ/f38AgICAA8zMzADAwP8Af39/AAAAAAAAAAAAAAAAAAAAAAAAAAAAIQAAABgAAAAUAAAApSQAAJgTAAClJAAA6xQAABAAAAAmAAAACAAAAP//////////MAAAABQAAAAAAAAAAAD//wAAAQAAAP//AAABAA=="/>
+                <pr:smNativeData xmlns:pr="smNativeData" xmlns="smNativeData" val="SMDATA_16_haKDZxMAAAAlAAAACgAAAA8BAAAAkAAAAEgAAACQAAAASAAAAAAAAAAAAAAAAAAAAAEAAABQAAAAAAAAAAAA4D8AAAAAAADgPwAAAAAAAOA/AAAAAAAA4D8AAAAAAADgPwAAAAAAAOA/AAAAAAAA4D8AAAAAAADgPwAAAAAAAOA/AAAAAAAA4D8CAAAAjAAAAAAAAAAAAAAAu+DjDP///wgAAAAAAAAAAAAAAAAAAAAAAAAAAAAAAAAAAAAAZAAAAAEAAABAAAAAAAAAAAAAAAAAAAAAAAAAAAAAAAAAAAAAAAAAAAAAAAAAAAAAAAAAAAAAAAAAAAAAAAAAAAAAAAAAAAAAAAAAAAAAAAAAAAAAAAAAAAAAAAAAAAAAFAAAADwAAAABAAAAAAAAAAAAAAkUAAAAAQAAABQAAAAUAAAAFAAAAAEAAAAAAAAAZAAAAGQAAAABAAAAlgAAAJYAAAAVAAAAYAAAAAAAAAAAAAAADwAAACADAAAAAAAAAAAAAAEAAACgMgAAVgcAAKr4//8BAAAAf39/AAEAAABkAAAAAAAAABQAAABAHwAAAAAAACYAAAAAAAAAwOD//wAAAAAmAAAAZAAAABYAAABMAAAAAAAAAAAAAAAEAAAAAAAAAAEAAACAgIAKAAAAACgAAAAoAAAAZAAAAGQAAAAAAAAAzMzMAAAAAABQAAAAUAAAAGQAAABkAAAAAAAAABcAAAAUAAAAAAAAAAAAAAD/fwAA/38AAAAAAAAJAAAABAAAALAXsPweAAAAaAAAAAAAAAAAAAAAAAAAAAAAAAAAAAAAECcAABAnAAAAAAAAAAAAAAAAAAAAAAAAAAAAAAAAAAAAAAAAAAAAABQAAAAAAAAAwMD/AAAAAABkAAAAMgAAAAAAAABkAAAAAAAAAH9/fwAKAAAAIgAAABgAAAAAAAAAAAAAAAAAAAAAAAAAAAAAAAAAAAAkAAAAJAAAAAAAAAAHAAAAAAAAAAAAAAAAAAAAAAAAAAAAAAAAAAAAf39/ACUAAABYAAAAAAAAAAAAAAAAAAAAAAAAAAAAAAAAAAAAAAAAAAAAAAAAAAAAAAAAAAAAAAA/AAAAAAAAAKCGAQAAAAAAAAAAAAAAAAAMAAAAAQAAAAAAAAAAAAAAAAAAAB8AAABUAAAAu+DjBf///wEAAAAAAAAAAAAAAAAAAAAAAAAAAAAAAAAAAAAAAAAAAAAAAAJ/f38AgICAA8zMzADAwP8Af39/AAAAAAAAAAAAAAAAAAAAAAAAAAAAIQAAABgAAAAUAAAApSQAAJgTAAClJAAA6xQAABAAAAAmAAAACAAAAP//////////MAAAABQAAAAAAAAAAAD//wAAAQAAAP//AAABAA=="/>
               </a:ext>
             </a:extLst>
           </p:cNvSpPr>
@@ -4260,7 +4273,7 @@
           <p:cNvSpPr>
             <a:extLst>
               <a:ext uri="smNativeData">
-                <pr:smNativeData xmlns:pr="smNativeData" xmlns="smNativeData" val="SMDATA_16_zYh+ZxMAAAAlAAAAdAAAAA8BAAAAkAAAAEgAAACQAAAASAAAAAAAAAABAAAAAAAAAAEAAABQAAAAAAAAAAAAAAAAAAAAAADgPwAAAAAAAOA/AAAAAAAA4D8AAAAAAADgPwAAAAAAAOA/AAAAAAAA4D8AAAAAAADgPwAAAAAAAOA/AAAAAAAA4D8CAAAAjAAAAAEAAAAAAAAA++kEAP///wgAAAAAAAAAAAAAAAAAAAAAAAAAAAAAAAAAAAAAZAAAAAEAAABAAAAAAAAAAAAAAAAAAAAAAAAAAAAAAAAAAAAAAAAAAAAAAAAAAAAAAAAAAAAAAAAAAAAAAAAAAAAAAAAAAAAAAAAAAAAAAAAAAAAAAAAAAAAAAAAAAAAAFAAAADwAAAABAAAAAAAAAAAAAAkUAAAAAQAAABQAAAAUAAAAFAAAAAEAAAAAAAAAZAAAAGQAAAAAAAAAZAAAAGQAAAAVAAAAYAAAAAAAAAAAAAAADwAAACADAAAAAAAAAAAAAAEAAACgMgAAVgcAAKr4//8BAAAAf39/AAEAAABkAAAAAAAAABQAAABAHwAAAAAAACYAAAAAAAAAwOD//wAAAAAmAAAAZAAAABYAAABMAAAAAAAAAAAAAAAEAAAAAAAAAAEAAACAgIAKAAAAACgAAAAoAAAAZAAAAGQAAAAAAAAAzMzMAAAAAABQAAAAUAAAAGQAAABkAAAAAAAAABcAAAAUAAAAAAAAAAAAAAD/fwAA/38AAAAAAAAJAAAABAAAAAAAAAAeAAAAaAAAAAAAAAAAAAAAAAAAAAAAAAAAAAAAECcAABAnAAAAAAAAAAAAAAAAAAAAAAAAAAAAAAAAAAAAAAAAAAAAABQAAAAAAAAAwMD/AAAAAABkAAAAMgAAAAAAAABkAAAAAAAAAH9/fwAKAAAAIgAAABgAAAAAAAAAAAAAAAAAAAAAAAAAAAAAAAAAAAAkAAAAJAAAAAAAAAAHAAAAAAAAAAAAAAAAAAAAAAAAAAAAAAAAAAAAf39/ACUAAABYAAAAAAAAAAAAAAAAAAAAAAAAAAAAAAAAAAAAAAAAAAAAAAAAAAAAAAAAAAAAAAA/AAAAAAAAAKCGAQAAAAAAAAAAAAAAAAAMAAAAAQAAAAAAAAAAAAAAAAAAAB8AAABUAAAA++kEAP///wEAAAAAAAAAAAAAAAAAAAAAAAAAAAAAAAAAAAAAAAAAAAAAAAJ/f38AgICAA8zMzADAwP8Af39/AAAAAAAAAAAAAAAAAAAAAAAAAAAAIQAAABgAAAAUAAAAOy8AANkHAAByQAAAaxMAABAAAAAmAAAACAAAAP//////////MAAAABQAAAAAAAAA/Er//wS1AAD8Sv//BLUAAA=="/>
+                <pr:smNativeData xmlns:pr="smNativeData" xmlns="smNativeData" val="SMDATA_16_haKDZxMAAAAlAAAAdAAAAA8BAAAAkAAAAEgAAACQAAAASAAAAAAAAAABAAAAAAAAAAEAAABQAAAAAAAAAAAAAAAAAAAAAADgPwAAAAAAAOA/AAAAAAAA4D8AAAAAAADgPwAAAAAAAOA/AAAAAAAA4D8AAAAAAADgPwAAAAAAAOA/AAAAAAAA4D8CAAAAjAAAAAEAAAAAAAAA++kEAP///wgAAAAAAAAAAAAAAAAAAAAAAAAAAAAAAAAAAAAAZAAAAAEAAABAAAAAAAAAAAAAAAAAAAAAAAAAAAAAAAAAAAAAAAAAAAAAAAAAAAAAAAAAAAAAAAAAAAAAAAAAAAAAAAAAAAAAAAAAAAAAAAAAAAAAAAAAAAAAAAAAAAAAFAAAADwAAAABAAAAAAAAAAAAAAkUAAAAAQAAABQAAAAUAAAAFAAAAAEAAAAAAAAAZAAAAGQAAAAAAAAAZAAAAGQAAAAVAAAAYAAAAAAAAAAAAAAADwAAACADAAAAAAAAAAAAAAEAAACgMgAAVgcAAKr4//8BAAAAf39/AAEAAABkAAAAAAAAABQAAABAHwAAAAAAACYAAAAAAAAAwOD//wAAAAAmAAAAZAAAABYAAABMAAAAAAAAAAAAAAAEAAAAAAAAAAEAAACAgIAKAAAAACgAAAAoAAAAZAAAAGQAAAAAAAAAzMzMAAAAAABQAAAAUAAAAGQAAABkAAAAAAAAABcAAAAUAAAAAAAAAAAAAAD/fwAA/38AAAAAAAAJAAAABAAAAAAAAAAeAAAAaAAAAAAAAAAAAAAAAAAAAAAAAAAAAAAAECcAABAnAAAAAAAAAAAAAAAAAAAAAAAAAAAAAAAAAAAAAAAAAAAAABQAAAAAAAAAwMD/AAAAAABkAAAAMgAAAAAAAABkAAAAAAAAAH9/fwAKAAAAIgAAABgAAAAAAAAAAAAAAAAAAAAAAAAAAAAAAAAAAAAkAAAAJAAAAAAAAAAHAAAAAAAAAAAAAAAAAAAAAAAAAAAAAAAAAAAAf39/ACUAAABYAAAAAAAAAAAAAAAAAAAAAAAAAAAAAAAAAAAAAAAAAAAAAAAAAAAAAAAAAAAAAAA/AAAAAAAAAKCGAQAAAAAAAAAAAAAAAAAMAAAAAQAAAAAAAAAAAAAAAAAAAB8AAABUAAAA++kEAP///wEAAAAAAAAAAAAAAAAAAAAAAAAAAAAAAAAAAAAAAAAAAAAAAAJ/f38AgICAA8zMzADAwP8Af39/AAAAAAAAAAAAAAAAAAAAAAAAAAAAIQAAABgAAAAUAAAAOy8AANkHAAByQAAAaxMAABAAAAAmAAAACAAAAP//////////MAAAABQAAAAAAAAA/Er//wS1AAD8Sv//BLUAAA=="/>
               </a:ext>
             </a:extLst>
           </p:cNvSpPr>
@@ -4306,7 +4319,7 @@
           <p:cNvSpPr>
             <a:extLst>
               <a:ext uri="smNativeData">
-                <pr:smNativeData xmlns:pr="smNativeData" xmlns="smNativeData" val="SMDATA_16_zYh+ZxMAAAAlAAAALwEAAA8BAAAAkAAAAEgAAACQAAAASAAAAAAAAAABAAAAAAAAAAEAAABQAAAAAAAAAAAA4D8AAAAAAADgPwAAAAAAAOA/AAAAAAAA4D8AAAAAAADgPwAAAAAAAOA/AAAAAAAA4D8AAAAAAADgPwAAAAAAAOA/AAAAAAAA4D8CAAAAjAAAAAEAAAAAAAAAu+DjDP///wgAAAAAAAAAAAAAAAAAAAAAAAAAAAAAAAAAAAAAZAAAAAEAAABAAAAAAAAAAAAAAAAAAAAAAAAAAAAAAAAAAAAAAAAAAAAAAAAAAAAAAAAAAAAAAAAAAAAAAAAAAAAAAAAAAAAAAAAAAAAAAAAAAAAAAAAAAAAAAAAAAAAAFAAAADwAAAABAAAAAAAAAAAAAAkUAAAAAQAAABQAAAAUAAAAFAAAAAEAAAAAAAAAZAAAAGQAAAAAAAAAZAAAAGQAAAAVAAAAYAAAAAAAAAAAAAAADwAAACADAAAAAAAAAAAAAAEAAACgMgAAVgcAAKr4//8BAAAAf39/AAEAAABkAAAAAAAAABQAAABAHwAAAAAAACYAAAAAAAAAwOD//wAAAAAmAAAAZAAAABYAAABMAAAAAAAAAAAAAAAEAAAAAAAAAAEAAACAgIAKAAAAACgAAAAoAAAAZAAAAGQAAAAAAAAAzMzMAAAAAABQAAAAUAAAAGQAAABkAAAAAAAAABcAAAAUAAAAAAAAAAAAAAD/fwAA/38AAAAAAAAJAAAABAAAABIAAAAeAAAAaAAAAAAAAAAAAAAAAAAAAAAAAAAAAAAAECcAABAnAAAAAAAAAAAAAAAAAAAAAAAAAAAAAAAAAAAAAAAAAAAAABQAAAAAAAAAwMD/AAAAAABkAAAAMgAAAAAAAABkAAAAAAAAAH9/fwAKAAAAIgAAABgAAAAAAAAAAAAAAAAAAAAAAAAAAAAAAAAAAAAkAAAAJAAAAAAAAAAHAAAAAAAAAAAAAAAAAAAAAAAAAAAAAAAAAAAAf39/ACUAAABYAAAAAAAAAAAAAAAAAAAAAAAAAAAAAAAAAAAAAAAAAAAAAAAAAAAAAAAAAAAAAAA/AAAAAAAAAKCGAQAAAAAAAAAAAAAAAAAMAAAAAQAAAAAAAAAAAAAAAAAAAB8AAABUAAAAu+DjBf///wEAAAAAAAAAAAAAAAAAAAAAAAAAAAAAAAAAAAAAAAAAAAAAAAJ/f38AgICAA8zMzADAwP8Af39/AAAAAAAAAAAAAAAAAAAAAAAAAAAAIQAAABgAAAAUAAAAoy0AAFMVAADwNgAANBsAABAAAAAmAAAACAAAAP//////////MAAAABQAAAAAAAAAZ2b//5mZAAAAAP//AAABAA=="/>
+                <pr:smNativeData xmlns:pr="smNativeData" xmlns="smNativeData" val="SMDATA_16_haKDZxMAAAAlAAAALwEAAA8BAAAAkAAAAEgAAACQAAAASAAAAAAAAAABAAAAAAAAAAEAAABQAAAAAAAAAAAA4D8AAAAAAADgPwAAAAAAAOA/AAAAAAAA4D8AAAAAAADgPwAAAAAAAOA/AAAAAAAA4D8AAAAAAADgPwAAAAAAAOA/AAAAAAAA4D8CAAAAjAAAAAEAAAAAAAAAu+DjDP///wgAAAAAAAAAAAAAAAAAAAAAAAAAAAAAAAAAAAAAZAAAAAEAAABAAAAAAAAAAAAAAAAAAAAAAAAAAAAAAAAAAAAAAAAAAAAAAAAAAAAAAAAAAAAAAAAAAAAAAAAAAAAAAAAAAAAAAAAAAAAAAAAAAAAAAAAAAAAAAAAAAAAAFAAAADwAAAABAAAAAAAAAAAAAAkUAAAAAQAAABQAAAAUAAAAFAAAAAEAAAAAAAAAZAAAAGQAAAAAAAAAZAAAAGQAAAAVAAAAYAAAAAAAAAAAAAAADwAAACADAAAAAAAAAAAAAAEAAACgMgAAVgcAAKr4//8BAAAAf39/AAEAAABkAAAAAAAAABQAAABAHwAAAAAAACYAAAAAAAAAwOD//wAAAAAmAAAAZAAAABYAAABMAAAAAAAAAAAAAAAEAAAAAAAAAAEAAACAgIAKAAAAACgAAAAoAAAAZAAAAGQAAAAAAAAAzMzMAAAAAABQAAAAUAAAAGQAAABkAAAAAAAAABcAAAAUAAAAAAAAAAAAAAD/fwAA/38AAAAAAAAJAAAABAAAABIAAAAeAAAAaAAAAAAAAAAAAAAAAAAAAAAAAAAAAAAAECcAABAnAAAAAAAAAAAAAAAAAAAAAAAAAAAAAAAAAAAAAAAAAAAAABQAAAAAAAAAwMD/AAAAAABkAAAAMgAAAAAAAABkAAAAAAAAAH9/fwAKAAAAIgAAABgAAAAAAAAAAAAAAAAAAAAAAAAAAAAAAAAAAAAkAAAAJAAAAAAAAAAHAAAAAAAAAAAAAAAAAAAAAAAAAAAAAAAAAAAAf39/ACUAAABYAAAAAAAAAAAAAAAAAAAAAAAAAAAAAAAAAAAAAAAAAAAAAAAAAAAAAAAAAAAAAAA/AAAAAAAAAKCGAQAAAAAAAAAAAAAAAAAMAAAAAQAAAAAAAAAAAAAAAAAAAB8AAABUAAAAu+DjBf///wEAAAAAAAAAAAAAAAAAAAAAAAAAAAAAAAAAAAAAAAAAAAAAAAJ/f38AgICAA8zMzADAwP8Af39/AAAAAAAAAAAAAAAAAAAAAAAAAAAAIQAAABgAAAAUAAAAoy0AAFMVAADwNgAANBsAABAAAAAmAAAACAAAAP//////////MAAAABQAAAAAAAAAZ2b//5mZAAAAAP//AAABAA=="/>
               </a:ext>
             </a:extLst>
           </p:cNvSpPr>
@@ -4350,7 +4363,7 @@
           <p:cNvSpPr>
             <a:extLst>
               <a:ext uri="smNativeData">
-                <pr:smNativeData xmlns:pr="smNativeData" xmlns="smNativeData" val="SMDATA_16_zYh+ZxMAAAAlAAAALwEAAA8BAAAAkAAAAEgAAACQAAAASAAAAAAAAAABAAAAAAAAAAEAAABQAAAAAAAAAAAA4D8AAAAAAADgPwAAAAAAAOA/AAAAAAAA4D8AAAAAAADgPwAAAAAAAOA/AAAAAAAA4D8AAAAAAADgPwAAAAAAAOA/AAAAAAAA4D8CAAAAjAAAAAEAAAAAAAAAu+DjDP///wgAAAAAAAAAAAAAAAAAAAAAAAAAAAAAAAAAAAAAZAAAAAEAAABAAAAAAAAAAAAAAAAAAAAAAAAAAAAAAAAAAAAAAAAAAAAAAAAAAAAAAAAAAAAAAAAAAAAAAAAAAAAAAAAAAAAAAAAAAAAAAAAAAAAAAAAAAAAAAAAAAAAAFAAAADwAAAABAAAAAAAAAAAAAAkUAAAAAQAAABQAAAAUAAAAFAAAAAEAAAAAAAAAZAAAAGQAAAAAAAAAZAAAAGQAAAAVAAAAYAAAAAAAAAAAAAAADwAAACADAAAAAAAAAAAAAAEAAACgMgAAVgcAAKr4//8BAAAAf39/AAEAAABkAAAAAAAAABQAAABAHwAAAAAAACYAAAAAAAAAwOD//wAAAAAmAAAAZAAAABYAAABMAAAAAAAAAAAAAAAEAAAAAAAAAAEAAACAgIAKAAAAACgAAAAoAAAAZAAAAGQAAAAAAAAAzMzMAAAAAABQAAAAUAAAAGQAAABkAAAAAAAAABcAAAAUAAAAAAAAAAAAAAD/fwAA/38AAAAAAAAJAAAABAAAAEAAAAAeAAAAaAAAAAAAAAAAAAAAAAAAAAAAAAAAAAAAECcAABAnAAAAAAAAAAAAAAAAAAAAAAAAAAAAAAAAAAAAAAAAAAAAABQAAAAAAAAAwMD/AAAAAABkAAAAMgAAAAAAAABkAAAAAAAAAH9/fwAKAAAAIgAAABgAAAAAAAAAAAAAAAAAAAAAAAAAAAAAAAAAAAAkAAAAJAAAAAAAAAAHAAAAAAAAAAAAAAAAAAAAAAAAAAAAAAAAAAAAf39/ACUAAABYAAAAAAAAAAAAAAAAAAAAAAAAAAAAAAAAAAAAAAAAAAAAAAAAAAAAAAAAAAAAAAA/AAAAAAAAAKCGAQAAAAAAAAAAAAAAAAAMAAAAAQAAAAAAAAAAAAAAAAAAAB8AAABUAAAAu+DjBf///wEAAAAAAAAAAAAAAAAAAAAAAAAAAAAAAAAAAAAAAAAAAAAAAAJ/f38AgICAA8zMzADAwP8Af39/AAAAAAAAAAAAAAAAAAAAAAAAAAAAIQAAABgAAAAUAAAARDoAAEAVAAD6QwAARxsAABAAAAAmAAAACAAAAP//////////MAAAABQAAAAAAAAAZ2b//5mZAAAAAP//AAABAA=="/>
+                <pr:smNativeData xmlns:pr="smNativeData" xmlns="smNativeData" val="SMDATA_16_haKDZxMAAAAlAAAALwEAAA8BAAAAkAAAAEgAAACQAAAASAAAAAAAAAABAAAAAAAAAAEAAABQAAAAAAAAAAAA4D8AAAAAAADgPwAAAAAAAOA/AAAAAAAA4D8AAAAAAADgPwAAAAAAAOA/AAAAAAAA4D8AAAAAAADgPwAAAAAAAOA/AAAAAAAA4D8CAAAAjAAAAAEAAAAAAAAAu+DjDP///wgAAAAAAAAAAAAAAAAAAAAAAAAAAAAAAAAAAAAAZAAAAAEAAABAAAAAAAAAAAAAAAAAAAAAAAAAAAAAAAAAAAAAAAAAAAAAAAAAAAAAAAAAAAAAAAAAAAAAAAAAAAAAAAAAAAAAAAAAAAAAAAAAAAAAAAAAAAAAAAAAAAAAFAAAADwAAAABAAAAAAAAAAAAAAkUAAAAAQAAABQAAAAUAAAAFAAAAAEAAAAAAAAAZAAAAGQAAAAAAAAAZAAAAGQAAAAVAAAAYAAAAAAAAAAAAAAADwAAACADAAAAAAAAAAAAAAEAAACgMgAAVgcAAKr4//8BAAAAf39/AAEAAABkAAAAAAAAABQAAABAHwAAAAAAACYAAAAAAAAAwOD//wAAAAAmAAAAZAAAABYAAABMAAAAAAAAAAAAAAAEAAAAAAAAAAEAAACAgIAKAAAAACgAAAAoAAAAZAAAAGQAAAAAAAAAzMzMAAAAAABQAAAAUAAAAGQAAABkAAAAAAAAABcAAAAUAAAAAAAAAAAAAAD/fwAA/38AAAAAAAAJAAAABAAAAEAAAAAeAAAAaAAAAAAAAAAAAAAAAAAAAAAAAAAAAAAAECcAABAnAAAAAAAAAAAAAAAAAAAAAAAAAAAAAAAAAAAAAAAAAAAAABQAAAAAAAAAwMD/AAAAAABkAAAAMgAAAAAAAABkAAAAAAAAAH9/fwAKAAAAIgAAABgAAAAAAAAAAAAAAAAAAAAAAAAAAAAAAAAAAAAkAAAAJAAAAAAAAAAHAAAAAAAAAAAAAAAAAAAAAAAAAAAAAAAAAAAAf39/ACUAAABYAAAAAAAAAAAAAAAAAAAAAAAAAAAAAAAAAAAAAAAAAAAAAAAAAAAAAAAAAAAAAAA/AAAAAAAAAKCGAQAAAAAAAAAAAAAAAAAMAAAAAQAAAAAAAAAAAAAAAAAAAB8AAABUAAAAu+DjBf///wEAAAAAAAAAAAAAAAAAAAAAAAAAAAAAAAAAAAAAAAAAAAAAAAJ/f38AgICAA8zMzADAwP8Af39/AAAAAAAAAAAAAAAAAAAAAAAAAAAAIQAAABgAAAAUAAAARDoAAEAVAAD6QwAARxsAABAAAAAmAAAACAAAAP//////////MAAAABQAAAAAAAAAZ2b//5mZAAAAAP//AAABAA=="/>
               </a:ext>
             </a:extLst>
           </p:cNvSpPr>
@@ -4394,7 +4407,7 @@
           <p:cNvSpPr>
             <a:extLst>
               <a:ext uri="smNativeData">
-                <pr:smNativeData xmlns:pr="smNativeData" xmlns="smNativeData" val="SMDATA_16_zYh+ZxMAAAAlAAAACgAAAA8BAAAAkAAAAEgAAACQAAAASAAAAAAAAAAAAAAAAAAAAAEAAABQAAAAAAAAAAAA4D8AAAAAAADgPwAAAAAAAOA/AAAAAAAA4D8AAAAAAADgPwAAAAAAAOA/AAAAAAAA4D8AAAAAAADgPwAAAAAAAOA/AAAAAAAA4D8CAAAAjAAAAAAAAAAAAAAAu+DjDP///wgAAAAAAAAAAAAAAAAAAAAAAAAAAAAAAAAAAAAAZAAAAAEAAABAAAAAAAAAAAAAAAAAAAAAAAAAAAAAAAAAAAAAAAAAAAAAAAAAAAAAAAAAAAAAAAAAAAAAAAAAAAAAAAAAAAAAAAAAAAAAAAAAAAAAAAAAAAAAAAAAAAAAFAAAADwAAAABAAAAAAAAAAAAAAkUAAAAAQAAABQAAAAUAAAAFAAAAAEAAAAAAAAAZAAAAGQAAAABAAAAlgAAAJYAAAAVAAAAYAAAAAAAAAAAAAAADwAAACADAAAAAAAAAAAAAAEAAACgMgAAVgcAAKr4//8BAAAAf39/AAEAAABkAAAAAAAAABQAAABAHwAAAAAAACYAAAAAAAAAwOD//wAAAAAmAAAAZAAAABYAAABMAAAAAAAAAAAAAAAEAAAAAAAAAAEAAACAgIAKAAAAACgAAAAoAAAAZAAAAGQAAAAAAAAAzMzMAAAAAABQAAAAUAAAAGQAAABkAAAAAAAAABcAAAAUAAAAAAAAAAAAAAD/fwAA/38AAAAAAAAJAAAABAAAALwCAAAeAAAAaAAAAAAAAAAAAAAAAAAAAAAAAAAAAAAAECcAABAnAAAAAAAAAAAAAAAAAAAAAAAAAAAAAAAAAAAAAAAAAAAAABQAAAAAAAAAwMD/AAAAAABkAAAAMgAAAAAAAABkAAAAAAAAAH9/fwAKAAAAIgAAABgAAAAAAAAAAAAAAAAAAAAAAAAAAAAAAAAAAAAkAAAAJAAAAAAAAAAHAAAAAAAAAAAAAAAAAAAAAAAAAAAAAAAAAAAAf39/ACUAAABYAAAAAAAAAAAAAAAAAAAAAAAAAAAAAAAAAAAAAAAAAAAAAAAAAAAAAAAAAAAAAAA/AAAAAAAAAKCGAQAAAAAAAAAAAAAAAAAMAAAAAQAAAAAAAAAAAAAAAAAAAB8AAABUAAAAu+DjBf///wEAAAAAAAAAAAAAAAAAAAAAAAAAAAAAAAAAAAAAAAAAAAAAAAJ/f38AgICAA8zMzADAwP8Af39/AAAAAAAAAAAAAAAAAAAAAAAAAAAAIQAAABgAAAAUAAAANDMAAF0TAACHNAAAIRUAABAAAAAmAAAACAAAAP//////////MAAAABQAAAAAAAAAAAD//wAAAQAAAP//AAABAA=="/>
+                <pr:smNativeData xmlns:pr="smNativeData" xmlns="smNativeData" val="SMDATA_16_haKDZxMAAAAlAAAACgAAAA8BAAAAkAAAAEgAAACQAAAASAAAAAAAAAAAAAAAAAAAAAEAAABQAAAAAAAAAAAA4D8AAAAAAADgPwAAAAAAAOA/AAAAAAAA4D8AAAAAAADgPwAAAAAAAOA/AAAAAAAA4D8AAAAAAADgPwAAAAAAAOA/AAAAAAAA4D8CAAAAjAAAAAAAAAAAAAAAu+DjDP///wgAAAAAAAAAAAAAAAAAAAAAAAAAAAAAAAAAAAAAZAAAAAEAAABAAAAAAAAAAAAAAAAAAAAAAAAAAAAAAAAAAAAAAAAAAAAAAAAAAAAAAAAAAAAAAAAAAAAAAAAAAAAAAAAAAAAAAAAAAAAAAAAAAAAAAAAAAAAAAAAAAAAAFAAAADwAAAABAAAAAAAAAAAAAAkUAAAAAQAAABQAAAAUAAAAFAAAAAEAAAAAAAAAZAAAAGQAAAABAAAAlgAAAJYAAAAVAAAAYAAAAAAAAAAAAAAADwAAACADAAAAAAAAAAAAAAEAAACgMgAAVgcAAKr4//8BAAAAf39/AAEAAABkAAAAAAAAABQAAABAHwAAAAAAACYAAAAAAAAAwOD//wAAAAAmAAAAZAAAABYAAABMAAAAAAAAAAAAAAAEAAAAAAAAAAEAAACAgIAKAAAAACgAAAAoAAAAZAAAAGQAAAAAAAAAzMzMAAAAAABQAAAAUAAAAGQAAABkAAAAAAAAABcAAAAUAAAAAAAAAAAAAAD/fwAA/38AAAAAAAAJAAAABAAAALwCAAAeAAAAaAAAAAAAAAAAAAAAAAAAAAAAAAAAAAAAECcAABAnAAAAAAAAAAAAAAAAAAAAAAAAAAAAAAAAAAAAAAAAAAAAABQAAAAAAAAAwMD/AAAAAABkAAAAMgAAAAAAAABkAAAAAAAAAH9/fwAKAAAAIgAAABgAAAAAAAAAAAAAAAAAAAAAAAAAAAAAAAAAAAAkAAAAJAAAAAAAAAAHAAAAAAAAAAAAAAAAAAAAAAAAAAAAAAAAAAAAf39/ACUAAABYAAAAAAAAAAAAAAAAAAAAAAAAAAAAAAAAAAAAAAAAAAAAAAAAAAAAAAAAAAAAAAA/AAAAAAAAAKCGAQAAAAAAAAAAAAAAAAAMAAAAAQAAAAAAAAAAAAAAAAAAAB8AAABUAAAAu+DjBf///wEAAAAAAAAAAAAAAAAAAAAAAAAAAAAAAAAAAAAAAAAAAAAAAAJ/f38AgICAA8zMzADAwP8Af39/AAAAAAAAAAAAAAAAAAAAAAAAAAAAIQAAABgAAAAUAAAANDMAAF0TAACHNAAAIRUAABAAAAAmAAAACAAAAP//////////MAAAABQAAAAAAAAAAAD//wAAAQAAAP//AAABAA=="/>
               </a:ext>
             </a:extLst>
           </p:cNvSpPr>
@@ -4426,7 +4439,7 @@
           <p:cNvSpPr>
             <a:extLst>
               <a:ext uri="smNativeData">
-                <pr:smNativeData xmlns:pr="smNativeData" xmlns="smNativeData" val="SMDATA_16_zYh+ZxMAAAAlAAAACgAAAA8BAAAAkAAAAEgAAACQAAAASAAAAAAAAAAAAAAAAAAAAAEAAABQAAAAAAAAAAAA4D8AAAAAAADgPwAAAAAAAOA/AAAAAAAA4D8AAAAAAADgPwAAAAAAAOA/AAAAAAAA4D8AAAAAAADgPwAAAAAAAOA/AAAAAAAA4D8CAAAAjAAAAAAAAAAAAAAAu+DjDP///wgAAAAAAAAAAAAAAAAAAAAAAAAAAAAAAAAAAAAAZAAAAAEAAABAAAAAAAAAAAAAAAAAAAAAAAAAAAAAAAAAAAAAAAAAAAAAAAAAAAAAAAAAAAAAAAAAAAAAAAAAAAAAAAAAAAAAAAAAAAAAAAAAAAAAAAAAAAAAAAAAAAAAFAAAADwAAAABAAAAAAAAAAAAAAkUAAAAAQAAABQAAAAUAAAAFAAAAAEAAAAAAAAAZAAAAGQAAAABAAAAlgAAAJYAAAAVAAAAYAAAAAAAAAAAAAAADwAAACADAAAAAAAAAAAAAAEAAACgMgAAVgcAAKr4//8BAAAAf39/AAEAAABkAAAAAAAAABQAAABAHwAAAAAAACYAAAAAAAAAwOD//wAAAAAmAAAAZAAAABYAAABMAAAAAAAAAAAAAAAEAAAAAAAAAAEAAACAgIAKAAAAACgAAAAoAAAAZAAAAGQAAAAAAAAAzMzMAAAAAABQAAAAUAAAAGQAAABkAAAAAAAAABcAAAAUAAAAAAAAAAAAAAD/fwAA/38AAAAAAAAJAAAABAAAAAAAAAAeAAAAaAAAAAAAAAAAAAAAAAAAAAAAAAAAAAAAECcAABAnAAAAAAAAAAAAAAAAAAAAAAAAAAAAAAAAAAAAAAAAAAAAABQAAAAAAAAAwMD/AAAAAABkAAAAMgAAAAAAAABkAAAAAAAAAH9/fwAKAAAAIgAAABgAAAAAAAAAAAAAAAAAAAAAAAAAAAAAAAAAAAAkAAAAJAAAAAAAAAAHAAAAAAAAAAAAAAAAAAAAAAAAAAAAAAAAAAAAf39/ACUAAABYAAAAAAAAAAAAAAAAAAAAAAAAAAAAAAAAAAAAAAAAAAAAAAAAAAAAAAAAAAAAAAA/AAAAAAAAAKCGAQAAAAAAAAAAAAAAAAAMAAAAAQAAAAAAAAAAAAAAAAAAAB8AAABUAAAAu+DjBf///wEAAAAAAAAAAAAAAAAAAAAAAAAAAAAAAAAAAAAAAAAAAAAAAAJ/f38AgICAA8zMzADAwP8Af39/AAAAAAAAAAAAAAAAAAAAAAAAAAAAIQAAABgAAAAUAAAAWz0AAHsSAACQPwAAIRUAABAAAAAmAAAACAAAAP//////////MAAAABQAAAAAAAAAAAD//wAAAQAAAP//AAABAA=="/>
+                <pr:smNativeData xmlns:pr="smNativeData" xmlns="smNativeData" val="SMDATA_16_haKDZxMAAAAlAAAACgAAAA8BAAAAkAAAAEgAAACQAAAASAAAAAAAAAAAAAAAAAAAAAEAAABQAAAAAAAAAAAA4D8AAAAAAADgPwAAAAAAAOA/AAAAAAAA4D8AAAAAAADgPwAAAAAAAOA/AAAAAAAA4D8AAAAAAADgPwAAAAAAAOA/AAAAAAAA4D8CAAAAjAAAAAAAAAAAAAAAu+DjDP///wgAAAAAAAAAAAAAAAAAAAAAAAAAAAAAAAAAAAAAZAAAAAEAAABAAAAAAAAAAAAAAAAAAAAAAAAAAAAAAAAAAAAAAAAAAAAAAAAAAAAAAAAAAAAAAAAAAAAAAAAAAAAAAAAAAAAAAAAAAAAAAAAAAAAAAAAAAAAAAAAAAAAAFAAAADwAAAABAAAAAAAAAAAAAAkUAAAAAQAAABQAAAAUAAAAFAAAAAEAAAAAAAAAZAAAAGQAAAABAAAAlgAAAJYAAAAVAAAAYAAAAAAAAAAAAAAADwAAACADAAAAAAAAAAAAAAEAAACgMgAAVgcAAKr4//8BAAAAf39/AAEAAABkAAAAAAAAABQAAABAHwAAAAAAACYAAAAAAAAAwOD//wAAAAAmAAAAZAAAABYAAABMAAAAAAAAAAAAAAAEAAAAAAAAAAEAAACAgIAKAAAAACgAAAAoAAAAZAAAAGQAAAAAAAAAzMzMAAAAAABQAAAAUAAAAGQAAABkAAAAAAAAABcAAAAUAAAAAAAAAAAAAAD/fwAA/38AAAAAAAAJAAAABAAAAAAAAAAeAAAAaAAAAAAAAAAAAAAAAAAAAAAAAAAAAAAAECcAABAnAAAAAAAAAAAAAAAAAAAAAAAAAAAAAAAAAAAAAAAAAAAAABQAAAAAAAAAwMD/AAAAAABkAAAAMgAAAAAAAABkAAAAAAAAAH9/fwAKAAAAIgAAABgAAAAAAAAAAAAAAAAAAAAAAAAAAAAAAAAAAAAkAAAAJAAAAAAAAAAHAAAAAAAAAAAAAAAAAAAAAAAAAAAAAAAAAAAAf39/ACUAAABYAAAAAAAAAAAAAAAAAAAAAAAAAAAAAAAAAAAAAAAAAAAAAAAAAAAAAAAAAAAAAAA/AAAAAAAAAKCGAQAAAAAAAAAAAAAAAAAMAAAAAQAAAAAAAAAAAAAAAAAAAB8AAABUAAAAu+DjBf///wEAAAAAAAAAAAAAAAAAAAAAAAAAAAAAAAAAAAAAAAAAAAAAAAJ/f38AgICAA8zMzADAwP8Af39/AAAAAAAAAAAAAAAAAAAAAAAAAAAAIQAAABgAAAAUAAAAWz0AAHsSAACQPwAAIRUAABAAAAAmAAAACAAAAP//////////MAAAABQAAAAAAAAAAAD//wAAAQAAAP//AAABAA=="/>
               </a:ext>
             </a:extLst>
           </p:cNvSpPr>
@@ -4458,7 +4471,7 @@
           <p:cNvSpPr>
             <a:extLst>
               <a:ext uri="smNativeData">
-                <pr:smNativeData xmlns:pr="smNativeData" xmlns="smNativeData" val="SMDATA_16_zYh+ZxMAAAAlAAAA5QAAAA8BAAAAkAAAAEgAAACQAAAASAAAAAAAAAAAAAAAAAAAAAEAAABQAAAAAAAAAAAA0D+ew/HLwhOrP57D8cvCE6s/AAAAAAAA4D8AAAAAAADgPwAAAAAAAOA/AAAAAAAA4D8AAAAAAADgPwAAAAAAAOA/AAAAAAAA4D8CAAAAjAAAAAEAAAAAAAAAu+DjDP///wgAAAAAAAAAAAAAAAAAAAAAAAAAAAAAAAAAAAAAZAAAAAEAAABAAAAAAAAAAAAAAAAAAAAAAAAAAAAAAAAAAAAAAAAAAAAAAAAAAAAAAAAAAAAAAAAAAAAAAAAAAAAAAAAAAAAAAAAAAAAAAAAAAAAAAAAAAAAAAAAAAAAAFAAAADwAAAABAAAAAAAAAAAAAAkUAAAAAQAAABQAAAAUAAAAFAAAAAEAAAAAAAAAZAAAAGQAAAAAAAAAZAAAAGQAAAAVAAAAYAAAAAAAAAAAAAAADwAAACADAAAAAAAAAAAAAAEAAACgMgAAVgcAAKr4//8BAAAAf39/AAEAAABkAAAAAAAAABQAAABAHwAAAAAAACYAAAAAAAAAwOD//wAAAAAmAAAAZAAAABYAAABMAAAAAAAAAAAAAAAEAAAAAAAAAAEAAACAgIAKAAAAACgAAAAoAAAAZAAAAGQAAAAAAAAAzMzMAAAAAABQAAAAUAAAAGQAAABkAAAAAAAAABcAAAAUAAAAAAAAAAAAAAD/fwAA/38AAAAAAAAJAAAABAAAAAAAcD0eAAAAaAAAAAAAAAAAAAAAAAAAAAAAAAAAAAAAECcAABAnAAAAAAAAAAAAAAAAAAAAAAAAAAAAAAAAAAAAAAAAAAAAABQAAAAAAAAAwMD/AAAAAABkAAAAMgAAAAAAAABkAAAAAAAAAH9/fwAKAAAAIgAAABgAAAAAAAAAAAAAAAAAAAAAAAAAAAAAAAAAAAAkAAAAJAAAAAAAAAAHAAAAAAAAAAAAAAAAAAAAAAAAAAAAAAAAAAAAf39/ACUAAABYAAAAAAAAAAAAAAAAAAAAAAAAAAAAAAAAAAAAAAAAAAAAAAAAAAAAAAAAAAAAAAA/AAAAAAAAAKCGAQAAAAAAAAAAAAAAAAAMAAAAAQAAAAAAAAAAAAAAAAAAAB8AAABUAAAAu+DjBf///wEAAAAAAAAAAAAAAAAAAAAAAAAAAAAAAAAAAAAAAAAAAAAAAAJ/f38AgICAA8zMzADAwP8Af39/AAAAAAAAAAAAAAAAAAAAAAAAAAAAIQAAABgAAAAUAAAA6iYAALcWAADGLwAAkx8AABAAAAAmAAAACAAAAP//////////MAAAABQAAAAAAAAAAAD//wAAAQAAAP//AAABAA=="/>
+                <pr:smNativeData xmlns:pr="smNativeData" xmlns="smNativeData" val="SMDATA_16_haKDZxMAAAAlAAAA5QAAAA8BAAAAkAAAAEgAAACQAAAASAAAAAAAAAAAAAAAAAAAAAEAAABQAAAAAAAAAAAA0D+ew/HLwhOrP57D8cvCE6s/AAAAAAAA4D8AAAAAAADgPwAAAAAAAOA/AAAAAAAA4D8AAAAAAADgPwAAAAAAAOA/AAAAAAAA4D8CAAAAjAAAAAEAAAAAAAAAu+DjDP///wgAAAAAAAAAAAAAAAAAAAAAAAAAAAAAAAAAAAAAZAAAAAEAAABAAAAAAAAAAAAAAAAAAAAAAAAAAAAAAAAAAAAAAAAAAAAAAAAAAAAAAAAAAAAAAAAAAAAAAAAAAAAAAAAAAAAAAAAAAAAAAAAAAAAAAAAAAAAAAAAAAAAAFAAAADwAAAABAAAAAAAAAAAAAAkUAAAAAQAAABQAAAAUAAAAFAAAAAEAAAAAAAAAZAAAAGQAAAAAAAAAZAAAAGQAAAAVAAAAYAAAAAAAAAAAAAAADwAAACADAAAAAAAAAAAAAAEAAACgMgAAVgcAAKr4//8BAAAAf39/AAEAAABkAAAAAAAAABQAAABAHwAAAAAAACYAAAAAAAAAwOD//wAAAAAmAAAAZAAAABYAAABMAAAAAAAAAAAAAAAEAAAAAAAAAAEAAACAgIAKAAAAACgAAAAoAAAAZAAAAGQAAAAAAAAAzMzMAAAAAABQAAAAUAAAAGQAAABkAAAAAAAAABcAAAAUAAAAAAAAAAAAAAD/fwAA/38AAAAAAAAJAAAABAAAAAAAcD0eAAAAaAAAAAAAAAAAAAAAAAAAAAAAAAAAAAAAECcAABAnAAAAAAAAAAAAAAAAAAAAAAAAAAAAAAAAAAAAAAAAAAAAABQAAAAAAAAAwMD/AAAAAABkAAAAMgAAAAAAAABkAAAAAAAAAH9/fwAKAAAAIgAAABgAAAAAAAAAAAAAAAAAAAAAAAAAAAAAAAAAAAAkAAAAJAAAAAAAAAAHAAAAAAAAAAAAAAAAAAAAAAAAAAAAAAAAAAAAf39/ACUAAABYAAAAAAAAAAAAAAAAAAAAAAAAAAAAAAAAAAAAAAAAAAAAAAAAAAAAAAAAAAAAAAA/AAAAAAAAAKCGAQAAAAAAAAAAAAAAAAAMAAAAAQAAAAAAAAAAAAAAAAAAAB8AAABUAAAAu+DjBf///wEAAAAAAAAAAAAAAAAAAAAAAAAAAAAAAAAAAAAAAAAAAAAAAAJ/f38AgICAA8zMzADAwP8Af39/AAAAAAAAAAAAAAAAAAAAAAAAAAAAIQAAABgAAAAUAAAA6iYAALcWAADGLwAAkx8AABAAAAAmAAAACAAAAP//////////MAAAABQAAAAAAAAAAAD//wAAAQAAAP//AAABAA=="/>
               </a:ext>
             </a:extLst>
           </p:cNvSpPr>
@@ -4498,7 +4511,7 @@
           <p:cNvSpPr>
             <a:extLst>
               <a:ext uri="smNativeData">
-                <pr:smNativeData xmlns:pr="smNativeData" xmlns="smNativeData" val="SMDATA_16_zYh+ZxMAAAAlAAAA5QAAAA8BAAAAkAAAAEgAAACQAAAASAAAAAAAAAAAAAAAAAAAAAEAAABQAAAATqdsQ7cGwD+8Xp+9hMWmP57D8cvCE6s/6q7X/dnQ3z+ueJQCgtLdPwAAAAAAAOA/AAAAAAAA4D8AAAAAAADgPwAAAAAAAOA/AAAAAAAA4D8CAAAAjAAAAAEAAAAAAAAAu+DjDP///wgAAAAAAAAAAAAAAAAAAAAAAAAAAAAAAAAAAAAAZAAAAAEAAABAAAAAAAAAAAAAAAAAAAAAAAAAAAAAAAAAAAAAAAAAAAAAAAAAAAAAAAAAAAAAAAAAAAAAAAAAAAAAAAAAAAAAAAAAAAAAAAAAAAAAAAAAAAAAAAAAAAAAFAAAADwAAAABAAAAAAAAAAAAAAkUAAAAAQAAABQAAAAUAAAAFAAAAAEAAAAAAAAAZAAAAGQAAAAAAAAAZAAAAGQAAAAVAAAAYAAAAAAAAAAAAAAADwAAACADAAAAAAAAAAAAAAEAAACgMgAAVgcAAKr4//8BAAAAf39/AAEAAABkAAAAAAAAABQAAABAHwAAAAAAACYAAAAAAAAAwOD//wAAAAAmAAAAZAAAABYAAABMAAAAAAAAAAAAAAAEAAAAAAAAAAEAAACAgIAKAAAAACgAAAAoAAAAZAAAAGQAAAAAAAAAzMzMAAAAAABQAAAAUAAAAGQAAABkAAAAAAAAABcAAAAUAAAAAAAAAAAAAAD/fwAA/38AAAAAAAAJAAAABAAAAAAAaD8eAAAAaAAAAAAAAAAAAAAAAAAAAAAAAAAAAAAAECcAABAnAAAAAAAAAAAAAAAAAAAAAAAAAAAAAAAAAAAAAAAAAAAAABQAAAAAAAAAwMD/AAAAAABkAAAAMgAAAAAAAABkAAAAAAAAAH9/fwAKAAAAIgAAABgAAAAAAAAAAAAAAAAAAAAAAAAAAAAAAAAAAAAkAAAAJAAAAAAAAAAHAAAAAAAAAAAAAAAAAAAAAAAAAAAAAAAAAAAAf39/ACUAAABYAAAAAAAAAAAAAAAAAAAAAAAAAAAAAAAAAAAAAAAAAAAAAAAAAAAAAAAAAAAAAAA/AAAAAAAAAKCGAQAAAAAAAAAAAAAAAAAMAAAAAQAAAAAAAAAAAAAAAAAAAB8AAABUAAAAu+DjBf///wEAAAAAAAAAAAAAAAAAAAAAAAAAAAAAAAAAAAAAAAAAAAAAAAJ/f38AgICAA8zMzADAwP8Af39/AAAAAAAAAAAAAAAAAAAAAAAAAAAAIQAAABgAAAAUAAAAgCUAAN0TAADPPQAAbiIAABAAAAAmAAAACAAAAP//////////MAAAABQAAAAAAAAAAAD//wAAAQAAAP//AAABAA=="/>
+                <pr:smNativeData xmlns:pr="smNativeData" xmlns="smNativeData" val="SMDATA_16_haKDZxMAAAAlAAAA5QAAAA8BAAAAkAAAAEgAAACQAAAASAAAAAAAAAAAAAAAAAAAAAEAAABQAAAATqdsQ7cGwD+8Xp+9hMWmP57D8cvCE6s/6q7X/dnQ3z+ueJQCgtLdPwAAAAAAAOA/AAAAAAAA4D8AAAAAAADgPwAAAAAAAOA/AAAAAAAA4D8CAAAAjAAAAAEAAAAAAAAAu+DjDP///wgAAAAAAAAAAAAAAAAAAAAAAAAAAAAAAAAAAAAAZAAAAAEAAABAAAAAAAAAAAAAAAAAAAAAAAAAAAAAAAAAAAAAAAAAAAAAAAAAAAAAAAAAAAAAAAAAAAAAAAAAAAAAAAAAAAAAAAAAAAAAAAAAAAAAAAAAAAAAAAAAAAAAFAAAADwAAAABAAAAAAAAAAAAAAkUAAAAAQAAABQAAAAUAAAAFAAAAAEAAAAAAAAAZAAAAGQAAAAAAAAAZAAAAGQAAAAVAAAAYAAAAAAAAAAAAAAADwAAACADAAAAAAAAAAAAAAEAAACgMgAAVgcAAKr4//8BAAAAf39/AAEAAABkAAAAAAAAABQAAABAHwAAAAAAACYAAAAAAAAAwOD//wAAAAAmAAAAZAAAABYAAABMAAAAAAAAAAAAAAAEAAAAAAAAAAEAAACAgIAKAAAAACgAAAAoAAAAZAAAAGQAAAAAAAAAzMzMAAAAAABQAAAAUAAAAGQAAABkAAAAAAAAABcAAAAUAAAAAAAAAAAAAAD/fwAA/38AAAAAAAAJAAAABAAAAAAAaD8eAAAAaAAAAAAAAAAAAAAAAAAAAAAAAAAAAAAAECcAABAnAAAAAAAAAAAAAAAAAAAAAAAAAAAAAAAAAAAAAAAAAAAAABQAAAAAAAAAwMD/AAAAAABkAAAAMgAAAAAAAABkAAAAAAAAAH9/fwAKAAAAIgAAABgAAAAAAAAAAAAAAAAAAAAAAAAAAAAAAAAAAAAkAAAAJAAAAAAAAAAHAAAAAAAAAAAAAAAAAAAAAAAAAAAAAAAAAAAAf39/ACUAAABYAAAAAAAAAAAAAAAAAAAAAAAAAAAAAAAAAAAAAAAAAAAAAAAAAAAAAAAAAAAAAAA/AAAAAAAAAKCGAQAAAAAAAAAAAAAAAAAMAAAAAQAAAAAAAAAAAAAAAAAAAB8AAABUAAAAu+DjBf///wEAAAAAAAAAAAAAAAAAAAAAAAAAAAAAAAAAAAAAAAAAAAAAAAJ/f38AgICAA8zMzADAwP8Af39/AAAAAAAAAAAAAAAAAAAAAAAAAAAAIQAAABgAAAAUAAAAgCUAAN0TAADPPQAAbiIAABAAAAAmAAAACAAAAP//////////MAAAABQAAAAAAAAAAAD//wAAAQAAAP//AAABAA=="/>
               </a:ext>
             </a:extLst>
           </p:cNvSpPr>
@@ -4538,7 +4551,7 @@
           <p:cNvSpPr>
             <a:extLst>
               <a:ext uri="smNativeData">
-                <pr:smNativeData xmlns:pr="smNativeData" xmlns="smNativeData" val="SMDATA_16_zYh+ZxMAAAAlAAAAZAAAAA8BAAAAkAAAAEgAAACQAAAASAAAAAAAAAABAAAAAAAAAAEAAABQAAAAAAAAAAAA4D8AAAAAAADgPwAAAAAAAOA/AAAAAAAA4D8AAAAAAADgPwAAAAAAAOA/AAAAAAAA4D8AAAAAAADgPwAAAAAAAOA/AAAAAAAA4D8CAAAAjAAAAAEAAAAAAAAAu+DjDP///wgAAAAAAAAAAAAAAAAAAAAAAAAAAAAAAAAAAAAAZAAAAAEAAABAAAAAAAAAAAAAAAAAAAAAAAAAAAAAAAAAAAAAAAAAAAAAAAAAAAAAAAAAAAAAAAAAAAAAAAAAAAAAAAAAAAAAAAAAAAAAAAAAAAAAAAAAAAAAAAAAAAAAFAAAADwAAAABAAAAAAAAAAAAAAkUAAAAAQAAABQAAAAUAAAAFAAAAAEAAAAAAAAAZAAAAGQAAAAAAAAAZAAAAGQAAAAVAAAAYAAAAAAAAAAAAAAADwAAACADAAAAAAAAAAAAAAEAAACgMgAAVgcAAKr4//8BAAAAf39/AAEAAABkAAAAAAAAABQAAABAHwAAAAAAACYAAAAAAAAAwOD//wAAAAAmAAAAZAAAABYAAABMAAAAAAAAAAAAAAAEAAAAAAAAAAEAAACAgIAKAAAAACgAAAAoAAAAZAAAAGQAAAAAAAAAzMzMAAAAAABQAAAAUAAAAGQAAABkAAAAAAAAABcAAAAUAAAAAAAAAAAAAAD/fwAA/38AAAAAAAAJAAAABAAAAAAAAAAeAAAAaAAAAAAAAAAAAAAAAAAAAAAAAAAAAAAAECcAABAnAAAAAAAAAAAAAAAAAAAAAAAAAAAAAAAAAAAAAAAAAAAAABQAAAAAAAAAwMD/AAAAAABkAAAAMgAAAAAAAABkAAAAAAAAAH9/fwAKAAAAIgAAABgAAAAAAAAAAAAAAAAAAAAAAAAAAAAAAAAAAAAkAAAAJAAAAAAAAAAHAAAAAAAAAAAAAAAAAAAAAAAAAAAAAAAAAAAAf39/ACUAAABYAAAAAAAAAAAAAAAAAAAAAAAAAAAAAAAAAAAAAAAAAAAAAAAAAAAAAAAAAAAAAAA/AAAAAAAAAKCGAQAAAAAAAAAAAAAAAAAMAAAAAQAAAAAAAAAAAAAAAAAAAB8AAABUAAAAu+DjBf///wEAAAAAAAAAAAAAAAAAAAAAAAAAAAAAAAAAAAAAAAAAAAAAAAJ/f38AgICAA8zMzADAwP8Af39/AAAAAAAAAAAAAAAAAAAAAAAAAAAAIQAAABgAAAAUAAAANDMAAO4hAAAQPAAAdiUAABAAAAAmAAAACAAAAP//////////MAAAABQAAAAAAAAAAAD//wAAAQAAAP//AAABAA=="/>
+                <pr:smNativeData xmlns:pr="smNativeData" xmlns="smNativeData" val="SMDATA_16_haKDZxMAAAAlAAAAZAAAAA8BAAAAkAAAAEgAAACQAAAASAAAAAAAAAABAAAAAAAAAAEAAABQAAAAAAAAAAAA4D8AAAAAAADgPwAAAAAAAOA/AAAAAAAA4D8AAAAAAADgPwAAAAAAAOA/AAAAAAAA4D8AAAAAAADgPwAAAAAAAOA/AAAAAAAA4D8CAAAAjAAAAAEAAAAAAAAAu+DjDP///wgAAAAAAAAAAAAAAAAAAAAAAAAAAAAAAAAAAAAAZAAAAAEAAABAAAAAAAAAAAAAAAAAAAAAAAAAAAAAAAAAAAAAAAAAAAAAAAAAAAAAAAAAAAAAAAAAAAAAAAAAAAAAAAAAAAAAAAAAAAAAAAAAAAAAAAAAAAAAAAAAAAAAFAAAADwAAAABAAAAAAAAAAAAAAkUAAAAAQAAABQAAAAUAAAAFAAAAAEAAAAAAAAAZAAAAGQAAAAAAAAAZAAAAGQAAAAVAAAAYAAAAAAAAAAAAAAADwAAACADAAAAAAAAAAAAAAEAAACgMgAAVgcAAKr4//8BAAAAf39/AAEAAABkAAAAAAAAABQAAABAHwAAAAAAACYAAAAAAAAAwOD//wAAAAAmAAAAZAAAABYAAABMAAAAAAAAAAAAAAAEAAAAAAAAAAEAAACAgIAKAAAAACgAAAAoAAAAZAAAAGQAAAAAAAAAzMzMAAAAAABQAAAAUAAAAGQAAABkAAAAAAAAABcAAAAUAAAAAAAAAAAAAAD/fwAA/38AAAAAAAAJAAAABAAAAAAAAAAeAAAAaAAAAAAAAAAAAAAAAAAAAAAAAAAAAAAAECcAABAnAAAAAAAAAAAAAAAAAAAAAAAAAAAAAAAAAAAAAAAAAAAAABQAAAAAAAAAwMD/AAAAAABkAAAAMgAAAAAAAABkAAAAAAAAAH9/fwAKAAAAIgAAABgAAAAAAAAAAAAAAAAAAAAAAAAAAAAAAAAAAAAkAAAAJAAAAAAAAAAHAAAAAAAAAAAAAAAAAAAAAAAAAAAAAAAAAAAAf39/ACUAAABYAAAAAAAAAAAAAAAAAAAAAAAAAAAAAAAAAAAAAAAAAAAAAAAAAAAAAAAAAAAAAAA/AAAAAAAAAKCGAQAAAAAAAAAAAAAAAAAMAAAAAQAAAAAAAAAAAAAAAAAAAB8AAABUAAAAu+DjBf///wEAAAAAAAAAAAAAAAAAAAAAAAAAAAAAAAAAAAAAAAAAAAAAAAJ/f38AgICAA8zMzADAwP8Af39/AAAAAAAAAAAAAAAAAAAAAAAAAAAAIQAAABgAAAAUAAAANDMAAO4hAAAQPAAAdiUAABAAAAAmAAAACAAAAP//////////MAAAABQAAAAAAAAAAAD//wAAAQAAAP//AAABAA=="/>
               </a:ext>
             </a:extLst>
           </p:cNvSpPr>
@@ -4582,7 +4595,7 @@
           <p:cNvSpPr>
             <a:extLst>
               <a:ext uri="smNativeData">
-                <pr:smNativeData xmlns:pr="smNativeData" xmlns="smNativeData" val="SMDATA_16_zYh+ZxMAAAAlAAAACgAAAA8BAAAAkAAAAEgAAACQAAAASAAAAAAAAAAAAAAAAAAAAAEAAABQAAAAAAAAAAAA4D8AAAAAAADgPwAAAAAAAOA/AAAAAAAA4D8AAAAAAADgPwAAAAAAAOA/AAAAAAAA4D8AAAAAAADgPwAAAAAAAOA/AAAAAAAA4D8CAAAAjAAAAAAAAAAAAAAAu+DjDP///wgAAAAAAAAAAAAAAAAAAAAAAAAAAAAAAAAAAAAAZAAAAAEAAABAAAAAAAAAAAAAAAAAAAAAAAAAAAAAAAAAAAAAAAAAAAAAAAAAAAAAAAAAAAAAAAAAAAAAAAAAAAAAAAAAAAAAAAAAAAAAAAAAAAAAAAAAAAAAAAAAAAAAFAAAADwAAAABAAAAAAAAAAAAAAkUAAAAAQAAABQAAAAUAAAAFAAAAAEAAAABAAAAlgAAAJYAAAAAAAAAZAAAAGQAAAAVAAAAYAAAAAAAAAAAAAAADwAAACADAAAAAAAAAAAAAAEAAACgMgAAVgcAAKr4//8BAAAAf39/AAEAAABkAAAAAAAAABQAAABAHwAAAAAAACYAAAAAAAAAwOD//wAAAAAmAAAAZAAAABYAAABMAAAAAAAAAAAAAAAEAAAAAAAAAAEAAACAgIAKAAAAACgAAAAoAAAAZAAAAGQAAAAAAAAAzMzMAAAAAABQAAAAUAAAAGQAAABkAAAAAAAAABcAAAAUAAAAAAAAAAAAAAD/fwAA/38AAAAAAAAJAAAABAAAAAoAbQAeAAAAaAAAAAAAAAAAAAAAAAAAAAAAAAAAAAAAECcAABAnAAAAAAAAAAAAAAAAAAAAAAAAAAAAAAAAAAAAAAAAAAAAABQAAAAAAAAAwMD/AAAAAABkAAAAMgAAAAAAAABkAAAAAAAAAH9/fwAKAAAAIgAAABgAAAAAAAAAAAAAAAAAAAAAAAAAAAAAAAAAAAAkAAAAJAAAAAAAAAAHAAAAAAAAAAAAAAAAAAAAAAAAAAAAAAAAAAAAf39/ACUAAABYAAAAAAAAAAAAAAAAAAAAAAAAAAAAAAAAAAAAAAAAAAAAAAAAAAAAAAAAAAAAAAA/AAAAAAAAAKCGAQAAAAAAAAAAAAAAAAAMAAAAAQAAAAAAAAAAAAAAAAAAAB8AAABUAAAAu+DjBf///wEAAAAAAAAAAAAAAAAAAAAAAAAAAAAAAAAAAAAAAAAAAAAAAAJ/f38AgICAA8zMzADAwP8Af39/AAAAAAAAAAAAAAAAAAAAAAAAAAAAIQAAABgAAAAUAAAA4TEAAE8bAACeNwAA7iEAABAAAAAmAAAACAAAAP//////////MAAAABQAAAAAAAAAAAD//wAAAQAAAP//AAABAA=="/>
+                <pr:smNativeData xmlns:pr="smNativeData" xmlns="smNativeData" val="SMDATA_16_haKDZxMAAAAlAAAACgAAAA8BAAAAkAAAAEgAAACQAAAASAAAAAAAAAAAAAAAAAAAAAEAAABQAAAAAAAAAAAA4D8AAAAAAADgPwAAAAAAAOA/AAAAAAAA4D8AAAAAAADgPwAAAAAAAOA/AAAAAAAA4D8AAAAAAADgPwAAAAAAAOA/AAAAAAAA4D8CAAAAjAAAAAAAAAAAAAAAu+DjDP///wgAAAAAAAAAAAAAAAAAAAAAAAAAAAAAAAAAAAAAZAAAAAEAAABAAAAAAAAAAAAAAAAAAAAAAAAAAAAAAAAAAAAAAAAAAAAAAAAAAAAAAAAAAAAAAAAAAAAAAAAAAAAAAAAAAAAAAAAAAAAAAAAAAAAAAAAAAAAAAAAAAAAAFAAAADwAAAABAAAAAAAAAAAAAAkUAAAAAQAAABQAAAAUAAAAFAAAAAEAAAABAAAAlgAAAJYAAAAAAAAAZAAAAGQAAAAVAAAAYAAAAAAAAAAAAAAADwAAACADAAAAAAAAAAAAAAEAAACgMgAAVgcAAKr4//8BAAAAf39/AAEAAABkAAAAAAAAABQAAABAHwAAAAAAACYAAAAAAAAAwOD//wAAAAAmAAAAZAAAABYAAABMAAAAAAAAAAAAAAAEAAAAAAAAAAEAAACAgIAKAAAAACgAAAAoAAAAZAAAAGQAAAAAAAAAzMzMAAAAAABQAAAAUAAAAGQAAABkAAAAAAAAABcAAAAUAAAAAAAAAAAAAAD/fwAA/38AAAAAAAAJAAAABAAAAAoAbQAeAAAAaAAAAAAAAAAAAAAAAAAAAAAAAAAAAAAAECcAABAnAAAAAAAAAAAAAAAAAAAAAAAAAAAAAAAAAAAAAAAAAAAAABQAAAAAAAAAwMD/AAAAAABkAAAAMgAAAAAAAABkAAAAAAAAAH9/fwAKAAAAIgAAABgAAAAAAAAAAAAAAAAAAAAAAAAAAAAAAAAAAAAkAAAAJAAAAAAAAAAHAAAAAAAAAAAAAAAAAAAAAAAAAAAAAAAAAAAAf39/ACUAAABYAAAAAAAAAAAAAAAAAAAAAAAAAAAAAAAAAAAAAAAAAAAAAAAAAAAAAAAAAAAAAAA/AAAAAAAAAKCGAQAAAAAAAAAAAAAAAAAMAAAAAQAAAAAAAAAAAAAAAAAAAB8AAABUAAAAu+DjBf///wEAAAAAAAAAAAAAAAAAAAAAAAAAAAAAAAAAAAAAAAAAAAAAAAJ/f38AgICAA8zMzADAwP8Af39/AAAAAAAAAAAAAAAAAAAAAAAAAAAAIQAAABgAAAAUAAAA4TEAAE8bAACeNwAA7iEAABAAAAAmAAAACAAAAP//////////MAAAABQAAAAAAAAAAAD//wAAAQAAAP//AAABAA=="/>
               </a:ext>
             </a:extLst>
           </p:cNvSpPr>
@@ -4614,7 +4627,7 @@
           <p:cNvSpPr>
             <a:extLst>
               <a:ext uri="smNativeData">
-                <pr:smNativeData xmlns:pr="smNativeData" xmlns="smNativeData" val="SMDATA_16_zYh+ZxMAAAAlAAAAZAAAAA8BAAAAkAAAAEgAAACQAAAASAAAAAAAAAABAAAAAAAAAAEAAABQAAAAAAAAAAAA4D8AAAAAAADgPwAAAAAAAOA/AAAAAAAA4D8AAAAAAADgPwAAAAAAAOA/AAAAAAAA4D8AAAAAAADgPwAAAAAAAOA/AAAAAAAA4D8CAAAAjAAAAAEAAAAAAAAAu+DjDP///wgAAAAAAAAAAAAAAAAAAAAAAAAAAAAAAAAAAAAAZAAAAAEAAABAAAAAAAAAAAAAAAAAAAAAAAAAAAAAAAAAAAAAAAAAAAAAAAAAAAAAAAAAAAAAAAAAAAAAAAAAAAAAAAAAAAAAAAAAAAAAAAAAAAAAAAAAAAAAAAAAAAAAFAAAADwAAAABAAAAAAAAAAAAAAkUAAAAAQAAABQAAAAUAAAAFAAAAAEAAAAAAAAAZAAAAGQAAAAAAAAAZAAAAGQAAAAVAAAAYAAAAAAAAAAAAAAADwAAACADAAAAAAAAAAAAAAEAAACgMgAAVgcAAKr4//8BAAAAf39/AAEAAABkAAAAAAAAABQAAABAHwAAAAAAACYAAAAAAAAAwOD//wAAAAAmAAAAZAAAABYAAABMAAAAAAAAAAAAAAAEAAAAAAAAAAEAAACAgIAKAAAAACgAAAAoAAAAZAAAAGQAAAAAAAAAzMzMAAAAAABQAAAAUAAAAGQAAABkAAAAAAAAABcAAAAUAAAAAAAAAAAAAAD/fwAA/38AAAAAAAAJAAAABAAAACkAAAAeAAAAaAAAAAAAAAAAAAAAAAAAAAAAAAAAAAAAECcAABAnAAAAAAAAAAAAAAAAAAAAAAAAAAAAAAAAAAAAAAAAAAAAABQAAAAAAAAAwMD/AAAAAABkAAAAMgAAAAAAAABkAAAAAAAAAH9/fwAKAAAAIgAAABgAAAAAAAAAAAAAAAAAAAAAAAAAAAAAAAAAAAAkAAAAJAAAAAAAAAAHAAAAAAAAAAAAAAAAAAAAAAAAAAAAAAAAAAAAf39/ACUAAABYAAAAAAAAAAAAAAAAAAAAAAAAAAAAAAAAAAAAAAAAAAAAAAAAAAAAAAAAAAAAAAA/AAAAAAAAAKCGAQAAAAAAAAAAAAAAAAAMAAAAAQAAAAAAAAAAAAAAAAAAAB8AAABUAAAAu+DjBf///wEAAAAAAAAAAAAAAAAAAAAAAAAAAAAAAAAAAAAAAAAAAAAAAAJ/f38AgICAA8zMzADAwP8Af39/AAAAAAAAAAAAAAAAAAAAAAAAAAAAIQAAABgAAAAUAAAAPT4AAO4hAAAZRwAAliUAABAAAAAmAAAACAAAAP//////////MAAAABQAAAAAAAAAAAD//wAAAQAAAP//AAABAA=="/>
+                <pr:smNativeData xmlns:pr="smNativeData" xmlns="smNativeData" val="SMDATA_16_haKDZxMAAAAlAAAAZAAAAA8BAAAAkAAAAEgAAACQAAAASAAAAAAAAAABAAAAAAAAAAEAAABQAAAAAAAAAAAA4D8AAAAAAADgPwAAAAAAAOA/AAAAAAAA4D8AAAAAAADgPwAAAAAAAOA/AAAAAAAA4D8AAAAAAADgPwAAAAAAAOA/AAAAAAAA4D8CAAAAjAAAAAEAAAAAAAAAu+DjDP///wgAAAAAAAAAAAAAAAAAAAAAAAAAAAAAAAAAAAAAZAAAAAEAAABAAAAAAAAAAAAAAAAAAAAAAAAAAAAAAAAAAAAAAAAAAAAAAAAAAAAAAAAAAAAAAAAAAAAAAAAAAAAAAAAAAAAAAAAAAAAAAAAAAAAAAAAAAAAAAAAAAAAAFAAAADwAAAABAAAAAAAAAAAAAAkUAAAAAQAAABQAAAAUAAAAFAAAAAEAAAAAAAAAZAAAAGQAAAAAAAAAZAAAAGQAAAAVAAAAYAAAAAAAAAAAAAAADwAAACADAAAAAAAAAAAAAAEAAACgMgAAVgcAAKr4//8BAAAAf39/AAEAAABkAAAAAAAAABQAAABAHwAAAAAAACYAAAAAAAAAwOD//wAAAAAmAAAAZAAAABYAAABMAAAAAAAAAAAAAAAEAAAAAAAAAAEAAACAgIAKAAAAACgAAAAoAAAAZAAAAGQAAAAAAAAAzMzMAAAAAABQAAAAUAAAAGQAAABkAAAAAAAAABcAAAAUAAAAAAAAAAAAAAD/fwAA/38AAAAAAAAJAAAABAAAACkAAAAeAAAAaAAAAAAAAAAAAAAAAAAAAAAAAAAAAAAAECcAABAnAAAAAAAAAAAAAAAAAAAAAAAAAAAAAAAAAAAAAAAAAAAAABQAAAAAAAAAwMD/AAAAAABkAAAAMgAAAAAAAABkAAAAAAAAAH9/fwAKAAAAIgAAABgAAAAAAAAAAAAAAAAAAAAAAAAAAAAAAAAAAAAkAAAAJAAAAAAAAAAHAAAAAAAAAAAAAAAAAAAAAAAAAAAAAAAAAAAAf39/ACUAAABYAAAAAAAAAAAAAAAAAAAAAAAAAAAAAAAAAAAAAAAAAAAAAAAAAAAAAAAAAAAAAAA/AAAAAAAAAKCGAQAAAAAAAAAAAAAAAAAMAAAAAQAAAAAAAAAAAAAAAAAAAB8AAABUAAAAu+DjBf///wEAAAAAAAAAAAAAAAAAAAAAAAAAAAAAAAAAAAAAAAAAAAAAAAJ/f38AgICAA8zMzADAwP8Af39/AAAAAAAAAAAAAAAAAAAAAAAAAAAAIQAAABgAAAAUAAAAPT4AAO4hAAAZRwAAliUAABAAAAAmAAAACAAAAP//////////MAAAABQAAAAAAAAAAAD//wAAAQAAAP//AAABAA=="/>
               </a:ext>
             </a:extLst>
           </p:cNvSpPr>
@@ -4658,7 +4671,7 @@
           <p:cNvSpPr>
             <a:extLst>
               <a:ext uri="smNativeData">
-                <pr:smNativeData xmlns:pr="smNativeData" xmlns="smNativeData" val="SMDATA_16_zYh+ZxMAAAAlAAAACgAAAA8BAAAAkAAAAEgAAACQAAAASAAAAAAAAAAAAAAAAAAAAAEAAABQAAAAAAAAAAAA4D8AAAAAAADgPwAAAAAAAOA/AAAAAAAA4D8AAAAAAADgPwAAAAAAAOA/AAAAAAAA4D8AAAAAAADgPwAAAAAAAOA/AAAAAAAA4D8CAAAAjAAAAAAAAAAAAAAAu+DjDP///wgAAAAAAAAAAAAAAAAAAAAAAAAAAAAAAAAAAAAAZAAAAAEAAABAAAAAAAAAAAAAAAAAAAAAAAAAAAAAAAAAAAAAAAAAAAAAAAAAAAAAAAAAAAAAAAAAAAAAAAAAAAAAAAAAAAAAAAAAAAAAAAAAAAAAAAAAAAAAAAAAAAAAFAAAADwAAAABAAAAAAAAAAAAAAkUAAAAAQAAABQAAAAUAAAAFAAAAAEAAAAAAAAAZAAAAGQAAAABAAAAlgAAAJYAAAAVAAAAYAAAAAAAAAAAAAAADwAAACADAAAAAAAAAAAAAAEAAACgMgAAVgcAAKr4//8BAAAAf39/AAEAAABkAAAAAAAAABQAAABAHwAAAAAAACYAAAAAAAAAwOD//wAAAAAmAAAAZAAAABYAAABMAAAAAAAAAAAAAAAEAAAAAAAAAAEAAACAgIAKAAAAACgAAAAoAAAAZAAAAGQAAAAAAAAAzMzMAAAAAABQAAAAUAAAAGQAAABkAAAAAAAAABcAAAAUAAAAAAAAAAAAAAD/fwAA/38AAAAAAAAJAAAABAAAAFQAaQAeAAAAaAAAAAAAAAAAAAAAAAAAAAAAAAAAAAAAECcAABAnAAAAAAAAAAAAAAAAAAAAAAAAAAAAAAAAAAAAAAAAAAAAABQAAAAAAAAAwMD/AAAAAABkAAAAMgAAAAAAAABkAAAAAAAAAH9/fwAKAAAAIgAAABgAAAAAAAAAAAAAAAAAAAAAAAAAAAAAAAAAAAAkAAAAJAAAAAAAAAAHAAAAAAAAAAAAAAAAAAAAAAAAAAAAAAAAAAAAf39/ACUAAABYAAAAAAAAAAAAAAAAAAAAAAAAAAAAAAAAAAAAAAAAAAAAAAAAAAAAAAAAAAAAAAA/AAAAAAAAAKCGAQAAAAAAAAAAAAAAAAAMAAAAAQAAAAAAAAAAAAAAAAAAAB8AAABUAAAAu+DjBf///wEAAAAAAAAAAAAAAAAAAAAAAAAAAAAAAAAAAAAAAAAAAAAAAAJ/f38AgICAA8zMzADAwP8Af39/AAAAAAAAAAAAAAAAAAAAAAAAAAAAIQAAABgAAAAUAAAAHz8AAEcbAAAYQwAA7iEAABAAAAAmAAAACAAAAP//////////MAAAABQAAAAAAAAAAAD//wAAAQAAAP//AAABAA=="/>
+                <pr:smNativeData xmlns:pr="smNativeData" xmlns="smNativeData" val="SMDATA_16_haKDZxMAAAAlAAAACgAAAA8BAAAAkAAAAEgAAACQAAAASAAAAAAAAAAAAAAAAAAAAAEAAABQAAAAAAAAAAAA4D8AAAAAAADgPwAAAAAAAOA/AAAAAAAA4D8AAAAAAADgPwAAAAAAAOA/AAAAAAAA4D8AAAAAAADgPwAAAAAAAOA/AAAAAAAA4D8CAAAAjAAAAAAAAAAAAAAAu+DjDP///wgAAAAAAAAAAAAAAAAAAAAAAAAAAAAAAAAAAAAAZAAAAAEAAABAAAAAAAAAAAAAAAAAAAAAAAAAAAAAAAAAAAAAAAAAAAAAAAAAAAAAAAAAAAAAAAAAAAAAAAAAAAAAAAAAAAAAAAAAAAAAAAAAAAAAAAAAAAAAAAAAAAAAFAAAADwAAAABAAAAAAAAAAAAAAkUAAAAAQAAABQAAAAUAAAAFAAAAAEAAAAAAAAAZAAAAGQAAAABAAAAlgAAAJYAAAAVAAAAYAAAAAAAAAAAAAAADwAAACADAAAAAAAAAAAAAAEAAACgMgAAVgcAAKr4//8BAAAAf39/AAEAAABkAAAAAAAAABQAAABAHwAAAAAAACYAAAAAAAAAwOD//wAAAAAmAAAAZAAAABYAAABMAAAAAAAAAAAAAAAEAAAAAAAAAAEAAACAgIAKAAAAACgAAAAoAAAAZAAAAGQAAAAAAAAAzMzMAAAAAABQAAAAUAAAAGQAAABkAAAAAAAAABcAAAAUAAAAAAAAAAAAAAD/fwAA/38AAAAAAAAJAAAABAAAAFQAaQAeAAAAaAAAAAAAAAAAAAAAAAAAAAAAAAAAAAAAECcAABAnAAAAAAAAAAAAAAAAAAAAAAAAAAAAAAAAAAAAAAAAAAAAABQAAAAAAAAAwMD/AAAAAABkAAAAMgAAAAAAAABkAAAAAAAAAH9/fwAKAAAAIgAAABgAAAAAAAAAAAAAAAAAAAAAAAAAAAAAAAAAAAAkAAAAJAAAAAAAAAAHAAAAAAAAAAAAAAAAAAAAAAAAAAAAAAAAAAAAf39/ACUAAABYAAAAAAAAAAAAAAAAAAAAAAAAAAAAAAAAAAAAAAAAAAAAAAAAAAAAAAAAAAAAAAA/AAAAAAAAAKCGAQAAAAAAAAAAAAAAAAAMAAAAAQAAAAAAAAAAAAAAAAAAAB8AAABUAAAAu+DjBf///wEAAAAAAAAAAAAAAAAAAAAAAAAAAAAAAAAAAAAAAAAAAAAAAAJ/f38AgICAA8zMzADAwP8Af39/AAAAAAAAAAAAAAAAAAAAAAAAAAAAIQAAABgAAAAUAAAAHz8AAEcbAAAYQwAA7iEAABAAAAAmAAAACAAAAP//////////MAAAABQAAAAAAAAAAAD//wAAAQAAAP//AAABAA=="/>
               </a:ext>
             </a:extLst>
           </p:cNvSpPr>
@@ -4723,7 +4736,7 @@
             <a:spLocks noGrp="1" noChangeArrowheads="1"/>
             <a:extLst>
               <a:ext uri="smNativeData">
-                <pr:smNativeData xmlns:pr="smNativeData" xmlns="smNativeData" val="SMDATA_16_zYh+ZxMAAAAlAAAAZAAAAA8BAAAAkAAAAEgAAACQAAAASAAAAAAAAAABAAAAAAAAAAEAAABQAAAAAAAAAAAA4D8AAAAAAADgPwAAAAAAAOA/AAAAAAAA4D8AAAAAAADgPwAAAAAAAOA/AAAAAAAA4D8AAAAAAADgPwAAAAAAAOA/AAAAAAAA4D8CAAAAjAAAAAAAAAAAAAAAu+DjDP///wgAAAAAAAAAAAAAAAAAAAAAAAAAAAAAAAAAAAAAZAAAAAEAAABAAAAAAAAAAAAAAAAAAAAAAAAAAAAAAAAAAAAAAAAAAAAAAAAAAAAAAAAAAAAAAAAAAAAAAAAAAAAAAAAAAAAAAAAAAAAAAAAAAAAAAAAAAAAAAAAAAAAAFAAAADwAAAAAAAAAAAAAAAAAAAkUAAAAAQAAABQAAAAUAAAAFAAAAAEAAAAAAAAAZAAAAGQAAAAAAAAAZAAAAGQAAAAVAAAAYAAAAAAAAAAAAAAADwAAACADAAAAAAAAAAAAAAEAAACgMgAAVgcAAKr4//8BAAAAf39/AAEAAABkAAAAAAAAABQAAABAHwAAAAAAACYAAAAAAAAAwOD//wAAAAAmAAAAZAAAABYAAABMAAAAAAAAAAAAAAAEAAAAAAAAAAEAAACAgIAKAAAAACgAAAAoAAAAZAAAAGQAAAAAAAAAzMzMAAAAAABQAAAAUAAAAGQAAABkAAAAAAAAABcAAAAUAAAAAAAAAAAAAAD/fwAA/38AAAAAAAAJAAAABAAAAHJnZXQeAAAAaAAAAAAAAAAAAAAAAAAAAAAAAAAAAAAAECcAABAnAAAAAAAAAAAAAAAAAAAAAAAAAAAAAAAAAAAAAAAAAAAAABQAAAAAAAAAwMD/AAAAAABkAAAAMgAAAAAAAABkAAAAAAAAAH9/fwAKAAAAIgAAABgAAAAAAAAAAAAAAAAAAAAAAAAAAAAAAAAAAAAkAAAAJAAAAAAAAAAHAAAAAAAAAAAAAAAAAAAAAAAAAAAAAAAAAAAAf39/ACUAAABYAAAAAAAAAAAAAAAAAAAAAAAAAAAAAAAAAAAAAAAAAAAAAAAAAAAAAAAAAAAAAAA/AAAAAAAAAKCGAQAAAAAAAAAAAAAAAAAMAAAAAQAAAAAAAAAAAAAAAAAAAB8AAABUAAAAAAAABQAAAAEAAAAAAAAAAAAAAAAAAAAAAAAAAAAAAAAAAAAAAAAAAAAAAAJ/f38AAAAAA8zMzADAwP8Af39/AAAAAAAAAAAAAAAAAAAAAAAAAAAAIQAAABgAAAAUAAAAwAMAALABAABARwAAuAgAABAAAAAmAAAACAAAAAAAAAAAAAAAMAAAABQAAAAAAAAAAAD//wAAAQAAAP//AAABAA=="/>
+                <pr:smNativeData xmlns:pr="smNativeData" xmlns="smNativeData" val="SMDATA_16_haKDZxMAAAAlAAAAZAAAAA8BAAAAkAAAAEgAAACQAAAASAAAAAAAAAABAAAAAAAAAAEAAABQAAAAAAAAAAAA4D8AAAAAAADgPwAAAAAAAOA/AAAAAAAA4D8AAAAAAADgPwAAAAAAAOA/AAAAAAAA4D8AAAAAAADgPwAAAAAAAOA/AAAAAAAA4D8CAAAAjAAAAAAAAAAAAAAAu+DjDP///wgAAAAAAAAAAAAAAAAAAAAAAAAAAAAAAAAAAAAAZAAAAAEAAABAAAAAAAAAAAAAAAAAAAAAAAAAAAAAAAAAAAAAAAAAAAAAAAAAAAAAAAAAAAAAAAAAAAAAAAAAAAAAAAAAAAAAAAAAAAAAAAAAAAAAAAAAAAAAAAAAAAAAFAAAADwAAAAAAAAAAAAAAAAAAAkUAAAAAQAAABQAAAAUAAAAFAAAAAEAAAAAAAAAZAAAAGQAAAAAAAAAZAAAAGQAAAAVAAAAYAAAAAAAAAAAAAAADwAAACADAAAAAAAAAAAAAAEAAACgMgAAVgcAAKr4//8BAAAAf39/AAEAAABkAAAAAAAAABQAAABAHwAAAAAAACYAAAAAAAAAwOD//wAAAAAmAAAAZAAAABYAAABMAAAAAAAAAAAAAAAEAAAAAAAAAAEAAACAgIAKAAAAACgAAAAoAAAAZAAAAGQAAAAAAAAAzMzMAAAAAABQAAAAUAAAAGQAAABkAAAAAAAAABcAAAAUAAAAAAAAAAAAAAD/fwAA/38AAAAAAAAJAAAABAAAAHJnZXQeAAAAaAAAAAAAAAAAAAAAAAAAAAAAAAAAAAAAECcAABAnAAAAAAAAAAAAAAAAAAAAAAAAAAAAAAAAAAAAAAAAAAAAABQAAAAAAAAAwMD/AAAAAABkAAAAMgAAAAAAAABkAAAAAAAAAH9/fwAKAAAAIgAAABgAAAAAAAAAAAAAAAAAAAAAAAAAAAAAAAAAAAAkAAAAJAAAAAAAAAAHAAAAAAAAAAAAAAAAAAAAAAAAAAAAAAAAAAAAf39/ACUAAABYAAAAAAAAAAAAAAAAAAAAAAAAAAAAAAAAAAAAAAAAAAAAAAAAAAAAAAAAAAAAAAA/AAAAAAAAAKCGAQAAAAAAAAAAAAAAAAAMAAAAAQAAAAAAAAAAAAAAAAAAAB8AAABUAAAAAAAABQAAAAEAAAAAAAAAAAAAAAAAAAAAAAAAAAAAAAAAAAAAAAAAAAAAAAJ/f38AAAAAA8zMzADAwP8Af39/AAAAAAAAAAAAAAAAAAAAAAAAAAAAIQAAABgAAAAUAAAAwAMAALABAABARwAAuAgAABAAAAAmAAAACAAAAAAAAAAAAAAAMAAAABQAAAAAAAAAAAD//wAAAQAAAP//AAABAA=="/>
               </a:ext>
             </a:extLst>
           </p:cNvSpPr>
@@ -4750,7 +4763,7 @@
             <a:spLocks noGrp="1" noChangeArrowheads="1"/>
             <a:extLst>
               <a:ext uri="smNativeData">
-                <pr:smNativeData xmlns:pr="smNativeData" xmlns="smNativeData" val="SMDATA_16_zYh+ZxMAAAAlAAAAZAAAAA8BAAAAkAAAAEgAAACQAAAASAAAAAAAAAAAAAAAAAAAAAEAAABQAAAAAAAAAAAA4D8AAAAAAADgPwAAAAAAAOA/AAAAAAAA4D8AAAAAAADgPwAAAAAAAOA/AAAAAAAA4D8AAAAAAADgPwAAAAAAAOA/AAAAAAAA4D8CAAAAjAAAAAAAAAAAAAAAu+DjDP///wgAAAAAAAAAAAAAAAAAAAAAAAAAAAAAAAAAAAAAZAAAAAEAAABAAAAAAAAAAAAAAAAAAAAAAAAAAAAAAAAAAAAAAAAAAAAAAAAAAAAAAAAAAAAAAAAAAAAAAAAAAAAAAAAAAAAAAAAAAAAAAAAAAAAAAAAAAAAAAAAAAAAAFAAAADwAAAAAAAAAAAAAAAAAAAkUAAAAAQAAABQAAAAUAAAAFAAAAAEAAAAAAAAAZAAAAGQAAAAAAAAAZAAAAGQAAAAVAAAAYAAAAAAAAAAAAAAADwAAACADAAAAAAAAAAAAAAEAAACgMgAAVgcAAKr4//8BAAAAf39/AAEAAABkAAAAAAAAABQAAABAHwAAAAAAACYAAAAAAAAAwOD//wAAAAAmAAAAZAAAABYAAABMAAAAAAAAAAAAAAAEAAAAAAAAAAEAAACAgIAKAAAAACgAAAAoAAAAZAAAAGQAAAAAAAAAzMzMAAAAAABQAAAAUAAAAGQAAABkAAAAAAAAABcAAAAUAAAAAAAAAAAAAAD/fwAA/38AAAAAAAAJAAAABAAAAAAAAAAeAAAAaAAAAAAAAAAAAAAAAAAAAAAAAAAAAAAAECcAABAnAAAAAAAAAAAAAAAAAAAAAAAAAAAAAAAAAAAAAAAAAAAAABQAAAAAAAAAwMD/AAAAAABkAAAAMgAAAAAAAABkAAAAAAAAAH9/fwAKAAAAIgAAABgAAAAAAAAAAAAAAAAAAAAAAAAAAAAAAAAAAAAkAAAAJAAAAAAAAAAHAAAAAAAAAAAAAAAAAAAAAAAAAAAAAAAAAAAAf39/ACUAAABYAAAAAAAAAAAAAAAAAAAAAAAAAAAAAAAAAAAAAAAAAAAAAAAAAAAAAAAAAAAAAAA/AAAAAAAAAKCGAQAAAAAAAAAAAAAAAAAMAAAAAQAAAAAAAAAAAAAAAAAAAB8AAABUAAAAAAAABQAAAAEAAAAAAAAAAAAAAAAAAAAAAAAAAAAAAAAAAAAAAAAAAAAAAAJ/f38AAAAAA8zMzADAwP8Af39/AAAAAAAAAAAAAAAAAAAAAAAAAAAAIQAAABgAAAAUAAAAwAMAANgJAABARwAAsCUAABAAAAAmAAAACAAAAAAAAAAAAAAAMAAAABQAAAAAAAAAAAD//wAAAQAAAP//AAABAA=="/>
+                <pr:smNativeData xmlns:pr="smNativeData" xmlns="smNativeData" val="SMDATA_16_haKDZxMAAAAlAAAAZAAAAA8BAAAAkAAAAEgAAACQAAAASAAAAAAAAAAAAAAAAAAAAAEAAABQAAAAAAAAAAAA4D8AAAAAAADgPwAAAAAAAOA/AAAAAAAA4D8AAAAAAADgPwAAAAAAAOA/AAAAAAAA4D8AAAAAAADgPwAAAAAAAOA/AAAAAAAA4D8CAAAAjAAAAAAAAAAAAAAAu+DjDP///wgAAAAAAAAAAAAAAAAAAAAAAAAAAAAAAAAAAAAAZAAAAAEAAABAAAAAAAAAAAAAAAAAAAAAAAAAAAAAAAAAAAAAAAAAAAAAAAAAAAAAAAAAAAAAAAAAAAAAAAAAAAAAAAAAAAAAAAAAAAAAAAAAAAAAAAAAAAAAAAAAAAAAFAAAADwAAAAAAAAAAAAAAAAAAAkUAAAAAQAAABQAAAAUAAAAFAAAAAEAAAAAAAAAZAAAAGQAAAAAAAAAZAAAAGQAAAAVAAAAYAAAAAAAAAAAAAAADwAAACADAAAAAAAAAAAAAAEAAACgMgAAVgcAAKr4//8BAAAAf39/AAEAAABkAAAAAAAAABQAAABAHwAAAAAAACYAAAAAAAAAwOD//wAAAAAmAAAAZAAAABYAAABMAAAAAAAAAAAAAAAEAAAAAAAAAAEAAACAgIAKAAAAACgAAAAoAAAAZAAAAGQAAAAAAAAAzMzMAAAAAABQAAAAUAAAAGQAAABkAAAAAAAAABcAAAAUAAAAAAAAAAAAAAD/fwAA/38AAAAAAAAJAAAABAAAAAAAAAAeAAAAaAAAAAAAAAAAAAAAAAAAAAAAAAAAAAAAECcAABAnAAAAAAAAAAAAAAAAAAAAAAAAAAAAAAAAAAAAAAAAAAAAABQAAAAAAAAAwMD/AAAAAABkAAAAMgAAAAAAAABkAAAAAAAAAH9/fwAKAAAAIgAAABgAAAAAAAAAAAAAAAAAAAAAAAAAAAAAAAAAAAAkAAAAJAAAAAAAAAAHAAAAAAAAAAAAAAAAAAAAAAAAAAAAAAAAAAAAf39/ACUAAABYAAAAAAAAAAAAAAAAAAAAAAAAAAAAAAAAAAAAAAAAAAAAAAAAAAAAAAAAAAAAAAA/AAAAAAAAAKCGAQAAAAAAAAAAAAAAAAAMAAAAAQAAAAAAAAAAAAAAAAAAAB8AAABUAAAAAAAABQAAAAEAAAAAAAAAAAAAAAAAAAAAAAAAAAAAAAAAAAAAAAAAAAAAAAJ/f38AAAAAA8zMzADAwP8Af39/AAAAAAAAAAAAAAAAAAAAAAAAAAAAIQAAABgAAAAUAAAAwAMAANgJAABARwAAsCUAABAAAAAmAAAACAAAAAAAAAAAAAAAMAAAABQAAAAAAAAAAAD//wAAAQAAAP//AAABAA=="/>
               </a:ext>
             </a:extLst>
           </p:cNvSpPr>
@@ -4826,7 +4839,7 @@
           <p:cNvSpPr txBox="1">
             <a:extLst>
               <a:ext uri="smNativeData">
-                <pr:smNativeData xmlns:pr="smNativeData" xmlns="smNativeData" val="SMDATA_16_zYh+ZxMAAAAlAAAAEgAAAA8BAAAAkAAAAEgAAACQAAAASAAAAAAAAAAAAAAAAAAAAAEAAABQAAAAAAAAAAAA4D8AAAAAAADgPwAAAAAAAOA/AAAAAAAA4D8AAAAAAADgPwAAAAAAAOA/AAAAAAAA4D8AAAAAAADgPwAAAAAAAOA/AAAAAAAA4D8CAAAAjAAAAAAAAAAAAAAAu+DjDP///wgAAAAAAAAAAAAAAAAAAAAAAAAAAAAAAAAAAAAAZAAAAAEAAABAAAAAAAAAAAAAAAAAAAAAAAAAAAAAAAAAAAAAAAAAAAAAAAAAAAAAAAAAAAAAAAAAAAAAAAAAAAAAAAAAAAAAAAAAAAAAAAAAAAAAAAAAAAAAAAAAAAAAFAAAADwAAAAAAAAAAAAAAAAAAAkUAAAAAQAAABQAAAAUAAAAFAAAAAEAAAAAAAAAZAAAAGQAAAAAAAAAZAAAAGQAAAAVAAAAYAAAAAAAAAAAAAAADwAAACADAAAAAAAAAAAAAAEAAACgMgAAVgcAAKr4//8BAAAAf39/AAEAAABkAAAAAAAAABQAAABAHwAAAAAAACYAAAAAAAAAwOD//wAAAAAmAAAAZAAAABYAAABMAAAAAAAAAAAAAAAEAAAAAAAAAAEAAACAgIAKAAAAACgAAAAoAAAAZAAAAGQAAAAAAAAAzMzMAAAAAABQAAAAUAAAAGQAAABkAAAAAAAAABcAAAAUAAAAAAAAANwIAAD/fwAA/38AAAAAAAAJAAAABAAAAMRaUhoeAAAAaAAAAAAAAAAAAAAAAAAAAAAAAAAAAAAAECcAABAnAAAAAAAAAAAAAAAAAAAAAAAAAAAAAAAAAAAAAAAAAAAAABQAAAAAAAAAwMD/AAAAAABkAAAAMgAAAAAAAABkAAAAAAAAAH9/fwAKAAAAIgAAABgAAAAAAAAAAAAAAAAAAAAAAAAAAAAAAAAAAAAkAAAAJAAAAAAAAAAHAAAAAAAAAAAAAAAAAAAAAAAAAAAAAAAAAAAAf39/ACUAAABYAAAAAAAAAAAAAAAAAAAAAAAAAAAAAAAAAAAAAAAAAAAAAAAAAAAAAAAAAAAAAAA/AAAAAAAAAKCGAQAAAAAAAAAAAAAAAAAMAAAAAQAAAAAAAAAAAAAAAAAAAB8AAABUAAAAu+DjBf///wEAAAAAAAAAAAAAAAAAAAAAAAAAAAAAAAAAAAAAAAAAAAAAAAJ/f38AgICAA8zMzADAwP8Af39/AAAAAAAAAAAAAAAAAAAAAAAAAAAAIQAAABgAAAAUAAAAAAAAAAAAAAAASwAAMCoAABAAAAAmAAAACAAAAP//////////MAAAABQAAAAAAAAAAAD//wAAAQAAAP//AAABAA=="/>
+                <pr:smNativeData xmlns:pr="smNativeData" xmlns="smNativeData" val="SMDATA_16_haKDZxMAAAAlAAAAEgAAAA8BAAAAkAAAAEgAAACQAAAASAAAAAAAAAAAAAAAAAAAAAEAAABQAAAAAAAAAAAA4D8AAAAAAADgPwAAAAAAAOA/AAAAAAAA4D8AAAAAAADgPwAAAAAAAOA/AAAAAAAA4D8AAAAAAADgPwAAAAAAAOA/AAAAAAAA4D8CAAAAjAAAAAAAAAAAAAAAu+DjDP///wgAAAAAAAAAAAAAAAAAAAAAAAAAAAAAAAAAAAAAZAAAAAEAAABAAAAAAAAAAAAAAAAAAAAAAAAAAAAAAAAAAAAAAAAAAAAAAAAAAAAAAAAAAAAAAAAAAAAAAAAAAAAAAAAAAAAAAAAAAAAAAAAAAAAAAAAAAAAAAAAAAAAAFAAAADwAAAAAAAAAAAAAAAAAAAkUAAAAAQAAABQAAAAUAAAAFAAAAAEAAAAAAAAAZAAAAGQAAAAAAAAAZAAAAGQAAAAVAAAAYAAAAAAAAAAAAAAADwAAACADAAAAAAAAAAAAAAEAAACgMgAAVgcAAKr4//8BAAAAf39/AAEAAABkAAAAAAAAABQAAABAHwAAAAAAACYAAAAAAAAAwOD//wAAAAAmAAAAZAAAABYAAABMAAAAAAAAAAAAAAAEAAAAAAAAAAEAAACAgIAKAAAAACgAAAAoAAAAZAAAAGQAAAAAAAAAzMzMAAAAAABQAAAAUAAAAGQAAABkAAAAAAAAABcAAAAUAAAAAAAAANwIAAD/fwAA/38AAAAAAAAJAAAABAAAAMRaUhoeAAAAaAAAAAAAAAAAAAAAAAAAAAAAAAAAAAAAECcAABAnAAAAAAAAAAAAAAAAAAAAAAAAAAAAAAAAAAAAAAAAAAAAABQAAAAAAAAAwMD/AAAAAABkAAAAMgAAAAAAAABkAAAAAAAAAH9/fwAKAAAAIgAAABgAAAAAAAAAAAAAAAAAAAAAAAAAAAAAAAAAAAAkAAAAJAAAAAAAAAAHAAAAAAAAAAAAAAAAAAAAAAAAAAAAAAAAAAAAf39/ACUAAABYAAAAAAAAAAAAAAAAAAAAAAAAAAAAAAAAAAAAAAAAAAAAAAAAAAAAAAAAAAAAAAA/AAAAAAAAAKCGAQAAAAAAAAAAAAAAAAAMAAAAAQAAAAAAAAAAAAAAAAAAAB8AAABUAAAAu+DjBf///wEAAAAAAAAAAAAAAAAAAAAAAAAAAAAAAAAAAAAAAAAAAAAAAAJ/f38AgICAA8zMzADAwP8Af39/AAAAAAAAAAAAAAAAAAAAAAAAAAAAIQAAABgAAAAUAAAAAAAAAAAAAAAASwAAMCoAABAAAAAmAAAACAAAAP//////////MAAAABQAAAAAAAAAAAD//wAAAQAAAP//AAABAA=="/>
               </a:ext>
             </a:extLst>
           </p:cNvSpPr>
@@ -4894,7 +4907,7 @@
             <a:picLocks noChangeAspect="1"/>
             <a:extLst>
               <a:ext uri="smNativeData">
-                <pr:smNativeData xmlns:pr="smNativeData" xmlns="smNativeData" val="SMDATA_18_zYh+ZxMAAAAlAAAAEQAAAC8BAAAAkAAAAEgAAACQAAAASAAAAAAAAAAAAAAAAAAAAAEAAABQAAAAAAAAAAAA4D8AAAAAAADgPwAAAAAAAOA/AAAAAAAA4D8AAAAAAADgPwAAAAAAAOA/AAAAAAAA4D8AAAAAAADgPwAAAAAAAOA/AAAAAAAA4D8CAAAAjAAAAAAAAAAAAAAAu+DjDP///wgAAAAAAAAAAAAAAAAAAAAAAAAAAAAAAAAAAAAAZAAAAAEAAABAAAAAAAAAAAAAAAAAAAAAAAAAAAAAAAAAAAAAAAAAAAAAAAAAAAAAAAAAAAAAAAAAAAAAAAAAAAAAAAAAAAAAAAAAAAAAAAAAAAAAAAAAAAAAAAAAAAAAFAAAADwAAAAAAAAAAAAAAAAAAAkUAAAAAQAAABQAAAAUAAAAFAAAAAEAAAAAAAAAZAAAAGQAAAAAAAAAZAAAAGQAAAAVAAAAYAAAAAAAAAAAAAAADwAAACADAAAAAAAAAAAAAAEAAACgMgAAVgcAAKr4//8BAAAAf39/AAEAAABkAAAAAAAAABQAAABAHwAAAAAAACYAAAAAAAAAwOD//wAAAAAmAAAAZAAAABYAAABMAAAAAAAAAAAAAAAEAAAAAAAAAAEAAACAgIAKAAAAACgAAAAoAAAAZAAAAGQAAAAAAAAAzMzMAAAAAABQAAAAUAAAAGQAAABkAAAAAAAAAAcAAAA4AAAAAAAAAAAAAAAAAAAA////AAAAAAAAAAAAAAAAAAAAAAAAAAAAAAAAAAAAAABkAAAAZAAAAAAAAAAjAAAABAAAAGQAAAAXAAAAFAAAAAAAAAAAAAAA/38AAP9/AAAAAAAACQAAAAQAAAAgHwAAHgAAAGgAAAAAAAAAAAAAAAAAAAAAAAAAAAAAABAnAAAQJwAAAAAAAAAAAAAAAAAAAAAAAAAAAAAAAAAAAAAAAAAAAAAUAAAAAAAAAMDA/wAAAAAAZAAAADIAAAAAAAAAZAAAAAAAAAB/f38ACgAAACIAAAAYAAAAAAAAAAAAAAAAAAAAAAAAAAAAAAAAAAAAJAAAACQAAAAAAAAABwAAAAAAAAAAAAAAAAAAAAAAAAAAAAAAAAAAAH9/fwAlAAAAWAAAAAAAAAAAAAAAAAAAAAAAAAAAAAAAAAAAAAAAAAAAAAAAAAAAAAAAAAAAAAAAPwAAAAAAAACghgEAAAAAAAAAAAAAAAAADAAAAAEAAAAAAAAAAAAAAAAAAAAfAAAAVAAAALvg4wX///8BAAAAAAAAAAAAAAAAAAAAAAAAAAAAAAAAAAAAAAAAAAAAAAACf39/AICAgAPMzMwAwMD/AH9/fwAAAAAAAAAAAAAAAAD///8AAAAAACEAAAAYAAAAFAAAAAAAAADrCwAAkykAAJMdAAAQAAAAJgAAAAgAAAD//////////zAAAAAUAAAAAAAAAAAA//8AAAEAAAD//wAAAQA="/>
+                <pr:smNativeData xmlns:pr="smNativeData" xmlns="smNativeData" val="SMDATA_18_haKDZxMAAAAlAAAAEQAAAC8BAAAAkAAAAEgAAACQAAAASAAAAAAAAAAAAAAAAAAAAAEAAABQAAAAAAAAAAAA4D8AAAAAAADgPwAAAAAAAOA/AAAAAAAA4D8AAAAAAADgPwAAAAAAAOA/AAAAAAAA4D8AAAAAAADgPwAAAAAAAOA/AAAAAAAA4D8CAAAAjAAAAAAAAAAAAAAAu+DjDP///wgAAAAAAAAAAAAAAAAAAAAAAAAAAAAAAAAAAAAAZAAAAAEAAABAAAAAAAAAAAAAAAAAAAAAAAAAAAAAAAAAAAAAAAAAAAAAAAAAAAAAAAAAAAAAAAAAAAAAAAAAAAAAAAAAAAAAAAAAAAAAAAAAAAAAAAAAAAAAAAAAAAAAFAAAADwAAAAAAAAAAAAAAAAAAAkUAAAAAQAAABQAAAAUAAAAFAAAAAEAAAAAAAAAZAAAAGQAAAAAAAAAZAAAAGQAAAAVAAAAYAAAAAAAAAAAAAAADwAAACADAAAAAAAAAAAAAAEAAACgMgAAVgcAAKr4//8BAAAAf39/AAEAAABkAAAAAAAAABQAAABAHwAAAAAAACYAAAAAAAAAwOD//wAAAAAmAAAAZAAAABYAAABMAAAAAAAAAAAAAAAEAAAAAAAAAAEAAACAgIAKAAAAACgAAAAoAAAAZAAAAGQAAAAAAAAAzMzMAAAAAABQAAAAUAAAAGQAAABkAAAAAAAAAAcAAAA4AAAAAAAAAAAAAAAAAAAA////AAAAAAAAAAAAAAAAAAAAAAAAAAAAAAAAAAAAAABkAAAAZAAAAAAAAAAjAAAABAAAAGQAAAAXAAAAFAAAAAAAAAAAAAAA/38AAP9/AAAAAAAACQAAAAQAAAAgHwAAHgAAAGgAAAAAAAAAAAAAAAAAAAAAAAAAAAAAABAnAAAQJwAAAAAAAAAAAAAAAAAAAAAAAAAAAAAAAAAAAAAAAAAAAAAUAAAAAAAAAMDA/wAAAAAAZAAAADIAAAAAAAAAZAAAAAAAAAB/f38ACgAAACIAAAAYAAAAAAAAAAAAAAAAAAAAAAAAAAAAAAAAAAAAJAAAACQAAAAAAAAABwAAAAAAAAAAAAAAAAAAAAAAAAAAAAAAAAAAAH9/fwAlAAAAWAAAAAAAAAAAAAAAAAAAAAAAAAAAAAAAAAAAAAAAAAAAAAAAAAAAAAAAAAAAAAAAPwAAAAAAAACghgEAAAAAAAAAAAAAAAAADAAAAAEAAAAAAAAAAAAAAAAAAAAfAAAAVAAAALvg4wX///8BAAAAAAAAAAAAAAAAAAAAAAAAAAAAAAAAAAAAAAAAAAAAAAACf39/AICAgAPMzMwAwMD/AH9/fwAAAAAAAAAAAAAAAAD///8AAAAAACEAAAAYAAAAFAAAAAAAAADrCwAAkykAAJMdAAAQAAAAJgAAAAgAAAD//////////zAAAAAUAAAAAAAAAAAA//8AAAEAAAD//wAAAQA="/>
               </a:ext>
             </a:extLst>
           </p:cNvPicPr>
@@ -4928,7 +4941,7 @@
             <a:picLocks noChangeAspect="1"/>
             <a:extLst>
               <a:ext uri="smNativeData">
-                <pr:smNativeData xmlns:pr="smNativeData" xmlns="smNativeData" val="SMDATA_18_zYh+ZxMAAAAlAAAAEQAAAC8BAAAAkAAAAEgAAACQAAAASAAAAAAAAAAAAAAAAAAAAAEAAABQAAAAAAAAAAAA4D8AAAAAAADgPwAAAAAAAOA/AAAAAAAA4D8AAAAAAADgPwAAAAAAAOA/AAAAAAAA4D8AAAAAAADgPwAAAAAAAOA/AAAAAAAA4D8CAAAAjAAAAAAAAAAAAAAAu+DjDP///wgAAAAAAAAAAAAAAAAAAAAAAAAAAAAAAAAAAAAAZAAAAAEAAABAAAAAAAAAAAAAAAAAAAAAAAAAAAAAAAAAAAAAAAAAAAAAAAAAAAAAAAAAAAAAAAAAAAAAAAAAAAAAAAAAAAAAAAAAAAAAAAAAAAAAAAAAAAAAAAAAAAAAFAAAADwAAAAAAAAAAAAAAAAAAAkUAAAAAQAAABQAAAAUAAAAFAAAAAEAAAAAAAAAZAAAAGQAAAAAAAAAZAAAAGQAAAAVAAAAYAAAAAAAAAAAAAAADwAAACADAAAAAAAAAAAAAAEAAACgMgAAVgcAAKr4//8BAAAAf39/AAEAAABkAAAAAAAAABQAAABAHwAAAAAAACYAAAAAAAAAwOD//wAAAAAmAAAAZAAAABYAAABMAAAAAAAAAAAAAAAEAAAAAAAAAAEAAACAgIAKAAAAACgAAAAoAAAAZAAAAGQAAAAAAAAAzMzMAAAAAABQAAAAUAAAAGQAAABkAAAAAAAAAAcAAAA4AAAAAAAAAAAAAAAAAAAA////AAAAAAAAAAAAAAAAAAAAAAAAAAAAAAAAAAAAAABkAAAAZAAAAAAAAAAjAAAABAAAAGQAAAAXAAAAFAAAAAAAAAAAAAAA/38AAP9/AAAAAAAACQAAAAQAAAABAAAAHgAAAGgAAAAAAAAAAAAAAAAAAAAAAAAAAAAAABAnAAAQJwAAAAAAAAAAAAAAAAAAAAAAAAAAAAAAAAAAAAAAAAAAAAAUAAAAAAAAAMDA/wAAAAAAZAAAADIAAAAAAAAAZAAAAAAAAAB/f38ACgAAACIAAAAYAAAAAAAAAAAAAAAAAAAAAAAAAAAAAAAAAAAAJAAAACQAAAAAAAAABwAAAAAAAAAAAAAAAAAAAAAAAAAAAAAAAAAAAH9/fwAlAAAAWAAAAAAAAAAAAAAAAAAAAAAAAAAAAAAAAAAAAAAAAAAAAAAAAAAAAAAAAAAAAAAAPwAAAAAAAACghgEAAAAAAAAAAAAAAAAADAAAAAEAAAAAAAAAAAAAAAAAAAAfAAAAVAAAALvg4wX///8BAAAAAAAAAAAAAAAAAAAAAAAAAAAAAAAAAAAAAAAAAAAAAAACf39/AICAgAPMzMwAwMD/AH9/fwAAAAAAAAAAAAAAAAD///8AAAAAACEAAAAYAAAAFAAAAJMpAAC5CgAAt0kAAEYhAAAQAAAAJgAAAAgAAAD//////////zAAAAAUAAAAAAAAAAAA//8AAAEAAAD//wAAAQA="/>
+                <pr:smNativeData xmlns:pr="smNativeData" xmlns="smNativeData" val="SMDATA_18_haKDZxMAAAAlAAAAEQAAAC8BAAAAkAAAAEgAAACQAAAASAAAAAAAAAAAAAAAAAAAAAEAAABQAAAAAAAAAAAA4D8AAAAAAADgPwAAAAAAAOA/AAAAAAAA4D8AAAAAAADgPwAAAAAAAOA/AAAAAAAA4D8AAAAAAADgPwAAAAAAAOA/AAAAAAAA4D8CAAAAjAAAAAAAAAAAAAAAu+DjDP///wgAAAAAAAAAAAAAAAAAAAAAAAAAAAAAAAAAAAAAZAAAAAEAAABAAAAAAAAAAAAAAAAAAAAAAAAAAAAAAAAAAAAAAAAAAAAAAAAAAAAAAAAAAAAAAAAAAAAAAAAAAAAAAAAAAAAAAAAAAAAAAAAAAAAAAAAAAAAAAAAAAAAAFAAAADwAAAAAAAAAAAAAAAAAAAkUAAAAAQAAABQAAAAUAAAAFAAAAAEAAAAAAAAAZAAAAGQAAAAAAAAAZAAAAGQAAAAVAAAAYAAAAAAAAAAAAAAADwAAACADAAAAAAAAAAAAAAEAAACgMgAAVgcAAKr4//8BAAAAf39/AAEAAABkAAAAAAAAABQAAABAHwAAAAAAACYAAAAAAAAAwOD//wAAAAAmAAAAZAAAABYAAABMAAAAAAAAAAAAAAAEAAAAAAAAAAEAAACAgIAKAAAAACgAAAAoAAAAZAAAAGQAAAAAAAAAzMzMAAAAAABQAAAAUAAAAGQAAABkAAAAAAAAAAcAAAA4AAAAAAAAAAAAAAAAAAAA////AAAAAAAAAAAAAAAAAAAAAAAAAAAAAAAAAAAAAABkAAAAZAAAAAAAAAAjAAAABAAAAGQAAAAXAAAAFAAAAAAAAAAAAAAA/38AAP9/AAAAAAAACQAAAAQAAAABAAAAHgAAAGgAAAAAAAAAAAAAAAAAAAAAAAAAAAAAABAnAAAQJwAAAAAAAAAAAAAAAAAAAAAAAAAAAAAAAAAAAAAAAAAAAAAUAAAAAAAAAMDA/wAAAAAAZAAAADIAAAAAAAAAZAAAAAAAAAB/f38ACgAAACIAAAAYAAAAAAAAAAAAAAAAAAAAAAAAAAAAAAAAAAAAJAAAACQAAAAAAAAABwAAAAAAAAAAAAAAAAAAAAAAAAAAAAAAAAAAAH9/fwAlAAAAWAAAAAAAAAAAAAAAAAAAAAAAAAAAAAAAAAAAAAAAAAAAAAAAAAAAAAAAAAAAAAAAPwAAAAAAAACghgEAAAAAAAAAAAAAAAAADAAAAAEAAAAAAAAAAAAAAAAAAAAfAAAAVAAAALvg4wX///8BAAAAAAAAAAAAAAAAAAAAAAAAAAAAAAAAAAAAAAAAAAAAAAACf39/AICAgAPMzMwAwMD/AH9/fwAAAAAAAAAAAAAAAAD///8AAAAAACEAAAAYAAAAFAAAAJMpAAC5CgAAt0kAAEYhAAAQAAAAJgAAAAgAAAD//////////zAAAAAUAAAAAAAAAAAA//8AAAEAAAD//wAAAQA="/>
               </a:ext>
             </a:extLst>
           </p:cNvPicPr>
@@ -4961,7 +4974,7 @@
           <p:cNvSpPr txBox="1">
             <a:extLst>
               <a:ext uri="smNativeData">
-                <pr:smNativeData xmlns:pr="smNativeData" xmlns="smNativeData" val="SMDATA_16_zYh+ZxMAAAAlAAAAEgAAAA8BAAAAkAAAAEgAAACQAAAASAAAAAAAAAAAAAAAAAAAAAEAAABQAAAAAAAAAAAA4D8AAAAAAADgPwAAAAAAAOA/AAAAAAAA4D8AAAAAAADgPwAAAAAAAOA/AAAAAAAA4D8AAAAAAADgPwAAAAAAAOA/AAAAAAAA4D8CAAAAjAAAAAAAAAAAAAAAu+DjDP///wgAAAAAAAAAAAAAAAAAAAAAAAAAAAAAAAAAAAAAZAAAAAEAAABAAAAAAAAAAAAAAAAAAAAAAAAAAAAAAAAAAAAAAAAAAAAAAAAAAAAAAAAAAAAAAAAAAAAAAAAAAAAAAAAAAAAAAAAAAAAAAAAAAAAAAAAAAAAAAAAAAAAAFAAAADwAAAAAAAAAAAAAAAAAAAkUAAAAAQAAABQAAAAUAAAAFAAAAAEAAAAAAAAAZAAAAGQAAAAAAAAAZAAAAGQAAAAVAAAAYAAAAAAAAAAAAAAADwAAACADAAAAAAAAAAAAAAEAAACgMgAAVgcAAKr4//8BAAAAf39/AAEAAABkAAAAAAAAABQAAABAHwAAAAAAACYAAAAAAAAAwOD//wAAAAAmAAAAZAAAABYAAABMAAAAAAAAAAAAAAAEAAAAAAAAAAEAAACAgIAKAAAAACgAAAAoAAAAZAAAAGQAAAAAAAAAzMzMAAAAAABQAAAAUAAAAGQAAABkAAAAAAAAABcAAAAUAAAAAAAAANwIAAD/fwAA/38AAAAAAAAJAAAABAAAAJQyrcweAAAAaAAAAAAAAAAAAAAAAAAAAAAAAAAAAAAAECcAABAnAAAAAAAAAAAAAAAAAAAAAAAAAAAAAAAAAAAAAAAAAAAAABQAAAAAAAAAwMD/AAAAAABkAAAAMgAAAAAAAABkAAAAAAAAAH9/fwAKAAAAIgAAABgAAAAAAAAAAAAAAAAAAAAAAAAAAAAAAAAAAAAkAAAAJAAAAAAAAAAHAAAAAAAAAAAAAAAAAAAAAAAAAAAAAAAAAAAAf39/ACUAAABYAAAAAAAAAAAAAAAAAAAAAAAAAAAAAAAAAAAAAAAAAAAAAAAAAAAAAAAAAAAAAAA/AAAAAAAAAKCGAQAAAAAAAAAAAAAAAAAMAAAAAQAAAAAAAAAAAAAAAAAAAB8AAABUAAAAu+DjBf///wEAAAAAAAAAAAAAAAAAAAAAAAAAAAAAAAAAAAAAAAAAAAAAAAJ/f38AgICAA8zMzADAwP8Af39/AAAAAAAAAAAAAAAAAAAAAAAAAAAAIQAAABgAAAAUAAAAAAAAAKogAAAASwAAMCoAABAAAAAmAAAACAAAAP//////////MAAAABQAAAAAAAAAAAD//wAAAQAAAP//AAABAA=="/>
+                <pr:smNativeData xmlns:pr="smNativeData" xmlns="smNativeData" val="SMDATA_16_haKDZxMAAAAlAAAAEgAAAA8BAAAAkAAAAEgAAACQAAAASAAAAAAAAAAAAAAAAAAAAAEAAABQAAAAAAAAAAAA4D8AAAAAAADgPwAAAAAAAOA/AAAAAAAA4D8AAAAAAADgPwAAAAAAAOA/AAAAAAAA4D8AAAAAAADgPwAAAAAAAOA/AAAAAAAA4D8CAAAAjAAAAAAAAAAAAAAAu+DjDP///wgAAAAAAAAAAAAAAAAAAAAAAAAAAAAAAAAAAAAAZAAAAAEAAABAAAAAAAAAAAAAAAAAAAAAAAAAAAAAAAAAAAAAAAAAAAAAAAAAAAAAAAAAAAAAAAAAAAAAAAAAAAAAAAAAAAAAAAAAAAAAAAAAAAAAAAAAAAAAAAAAAAAAFAAAADwAAAAAAAAAAAAAAAAAAAkUAAAAAQAAABQAAAAUAAAAFAAAAAEAAAAAAAAAZAAAAGQAAAAAAAAAZAAAAGQAAAAVAAAAYAAAAAAAAAAAAAAADwAAACADAAAAAAAAAAAAAAEAAACgMgAAVgcAAKr4//8BAAAAf39/AAEAAABkAAAAAAAAABQAAABAHwAAAAAAACYAAAAAAAAAwOD//wAAAAAmAAAAZAAAABYAAABMAAAAAAAAAAAAAAAEAAAAAAAAAAEAAACAgIAKAAAAACgAAAAoAAAAZAAAAGQAAAAAAAAAzMzMAAAAAABQAAAAUAAAAGQAAABkAAAAAAAAABcAAAAUAAAAAAAAANwIAAD/fwAA/38AAAAAAAAJAAAABAAAAJQyrcweAAAAaAAAAAAAAAAAAAAAAAAAAAAAAAAAAAAAECcAABAnAAAAAAAAAAAAAAAAAAAAAAAAAAAAAAAAAAAAAAAAAAAAABQAAAAAAAAAwMD/AAAAAABkAAAAMgAAAAAAAABkAAAAAAAAAH9/fwAKAAAAIgAAABgAAAAAAAAAAAAAAAAAAAAAAAAAAAAAAAAAAAAkAAAAJAAAAAAAAAAHAAAAAAAAAAAAAAAAAAAAAAAAAAAAAAAAAAAAf39/ACUAAABYAAAAAAAAAAAAAAAAAAAAAAAAAAAAAAAAAAAAAAAAAAAAAAAAAAAAAAAAAAAAAAA/AAAAAAAAAKCGAQAAAAAAAAAAAAAAAAAMAAAAAQAAAAAAAAAAAAAAAAAAAB8AAABUAAAAu+DjBf///wEAAAAAAAAAAAAAAAAAAAAAAAAAAAAAAAAAAAAAAAAAAAAAAAJ/f38AgICAA8zMzADAwP8Af39/AAAAAAAAAAAAAAAAAAAAAAAAAAAAIQAAABgAAAAUAAAAAAAAAKogAAAASwAAMCoAABAAAAAmAAAACAAAAP//////////MAAAABQAAAAAAAAAAAD//wAAAQAAAP//AAABAA=="/>
               </a:ext>
             </a:extLst>
           </p:cNvSpPr>
@@ -5035,7 +5048,7 @@
             <a:spLocks noGrp="1" noChangeArrowheads="1"/>
             <a:extLst>
               <a:ext uri="smNativeData">
-                <pr:smNativeData xmlns:pr="smNativeData" xmlns="smNativeData" val="SMDATA_16_zYh+ZxMAAAAlAAAAZAAAAA8BAAAAkAAAAEgAAACQAAAASAAAAAAAAAABAAAAAAAAAAEAAABQAAAAAAAAAAAA4D8AAAAAAADgPwAAAAAAAOA/AAAAAAAA4D8AAAAAAADgPwAAAAAAAOA/AAAAAAAA4D8AAAAAAADgPwAAAAAAAOA/AAAAAAAA4D8CAAAAjAAAAAAAAAAAAAAAu+DjDP///wgAAAAAAAAAAAAAAAAAAAAAAAAAAAAAAAAAAAAAZAAAAAEAAABAAAAAAAAAAAAAAAAAAAAAAAAAAAAAAAAAAAAAAAAAAAAAAAAAAAAAAAAAAAAAAAAAAAAAAAAAAAAAAAAAAAAAAAAAAAAAAAAAAAAAAAAAAAAAAAAAAAAAFAAAADwAAAAAAAAAAAAAAAAAAAkUAAAAAQAAABQAAAAUAAAAFAAAAAEAAAAAAAAAZAAAAGQAAAAAAAAAZAAAAGQAAAAVAAAAYAAAAAAAAAAAAAAADwAAACADAAAAAAAAAAAAAAEAAACgMgAAVgcAAKr4//8BAAAAf39/AAEAAABkAAAAAAAAABQAAABAHwAAAAAAACYAAAAAAAAAwOD//wAAAAAmAAAAZAAAABYAAABMAAAAAAAAAAAAAAAEAAAAAAAAAAEAAACAgIAKAAAAACgAAAAoAAAAZAAAAGQAAAAAAAAAzMzMAAAAAABQAAAAUAAAAGQAAABkAAAAAAAAABcAAAAUAAAAAAAAAAAAAAD/fwAA/38AAAAAAAAJAAAABAAAAMR51/weAAAAaAAAAAAAAAAAAAAAAAAAAAAAAAAAAAAAECcAABAnAAAAAAAAAAAAAAAAAAAAAAAAAAAAAAAAAAAAAAAAAAAAABQAAAAAAAAAwMD/AAAAAABkAAAAMgAAAAAAAABkAAAAAAAAAH9/fwAKAAAAIgAAABgAAAAAAAAAAAAAAAAAAAAAAAAAAAAAAAAAAAAkAAAAJAAAAAAAAAAHAAAAAAAAAAAAAAAAAAAAAAAAAAAAAAAAAAAAf39/ACUAAABYAAAAAAAAAAAAAAAAAAAAAAAAAAAAAAAAAAAAAAAAAAAAAAAAAAAAAAAAAAAAAAA/AAAAAAAAAKCGAQAAAAAAAAAAAAAAAAAMAAAAAQAAAAAAAAAAAAAAAAAAAB8AAABUAAAAAAAABQAAAAEAAAAAAAAAAAAAAAAAAAAAAAAAAAAAAAAAAAAAAAAAAAAAAAJ/f38AAAAAA8zMzADAwP8Af39/AAAAAAAAAAAAAAAAAAAAAAAAAAAAIQAAABgAAAAUAAAAwAMAALABAABARwAAuAgAABAAAAAmAAAACAAAAAAAAAAAAAAAMAAAABQAAAAAAAAAAAD//wAAAQAAAP//AAABAA=="/>
+                <pr:smNativeData xmlns:pr="smNativeData" xmlns="smNativeData" val="SMDATA_16_haKDZxMAAAAlAAAAZAAAAA8BAAAAkAAAAEgAAACQAAAASAAAAAAAAAABAAAAAAAAAAEAAABQAAAAAAAAAAAA4D8AAAAAAADgPwAAAAAAAOA/AAAAAAAA4D8AAAAAAADgPwAAAAAAAOA/AAAAAAAA4D8AAAAAAADgPwAAAAAAAOA/AAAAAAAA4D8CAAAAjAAAAAAAAAAAAAAAu+DjDP///wgAAAAAAAAAAAAAAAAAAAAAAAAAAAAAAAAAAAAAZAAAAAEAAABAAAAAAAAAAAAAAAAAAAAAAAAAAAAAAAAAAAAAAAAAAAAAAAAAAAAAAAAAAAAAAAAAAAAAAAAAAAAAAAAAAAAAAAAAAAAAAAAAAAAAAAAAAAAAAAAAAAAAFAAAADwAAAAAAAAAAAAAAAAAAAkUAAAAAQAAABQAAAAUAAAAFAAAAAEAAAAAAAAAZAAAAGQAAAAAAAAAZAAAAGQAAAAVAAAAYAAAAAAAAAAAAAAADwAAACADAAAAAAAAAAAAAAEAAACgMgAAVgcAAKr4//8BAAAAf39/AAEAAABkAAAAAAAAABQAAABAHwAAAAAAACYAAAAAAAAAwOD//wAAAAAmAAAAZAAAABYAAABMAAAAAAAAAAAAAAAEAAAAAAAAAAEAAACAgIAKAAAAACgAAAAoAAAAZAAAAGQAAAAAAAAAzMzMAAAAAABQAAAAUAAAAGQAAABkAAAAAAAAABcAAAAUAAAAAAAAAAAAAAD/fwAA/38AAAAAAAAJAAAABAAAAMR51/weAAAAaAAAAAAAAAAAAAAAAAAAAAAAAAAAAAAAECcAABAnAAAAAAAAAAAAAAAAAAAAAAAAAAAAAAAAAAAAAAAAAAAAABQAAAAAAAAAwMD/AAAAAABkAAAAMgAAAAAAAABkAAAAAAAAAH9/fwAKAAAAIgAAABgAAAAAAAAAAAAAAAAAAAAAAAAAAAAAAAAAAAAkAAAAJAAAAAAAAAAHAAAAAAAAAAAAAAAAAAAAAAAAAAAAAAAAAAAAf39/ACUAAABYAAAAAAAAAAAAAAAAAAAAAAAAAAAAAAAAAAAAAAAAAAAAAAAAAAAAAAAAAAAAAAA/AAAAAAAAAKCGAQAAAAAAAAAAAAAAAAAMAAAAAQAAAAAAAAAAAAAAAAAAAB8AAABUAAAAAAAABQAAAAEAAAAAAAAAAAAAAAAAAAAAAAAAAAAAAAAAAAAAAAAAAAAAAAJ/f38AAAAAA8zMzADAwP8Af39/AAAAAAAAAAAAAAAAAAAAAAAAAAAAIQAAABgAAAAUAAAAwAMAALABAABARwAAuAgAABAAAAAmAAAACAAAAAAAAAAAAAAAMAAAABQAAAAAAAAAAAD//wAAAQAAAP//AAABAA=="/>
               </a:ext>
             </a:extLst>
           </p:cNvSpPr>
@@ -5062,7 +5075,7 @@
             <a:spLocks noGrp="1" noChangeArrowheads="1"/>
             <a:extLst>
               <a:ext uri="smNativeData">
-                <pr:smNativeData xmlns:pr="smNativeData" xmlns="smNativeData" val="SMDATA_16_zYh+ZxMAAAAlAAAAZAAAAA8BAAAAkAAAAEgAAACQAAAASAAAAAAAAAAAAAAAAAAAAAEAAABQAAAAAAAAAAAA4D8AAAAAAADgPwAAAAAAAOA/AAAAAAAA4D8AAAAAAADgPwAAAAAAAOA/AAAAAAAA4D8AAAAAAADgPwAAAAAAAOA/AAAAAAAA4D8CAAAAjAAAAAAAAAAAAAAAu+DjDP///wgAAAAAAAAAAAAAAAAAAAAAAAAAAAAAAAAAAAAAZAAAAAEAAABAAAAAAAAAAAAAAAAAAAAAAAAAAAAAAAAAAAAAAAAAAAAAAAAAAAAAAAAAAAAAAAAAAAAAAAAAAAAAAAAAAAAAAAAAAAAAAAAAAAAAAAAAAAAAAAAAAAAAFAAAADwAAAAAAAAAAAAAAAAAAAkUAAAAAQAAABQAAAAUAAAAFAAAAAEAAAAAAAAAZAAAAGQAAAAAAAAAZAAAAGQAAAAVAAAAYAAAAAAAAAAAAAAADwAAACADAAAAAAAAAAAAAAEAAACgMgAAVgcAAKr4//8BAAAAf39/AAEAAABkAAAAAAAAABQAAABAHwAAAAAAACYAAAAAAAAAwOD//wAAAAAmAAAAZAAAABYAAABMAAAAAAAAAAAAAAAEAAAAAAAAAAEAAACAgIAKAAAAACgAAAAoAAAAZAAAAGQAAAAAAAAAzMzMAAAAAABQAAAAUAAAAGQAAABkAAAAAAAAABcAAAAUAAAAAAAAAAAAAAD/fwAA/38AAAAAAAAJAAAABAAAAAAAAAAeAAAAaAAAAAAAAAAAAAAAAAAAAAAAAAAAAAAAECcAABAnAAAAAAAAAAAAAAAAAAAAAAAAAAAAAAAAAAAAAAAAAAAAABQAAAAAAAAAwMD/AAAAAABkAAAAMgAAAAAAAABkAAAAAAAAAH9/fwAKAAAAIgAAABgAAAAAAAAAAAAAAAAAAAAAAAAAAAAAAAAAAAAkAAAAJAAAAAAAAAAHAAAAAAAAAAAAAAAAAAAAAAAAAAAAAAAAAAAAf39/ACUAAABYAAAAAAAAAAAAAAAAAAAAAAAAAAAAAAAAAAAAAAAAAAAAAAAAAAAAAAAAAAAAAAA/AAAAAAAAAKCGAQAAAAAAAAAAAAAAAAAMAAAAAQAAAAAAAAAAAAAAAAAAAB8AAABUAAAAAAAABQAAAAEAAAAAAAAAAAAAAAAAAAAAAAAAAAAAAAAAAAAAAAAAAAAAAAJ/f38AAAAAA8zMzADAwP8Af39/AAAAAAAAAAAAAAAAAAAAAAAAAAAAIQAAABgAAAAUAAAAwAMAANgJAABARwAAsCUAAAAAAAAmAAAACAAAAAEAAAAAAAAAMAAAABQAAAAAAAAAAAD//wAAAQAAAP//AAABAA=="/>
+                <pr:smNativeData xmlns:pr="smNativeData" xmlns="smNativeData" val="SMDATA_16_haKDZxMAAAAlAAAAZAAAAA8BAAAAkAAAAEgAAACQAAAASAAAAAAAAAAAAAAAAAAAAAEAAABQAAAAAAAAAAAA4D8AAAAAAADgPwAAAAAAAOA/AAAAAAAA4D8AAAAAAADgPwAAAAAAAOA/AAAAAAAA4D8AAAAAAADgPwAAAAAAAOA/AAAAAAAA4D8CAAAAjAAAAAAAAAAAAAAAu+DjDP///wgAAAAAAAAAAAAAAAAAAAAAAAAAAAAAAAAAAAAAZAAAAAEAAABAAAAAAAAAAAAAAAAAAAAAAAAAAAAAAAAAAAAAAAAAAAAAAAAAAAAAAAAAAAAAAAAAAAAAAAAAAAAAAAAAAAAAAAAAAAAAAAAAAAAAAAAAAAAAAAAAAAAAFAAAADwAAAAAAAAAAAAAAAAAAAkUAAAAAQAAABQAAAAUAAAAFAAAAAEAAAAAAAAAZAAAAGQAAAAAAAAAZAAAAGQAAAAVAAAAYAAAAAAAAAAAAAAADwAAACADAAAAAAAAAAAAAAEAAACgMgAAVgcAAKr4//8BAAAAf39/AAEAAABkAAAAAAAAABQAAABAHwAAAAAAACYAAAAAAAAAwOD//wAAAAAmAAAAZAAAABYAAABMAAAAAAAAAAAAAAAEAAAAAAAAAAEAAACAgIAKAAAAACgAAAAoAAAAZAAAAGQAAAAAAAAAzMzMAAAAAABQAAAAUAAAAGQAAABkAAAAAAAAABcAAAAUAAAAAAAAAAAAAAD/fwAA/38AAAAAAAAJAAAABAAAAAAAAAAeAAAAaAAAAAAAAAAAAAAAAAAAAAAAAAAAAAAAECcAABAnAAAAAAAAAAAAAAAAAAAAAAAAAAAAAAAAAAAAAAAAAAAAABQAAAAAAAAAwMD/AAAAAABkAAAAMgAAAAAAAABkAAAAAAAAAH9/fwAKAAAAIgAAABgAAAAAAAAAAAAAAAAAAAAAAAAAAAAAAAAAAAAkAAAAJAAAAAAAAAAHAAAAAAAAAAAAAAAAAAAAAAAAAAAAAAAAAAAAf39/ACUAAABYAAAAAAAAAAAAAAAAAAAAAAAAAAAAAAAAAAAAAAAAAAAAAAAAAAAAAAAAAAAAAAA/AAAAAAAAAKCGAQAAAAAAAAAAAAAAAAAMAAAAAQAAAAAAAAAAAAAAAAAAAB8AAABUAAAAAAAABQAAAAEAAAAAAAAAAAAAAAAAAAAAAAAAAAAAAAAAAAAAAAAAAAAAAAJ/f38AAAAAA8zMzADAwP8Af39/AAAAAAAAAAAAAAAAAAAAAAAAAAAAIQAAABgAAAAUAAAAwAMAANgJAABARwAAsCUAABAAAAAmAAAACAAAAAAAAAAAAAAAMAAAABQAAAAAAAAAAAD//wAAAQAAAP//AAABAA=="/>
               </a:ext>
             </a:extLst>
           </p:cNvSpPr>
@@ -5070,12 +5083,7 @@
             <p:ph type="body" idx="1"/>
           </p:nvPr>
         </p:nvSpPr>
-        <p:spPr>
-          <a:xfrm>
-            <a:off x="609600" y="1600200"/>
-            <a:ext cx="10972800" cy="4526280"/>
-          </a:xfrm>
-        </p:spPr>
+        <p:spPr/>
         <p:txBody>
           <a:bodyPr/>
           <a:lstStyle/>
@@ -5093,6 +5101,9 @@
               </a:rPr>
               <a:t>http://127.0.0.1:5762/__docs__/#/</a:t>
             </a:r>
+            <a:endParaRPr cap="none">
+              <a:hlinkClick r:id="rId2"/>
+            </a:endParaRPr>
           </a:p>
           <a:p>
             <a:pPr>
@@ -5153,7 +5164,7 @@
           <p:cNvSpPr txBox="1">
             <a:extLst>
               <a:ext uri="smNativeData">
-                <pr:smNativeData xmlns:pr="smNativeData" xmlns="smNativeData" val="SMDATA_16_zYh+ZxMAAAAlAAAAEgAAAE8BAAAAkAAAAEgAAACQAAAASAAAAAAAAAAAAAAAAAAAAAEAAABQAAAAAAAAAAAA4D8AAAAAAADgPwAAAAAAAOA/AAAAAAAA4D8AAAAAAADgPwAAAAAAAOA/AAAAAAAA4D8AAAAAAADgPwAAAAAAAOA/AAAAAAAA4D8CAAAAjAAAAAAAAAAAAAAAu+DjDP///wgAAAAAAAAAAAAAAAAAAAAAAAAAAAAAAAAAAAAAZAAAAAEAAABAAAAAAAAAAAAAAAAAAAAAAAAAAAAAAAAAAAAAAAAAAAAAAAAAAAAAAAAAAAAAAAAAAAAAAAAAAAAAAAAAAAAAAAAAAAAAAAAAAAAAAAAAAAAAAAAAAAAAFAAAADwAAAAAAAAAAAAAAAAAAAkUAAAAAQAAABQAAAAUAAAAFAAAAAEAAAAAAAAAZAAAAGQAAAAAAAAAZAAAAGQAAAAVAAAAYAAAAAAAAAAAAAAADwAAACADAAAAAAAAAAAAAAEAAACgMgAAVgcAAKr4//8BAAAAf39/AAEAAABkAAAAAAAAABQAAABAHwAAAAAAACYAAAAAAAAAwOD//wAAAAAmAAAAZAAAABYAAABMAAAAAAAAAAAAAAAEAAAAAAAAAAEAAACAgIAKAAAAACgAAAAoAAAAZAAAAGQAAAAAAAAAzMzMAAAAAABQAAAAUAAAAGQAAABkAAAAAAAAABcAAAAUAAAAAAAAALonAAD/fwAA/38AAAAAAAAJAAAABAAAAGx5PSIeAAAAaAAAAAAAAAAAAAAAAAAAAAAAAAAAAAAAECcAABAnAAAAAAAAAAAAAAAAAAAAAAAAAAAAAAAAAAAAAAAAAAAAABQAAAAAAAAAwMD/AAAAAABkAAAAMgAAAAAAAABkAAAAAAAAAH9/fwAKAAAAIgAAABgAAAAAAAAAAAAAAAAAAAAAAAAAAAAAAAAAAAAkAAAAJAAAAAAAAAAHAAAAAAAAAAAAAAAAAAAAAAAAAAAAAAAAAAAAf39/ACUAAABYAAAAAAAAAAAAAAAAAAAAAAAAAAAAAAAAAAAAAAAAAAAAAAAAAAAAAAAAAAAAAAA/AAAAAAAAAKCGAQAAAAAAAAAAAAAAAAAMAAAAAQAAAAAAAAAAAAAAAAAAAB8AAABUAAAAu+DjBf///wEAAAAAAAAAAAAAAAAAAAAAAAAAAAAAAAAAAAAAAAAAAAAAAAJ/f38AgICAA8zMzADAwP8Af39/AAAAAAAAAAAAAAAAAAAAAAAAAAAAIQAAABgAAAAUAAAAUwEAAFMBAAC3SQAAoyYAAAAgAAAmAAAACAAAAP//////////MAAAABQAAAAAAAAAAAD//wAAAQAAAP//AAABAA=="/>
+                <pr:smNativeData xmlns:pr="smNativeData" xmlns="smNativeData" val="SMDATA_16_haKDZxMAAAAlAAAAEgAAAE8BAAAAkAAAAEgAAACQAAAASAAAAAAAAAAAAAAAAAAAAAEAAABQAAAAAAAAAAAA4D8AAAAAAADgPwAAAAAAAOA/AAAAAAAA4D8AAAAAAADgPwAAAAAAAOA/AAAAAAAA4D8AAAAAAADgPwAAAAAAAOA/AAAAAAAA4D8CAAAAjAAAAAAAAAAAAAAAu+DjDP///wgAAAAAAAAAAAAAAAAAAAAAAAAAAAAAAAAAAAAAZAAAAAEAAABAAAAAAAAAAAAAAAAAAAAAAAAAAAAAAAAAAAAAAAAAAAAAAAAAAAAAAAAAAAAAAAAAAAAAAAAAAAAAAAAAAAAAAAAAAAAAAAAAAAAAAAAAAAAAAAAAAAAAFAAAADwAAAAAAAAAAAAAAAAAAAkUAAAAAQAAABQAAAAUAAAAFAAAAAEAAAAAAAAAZAAAAGQAAAAAAAAAZAAAAGQAAAAVAAAAYAAAAAAAAAAAAAAADwAAACADAAAAAAAAAAAAAAEAAACgMgAAVgcAAKr4//8BAAAAf39/AAEAAABkAAAAAAAAABQAAABAHwAAAAAAACYAAAAAAAAAwOD//wAAAAAmAAAAZAAAABYAAABMAAAAAAAAAAAAAAAEAAAAAAAAAAEAAACAgIAKAAAAACgAAAAoAAAAZAAAAGQAAAAAAAAAzMzMAAAAAABQAAAAUAAAAGQAAABkAAAAAAAAABcAAAAUAAAAAAAAALonAAD/fwAA/38AAAAAAAAJAAAABAAAAGx5PSIeAAAAaAAAAAAAAAAAAAAAAAAAAAAAAAAAAAAAECcAABAnAAAAAAAAAAAAAAAAAAAAAAAAAAAAAAAAAAAAAAAAAAAAABQAAAAAAAAAwMD/AAAAAABkAAAAMgAAAAAAAABkAAAAAAAAAH9/fwAKAAAAIgAAABgAAAAAAAAAAAAAAAAAAAAAAAAAAAAAAAAAAAAkAAAAJAAAAAAAAAAHAAAAAAAAAAAAAAAAAAAAAAAAAAAAAAAAAAAAf39/ACUAAABYAAAAAAAAAAAAAAAAAAAAAAAAAAAAAAAAAAAAAAAAAAAAAAAAAAAAAAAAAAAAAAA/AAAAAAAAAKCGAQAAAAAAAAAAAAAAAAAMAAAAAQAAAAAAAAAAAAAAAAAAAB8AAABUAAAAu+DjBf///wEAAAAAAAAAAAAAAAAAAAAAAAAAAAAAAAAAAAAAAAAAAAAAAAJ/f38AgICAA8zMzADAwP8Af39/AAAAAAAAAAAAAAAAAAAAAAAAAAAAIQAAABgAAAAUAAAAUwEAAFMBAAC3SQAAoyYAABAgAAAmAAAACAAAAP//////////MAAAABQAAAAAAAAAAAD//wAAAQAAAP//AAABAA=="/>
               </a:ext>
             </a:extLst>
           </p:cNvSpPr>
@@ -5423,7 +5434,7 @@
             <a:picLocks noChangeAspect="1"/>
             <a:extLst>
               <a:ext uri="smNativeData">
-                <pr:smNativeData xmlns:pr="smNativeData" xmlns="smNativeData" val="SMDATA_18_zYh+ZxMAAAAlAAAAEQAAAC8BAAAAkAAAAEgAAACQAAAASAAAAAAAAAAAAAAAAAAAAAEAAABQAAAAAAAAAAAA4D8AAAAAAADgPwAAAAAAAOA/AAAAAAAA4D8AAAAAAADgPwAAAAAAAOA/AAAAAAAA4D8AAAAAAADgPwAAAAAAAOA/AAAAAAAA4D8CAAAAjAAAAAAAAAAAAAAAu+DjDP///wgAAAAAAAAAAAAAAAAAAAAAAAAAAAAAAAAAAAAAZAAAAAEAAABAAAAAAAAAAAAAAAAAAAAAAAAAAAAAAAAAAAAAAAAAAAAAAAAAAAAAAAAAAAAAAAAAAAAAAAAAAAAAAAAAAAAAAAAAAAAAAAAAAAAAAAAAAAAAAAAAAAAAFAAAADwAAAAAAAAAAAAAAAAAAAkUAAAAAQAAABQAAAAUAAAAFAAAAAEAAAAAAAAAZAAAAGQAAAAAAAAAZAAAAGQAAAAVAAAAYAAAAAAAAAAAAAAADwAAACADAAAAAAAAAAAAAAEAAACgMgAAVgcAAKr4//8BAAAAf39/AAEAAABkAAAAAAAAABQAAABAHwAAAAAAACYAAAAAAAAAwOD//wAAAAAmAAAAZAAAABYAAABMAAAAAAAAAAAAAAAEAAAAAAAAAAEAAACAgIAKAAAAACgAAAAoAAAAZAAAAGQAAAAAAAAAzMzMAAAAAABQAAAAUAAAAGQAAABkAAAAAAAAAAcAAAA4AAAAAAAAAAAAAAAAAAAA////AAAAAAAAAAAAAAAAAAAAAAAAAAAAAAAAAAAAAABkAAAAZAAAAAAAAAAjAAAABAAAAGQAAAAXAAAAFAAAAAAAAAAAAAAA/38AAP9/AAAAAAAACQAAAAQAAAAb9uCIHgAAAGgAAAAAAAAAAAAAAAAAAAAAAAAAAAAAABAnAAAQJwAAAAAAAAAAAAAAAAAAAAAAAAAAAAAAAAAAAAAAAAAAAAAUAAAAAAAAAMDA/wAAAAAAZAAAADIAAAAAAAAAZAAAAAAAAAB/f38ACgAAACIAAAAYAAAAAAAAAAAAAAAAAAAAAAAAAAAAAAAAAAAAJAAAACQAAAAAAAAABwAAAAAAAAAAAAAAAAAAAAAAAAAAAAAAAAAAAH9/fwAlAAAAWAAAAAAAAAAAAAAAAAAAAAAAAAAAAAAAAAAAAAAAAAAAAAAAAAAAAAAAAAAAAAAAPwAAAAAAAACghgEAAAAAAAAAAAAAAAAADAAAAAEAAAAAAAAAAAAAAAAAAAAfAAAAVAAAALvg4wX///8BAAAAAAAAAAAAAAAAAAAAAAAAAAAAAAAAAAAAAAAAAAAAAAACf39/AICAgAPMzMwAwMD/AH9/fwAAAAAAAAAAAAAAAAD///8AAAAAACEAAAAYAAAAFAAAANQCAADEAQAAfUgAAJcoAAAQAAAAJgAAAAgAAAD//////////zAAAAAUAAAAAAAAAAAA//8AAAEAAAD//wAAAQA="/>
+                <pr:smNativeData xmlns:pr="smNativeData" xmlns="smNativeData" val="SMDATA_18_haKDZxMAAAAlAAAAEQAAAC8BAAAAkAAAAEgAAACQAAAASAAAAAAAAAAAAAAAAAAAAAEAAABQAAAAAAAAAAAA4D8AAAAAAADgPwAAAAAAAOA/AAAAAAAA4D8AAAAAAADgPwAAAAAAAOA/AAAAAAAA4D8AAAAAAADgPwAAAAAAAOA/AAAAAAAA4D8CAAAAjAAAAAAAAAAAAAAAu+DjDP///wgAAAAAAAAAAAAAAAAAAAAAAAAAAAAAAAAAAAAAZAAAAAEAAABAAAAAAAAAAAAAAAAAAAAAAAAAAAAAAAAAAAAAAAAAAAAAAAAAAAAAAAAAAAAAAAAAAAAAAAAAAAAAAAAAAAAAAAAAAAAAAAAAAAAAAAAAAAAAAAAAAAAAFAAAADwAAAAAAAAAAAAAAAAAAAkUAAAAAQAAABQAAAAUAAAAFAAAAAEAAAAAAAAAZAAAAGQAAAAAAAAAZAAAAGQAAAAVAAAAYAAAAAAAAAAAAAAADwAAACADAAAAAAAAAAAAAAEAAACgMgAAVgcAAKr4//8BAAAAf39/AAEAAABkAAAAAAAAABQAAABAHwAAAAAAACYAAAAAAAAAwOD//wAAAAAmAAAAZAAAABYAAABMAAAAAAAAAAAAAAAEAAAAAAAAAAEAAACAgIAKAAAAACgAAAAoAAAAZAAAAGQAAAAAAAAAzMzMAAAAAABQAAAAUAAAAGQAAABkAAAAAAAAAAcAAAA4AAAAAAAAAAAAAAAAAAAA////AAAAAAAAAAAAAAAAAAAAAAAAAAAAAAAAAAAAAABkAAAAZAAAAAAAAAAjAAAABAAAAGQAAAAXAAAAFAAAAAAAAAAAAAAA/38AAP9/AAAAAAAACQAAAAQAAAAb9uCIHgAAAGgAAAAAAAAAAAAAAAAAAAAAAAAAAAAAABAnAAAQJwAAAAAAAAAAAAAAAAAAAAAAAAAAAAAAAAAAAAAAAAAAAAAUAAAAAAAAAMDA/wAAAAAAZAAAADIAAAAAAAAAZAAAAAAAAAB/f38ACgAAACIAAAAYAAAAAAAAAAAAAAAAAAAAAAAAAAAAAAAAAAAAJAAAACQAAAAAAAAABwAAAAAAAAAAAAAAAAAAAAAAAAAAAAAAAAAAAH9/fwAlAAAAWAAAAAAAAAAAAAAAAAAAAAAAAAAAAAAAAAAAAAAAAAAAAAAAAAAAAAAAAAAAAAAAPwAAAAAAAACghgEAAAAAAAAAAAAAAAAADAAAAAEAAAAAAAAAAAAAAAAAAAAfAAAAVAAAALvg4wX///8BAAAAAAAAAAAAAAAAAAAAAAAAAAAAAAAAAAAAAAAAAAAAAAACf39/AICAgAPMzMwAwMD/AH9/fwAAAAAAAAAAAAAAAAD///8AAAAAACEAAAAYAAAAFAAAANQCAADEAQAAfUgAAJcoAAAQAAAAJgAAAAgAAAD//////////zAAAAAUAAAAAAAAAAAA//8AAAEAAAD//wAAAQA="/>
               </a:ext>
             </a:extLst>
           </p:cNvPicPr>
@@ -5489,7 +5500,7 @@
             <a:spLocks noGrp="1" noChangeArrowheads="1"/>
             <a:extLst>
               <a:ext uri="smNativeData">
-                <pr:smNativeData xmlns:pr="smNativeData" xmlns="smNativeData" val="SMDATA_16_zYh+ZxMAAAAlAAAAZAAAAA8BAAAAkAAAAEgAAACQAAAASAAAAAAAAAABAAAAAAAAAAEAAABQAAAAAAAAAAAA4D8AAAAAAADgPwAAAAAAAOA/AAAAAAAA4D8AAAAAAADgPwAAAAAAAOA/AAAAAAAA4D8AAAAAAADgPwAAAAAAAOA/AAAAAAAA4D8CAAAAjAAAAAAAAAAAAAAAu+DjDP///wgAAAAAAAAAAAAAAAAAAAAAAAAAAAAAAAAAAAAAZAAAAAEAAABAAAAAAAAAAAAAAAAAAAAAAAAAAAAAAAAAAAAAAAAAAAAAAAAAAAAAAAAAAAAAAAAAAAAAAAAAAAAAAAAAAAAAAAAAAAAAAAAAAAAAAAAAAAAAAAAAAAAAFAAAADwAAAAAAAAAAAAAAAAAAAkUAAAAAQAAABQAAAAUAAAAFAAAAAEAAAAAAAAAZAAAAGQAAAAAAAAAZAAAAGQAAAAVAAAAYAAAAAAAAAAAAAAADwAAACADAAAAAAAAAAAAAAEAAACgMgAAVgcAAKr4//8BAAAAf39/AAEAAABkAAAAAAAAABQAAABAHwAAAAAAACYAAAAAAAAAwOD//wAAAAAmAAAAZAAAABYAAABMAAAAAAAAAAAAAAAEAAAAAAAAAAEAAACAgIAKAAAAACgAAAAoAAAAZAAAAGQAAAAAAAAAzMzMAAAAAABQAAAAUAAAAGQAAABkAAAAAAAAABcAAAAUAAAAAAAAAAAAAAD/fwAA/38AAAAAAAAJAAAABAAAAAAAAAAeAAAAaAAAAAAAAAAAAAAAAAAAAAAAAAAAAAAAECcAABAnAAAAAAAAAAAAAAAAAAAAAAAAAAAAAAAAAAAAAAAAAAAAABQAAAAAAAAAwMD/AAAAAABkAAAAMgAAAAAAAABkAAAAAAAAAH9/fwAKAAAAIgAAABgAAAAAAAAAAAAAAAAAAAAAAAAAAAAAAAAAAAAkAAAAJAAAAAAAAAAHAAAAAAAAAAAAAAAAAAAAAAAAAAAAAAAAAAAAf39/ACUAAABYAAAAAAAAAAAAAAAAAAAAAAAAAAAAAAAAAAAAAAAAAAAAAAAAAAAAAAAAAAAAAAA/AAAAAAAAAKCGAQAAAAAAAAAAAAAAAAAMAAAAAQAAAAAAAAAAAAAAAAAAAB8AAABUAAAAAAAABQAAAAEAAAAAAAAAAAAAAAAAAAAAAAAAAAAAAAAAAAAAAAAAAAAAAAJ/f38AAAAAA8zMzADAwP8Af39/AAAAAAAAAAAAAAAAAAAAAAAAAAAAIQAAABgAAAAUAAAAwAMAALABAABARwAAxhAAABAAAAAmAAAACAAAAAEAAAAAAAAAMAAAABQAAAAAAAAAAAD//wAAAQAAAP//AAABAA=="/>
+                <pr:smNativeData xmlns:pr="smNativeData" xmlns="smNativeData" val="SMDATA_16_haKDZxMAAAAlAAAAZAAAAA8BAAAAkAAAAEgAAACQAAAASAAAAAAAAAABAAAAAAAAAAEAAABQAAAAAAAAAAAA4D8AAAAAAADgPwAAAAAAAOA/AAAAAAAA4D8AAAAAAADgPwAAAAAAAOA/AAAAAAAA4D8AAAAAAADgPwAAAAAAAOA/AAAAAAAA4D8CAAAAjAAAAAAAAAAAAAAAu+DjDP///wgAAAAAAAAAAAAAAAAAAAAAAAAAAAAAAAAAAAAAZAAAAAEAAABAAAAAAAAAAAAAAAAAAAAAAAAAAAAAAAAAAAAAAAAAAAAAAAAAAAAAAAAAAAAAAAAAAAAAAAAAAAAAAAAAAAAAAAAAAAAAAAAAAAAAAAAAAAAAAAAAAAAAFAAAADwAAAAAAAAAAAAAAAAAAAkUAAAAAQAAABQAAAAUAAAAFAAAAAEAAAAAAAAAZAAAAGQAAAAAAAAAZAAAAGQAAAAVAAAAYAAAAAAAAAAAAAAADwAAACADAAAAAAAAAAAAAAEAAACgMgAAVgcAAKr4//8BAAAAf39/AAEAAABkAAAAAAAAABQAAABAHwAAAAAAACYAAAAAAAAAwOD//wAAAAAmAAAAZAAAABYAAABMAAAAAAAAAAAAAAAEAAAAAAAAAAEAAACAgIAKAAAAACgAAAAoAAAAZAAAAGQAAAAAAAAAzMzMAAAAAABQAAAAUAAAAGQAAABkAAAAAAAAABcAAAAUAAAAAAAAAAAAAAD/fwAA/38AAAAAAAAJAAAABAAAAAAAAAAeAAAAaAAAAAAAAAAAAAAAAAAAAAAAAAAAAAAAECcAABAnAAAAAAAAAAAAAAAAAAAAAAAAAAAAAAAAAAAAAAAAAAAAABQAAAAAAAAAwMD/AAAAAABkAAAAMgAAAAAAAABkAAAAAAAAAH9/fwAKAAAAIgAAABgAAAAAAAAAAAAAAAAAAAAAAAAAAAAAAAAAAAAkAAAAJAAAAAAAAAAHAAAAAAAAAAAAAAAAAAAAAAAAAAAAAAAAAAAAf39/ACUAAABYAAAAAAAAAAAAAAAAAAAAAAAAAAAAAAAAAAAAAAAAAAAAAAAAAAAAAAAAAAAAAAA/AAAAAAAAAKCGAQAAAAAAAAAAAAAAAAAMAAAAAQAAAAAAAAAAAAAAAAAAAB8AAABUAAAAAAAABQAAAAEAAAAAAAAAAAAAAAAAAAAAAAAAAAAAAAAAAAAAAAAAAAAAAAJ/f38AAAAAA8zMzADAwP8Af39/AAAAAAAAAAAAAAAAAAAAAAAAAAAAIQAAABgAAAAUAAAAwAMAALABAABARwAAxhAAABAAAAAmAAAACAAAAAEAAAAAAAAAMAAAABQAAAAAAAAAAAD//wAAAQAAAP//AAABAA=="/>
               </a:ext>
             </a:extLst>
           </p:cNvSpPr>
@@ -5523,7 +5534,7 @@
             <a:spLocks noGrp="1" noChangeArrowheads="1"/>
             <a:extLst>
               <a:ext uri="smNativeData">
-                <pr:smNativeData xmlns:pr="smNativeData" xmlns="smNativeData" val="SMDATA_16_zYh+ZxMAAAAlAAAAZAAAAA8BAAAAkAAAAEgAAACQAAAASAAAAAAAAAAAAAAAAAAAAAEAAABQAAAAAAAAAAAA4D8AAAAAAADgPwAAAAAAAOA/AAAAAAAA4D8AAAAAAADgPwAAAAAAAOA/AAAAAAAA4D8AAAAAAADgPwAAAAAAAOA/AAAAAAAA4D8CAAAAjAAAAAAAAAAAAAAAu+DjDP///wgAAAAAAAAAAAAAAAAAAAAAAAAAAAAAAAAAAAAAZAAAAAEAAABAAAAAAAAAAAAAAAAAAAAAAAAAAAAAAAAAAAAAAAAAAAAAAAAAAAAAAAAAAAAAAAAAAAAAAAAAAAAAAAAAAAAAAAAAAAAAAAAAAAAAAAAAAAAAAAAAAAAAFAAAADwAAAAAAAAAAAAAAAAAAAkUAAAAAQAAABQAAAAUAAAAFAAAAAEAAAAAAAAAZAAAAGQAAAAAAAAAZAAAAGQAAAAVAAAAYAAAAAAAAAAAAAAADwAAACADAAAAAAAAAAAAAAEAAACgMgAAVgcAAKr4//8BAAAAf39/AAEAAABkAAAAAAAAABQAAABAHwAAAAAAACYAAAAAAAAAwOD//wAAAAAmAAAAZAAAABYAAABMAAAAAAAAAAAAAAAEAAAAAAAAAAEAAACAgIAKAAAAACgAAAAoAAAAZAAAAGQAAAAAAAAAzMzMAAAAAABQAAAAUAAAAGQAAABkAAAAAAAAABcAAAAUAAAAAAAAAAAAAAD/fwAA/38AAAAAAAAJAAAABAAAAAgAAAAeAAAAaAAAAAAAAAAAAAAAAAAAAAAAAAAAAAAAECcAABAnAAAAAAAAAAAAAAAAAAAAAAAAAAAAAAAAAAAAAAAAAAAAABQAAAAAAAAAwMD/AAAAAABkAAAAMgAAAAAAAABkAAAAAAAAAH9/fwAKAAAAIgAAABgAAAAAAAAAAAAAAAAAAAAAAAAAAAAAAAAAAAAkAAAAJAAAAAAAAAAHAAAAAAAAAAAAAAAAAAAAAAAAAAAAAAAAAAAAf39/ACUAAABYAAAAAAAAAAAAAAAAAAAAAAAAAAAAAAAAAAAAAAAAAAAAAAAAAAAAAAAAAAAAAAA/AAAAAAAAAKCGAQAAAAAAAAAAAAAAAAAMAAAAAQAAAAAAAAAAAAAAAAAAAB8AAABUAAAAAAAABQAAAAEAAAAAAAAAAAAAAAAAAAAAAAAAAAAAAAAAAAAAAAAAAAAAAAJ/f38AAAAAA8zMzADAwP8Af39/AAAAAAAAAAAAAAAAAAAAAAAAAAAAIQAAABgAAAAUAAAAwAMAAMYQAABARwAAuicAABAAAAAmAAAACAAAAAEAAAAAAAAAMAAAABQAAAAAAAAAAAD//wAAAQAAAP//AAABAA=="/>
+                <pr:smNativeData xmlns:pr="smNativeData" xmlns="smNativeData" val="SMDATA_16_haKDZxMAAAAlAAAAZAAAAA8BAAAAkAAAAEgAAACQAAAASAAAAAAAAAAAAAAAAAAAAAEAAABQAAAAAAAAAAAA4D8AAAAAAADgPwAAAAAAAOA/AAAAAAAA4D8AAAAAAADgPwAAAAAAAOA/AAAAAAAA4D8AAAAAAADgPwAAAAAAAOA/AAAAAAAA4D8CAAAAjAAAAAAAAAAAAAAAu+DjDP///wgAAAAAAAAAAAAAAAAAAAAAAAAAAAAAAAAAAAAAZAAAAAEAAABAAAAAAAAAAAAAAAAAAAAAAAAAAAAAAAAAAAAAAAAAAAAAAAAAAAAAAAAAAAAAAAAAAAAAAAAAAAAAAAAAAAAAAAAAAAAAAAAAAAAAAAAAAAAAAAAAAAAAFAAAADwAAAAAAAAAAAAAAAAAAAkUAAAAAQAAABQAAAAUAAAAFAAAAAEAAAAAAAAAZAAAAGQAAAAAAAAAZAAAAGQAAAAVAAAAYAAAAAAAAAAAAAAADwAAACADAAAAAAAAAAAAAAEAAACgMgAAVgcAAKr4//8BAAAAf39/AAEAAABkAAAAAAAAABQAAABAHwAAAAAAACYAAAAAAAAAwOD//wAAAAAmAAAAZAAAABYAAABMAAAAAAAAAAAAAAAEAAAAAAAAAAEAAACAgIAKAAAAACgAAAAoAAAAZAAAAGQAAAAAAAAAzMzMAAAAAABQAAAAUAAAAGQAAABkAAAAAAAAABcAAAAUAAAAAAAAAAAAAAD/fwAA/38AAAAAAAAJAAAABAAAAAgAAAAeAAAAaAAAAAAAAAAAAAAAAAAAAAAAAAAAAAAAECcAABAnAAAAAAAAAAAAAAAAAAAAAAAAAAAAAAAAAAAAAAAAAAAAABQAAAAAAAAAwMD/AAAAAABkAAAAMgAAAAAAAABkAAAAAAAAAH9/fwAKAAAAIgAAABgAAAAAAAAAAAAAAAAAAAAAAAAAAAAAAAAAAAAkAAAAJAAAAAAAAAAHAAAAAAAAAAAAAAAAAAAAAAAAAAAAAAAAAAAAf39/ACUAAABYAAAAAAAAAAAAAAAAAAAAAAAAAAAAAAAAAAAAAAAAAAAAAAAAAAAAAAAAAAAAAAA/AAAAAAAAAKCGAQAAAAAAAAAAAAAAAAAMAAAAAQAAAAAAAAAAAAAAAAAAAB8AAABUAAAAAAAABQAAAAEAAAAAAAAAAAAAAAAAAAAAAAAAAAAAAAAAAAAAAAAAAAAAAAJ/f38AAAAAA8zMzADAwP8Af39/AAAAAAAAAAAAAAAAAAAAAAAAAAAAIQAAABgAAAAUAAAAwAMAAMYQAABARwAAuicAABAAAAAmAAAACAAAAAEAAAAAAAAAMAAAABQAAAAAAAAAAAD//wAAAQAAAP//AAABAA=="/>
               </a:ext>
             </a:extLst>
           </p:cNvSpPr>
@@ -5554,7 +5565,7 @@
             <a:picLocks noChangeAspect="1"/>
             <a:extLst>
               <a:ext uri="smNativeData">
-                <pr:smNativeData xmlns:pr="smNativeData" xmlns="smNativeData" val="SMDATA_18_zYh+ZxMAAAAlAAAAEQAAAC8BAAAAkAAAAEgAAACQAAAASAAAAAAAAAAAAAAAAAAAAAEAAABQAAAAAAAAAAAA4D8AAAAAAADgPwAAAAAAAOA/AAAAAAAA4D8AAAAAAADgPwAAAAAAAOA/AAAAAAAA4D8AAAAAAADgPwAAAAAAAOA/AAAAAAAA4D8CAAAAjAAAAAAAAAAAAAAAu+DjDP///wgAAAAAAAAAAAAAAAAAAAAAAAAAAAAAAAAAAAAAZAAAAAEAAABAAAAAAAAAAAAAAAAAAAAAAAAAAAAAAAAAAAAAAAAAAAAAAAAAAAAAAAAAAAAAAAAAAAAAAAAAAAAAAAAAAAAAAAAAAAAAAAAAAAAAAAAAAAAAAAAAAAAAFAAAADwAAAAAAAAAAAAAAAAAAAkUAAAAAQAAABQAAAAUAAAAFAAAAAEAAAAAAAAAZAAAAGQAAAAAAAAAZAAAAGQAAAAVAAAAYAAAAAAAAAAAAAAADwAAACADAAAAAAAAAAAAAAEAAACgMgAAVgcAAKr4//8BAAAAf39/AAEAAABkAAAAAAAAABQAAABAHwAAAAAAACYAAAAAAAAAwOD//wAAAAAmAAAAZAAAABYAAABMAAAAAAAAAAAAAAAEAAAAAAAAAAEAAACAgIAKAAAAACgAAAAoAAAAZAAAAGQAAAAAAAAAzMzMAAAAAABQAAAAUAAAAGQAAABkAAAAAAAAAAcAAAA4AAAAAAAAAAAAAAAAAAAA////AAAAAAAAAAAAAAAAAAAAAAAAAAAAAAAAAAAAAABkAAAAZAAAAAAAAAAjAAAABAAAAGQAAAAXAAAAFAAAAAAAAAAAAAAA/38AAP9/AAAAAAAACQAAAAQAAAAgHwAAHgAAAGgAAAAAAAAAAAAAAAAAAAAAAAAAAAAAABAnAAAQJwAAAAAAAAAAAAAAAAAAAAAAAAAAAAAAAAAAAAAAAAAAAAAUAAAAAAAAAMDA/wAAAAAAZAAAADIAAAAAAAAAZAAAAAAAAAB/f38ACgAAACIAAAAYAAAAAAAAAAAAAAAAAAAAAAAAAAAAAAAAAAAAJAAAACQAAAAAAAAABwAAAAAAAAAAAAAAAAAAAAAAAAAAAAAAAAAAAH9/fwAlAAAAWAAAAAAAAAAAAAAAAAAAAAAAAAAAAAAAAAAAAAAAAAAAAAAAAAAAAAAAAAAAAAAAPwAAAAAAAACghgEAAAAAAAAAAAAAAAAADAAAAAEAAAAAAAAAAAAAAAAAAAAfAAAAVAAAALvg4wX///8BAAAAAAAAAAAAAAAAAAAAAAAAAAAAAAAAAAAAAAAAAAAAAAACf39/AICAgAPMzMwAwMD/AH9/fwAAAAAAAAAAAAAAAAD///8AAAAAACEAAAAYAAAAFAAAAI4DAADGEAAAnkIAALonAAAQAAAAJgAAAAgAAAD//////////zAAAAAUAAAAAAAAAAAA//8AAAEAAAD//wAAAQA="/>
+                <pr:smNativeData xmlns:pr="smNativeData" xmlns="smNativeData" val="SMDATA_18_haKDZxMAAAAlAAAAEQAAAC8BAAAAkAAAAEgAAACQAAAASAAAAAAAAAAAAAAAAAAAAAEAAABQAAAAAAAAAAAA4D8AAAAAAADgPwAAAAAAAOA/AAAAAAAA4D8AAAAAAADgPwAAAAAAAOA/AAAAAAAA4D8AAAAAAADgPwAAAAAAAOA/AAAAAAAA4D8CAAAAjAAAAAAAAAAAAAAAu+DjDP///wgAAAAAAAAAAAAAAAAAAAAAAAAAAAAAAAAAAAAAZAAAAAEAAABAAAAAAAAAAAAAAAAAAAAAAAAAAAAAAAAAAAAAAAAAAAAAAAAAAAAAAAAAAAAAAAAAAAAAAAAAAAAAAAAAAAAAAAAAAAAAAAAAAAAAAAAAAAAAAAAAAAAAFAAAADwAAAAAAAAAAAAAAAAAAAkUAAAAAQAAABQAAAAUAAAAFAAAAAEAAAAAAAAAZAAAAGQAAAAAAAAAZAAAAGQAAAAVAAAAYAAAAAAAAAAAAAAADwAAACADAAAAAAAAAAAAAAEAAACgMgAAVgcAAKr4//8BAAAAf39/AAEAAABkAAAAAAAAABQAAABAHwAAAAAAACYAAAAAAAAAwOD//wAAAAAmAAAAZAAAABYAAABMAAAAAAAAAAAAAAAEAAAAAAAAAAEAAACAgIAKAAAAACgAAAAoAAAAZAAAAGQAAAAAAAAAzMzMAAAAAABQAAAAUAAAAGQAAABkAAAAAAAAAAcAAAA4AAAAAAAAAAAAAAAAAAAA////AAAAAAAAAAAAAAAAAAAAAAAAAAAAAAAAAAAAAABkAAAAZAAAAAAAAAAjAAAABAAAAGQAAAAXAAAAFAAAAAAAAAAAAAAA/38AAP9/AAAAAAAACQAAAAQAAAAgHwAAHgAAAGgAAAAAAAAAAAAAAAAAAAAAAAAAAAAAABAnAAAQJwAAAAAAAAAAAAAAAAAAAAAAAAAAAAAAAAAAAAAAAAAAAAAUAAAAAAAAAMDA/wAAAAAAZAAAADIAAAAAAAAAZAAAAAAAAAB/f38ACgAAACIAAAAYAAAAAAAAAAAAAAAAAAAAAAAAAAAAAAAAAAAAJAAAACQAAAAAAAAABwAAAAAAAAAAAAAAAAAAAAAAAAAAAAAAAAAAAH9/fwAlAAAAWAAAAAAAAAAAAAAAAAAAAAAAAAAAAAAAAAAAAAAAAAAAAAAAAAAAAAAAAAAAAAAAPwAAAAAAAACghgEAAAAAAAAAAAAAAAAADAAAAAEAAAAAAAAAAAAAAAAAAAAfAAAAVAAAALvg4wX///8BAAAAAAAAAAAAAAAAAAAAAAAAAAAAAAAAAAAAAAAAAAAAAAACf39/AICAgAPMzMwAwMD/AH9/fwAAAAAAAAAAAAAAAAD///8AAAAAACEAAAAYAAAAFAAAAI4DAADGEAAAnkIAALonAAAQAAAAJgAAAAgAAAD//////////zAAAAAUAAAAAAAAAAAA//8AAAEAAAD//wAAAQA="/>
               </a:ext>
             </a:extLst>
           </p:cNvPicPr>
@@ -5620,7 +5631,7 @@
             <a:spLocks noGrp="1" noChangeArrowheads="1"/>
             <a:extLst>
               <a:ext uri="smNativeData">
-                <pr:smNativeData xmlns:pr="smNativeData" xmlns="smNativeData" val="SMDATA_16_zYh+ZxMAAAAlAAAAZAAAAA8BAAAAkAAAAEgAAACQAAAASAAAAAAAAAABAAAAAAAAAAEAAABQAAAAAAAAAAAA4D8AAAAAAADgPwAAAAAAAOA/AAAAAAAA4D8AAAAAAADgPwAAAAAAAOA/AAAAAAAA4D8AAAAAAADgPwAAAAAAAOA/AAAAAAAA4D8CAAAAjAAAAAAAAAAAAAAAu+DjDP///wgAAAAAAAAAAAAAAAAAAAAAAAAAAAAAAAAAAAAAZAAAAAEAAABAAAAAAAAAAAAAAAAAAAAAAAAAAAAAAAAAAAAAAAAAAAAAAAAAAAAAAAAAAAAAAAAAAAAAAAAAAAAAAAAAAAAAAAAAAAAAAAAAAAAAAAAAAAAAAAAAAAAAFAAAADwAAAAAAAAAAAAAAAAAAAkUAAAAAQAAABQAAAAUAAAAFAAAAAEAAAAAAAAAZAAAAGQAAAAAAAAAZAAAAGQAAAAVAAAAYAAAAAAAAAAAAAAADwAAACADAAAAAAAAAAAAAAEAAACgMgAAVgcAAKr4//8BAAAAf39/AAEAAABkAAAAAAAAABQAAABAHwAAAAAAACYAAAAAAAAAwOD//wAAAAAmAAAAZAAAABYAAABMAAAAAAAAAAAAAAAEAAAAAAAAAAEAAACAgIAKAAAAACgAAAAoAAAAZAAAAGQAAAAAAAAAzMzMAAAAAABQAAAAUAAAAGQAAABkAAAAAAAAABcAAAAUAAAAAAAAAAAAAAD/fwAA/38AAAAAAAAJAAAABAAAAP////8eAAAAaAAAAAAAAAAAAAAAAAAAAAAAAAAAAAAAECcAABAnAAAAAAAAAAAAAAAAAAAAAAAAAAAAAAAAAAAAAAAAAAAAABQAAAAAAAAAwMD/AAAAAABkAAAAMgAAAAAAAABkAAAAAAAAAH9/fwAKAAAAIgAAABgAAAAAAAAAAAAAAAAAAAAAAAAAAAAAAAAAAAAkAAAAJAAAAAAAAAAHAAAAAAAAAAAAAAAAAAAAAAAAAAAAAAAAAAAAf39/ACUAAABYAAAAAAAAAAAAAAAAAAAAAAAAAAAAAAAAAAAAAAAAAAAAAAAAAAAAAAAAAAAAAAA/AAAAAAAAAKCGAQAAAAAAAAAAAAAAAAAMAAAAAQAAAAAAAAAAAAAAAAAAAB8AAABUAAAAAAAABQAAAAEAAAAAAAAAAAAAAAAAAAAAAAAAAAAAAAAAAAAAAAAAAAAAAAJ/f38AAAAAA8zMzADAwP8Af39/AAAAAAAAAAAAAAAAAAAAAAAAAAAAIQAAABgAAAAUAAAAwAMAALABAABARwAAegsAABAAAAAmAAAACAAAAAEAAAAAAAAAMAAAABQAAAAAAAAAAAD//wAAAQAAAP//AAABAA=="/>
+                <pr:smNativeData xmlns:pr="smNativeData" xmlns="smNativeData" val="SMDATA_16_haKDZxMAAAAlAAAAZAAAAA8BAAAAkAAAAEgAAACQAAAASAAAAAAAAAABAAAAAAAAAAEAAABQAAAAAAAAAAAA4D8AAAAAAADgPwAAAAAAAOA/AAAAAAAA4D8AAAAAAADgPwAAAAAAAOA/AAAAAAAA4D8AAAAAAADgPwAAAAAAAOA/AAAAAAAA4D8CAAAAjAAAAAAAAAAAAAAAu+DjDP///wgAAAAAAAAAAAAAAAAAAAAAAAAAAAAAAAAAAAAAZAAAAAEAAABAAAAAAAAAAAAAAAAAAAAAAAAAAAAAAAAAAAAAAAAAAAAAAAAAAAAAAAAAAAAAAAAAAAAAAAAAAAAAAAAAAAAAAAAAAAAAAAAAAAAAAAAAAAAAAAAAAAAAFAAAADwAAAAAAAAAAAAAAAAAAAkUAAAAAQAAABQAAAAUAAAAFAAAAAEAAAAAAAAAZAAAAGQAAAAAAAAAZAAAAGQAAAAVAAAAYAAAAAAAAAAAAAAADwAAACADAAAAAAAAAAAAAAEAAACgMgAAVgcAAKr4//8BAAAAf39/AAEAAABkAAAAAAAAABQAAABAHwAAAAAAACYAAAAAAAAAwOD//wAAAAAmAAAAZAAAABYAAABMAAAAAAAAAAAAAAAEAAAAAAAAAAEAAACAgIAKAAAAACgAAAAoAAAAZAAAAGQAAAAAAAAAzMzMAAAAAABQAAAAUAAAAGQAAABkAAAAAAAAABcAAAAUAAAAAAAAAAAAAAD/fwAA/38AAAAAAAAJAAAABAAAAP////8eAAAAaAAAAAAAAAAAAAAAAAAAAAAAAAAAAAAAECcAABAnAAAAAAAAAAAAAAAAAAAAAAAAAAAAAAAAAAAAAAAAAAAAABQAAAAAAAAAwMD/AAAAAABkAAAAMgAAAAAAAABkAAAAAAAAAH9/fwAKAAAAIgAAABgAAAAAAAAAAAAAAAAAAAAAAAAAAAAAAAAAAAAkAAAAJAAAAAAAAAAHAAAAAAAAAAAAAAAAAAAAAAAAAAAAAAAAAAAAf39/ACUAAABYAAAAAAAAAAAAAAAAAAAAAAAAAAAAAAAAAAAAAAAAAAAAAAAAAAAAAAAAAAAAAAA/AAAAAAAAAKCGAQAAAAAAAAAAAAAAAAAMAAAAAQAAAAAAAAAAAAAAAAAAAB8AAABUAAAAAAAABQAAAAEAAAAAAAAAAAAAAAAAAAAAAAAAAAAAAAAAAAAAAAAAAAAAAAJ/f38AAAAAA8zMzADAwP8Af39/AAAAAAAAAAAAAAAAAAAAAAAAAAAAIQAAABgAAAAUAAAAwAMAALABAABARwAAegsAABAAAAAmAAAACAAAAAEAAAAAAAAAMAAAABQAAAAAAAAAAAD//wAAAQAAAP//AAABAA=="/>
               </a:ext>
             </a:extLst>
           </p:cNvSpPr>
@@ -5654,7 +5665,7 @@
             <a:spLocks noGrp="1" noChangeArrowheads="1"/>
             <a:extLst>
               <a:ext uri="smNativeData">
-                <pr:smNativeData xmlns:pr="smNativeData" xmlns="smNativeData" val="SMDATA_16_zYh+ZxMAAAAlAAAAZAAAAA8BAAAAkAAAAEgAAACQAAAASAAAAAAAAAAAAAAAAAAAAAEAAABQAAAAAAAAAAAA4D8AAAAAAADgPwAAAAAAAOA/AAAAAAAA4D8AAAAAAADgPwAAAAAAAOA/AAAAAAAA4D8AAAAAAADgPwAAAAAAAOA/AAAAAAAA4D8CAAAAjAAAAAAAAAAAAAAAu+DjDP///wgAAAAAAAAAAAAAAAAAAAAAAAAAAAAAAAAAAAAAZAAAAAEAAABAAAAAAAAAAAAAAAAAAAAAAAAAAAAAAAAAAAAAAAAAAAAAAAAAAAAAAAAAAAAAAAAAAAAAAAAAAAAAAAAAAAAAAAAAAAAAAAAAAAAAAAAAAAAAAAAAAAAAFAAAADwAAAAAAAAAAAAAAAAAAAkUAAAAAQAAABQAAAAUAAAAFAAAAAEAAAAAAAAAZAAAAGQAAAAAAAAAZAAAAGQAAAAVAAAAYAAAAAAAAAAAAAAADwAAACADAAAAAAAAAAAAAAEAAACgMgAAVgcAAKr4//8BAAAAf39/AAEAAABkAAAAAAAAABQAAABAHwAAAAAAACYAAAAAAAAAwOD//wAAAAAmAAAAZAAAABYAAABMAAAAAAAAAAAAAAAEAAAAAAAAAAEAAACAgIAKAAAAACgAAAAoAAAAZAAAAGQAAAAAAAAAzMzMAAAAAABQAAAAUAAAAGQAAABkAAAAAAAAABcAAAAUAAAAAAAAAAAAAAD/fwAA/38AAAAAAAAJAAAABAAAAA0AAAAeAAAAaAAAAAAAAAAAAAAAAAAAAAAAAAAAAAAAECcAABAnAAAAAAAAAAAAAAAAAAAAAAAAAAAAAAAAAAAAAAAAAAAAABQAAAAAAAAAwMD/AAAAAABkAAAAMgAAAAAAAABkAAAAAAAAAH9/fwAKAAAAIgAAABgAAAAAAAAAAAAAAAAAAAAAAAAAAAAAAAAAAAAkAAAAJAAAAAAAAAAHAAAAAAAAAAAAAAAAAAAAAAAAAAAAAAAAAAAAf39/ACUAAABYAAAAAAAAAAAAAAAAAAAAAAAAAAAAAAAAAAAAAAAAAAAAAAAAAAAAAAAAAAAAAAA/AAAAAAAAAKCGAQAAAAAAAAAAAAAAAAAMAAAAAQAAAAAAAAAAAAAAAAAAAB8AAABUAAAAAAAABQAAAAEAAAAAAAAAAAAAAAAAAAAAAAAAAAAAAAAAAAAAAAAAAAAAAAJ/f38AAAAAA8zMzADAwP8Af39/AAAAAAAAAAAAAAAAAAAAAAAAAAAAIQAAABgAAAAUAAAAwAMAAHoLAABARwAAsCUAABAAAAAmAAAACAAAAAEAAAAAAAAAMAAAABQAAAAAAAAAAAD//wAAAQAAAP//AAABAA=="/>
+                <pr:smNativeData xmlns:pr="smNativeData" xmlns="smNativeData" val="SMDATA_16_haKDZxMAAAAlAAAAZAAAAA8BAAAAkAAAAEgAAACQAAAASAAAAAAAAAAAAAAAAAAAAAEAAABQAAAAAAAAAAAA4D8AAAAAAADgPwAAAAAAAOA/AAAAAAAA4D8AAAAAAADgPwAAAAAAAOA/AAAAAAAA4D8AAAAAAADgPwAAAAAAAOA/AAAAAAAA4D8CAAAAjAAAAAAAAAAAAAAAu+DjDP///wgAAAAAAAAAAAAAAAAAAAAAAAAAAAAAAAAAAAAAZAAAAAEAAABAAAAAAAAAAAAAAAAAAAAAAAAAAAAAAAAAAAAAAAAAAAAAAAAAAAAAAAAAAAAAAAAAAAAAAAAAAAAAAAAAAAAAAAAAAAAAAAAAAAAAAAAAAAAAAAAAAAAAFAAAADwAAAAAAAAAAAAAAAAAAAkUAAAAAQAAABQAAAAUAAAAFAAAAAEAAAAAAAAAZAAAAGQAAAAAAAAAZAAAAGQAAAAVAAAAYAAAAAAAAAAAAAAADwAAACADAAAAAAAAAAAAAAEAAACgMgAAVgcAAKr4//8BAAAAf39/AAEAAABkAAAAAAAAABQAAABAHwAAAAAAACYAAAAAAAAAwOD//wAAAAAmAAAAZAAAABYAAABMAAAAAAAAAAAAAAAEAAAAAAAAAAEAAACAgIAKAAAAACgAAAAoAAAAZAAAAGQAAAAAAAAAzMzMAAAAAABQAAAAUAAAAGQAAABkAAAAAAAAABcAAAAUAAAAAAAAAAAAAAD/fwAA/38AAAAAAAAJAAAABAAAAA0AAAAeAAAAaAAAAAAAAAAAAAAAAAAAAAAAAAAAAAAAECcAABAnAAAAAAAAAAAAAAAAAAAAAAAAAAAAAAAAAAAAAAAAAAAAABQAAAAAAAAAwMD/AAAAAABkAAAAMgAAAAAAAABkAAAAAAAAAH9/fwAKAAAAIgAAABgAAAAAAAAAAAAAAAAAAAAAAAAAAAAAAAAAAAAkAAAAJAAAAAAAAAAHAAAAAAAAAAAAAAAAAAAAAAAAAAAAAAAAAAAAf39/ACUAAABYAAAAAAAAAAAAAAAAAAAAAAAAAAAAAAAAAAAAAAAAAAAAAAAAAAAAAAAAAAAAAAA/AAAAAAAAAKCGAQAAAAAAAAAAAAAAAAAMAAAAAQAAAAAAAAAAAAAAAAAAAB8AAABUAAAAAAAABQAAAAEAAAAAAAAAAAAAAAAAAAAAAAAAAAAAAAAAAAAAAAAAAAAAAAJ/f38AAAAAA8zMzADAwP8Af39/AAAAAAAAAAAAAAAAAAAAAAAAAAAAIQAAABgAAAAUAAAAwAMAAHoLAABARwAAsCUAABAAAAAmAAAACAAAAAEAAAAAAAAAMAAAABQAAAAAAAAAAAD//wAAAQAAAP//AAABAA=="/>
               </a:ext>
             </a:extLst>
           </p:cNvSpPr>
@@ -5685,7 +5696,7 @@
             <a:picLocks noChangeAspect="1"/>
             <a:extLst>
               <a:ext uri="smNativeData">
-                <pr:smNativeData xmlns:pr="smNativeData" xmlns="smNativeData" val="SMDATA_18_zYh+ZxMAAAAlAAAAEQAAAC8BAAAAkAAAAEgAAACQAAAASAAAAAAAAAAAAAAAAAAAAAEAAABQAAAAAAAAAAAA4D8AAAAAAADgPwAAAAAAAOA/AAAAAAAA4D8AAAAAAADgPwAAAAAAAOA/AAAAAAAA4D8AAAAAAADgPwAAAAAAAOA/AAAAAAAA4D8CAAAAjAAAAAAAAAAAAAAAu+DjDP///wgAAAAAAAAAAAAAAAAAAAAAAAAAAAAAAAAAAAAAZAAAAAEAAABAAAAAAAAAAAAAAAAAAAAAAAAAAAAAAAAAAAAAAAAAAAAAAAAAAAAAAAAAAAAAAAAAAAAAAAAAAAAAAAAAAAAAAAAAAAAAAAAAAAAAAAAAAAAAAAAAAAAAFAAAADwAAAAAAAAAAAAAAAAAAAkUAAAAAQAAABQAAAAUAAAAFAAAAAEAAAAAAAAAZAAAAGQAAAAAAAAAZAAAAGQAAAAVAAAAYAAAAAAAAAAAAAAADwAAACADAAAAAAAAAAAAAAEAAACgMgAAVgcAAKr4//8BAAAAf39/AAEAAABkAAAAAAAAABQAAABAHwAAAAAAACYAAAAAAAAAwOD//wAAAAAmAAAAZAAAABYAAABMAAAAAAAAAAAAAAAEAAAAAAAAAAEAAACAgIAKAAAAACgAAAAoAAAAZAAAAGQAAAAAAAAAzMzMAAAAAABQAAAAUAAAAGQAAABkAAAAAAAAAAcAAAA4AAAAAAAAAAAAAAAAAAAA////AAAAAAAAAAAAAAAAAAAAAAAAAAAAAAAAAAAAAABkAAAAZAAAAAAAAAAjAAAABAAAAGQAAAAXAAAAFAAAAAAAAAAAAAAA/38AAP9/AAAAAAAACQAAAAQAAAAgHwAAHgAAAGgAAAAAAAAAAAAAAAAAAAAAAAAAAAAAABAnAAAQJwAAAAAAAAAAAAAAAAAAAAAAAAAAAAAAAAAAAAAAAAAAAAAUAAAAAAAAAMDA/wAAAAAAZAAAADIAAAAAAAAAZAAAAAAAAAB/f38ACgAAACIAAAAYAAAAAAAAAAAAAAAAAAAAAAAAAAAAAAAAAAAAJAAAACQAAAAAAAAABwAAAAAAAAAAAAAAAAAAAAAAAAAAAAAAAAAAAH9/fwAlAAAAWAAAAAAAAAAAAAAAAAAAAAAAAAAAAAAAAAAAAAAAAAAAAAAAAAAAAAAAAAAAAAAAPwAAAAAAAACghgEAAAAAAAAAAAAAAAAADAAAAAEAAAAAAAAAAAAAAAAAAAAfAAAAVAAAALvg4wX///8BAAAAAAAAAAAAAAAAAAAAAAAAAAAAAAAAAAAAAAAAAAAAAAACf39/AICAgAPMzMwAwMD/AH9/fwAAAAAAAAAAAAAAAAD///8AAAAAACEAAAAYAAAAFAAAAMADAACaCwAAQ0cAADAkAAAQAAAAJgAAAAgAAAD//////////zAAAAAUAAAAAAAAAAAA//8AAAEAAAD//wAAAQA="/>
+                <pr:smNativeData xmlns:pr="smNativeData" xmlns="smNativeData" val="SMDATA_18_haKDZxMAAAAlAAAAEQAAAC8BAAAAkAAAAEgAAACQAAAASAAAAAAAAAAAAAAAAAAAAAEAAABQAAAAAAAAAAAA4D8AAAAAAADgPwAAAAAAAOA/AAAAAAAA4D8AAAAAAADgPwAAAAAAAOA/AAAAAAAA4D8AAAAAAADgPwAAAAAAAOA/AAAAAAAA4D8CAAAAjAAAAAAAAAAAAAAAu+DjDP///wgAAAAAAAAAAAAAAAAAAAAAAAAAAAAAAAAAAAAAZAAAAAEAAABAAAAAAAAAAAAAAAAAAAAAAAAAAAAAAAAAAAAAAAAAAAAAAAAAAAAAAAAAAAAAAAAAAAAAAAAAAAAAAAAAAAAAAAAAAAAAAAAAAAAAAAAAAAAAAAAAAAAAFAAAADwAAAAAAAAAAAAAAAAAAAkUAAAAAQAAABQAAAAUAAAAFAAAAAEAAAAAAAAAZAAAAGQAAAAAAAAAZAAAAGQAAAAVAAAAYAAAAAAAAAAAAAAADwAAACADAAAAAAAAAAAAAAEAAACgMgAAVgcAAKr4//8BAAAAf39/AAEAAABkAAAAAAAAABQAAABAHwAAAAAAACYAAAAAAAAAwOD//wAAAAAmAAAAZAAAABYAAABMAAAAAAAAAAAAAAAEAAAAAAAAAAEAAACAgIAKAAAAACgAAAAoAAAAZAAAAGQAAAAAAAAAzMzMAAAAAABQAAAAUAAAAGQAAABkAAAAAAAAAAcAAAA4AAAAAAAAAAAAAAAAAAAA////AAAAAAAAAAAAAAAAAAAAAAAAAAAAAAAAAAAAAABkAAAAZAAAAAAAAAAjAAAABAAAAGQAAAAXAAAAFAAAAAAAAAAAAAAA/38AAP9/AAAAAAAACQAAAAQAAAAgHwAAHgAAAGgAAAAAAAAAAAAAAAAAAAAAAAAAAAAAABAnAAAQJwAAAAAAAAAAAAAAAAAAAAAAAAAAAAAAAAAAAAAAAAAAAAAUAAAAAAAAAMDA/wAAAAAAZAAAADIAAAAAAAAAZAAAAAAAAAB/f38ACgAAACIAAAAYAAAAAAAAAAAAAAAAAAAAAAAAAAAAAAAAAAAAJAAAACQAAAAAAAAABwAAAAAAAAAAAAAAAAAAAAAAAAAAAAAAAAAAAH9/fwAlAAAAWAAAAAAAAAAAAAAAAAAAAAAAAAAAAAAAAAAAAAAAAAAAAAAAAAAAAAAAAAAAAAAAPwAAAAAAAACghgEAAAAAAAAAAAAAAAAADAAAAAEAAAAAAAAAAAAAAAAAAAAfAAAAVAAAALvg4wX///8BAAAAAAAAAAAAAAAAAAAAAAAAAAAAAAAAAAAAAAAAAAAAAAACf39/AICAgAPMzMwAwMD/AH9/fwAAAAAAAAAAAAAAAAD///8AAAAAACEAAAAYAAAAFAAAAMADAACaCwAAQ0cAADAkAAAQAAAAJgAAAAgAAAD//////////zAAAAAUAAAAAAAAAAAA//8AAAEAAAD//wAAAQA="/>
               </a:ext>
             </a:extLst>
           </p:cNvPicPr>
@@ -6716,6 +6727,47 @@
       </a:clrScheme>
       <a:clrMap bg1="lt1" tx1="dk1" bg2="lt2" tx2="dk2" accent1="accent1" accent2="accent2" accent3="accent3" accent4="accent4" accent5="accent5" accent6="accent6" hlink="hlink" folHlink="folHlink"/>
     </a:extraClrScheme>
+    <a:extraClrScheme>
+      <a:clrScheme name="Presentation 19">
+        <a:dk1>
+          <a:srgbClr val="000000"/>
+        </a:dk1>
+        <a:lt1>
+          <a:srgbClr val="FFFFFF"/>
+        </a:lt1>
+        <a:dk2>
+          <a:srgbClr val="000000"/>
+        </a:dk2>
+        <a:lt2>
+          <a:srgbClr val="808080"/>
+        </a:lt2>
+        <a:accent1>
+          <a:srgbClr val="BBE0E3"/>
+        </a:accent1>
+        <a:accent2>
+          <a:srgbClr val="333399"/>
+        </a:accent2>
+        <a:accent3>
+          <a:srgbClr val="535379"/>
+        </a:accent3>
+        <a:accent4>
+          <a:srgbClr val="737359"/>
+        </a:accent4>
+        <a:accent5>
+          <a:srgbClr val="939339"/>
+        </a:accent5>
+        <a:accent6>
+          <a:srgbClr val="B3B319"/>
+        </a:accent6>
+        <a:hlink>
+          <a:srgbClr val="009999"/>
+        </a:hlink>
+        <a:folHlink>
+          <a:srgbClr val="99CC00"/>
+        </a:folHlink>
+      </a:clrScheme>
+      <a:clrMap bg1="lt1" tx1="dk1" bg2="lt2" tx2="dk2" accent1="accent1" accent2="accent2" accent3="accent3" accent4="accent4" accent5="accent5" accent6="accent6" hlink="hlink" folHlink="folHlink"/>
+    </a:extraClrScheme>
   </a:extraClrSchemeLst>
 </a:theme>
 </file>